--- a/Projeto-AjudeMais/000-Gerência de Projeto/PPJ-Plano de Projeto.pptx
+++ b/Projeto-AjudeMais/000-Gerência de Projeto/PPJ-Plano de Projeto.pptx
@@ -6,6 +6,9 @@
     <p:sldMasterId id="2147483661" r:id="rId2"/>
     <p:sldMasterId id="2147483674" r:id="rId3"/>
   </p:sldMasterIdLst>
+  <p:notesMasterIdLst>
+    <p:notesMasterId r:id="rId19"/>
+  </p:notesMasterIdLst>
   <p:sldIdLst>
     <p:sldId id="256" r:id="rId4"/>
     <p:sldId id="257" r:id="rId5"/>
@@ -120,6 +123,11 @@
       </a:defRPr>
     </a:lvl9pPr>
   </p:defaultTextStyle>
+  <p:extLst>
+    <p:ext uri="{EFAFB233-063F-42B5-8137-9DF3F51BA10A}">
+      <p15:sldGuideLst xmlns:p15="http://schemas.microsoft.com/office/powerpoint/2012/main"/>
+    </p:ext>
+  </p:extLst>
 </p:presentation>
 </file>
 
@@ -133,6 +141,439 @@
     </p:extLst>
   </p:cmAuthor>
 </p:cmAuthorLst>
+</file>
+
+<file path=ppt/notesMasters/notesMaster1.xml><?xml version="1.0" encoding="utf-8"?>
+<p:notesMaster xmlns:a="http://schemas.openxmlformats.org/drawingml/2006/main" xmlns:r="http://schemas.openxmlformats.org/officeDocument/2006/relationships" xmlns:p="http://schemas.openxmlformats.org/presentationml/2006/main">
+  <p:cSld>
+    <p:bg>
+      <p:bgRef idx="1001">
+        <a:schemeClr val="bg1"/>
+      </p:bgRef>
+    </p:bg>
+    <p:spTree>
+      <p:nvGrpSpPr>
+        <p:cNvPr id="1" name=""/>
+        <p:cNvGrpSpPr/>
+        <p:nvPr/>
+      </p:nvGrpSpPr>
+      <p:grpSpPr>
+        <a:xfrm>
+          <a:off x="0" y="0"/>
+          <a:ext cx="0" cy="0"/>
+          <a:chOff x="0" y="0"/>
+          <a:chExt cx="0" cy="0"/>
+        </a:xfrm>
+      </p:grpSpPr>
+      <p:sp>
+        <p:nvSpPr>
+          <p:cNvPr id="2" name="Espaço Reservado para Cabeçalho 1"/>
+          <p:cNvSpPr>
+            <a:spLocks noGrp="1"/>
+          </p:cNvSpPr>
+          <p:nvPr>
+            <p:ph type="hdr" sz="quarter"/>
+          </p:nvPr>
+        </p:nvSpPr>
+        <p:spPr>
+          <a:xfrm>
+            <a:off x="0" y="0"/>
+            <a:ext cx="3368675" cy="504825"/>
+          </a:xfrm>
+          <a:prstGeom prst="rect">
+            <a:avLst/>
+          </a:prstGeom>
+        </p:spPr>
+        <p:txBody>
+          <a:bodyPr vert="horz" lIns="91440" tIns="45720" rIns="91440" bIns="45720" rtlCol="0"/>
+          <a:lstStyle>
+            <a:lvl1pPr algn="l">
+              <a:defRPr sz="1200"/>
+            </a:lvl1pPr>
+          </a:lstStyle>
+          <a:p>
+            <a:endParaRPr lang="pt-BR"/>
+          </a:p>
+        </p:txBody>
+      </p:sp>
+      <p:sp>
+        <p:nvSpPr>
+          <p:cNvPr id="3" name="Espaço Reservado para Data 2"/>
+          <p:cNvSpPr>
+            <a:spLocks noGrp="1"/>
+          </p:cNvSpPr>
+          <p:nvPr>
+            <p:ph type="dt" idx="1"/>
+          </p:nvPr>
+        </p:nvSpPr>
+        <p:spPr>
+          <a:xfrm>
+            <a:off x="4402138" y="0"/>
+            <a:ext cx="3368675" cy="504825"/>
+          </a:xfrm>
+          <a:prstGeom prst="rect">
+            <a:avLst/>
+          </a:prstGeom>
+        </p:spPr>
+        <p:txBody>
+          <a:bodyPr vert="horz" lIns="91440" tIns="45720" rIns="91440" bIns="45720" rtlCol="0"/>
+          <a:lstStyle>
+            <a:lvl1pPr algn="r">
+              <a:defRPr sz="1200"/>
+            </a:lvl1pPr>
+          </a:lstStyle>
+          <a:p>
+            <a:fld id="{6F19187C-107A-461F-948E-1D51F5B1349A}" type="datetimeFigureOut">
+              <a:rPr lang="pt-BR"/>
+              <a:t>25/03/2017</a:t>
+            </a:fld>
+            <a:endParaRPr lang="pt-BR"/>
+          </a:p>
+        </p:txBody>
+      </p:sp>
+      <p:sp>
+        <p:nvSpPr>
+          <p:cNvPr id="4" name="Espaço Reservado para Imagem de Slide 3"/>
+          <p:cNvSpPr>
+            <a:spLocks noGrp="1" noRot="1" noChangeAspect="1"/>
+          </p:cNvSpPr>
+          <p:nvPr>
+            <p:ph type="sldImg" idx="2"/>
+          </p:nvPr>
+        </p:nvSpPr>
+        <p:spPr>
+          <a:xfrm>
+            <a:off x="1624013" y="1257300"/>
+            <a:ext cx="4524375" cy="3394075"/>
+          </a:xfrm>
+          <a:prstGeom prst="rect">
+            <a:avLst/>
+          </a:prstGeom>
+          <a:noFill/>
+          <a:ln w="12700">
+            <a:solidFill>
+              <a:prstClr val="black"/>
+            </a:solidFill>
+          </a:ln>
+        </p:spPr>
+        <p:txBody>
+          <a:bodyPr vert="horz" lIns="91440" tIns="45720" rIns="91440" bIns="45720" rtlCol="0" anchor="ctr"/>
+          <a:lstStyle/>
+          <a:p>
+            <a:endParaRPr lang="pt-BR"/>
+          </a:p>
+        </p:txBody>
+      </p:sp>
+      <p:sp>
+        <p:nvSpPr>
+          <p:cNvPr id="5" name="Espaço Reservado para Anotações 4"/>
+          <p:cNvSpPr>
+            <a:spLocks noGrp="1"/>
+          </p:cNvSpPr>
+          <p:nvPr>
+            <p:ph type="body" sz="quarter" idx="3"/>
+          </p:nvPr>
+        </p:nvSpPr>
+        <p:spPr>
+          <a:xfrm>
+            <a:off x="777875" y="4840288"/>
+            <a:ext cx="6216650" cy="3960812"/>
+          </a:xfrm>
+          <a:prstGeom prst="rect">
+            <a:avLst/>
+          </a:prstGeom>
+        </p:spPr>
+        <p:txBody>
+          <a:bodyPr vert="horz" lIns="91440" tIns="45720" rIns="91440" bIns="45720" rtlCol="0"/>
+          <a:lstStyle/>
+          <a:p>
+            <a:pPr lvl="0"/>
+            <a:r>
+              <a:rPr lang="pt-BR"/>
+              <a:t>Editar estilos de texto Mestre</a:t>
+            </a:r>
+          </a:p>
+          <a:p>
+            <a:pPr lvl="1"/>
+            <a:r>
+              <a:rPr lang="pt-BR"/>
+              <a:t>Segundo nível</a:t>
+            </a:r>
+          </a:p>
+          <a:p>
+            <a:pPr lvl="2"/>
+            <a:r>
+              <a:rPr lang="pt-BR"/>
+              <a:t>Terceiro nível</a:t>
+            </a:r>
+          </a:p>
+          <a:p>
+            <a:pPr lvl="3"/>
+            <a:r>
+              <a:rPr lang="pt-BR"/>
+              <a:t>Quarto nível</a:t>
+            </a:r>
+          </a:p>
+          <a:p>
+            <a:pPr lvl="4"/>
+            <a:r>
+              <a:rPr lang="pt-BR"/>
+              <a:t>Quinto nível</a:t>
+            </a:r>
+          </a:p>
+        </p:txBody>
+      </p:sp>
+      <p:sp>
+        <p:nvSpPr>
+          <p:cNvPr id="6" name="Espaço Reservado para Rodapé 5"/>
+          <p:cNvSpPr>
+            <a:spLocks noGrp="1"/>
+          </p:cNvSpPr>
+          <p:nvPr>
+            <p:ph type="ftr" sz="quarter" idx="4"/>
+          </p:nvPr>
+        </p:nvSpPr>
+        <p:spPr>
+          <a:xfrm>
+            <a:off x="0" y="9553575"/>
+            <a:ext cx="3368675" cy="504825"/>
+          </a:xfrm>
+          <a:prstGeom prst="rect">
+            <a:avLst/>
+          </a:prstGeom>
+        </p:spPr>
+        <p:txBody>
+          <a:bodyPr vert="horz" lIns="91440" tIns="45720" rIns="91440" bIns="45720" rtlCol="0" anchor="b"/>
+          <a:lstStyle>
+            <a:lvl1pPr algn="l">
+              <a:defRPr sz="1200"/>
+            </a:lvl1pPr>
+          </a:lstStyle>
+          <a:p>
+            <a:endParaRPr lang="pt-BR"/>
+          </a:p>
+        </p:txBody>
+      </p:sp>
+      <p:sp>
+        <p:nvSpPr>
+          <p:cNvPr id="7" name="Espaço Reservado para Número de Slide 6"/>
+          <p:cNvSpPr>
+            <a:spLocks noGrp="1"/>
+          </p:cNvSpPr>
+          <p:nvPr>
+            <p:ph type="sldNum" sz="quarter" idx="5"/>
+          </p:nvPr>
+        </p:nvSpPr>
+        <p:spPr>
+          <a:xfrm>
+            <a:off x="4402138" y="9553575"/>
+            <a:ext cx="3368675" cy="504825"/>
+          </a:xfrm>
+          <a:prstGeom prst="rect">
+            <a:avLst/>
+          </a:prstGeom>
+        </p:spPr>
+        <p:txBody>
+          <a:bodyPr vert="horz" lIns="91440" tIns="45720" rIns="91440" bIns="45720" rtlCol="0" anchor="b"/>
+          <a:lstStyle>
+            <a:lvl1pPr algn="r">
+              <a:defRPr sz="1200"/>
+            </a:lvl1pPr>
+          </a:lstStyle>
+          <a:p>
+            <a:fld id="{2DD07020-CA46-47EE-9199-35777A0F5CCA}" type="slidenum">
+              <a:rPr lang="pt-BR"/>
+              <a:t>‹nº›</a:t>
+            </a:fld>
+            <a:endParaRPr lang="pt-BR"/>
+          </a:p>
+        </p:txBody>
+      </p:sp>
+    </p:spTree>
+    <p:extLst>
+      <p:ext uri="{BB962C8B-B14F-4D97-AF65-F5344CB8AC3E}">
+        <p14:creationId xmlns:p14="http://schemas.microsoft.com/office/powerpoint/2010/main" val="3913912163"/>
+      </p:ext>
+    </p:extLst>
+  </p:cSld>
+  <p:clrMap bg1="lt1" tx1="dk1" bg2="lt2" tx2="dk2" accent1="accent1" accent2="accent2" accent3="accent3" accent4="accent4" accent5="accent5" accent6="accent6" hlink="hlink" folHlink="folHlink"/>
+  <p:notesStyle>
+    <a:lvl1pPr marL="0" algn="l" defTabSz="914400" rtl="0" eaLnBrk="1" latinLnBrk="0" hangingPunct="1">
+      <a:defRPr sz="1200" kern="1200">
+        <a:solidFill>
+          <a:schemeClr val="tx1"/>
+        </a:solidFill>
+        <a:latin typeface="+mn-lt"/>
+        <a:ea typeface="+mn-ea"/>
+        <a:cs typeface="+mn-cs"/>
+      </a:defRPr>
+    </a:lvl1pPr>
+    <a:lvl2pPr marL="457200" algn="l" defTabSz="914400" rtl="0" eaLnBrk="1" latinLnBrk="0" hangingPunct="1">
+      <a:defRPr sz="1200" kern="1200">
+        <a:solidFill>
+          <a:schemeClr val="tx1"/>
+        </a:solidFill>
+        <a:latin typeface="+mn-lt"/>
+        <a:ea typeface="+mn-ea"/>
+        <a:cs typeface="+mn-cs"/>
+      </a:defRPr>
+    </a:lvl2pPr>
+    <a:lvl3pPr marL="914400" algn="l" defTabSz="914400" rtl="0" eaLnBrk="1" latinLnBrk="0" hangingPunct="1">
+      <a:defRPr sz="1200" kern="1200">
+        <a:solidFill>
+          <a:schemeClr val="tx1"/>
+        </a:solidFill>
+        <a:latin typeface="+mn-lt"/>
+        <a:ea typeface="+mn-ea"/>
+        <a:cs typeface="+mn-cs"/>
+      </a:defRPr>
+    </a:lvl3pPr>
+    <a:lvl4pPr marL="1371600" algn="l" defTabSz="914400" rtl="0" eaLnBrk="1" latinLnBrk="0" hangingPunct="1">
+      <a:defRPr sz="1200" kern="1200">
+        <a:solidFill>
+          <a:schemeClr val="tx1"/>
+        </a:solidFill>
+        <a:latin typeface="+mn-lt"/>
+        <a:ea typeface="+mn-ea"/>
+        <a:cs typeface="+mn-cs"/>
+      </a:defRPr>
+    </a:lvl4pPr>
+    <a:lvl5pPr marL="1828800" algn="l" defTabSz="914400" rtl="0" eaLnBrk="1" latinLnBrk="0" hangingPunct="1">
+      <a:defRPr sz="1200" kern="1200">
+        <a:solidFill>
+          <a:schemeClr val="tx1"/>
+        </a:solidFill>
+        <a:latin typeface="+mn-lt"/>
+        <a:ea typeface="+mn-ea"/>
+        <a:cs typeface="+mn-cs"/>
+      </a:defRPr>
+    </a:lvl5pPr>
+    <a:lvl6pPr marL="2286000" algn="l" defTabSz="914400" rtl="0" eaLnBrk="1" latinLnBrk="0" hangingPunct="1">
+      <a:defRPr sz="1200" kern="1200">
+        <a:solidFill>
+          <a:schemeClr val="tx1"/>
+        </a:solidFill>
+        <a:latin typeface="+mn-lt"/>
+        <a:ea typeface="+mn-ea"/>
+        <a:cs typeface="+mn-cs"/>
+      </a:defRPr>
+    </a:lvl6pPr>
+    <a:lvl7pPr marL="2743200" algn="l" defTabSz="914400" rtl="0" eaLnBrk="1" latinLnBrk="0" hangingPunct="1">
+      <a:defRPr sz="1200" kern="1200">
+        <a:solidFill>
+          <a:schemeClr val="tx1"/>
+        </a:solidFill>
+        <a:latin typeface="+mn-lt"/>
+        <a:ea typeface="+mn-ea"/>
+        <a:cs typeface="+mn-cs"/>
+      </a:defRPr>
+    </a:lvl7pPr>
+    <a:lvl8pPr marL="3200400" algn="l" defTabSz="914400" rtl="0" eaLnBrk="1" latinLnBrk="0" hangingPunct="1">
+      <a:defRPr sz="1200" kern="1200">
+        <a:solidFill>
+          <a:schemeClr val="tx1"/>
+        </a:solidFill>
+        <a:latin typeface="+mn-lt"/>
+        <a:ea typeface="+mn-ea"/>
+        <a:cs typeface="+mn-cs"/>
+      </a:defRPr>
+    </a:lvl8pPr>
+    <a:lvl9pPr marL="3657600" algn="l" defTabSz="914400" rtl="0" eaLnBrk="1" latinLnBrk="0" hangingPunct="1">
+      <a:defRPr sz="1200" kern="1200">
+        <a:solidFill>
+          <a:schemeClr val="tx1"/>
+        </a:solidFill>
+        <a:latin typeface="+mn-lt"/>
+        <a:ea typeface="+mn-ea"/>
+        <a:cs typeface="+mn-cs"/>
+      </a:defRPr>
+    </a:lvl9pPr>
+  </p:notesStyle>
+</p:notesMaster>
+</file>
+
+<file path=ppt/notesSlides/notesSlide1.xml><?xml version="1.0" encoding="utf-8"?>
+<p:notes xmlns:a="http://schemas.openxmlformats.org/drawingml/2006/main" xmlns:r="http://schemas.openxmlformats.org/officeDocument/2006/relationships" xmlns:p="http://schemas.openxmlformats.org/presentationml/2006/main">
+  <p:cSld>
+    <p:spTree>
+      <p:nvGrpSpPr>
+        <p:cNvPr id="1" name=""/>
+        <p:cNvGrpSpPr/>
+        <p:nvPr/>
+      </p:nvGrpSpPr>
+      <p:grpSpPr>
+        <a:xfrm>
+          <a:off x="0" y="0"/>
+          <a:ext cx="0" cy="0"/>
+          <a:chOff x="0" y="0"/>
+          <a:chExt cx="0" cy="0"/>
+        </a:xfrm>
+      </p:grpSpPr>
+      <p:sp>
+        <p:nvSpPr>
+          <p:cNvPr id="2" name="Espaço Reservado para Imagem de Slide 1"/>
+          <p:cNvSpPr>
+            <a:spLocks noGrp="1" noRot="1" noChangeAspect="1"/>
+          </p:cNvSpPr>
+          <p:nvPr>
+            <p:ph type="sldImg"/>
+          </p:nvPr>
+        </p:nvSpPr>
+        <p:spPr/>
+      </p:sp>
+      <p:sp>
+        <p:nvSpPr>
+          <p:cNvPr id="3" name="Espaço Reservado para Anotações 2"/>
+          <p:cNvSpPr>
+            <a:spLocks noGrp="1"/>
+          </p:cNvSpPr>
+          <p:nvPr>
+            <p:ph type="body" idx="1"/>
+          </p:nvPr>
+        </p:nvSpPr>
+        <p:spPr/>
+        <p:txBody>
+          <a:bodyPr/>
+          <a:lstStyle/>
+          <a:p>
+            <a:endParaRPr lang="pt-BR"/>
+          </a:p>
+        </p:txBody>
+      </p:sp>
+      <p:sp>
+        <p:nvSpPr>
+          <p:cNvPr id="4" name="Espaço Reservado para Número de Slide 3"/>
+          <p:cNvSpPr>
+            <a:spLocks noGrp="1"/>
+          </p:cNvSpPr>
+          <p:nvPr>
+            <p:ph type="sldNum" sz="quarter" idx="10"/>
+          </p:nvPr>
+        </p:nvSpPr>
+        <p:spPr/>
+        <p:txBody>
+          <a:bodyPr/>
+          <a:lstStyle/>
+          <a:p>
+            <a:fld id="{2DD07020-CA46-47EE-9199-35777A0F5CCA}" type="slidenum">
+              <a:rPr lang="pt-BR"/>
+              <a:t>‹nº›</a:t>
+            </a:fld>
+            <a:endParaRPr lang="pt-BR"/>
+          </a:p>
+        </p:txBody>
+      </p:sp>
+    </p:spTree>
+    <p:extLst>
+      <p:ext uri="{BB962C8B-B14F-4D97-AF65-F5344CB8AC3E}">
+        <p14:creationId xmlns:p14="http://schemas.microsoft.com/office/powerpoint/2010/main" val="580474121"/>
+      </p:ext>
+    </p:extLst>
+  </p:cSld>
+  <p:clrMapOvr>
+    <a:masterClrMapping/>
+  </p:clrMapOvr>
+</p:notes>
 </file>
 
 <file path=ppt/slideLayouts/slideLayout1.xml><?xml version="1.0" encoding="utf-8"?>
@@ -6713,8 +7154,20 @@
             <a:tbl>
               <a:tblPr/>
               <a:tblGrid>
-                <a:gridCol w="4114800"/>
-                <a:gridCol w="4114800"/>
+                <a:gridCol w="4114800">
+                  <a:extLst>
+                    <a:ext uri="{9D8B030D-6E8A-4147-A177-3AD203B41FA5}">
+                      <a16:colId xmlns:a16="http://schemas.microsoft.com/office/drawing/2014/main" val="20000"/>
+                    </a:ext>
+                  </a:extLst>
+                </a:gridCol>
+                <a:gridCol w="4114800">
+                  <a:extLst>
+                    <a:ext uri="{9D8B030D-6E8A-4147-A177-3AD203B41FA5}">
+                      <a16:colId xmlns:a16="http://schemas.microsoft.com/office/drawing/2014/main" val="20001"/>
+                    </a:ext>
+                  </a:extLst>
+                </a:gridCol>
               </a:tblGrid>
               <a:tr h="711720">
                 <a:tc>
@@ -6843,6 +7296,11 @@
                     </a:solidFill>
                   </a:tcPr>
                 </a:tc>
+                <a:extLst>
+                  <a:ext uri="{0D108BD9-81ED-4DB2-BD59-A6C34878D82A}">
+                    <a16:rowId xmlns:a16="http://schemas.microsoft.com/office/drawing/2014/main" val="10000"/>
+                  </a:ext>
+                </a:extLst>
               </a:tr>
               <a:tr h="711720">
                 <a:tc>
@@ -7075,6 +7533,11 @@
                     </a:solidFill>
                   </a:tcPr>
                 </a:tc>
+                <a:extLst>
+                  <a:ext uri="{0D108BD9-81ED-4DB2-BD59-A6C34878D82A}">
+                    <a16:rowId xmlns:a16="http://schemas.microsoft.com/office/drawing/2014/main" val="10001"/>
+                  </a:ext>
+                </a:extLst>
               </a:tr>
               <a:tr h="711720">
                 <a:tc>
@@ -7203,6 +7666,11 @@
                     </a:solidFill>
                   </a:tcPr>
                 </a:tc>
+                <a:extLst>
+                  <a:ext uri="{0D108BD9-81ED-4DB2-BD59-A6C34878D82A}">
+                    <a16:rowId xmlns:a16="http://schemas.microsoft.com/office/drawing/2014/main" val="10002"/>
+                  </a:ext>
+                </a:extLst>
               </a:tr>
               <a:tr h="781920">
                 <a:tc>
@@ -7331,6 +7799,11 @@
                     </a:solidFill>
                   </a:tcPr>
                 </a:tc>
+                <a:extLst>
+                  <a:ext uri="{0D108BD9-81ED-4DB2-BD59-A6C34878D82A}">
+                    <a16:rowId xmlns:a16="http://schemas.microsoft.com/office/drawing/2014/main" val="10003"/>
+                  </a:ext>
+                </a:extLst>
               </a:tr>
               <a:tr h="711720">
                 <a:tc>
@@ -7454,6 +7927,11 @@
                     </a:solidFill>
                   </a:tcPr>
                 </a:tc>
+                <a:extLst>
+                  <a:ext uri="{0D108BD9-81ED-4DB2-BD59-A6C34878D82A}">
+                    <a16:rowId xmlns:a16="http://schemas.microsoft.com/office/drawing/2014/main" val="10004"/>
+                  </a:ext>
+                </a:extLst>
               </a:tr>
             </a:tbl>
           </a:graphicData>
@@ -7601,10 +8079,34 @@
             <a:tbl>
               <a:tblPr/>
               <a:tblGrid>
-                <a:gridCol w="1512000"/>
-                <a:gridCol w="4248360"/>
-                <a:gridCol w="945000"/>
-                <a:gridCol w="1215000"/>
+                <a:gridCol w="1512000">
+                  <a:extLst>
+                    <a:ext uri="{9D8B030D-6E8A-4147-A177-3AD203B41FA5}">
+                      <a16:colId xmlns:a16="http://schemas.microsoft.com/office/drawing/2014/main" val="20000"/>
+                    </a:ext>
+                  </a:extLst>
+                </a:gridCol>
+                <a:gridCol w="4248360">
+                  <a:extLst>
+                    <a:ext uri="{9D8B030D-6E8A-4147-A177-3AD203B41FA5}">
+                      <a16:colId xmlns:a16="http://schemas.microsoft.com/office/drawing/2014/main" val="20001"/>
+                    </a:ext>
+                  </a:extLst>
+                </a:gridCol>
+                <a:gridCol w="945000">
+                  <a:extLst>
+                    <a:ext uri="{9D8B030D-6E8A-4147-A177-3AD203B41FA5}">
+                      <a16:colId xmlns:a16="http://schemas.microsoft.com/office/drawing/2014/main" val="20002"/>
+                    </a:ext>
+                  </a:extLst>
+                </a:gridCol>
+                <a:gridCol w="1215000">
+                  <a:extLst>
+                    <a:ext uri="{9D8B030D-6E8A-4147-A177-3AD203B41FA5}">
+                      <a16:colId xmlns:a16="http://schemas.microsoft.com/office/drawing/2014/main" val="20003"/>
+                    </a:ext>
+                  </a:extLst>
+                </a:gridCol>
               </a:tblGrid>
               <a:tr h="622440">
                 <a:tc>
@@ -7859,6 +8361,11 @@
                     </a:solidFill>
                   </a:tcPr>
                 </a:tc>
+                <a:extLst>
+                  <a:ext uri="{0D108BD9-81ED-4DB2-BD59-A6C34878D82A}">
+                    <a16:rowId xmlns:a16="http://schemas.microsoft.com/office/drawing/2014/main" val="10000"/>
+                  </a:ext>
+                </a:extLst>
               </a:tr>
               <a:tr h="561240">
                 <a:tc>
@@ -7943,7 +8450,7 @@
                         </a:lnSpc>
                       </a:pPr>
                       <a:r>
-                        <a:rPr lang="pt-BR" sz="1600" b="0" strike="noStrike" spc="-1" dirty="0" smtClean="0">
+                        <a:rPr lang="pt-BR" sz="1600" b="0" strike="noStrike" spc="-1" dirty="0">
                           <a:solidFill>
                             <a:srgbClr val="000000"/>
                           </a:solidFill>
@@ -8014,7 +8521,7 @@
                         </a:lnSpc>
                       </a:pPr>
                       <a:r>
-                        <a:rPr lang="pt-BR" sz="1600" b="0" strike="noStrike" spc="-1" dirty="0" smtClean="0">
+                        <a:rPr lang="pt-BR" sz="1600" b="0" strike="noStrike" spc="-1" dirty="0">
                           <a:solidFill>
                             <a:srgbClr val="000000"/>
                           </a:solidFill>
@@ -8085,7 +8592,7 @@
                         </a:lnSpc>
                       </a:pPr>
                       <a:r>
-                        <a:rPr lang="pt-BR" sz="1600" b="0" strike="noStrike" spc="-1" dirty="0" smtClean="0">
+                        <a:rPr lang="pt-BR" sz="1600" b="0" strike="noStrike" spc="-1" dirty="0">
                           <a:solidFill>
                             <a:srgbClr val="000000"/>
                           </a:solidFill>
@@ -8145,6 +8652,11 @@
                     </a:solidFill>
                   </a:tcPr>
                 </a:tc>
+                <a:extLst>
+                  <a:ext uri="{0D108BD9-81ED-4DB2-BD59-A6C34878D82A}">
+                    <a16:rowId xmlns:a16="http://schemas.microsoft.com/office/drawing/2014/main" val="10001"/>
+                  </a:ext>
+                </a:extLst>
               </a:tr>
               <a:tr h="561240">
                 <a:tc>
@@ -8399,6 +8911,11 @@
                     </a:solidFill>
                   </a:tcPr>
                 </a:tc>
+                <a:extLst>
+                  <a:ext uri="{0D108BD9-81ED-4DB2-BD59-A6C34878D82A}">
+                    <a16:rowId xmlns:a16="http://schemas.microsoft.com/office/drawing/2014/main" val="10002"/>
+                  </a:ext>
+                </a:extLst>
               </a:tr>
               <a:tr h="561240">
                 <a:tc>
@@ -8637,6 +9154,11 @@
                     </a:solidFill>
                   </a:tcPr>
                 </a:tc>
+                <a:extLst>
+                  <a:ext uri="{0D108BD9-81ED-4DB2-BD59-A6C34878D82A}">
+                    <a16:rowId xmlns:a16="http://schemas.microsoft.com/office/drawing/2014/main" val="10003"/>
+                  </a:ext>
+                </a:extLst>
               </a:tr>
             </a:tbl>
           </a:graphicData>
@@ -8808,7 +9330,7 @@
               <a:buFont typeface="Arial"/>
               <a:buChar char="•"/>
             </a:pPr>
-            <a:endParaRPr lang="pt-BR" sz="1800" b="0" strike="noStrike" spc="-1" dirty="0" smtClean="0">
+            <a:endParaRPr lang="pt-BR" sz="1800" b="0" strike="noStrike" spc="-1" dirty="0">
               <a:solidFill>
                 <a:srgbClr val="000000"/>
               </a:solidFill>
@@ -8832,7 +9354,7 @@
               <a:buChar char="•"/>
             </a:pPr>
             <a:r>
-              <a:rPr lang="pt-BR" sz="1800" b="0" strike="noStrike" spc="-1" dirty="0" smtClean="0">
+              <a:rPr lang="pt-BR" sz="1800" b="0" strike="noStrike" spc="-1" dirty="0">
                 <a:solidFill>
                   <a:srgbClr val="000000"/>
                 </a:solidFill>
@@ -8858,7 +9380,7 @@
               <a:buChar char="•"/>
             </a:pPr>
             <a:r>
-              <a:rPr lang="pt-BR" spc="-1" dirty="0" smtClean="0">
+              <a:rPr lang="pt-BR" spc="-1" dirty="0">
                 <a:solidFill>
                   <a:srgbClr val="000000"/>
                 </a:solidFill>
@@ -8871,7 +9393,7 @@
               </a:rPr>
               <a:t>....</a:t>
             </a:r>
-            <a:endParaRPr lang="pt-BR" sz="1800" b="0" strike="noStrike" spc="-1" dirty="0" smtClean="0">
+            <a:endParaRPr lang="pt-BR" sz="1800" b="0" strike="noStrike" spc="-1" dirty="0">
               <a:solidFill>
                 <a:srgbClr val="000000"/>
               </a:solidFill>
@@ -8895,7 +9417,7 @@
               <a:buChar char="•"/>
             </a:pPr>
             <a:r>
-              <a:rPr lang="pt-BR" sz="1800" b="0" strike="noStrike" spc="-1" dirty="0" smtClean="0">
+              <a:rPr lang="pt-BR" sz="1800" b="0" strike="noStrike" spc="-1" dirty="0">
                 <a:solidFill>
                   <a:srgbClr val="000000"/>
                 </a:solidFill>
@@ -8908,17 +9430,6 @@
               </a:rPr>
               <a:t>O mensageiro deve haver sido cadastrado previamente pela instituição para ter acesso ao aplicativo. </a:t>
             </a:r>
-            <a:endParaRPr lang="pt-BR" sz="1800" b="0" strike="noStrike" spc="-1" dirty="0">
-              <a:solidFill>
-                <a:srgbClr val="000000"/>
-              </a:solidFill>
-              <a:uFill>
-                <a:solidFill>
-                  <a:srgbClr val="FFFFFF"/>
-                </a:solidFill>
-              </a:uFill>
-              <a:latin typeface="Arial"/>
-            </a:endParaRPr>
           </a:p>
         </p:txBody>
       </p:sp>
@@ -9075,7 +9586,7 @@
           <a:fontRef idx="minor"/>
         </p:style>
         <p:txBody>
-          <a:bodyPr lIns="90000" tIns="45000" rIns="90000" bIns="45000"/>
+          <a:bodyPr lIns="90000" tIns="45000" rIns="90000" bIns="45000" anchor="t"/>
           <a:lstStyle/>
           <a:p>
             <a:pPr marL="343080" indent="-340920" algn="just">
@@ -9140,49 +9651,8 @@
                 <a:latin typeface="Calibri"/>
                 <a:ea typeface="DejaVu Sans"/>
               </a:rPr>
-              <a:t>Google </a:t>
+              <a:t>Google Chrome;</a:t>
             </a:r>
-            <a:r>
-              <a:rPr lang="pt-BR" sz="3200" b="0" strike="noStrike" spc="-1" dirty="0" err="1">
-                <a:solidFill>
-                  <a:srgbClr val="000000"/>
-                </a:solidFill>
-                <a:uFill>
-                  <a:solidFill>
-                    <a:srgbClr val="FFFFFF"/>
-                  </a:solidFill>
-                </a:uFill>
-                <a:latin typeface="Calibri"/>
-                <a:ea typeface="DejaVu Sans"/>
-              </a:rPr>
-              <a:t>Chrome</a:t>
-            </a:r>
-            <a:r>
-              <a:rPr lang="pt-BR" sz="3200" b="0" strike="noStrike" spc="-1" dirty="0">
-                <a:solidFill>
-                  <a:srgbClr val="000000"/>
-                </a:solidFill>
-                <a:uFill>
-                  <a:solidFill>
-                    <a:srgbClr val="FFFFFF"/>
-                  </a:solidFill>
-                </a:uFill>
-                <a:latin typeface="Calibri"/>
-                <a:ea typeface="DejaVu Sans"/>
-              </a:rPr>
-              <a:t>;</a:t>
-            </a:r>
-            <a:endParaRPr lang="pt-BR" sz="1800" b="0" strike="noStrike" spc="-1" dirty="0">
-              <a:solidFill>
-                <a:srgbClr val="000000"/>
-              </a:solidFill>
-              <a:uFill>
-                <a:solidFill>
-                  <a:srgbClr val="FFFFFF"/>
-                </a:solidFill>
-              </a:uFill>
-              <a:latin typeface="Arial"/>
-            </a:endParaRPr>
           </a:p>
           <a:p>
             <a:pPr marL="864000" lvl="1" indent="-322200">
@@ -9207,21 +9677,9 @@
                   </a:solidFill>
                 </a:uFill>
                 <a:latin typeface="Calibri"/>
-                <a:ea typeface="DejaVu Sans"/>
               </a:rPr>
-              <a:t>Mozilla Firefox;</a:t>
+              <a:t>Opera;</a:t>
             </a:r>
-            <a:endParaRPr lang="pt-BR" sz="1800" b="0" strike="noStrike" spc="-1" dirty="0">
-              <a:solidFill>
-                <a:srgbClr val="000000"/>
-              </a:solidFill>
-              <a:uFill>
-                <a:solidFill>
-                  <a:srgbClr val="FFFFFF"/>
-                </a:solidFill>
-              </a:uFill>
-              <a:latin typeface="Arial"/>
-            </a:endParaRPr>
           </a:p>
           <a:p>
             <a:pPr marL="864000" lvl="1" indent="-322200">
@@ -9248,120 +9706,7 @@
                 <a:latin typeface="Calibri"/>
                 <a:ea typeface="DejaVu Sans"/>
               </a:rPr>
-              <a:t>Edge.</a:t>
-            </a:r>
-            <a:endParaRPr lang="pt-BR" sz="1800" b="0" strike="noStrike" spc="-1" dirty="0">
-              <a:solidFill>
-                <a:srgbClr val="000000"/>
-              </a:solidFill>
-              <a:uFill>
-                <a:solidFill>
-                  <a:srgbClr val="FFFFFF"/>
-                </a:solidFill>
-              </a:uFill>
-              <a:latin typeface="Arial"/>
-            </a:endParaRPr>
-          </a:p>
-          <a:p>
-            <a:pPr marL="343080" indent="-340920">
-              <a:lnSpc>
-                <a:spcPct val="100000"/>
-              </a:lnSpc>
-              <a:buClr>
-                <a:srgbClr val="000000"/>
-              </a:buClr>
-              <a:buFont typeface="Arial"/>
-              <a:buChar char="•"/>
-            </a:pPr>
-            <a:r>
-              <a:rPr lang="pt-BR" sz="3200" b="0" strike="noStrike" spc="-1" dirty="0">
-                <a:solidFill>
-                  <a:srgbClr val="000000"/>
-                </a:solidFill>
-                <a:uFill>
-                  <a:solidFill>
-                    <a:srgbClr val="FFFFFF"/>
-                  </a:solidFill>
-                </a:uFill>
-                <a:latin typeface="Calibri"/>
-                <a:ea typeface="DejaVu Sans"/>
-              </a:rPr>
-              <a:t>Módulo mobile deve operar </a:t>
-            </a:r>
-            <a:r>
-              <a:rPr lang="pt-BR" sz="3200" b="0" strike="noStrike" spc="-1" dirty="0" smtClean="0">
-                <a:solidFill>
-                  <a:srgbClr val="000000"/>
-                </a:solidFill>
-                <a:uFill>
-                  <a:solidFill>
-                    <a:srgbClr val="FFFFFF"/>
-                  </a:solidFill>
-                </a:uFill>
-                <a:latin typeface="Calibri"/>
-                <a:ea typeface="DejaVu Sans"/>
-              </a:rPr>
-              <a:t>a partir </a:t>
-            </a:r>
-            <a:r>
-              <a:rPr lang="pt-BR" sz="3200" b="0" strike="noStrike" spc="-1" dirty="0">
-                <a:solidFill>
-                  <a:srgbClr val="000000"/>
-                </a:solidFill>
-                <a:uFill>
-                  <a:solidFill>
-                    <a:srgbClr val="FFFFFF"/>
-                  </a:solidFill>
-                </a:uFill>
-                <a:latin typeface="Calibri"/>
-                <a:ea typeface="DejaVu Sans"/>
-              </a:rPr>
-              <a:t>do sistema operacional </a:t>
-            </a:r>
-            <a:r>
-              <a:rPr lang="pt-BR" sz="3200" b="1" strike="noStrike" spc="-1" dirty="0" err="1">
-                <a:solidFill>
-                  <a:srgbClr val="000000"/>
-                </a:solidFill>
-                <a:uFill>
-                  <a:solidFill>
-                    <a:srgbClr val="FFFFFF"/>
-                  </a:solidFill>
-                </a:uFill>
-                <a:latin typeface="Calibri"/>
-                <a:ea typeface="DejaVu Sans"/>
-              </a:rPr>
-              <a:t>android</a:t>
-            </a:r>
-            <a:r>
-              <a:rPr lang="pt-BR" sz="3200" b="0" strike="noStrike" spc="-1" dirty="0">
-                <a:solidFill>
-                  <a:srgbClr val="000000"/>
-                </a:solidFill>
-                <a:uFill>
-                  <a:solidFill>
-                    <a:srgbClr val="FFFFFF"/>
-                  </a:solidFill>
-                </a:uFill>
-                <a:latin typeface="Calibri"/>
-                <a:ea typeface="DejaVu Sans"/>
-              </a:rPr>
-              <a:t>, a partir da versão </a:t>
-            </a:r>
-            <a:r>
-              <a:rPr lang="pt-BR" sz="3200" b="1" strike="noStrike" spc="-1" dirty="0" smtClean="0">
-                <a:solidFill>
-                  <a:srgbClr val="000000"/>
-                </a:solidFill>
-                <a:uFill>
-                  <a:solidFill>
-                    <a:srgbClr val="FFFFFF"/>
-                  </a:solidFill>
-                </a:uFill>
-                <a:latin typeface="Calibri"/>
-                <a:ea typeface="DejaVu Sans"/>
-              </a:rPr>
-              <a:t>5.0</a:t>
+              <a:t>Mozilla Firefox;</a:t>
             </a:r>
             <a:endParaRPr lang="pt-BR" sz="1800" b="0" strike="noStrike" spc="-1" dirty="0">
               <a:solidFill>
@@ -9400,7 +9745,7 @@
                 <a:latin typeface="Calibri"/>
                 <a:ea typeface="DejaVu Sans"/>
               </a:rPr>
-              <a:t> </a:t>
+              <a:t>Edge.</a:t>
             </a:r>
             <a:endParaRPr lang="pt-BR" sz="1800" b="0" strike="noStrike" spc="-1" dirty="0">
               <a:solidFill>
@@ -9415,16 +9760,15 @@
             </a:endParaRPr>
           </a:p>
           <a:p>
-            <a:pPr marL="864000" lvl="1" indent="-322200">
+            <a:pPr marL="343080" indent="-340920">
               <a:lnSpc>
                 <a:spcPct val="100000"/>
               </a:lnSpc>
               <a:buClr>
-                <a:srgbClr val="FFFFFF"/>
+                <a:srgbClr val="000000"/>
               </a:buClr>
-              <a:buSzPct val="75000"/>
-              <a:buFont typeface="Symbol"/>
-              <a:buChar char=""/>
+              <a:buFont typeface="Arial"/>
+              <a:buChar char="•"/>
             </a:pPr>
             <a:r>
               <a:rPr lang="pt-BR" sz="3200" b="0" strike="noStrike" spc="-1" dirty="0">
@@ -9439,34 +9783,10 @@
                 <a:latin typeface="Calibri"/>
                 <a:ea typeface="DejaVu Sans"/>
               </a:rPr>
-              <a:t> </a:t>
+              <a:t>Módulo mobile deve operar no sistema operacional </a:t>
             </a:r>
-            <a:endParaRPr lang="pt-BR" sz="1800" b="0" strike="noStrike" spc="-1" dirty="0">
-              <a:solidFill>
-                <a:srgbClr val="000000"/>
-              </a:solidFill>
-              <a:uFill>
-                <a:solidFill>
-                  <a:srgbClr val="FFFFFF"/>
-                </a:solidFill>
-              </a:uFill>
-              <a:latin typeface="Arial"/>
-            </a:endParaRPr>
-          </a:p>
-          <a:p>
-            <a:pPr marL="864000" lvl="1" indent="-322200">
-              <a:lnSpc>
-                <a:spcPct val="100000"/>
-              </a:lnSpc>
-              <a:buClr>
-                <a:srgbClr val="FFFFFF"/>
-              </a:buClr>
-              <a:buSzPct val="75000"/>
-              <a:buFont typeface="Symbol"/>
-              <a:buChar char=""/>
-            </a:pPr>
             <a:r>
-              <a:rPr lang="pt-BR" sz="3200" b="0" strike="noStrike" spc="-1" dirty="0">
+              <a:rPr lang="pt-BR" sz="3200" b="1" strike="noStrike" spc="-1" dirty="0">
                 <a:solidFill>
                   <a:srgbClr val="000000"/>
                 </a:solidFill>
@@ -9478,7 +9798,37 @@
                 <a:latin typeface="Calibri"/>
                 <a:ea typeface="DejaVu Sans"/>
               </a:rPr>
-              <a:t> </a:t>
+              <a:t>Android</a:t>
+            </a:r>
+            <a:r>
+              <a:rPr lang="pt-BR" sz="3200" b="0" strike="noStrike" spc="-1" dirty="0">
+                <a:solidFill>
+                  <a:srgbClr val="000000"/>
+                </a:solidFill>
+                <a:uFill>
+                  <a:solidFill>
+                    <a:srgbClr val="FFFFFF"/>
+                  </a:solidFill>
+                </a:uFill>
+                <a:latin typeface="Calibri"/>
+                <a:ea typeface="DejaVu Sans"/>
+              </a:rPr>
+              <a:t>, a partir da versão </a:t>
+            </a:r>
+            <a:r>
+              <a:rPr lang="pt-BR" sz="3200" b="1" strike="noStrike" spc="-1" dirty="0">
+                <a:solidFill>
+                  <a:srgbClr val="000000"/>
+                </a:solidFill>
+                <a:uFill>
+                  <a:solidFill>
+                    <a:srgbClr val="FFFFFF"/>
+                  </a:solidFill>
+                </a:uFill>
+                <a:latin typeface="Calibri"/>
+                <a:ea typeface="DejaVu Sans"/>
+              </a:rPr>
+              <a:t>5.0</a:t>
             </a:r>
             <a:endParaRPr lang="pt-BR" sz="1800" b="0" strike="noStrike" spc="-1" dirty="0">
               <a:solidFill>
@@ -9493,12 +9843,13 @@
             </a:endParaRPr>
           </a:p>
           <a:p>
-            <a:pPr>
-              <a:lnSpc>
-                <a:spcPct val="100000"/>
-              </a:lnSpc>
+            <a:pPr marL="84600">
+              <a:buClr>
+                <a:srgbClr val="FFFFFF"/>
+              </a:buClr>
+              <a:buSzPct val="75000"/>
             </a:pPr>
-            <a:endParaRPr lang="pt-BR" sz="1800" b="0" strike="noStrike" spc="-1" dirty="0">
+            <a:endParaRPr lang="pt-BR" b="0" strike="noStrike" spc="-1" dirty="0">
               <a:solidFill>
                 <a:srgbClr val="000000"/>
               </a:solidFill>
@@ -9637,19 +9988,37 @@
         <p:nvGraphicFramePr>
           <p:cNvPr id="135" name="Table 2"/>
           <p:cNvGraphicFramePr/>
-          <p:nvPr/>
+          <p:nvPr>
+            <p:extLst>
+              <p:ext uri="{D42A27DB-BD31-4B8C-83A1-F6EECF244321}">
+                <p14:modId xmlns:p14="http://schemas.microsoft.com/office/powerpoint/2010/main" val="448232057"/>
+              </p:ext>
+            </p:extLst>
+          </p:nvPr>
         </p:nvGraphicFramePr>
         <p:xfrm>
           <a:off x="457200" y="1420920"/>
-          <a:ext cx="8229240" cy="4354560"/>
+          <a:ext cx="8220075" cy="4354560"/>
         </p:xfrm>
         <a:graphic>
           <a:graphicData uri="http://schemas.openxmlformats.org/drawingml/2006/table">
             <a:tbl>
               <a:tblPr/>
               <a:tblGrid>
-                <a:gridCol w="3147840"/>
-                <a:gridCol w="5081400"/>
+                <a:gridCol w="5048250">
+                  <a:extLst>
+                    <a:ext uri="{9D8B030D-6E8A-4147-A177-3AD203B41FA5}">
+                      <a16:colId xmlns:a16="http://schemas.microsoft.com/office/drawing/2014/main" val="20000"/>
+                    </a:ext>
+                  </a:extLst>
+                </a:gridCol>
+                <a:gridCol w="3171825">
+                  <a:extLst>
+                    <a:ext uri="{9D8B030D-6E8A-4147-A177-3AD203B41FA5}">
+                      <a16:colId xmlns:a16="http://schemas.microsoft.com/office/drawing/2014/main" val="20001"/>
+                    </a:ext>
+                  </a:extLst>
+                </a:gridCol>
               </a:tblGrid>
               <a:tr h="725760">
                 <a:tc>
@@ -9663,7 +10032,7 @@
                         </a:lnSpc>
                       </a:pPr>
                       <a:r>
-                        <a:rPr lang="pt-BR" sz="2400" b="0" strike="noStrike" spc="-1">
+                        <a:rPr lang="pt-BR" sz="2400" b="0" strike="noStrike" spc="-1" dirty="0">
                           <a:solidFill>
                             <a:srgbClr val="FFFFFF"/>
                           </a:solidFill>
@@ -9685,7 +10054,6 @@
                             <a:srgbClr val="FFFFFF"/>
                           </a:solidFill>
                         </a:uFill>
-                        <a:latin typeface="Arial"/>
                       </a:endParaRPr>
                     </a:p>
                   </a:txBody>
@@ -9726,7 +10094,7 @@
                         </a:lnSpc>
                       </a:pPr>
                       <a:r>
-                        <a:rPr lang="pt-BR" sz="2400" b="0" strike="noStrike" spc="-1">
+                        <a:rPr lang="pt-BR" sz="2400" b="0" strike="noStrike" spc="-1" dirty="0">
                           <a:solidFill>
                             <a:srgbClr val="FFFFFF"/>
                           </a:solidFill>
@@ -9748,7 +10116,6 @@
                             <a:srgbClr val="FFFFFF"/>
                           </a:solidFill>
                         </a:uFill>
-                        <a:latin typeface="Arial"/>
                       </a:endParaRPr>
                     </a:p>
                   </a:txBody>
@@ -9778,6 +10145,11 @@
                     </a:solidFill>
                   </a:tcPr>
                 </a:tc>
+                <a:extLst>
+                  <a:ext uri="{0D108BD9-81ED-4DB2-BD59-A6C34878D82A}">
+                    <a16:rowId xmlns:a16="http://schemas.microsoft.com/office/drawing/2014/main" val="10000"/>
+                  </a:ext>
+                </a:extLst>
               </a:tr>
               <a:tr h="725760">
                 <a:tc>
@@ -9791,7 +10163,198 @@
                         </a:lnSpc>
                       </a:pPr>
                       <a:r>
-                        <a:rPr lang="pt-BR" sz="1800" b="0" strike="noStrike" spc="-1">
+                        <a:rPr lang="pt-BR" sz="1800" b="0" strike="noStrike" spc="-1" dirty="0">
+                          <a:solidFill>
+                            <a:srgbClr val="000000"/>
+                          </a:solidFill>
+                          <a:uFill>
+                            <a:solidFill>
+                              <a:srgbClr val="FFFFFF"/>
+                            </a:solidFill>
+                          </a:uFill>
+                          <a:latin typeface="Calibri"/>
+                        </a:rPr>
+                        <a:t>Atraso em Finalização de Iteração</a:t>
+                      </a:r>
+                      <a:endParaRPr lang="pt-BR" sz="1800" b="0" strike="noStrike" spc="-1">
+                        <a:solidFill>
+                          <a:srgbClr val="000000"/>
+                        </a:solidFill>
+                        <a:uFill>
+                          <a:solidFill>
+                            <a:srgbClr val="FFFFFF"/>
+                          </a:solidFill>
+                        </a:uFill>
+                      </a:endParaRPr>
+                    </a:p>
+                  </a:txBody>
+                  <a:tcPr>
+                    <a:lnL w="12240">
+                      <a:solidFill>
+                        <a:srgbClr val="FFFFFF"/>
+                      </a:solidFill>
+                    </a:lnL>
+                    <a:lnR w="12240">
+                      <a:solidFill>
+                        <a:srgbClr val="FFFFFF"/>
+                      </a:solidFill>
+                    </a:lnR>
+                    <a:lnT w="38160" cap="flat" cmpd="sng" algn="ctr">
+                      <a:solidFill>
+                        <a:srgbClr val="FFFFFF"/>
+                      </a:solidFill>
+                      <a:prstDash val="solid"/>
+                      <a:round/>
+                      <a:headEnd type="none" w="med" len="med"/>
+                      <a:tailEnd type="none" w="med" len="med"/>
+                    </a:lnT>
+                    <a:lnB w="12240">
+                      <a:solidFill>
+                        <a:srgbClr val="FFFFFF"/>
+                      </a:solidFill>
+                    </a:lnB>
+                    <a:solidFill>
+                      <a:srgbClr val="CCCCCC"/>
+                    </a:solidFill>
+                  </a:tcPr>
+                </a:tc>
+                <a:tc>
+                  <a:txBody>
+                    <a:bodyPr/>
+                    <a:lstStyle/>
+                    <a:p>
+                      <a:pPr>
+                        <a:lnSpc>
+                          <a:spcPct val="100000"/>
+                        </a:lnSpc>
+                      </a:pPr>
+                      <a:r>
+                        <a:rPr lang="pt-BR" sz="1800" b="0" strike="noStrike" spc="-1" dirty="0">
+                          <a:solidFill>
+                            <a:srgbClr val="000000"/>
+                          </a:solidFill>
+                          <a:uFill>
+                            <a:solidFill>
+                              <a:srgbClr val="FFFFFF"/>
+                            </a:solidFill>
+                          </a:uFill>
+                          <a:latin typeface="Calibri"/>
+                        </a:rPr>
+                        <a:t>Negativo</a:t>
+                      </a:r>
+                    </a:p>
+                  </a:txBody>
+                  <a:tcPr>
+                    <a:lnL w="12240">
+                      <a:solidFill>
+                        <a:srgbClr val="FFFFFF"/>
+                      </a:solidFill>
+                    </a:lnL>
+                    <a:lnR w="12240">
+                      <a:solidFill>
+                        <a:srgbClr val="FFFFFF"/>
+                      </a:solidFill>
+                    </a:lnR>
+                    <a:lnT w="38160" cap="flat" cmpd="sng" algn="ctr">
+                      <a:solidFill>
+                        <a:srgbClr val="FFFFFF"/>
+                      </a:solidFill>
+                      <a:prstDash val="solid"/>
+                      <a:round/>
+                      <a:headEnd type="none" w="med" len="med"/>
+                      <a:tailEnd type="none" w="med" len="med"/>
+                    </a:lnT>
+                    <a:lnB w="12240">
+                      <a:solidFill>
+                        <a:srgbClr val="FFFFFF"/>
+                      </a:solidFill>
+                    </a:lnB>
+                    <a:solidFill>
+                      <a:srgbClr val="CCCCCC"/>
+                    </a:solidFill>
+                  </a:tcPr>
+                </a:tc>
+                <a:extLst>
+                  <a:ext uri="{0D108BD9-81ED-4DB2-BD59-A6C34878D82A}">
+                    <a16:rowId xmlns:a16="http://schemas.microsoft.com/office/drawing/2014/main" val="10001"/>
+                  </a:ext>
+                </a:extLst>
+              </a:tr>
+              <a:tr h="725760">
+                <a:tc>
+                  <a:txBody>
+                    <a:bodyPr/>
+                    <a:lstStyle/>
+                    <a:p>
+                      <a:pPr>
+                        <a:lnSpc>
+                          <a:spcPct val="100000"/>
+                        </a:lnSpc>
+                      </a:pPr>
+                      <a:r>
+                        <a:rPr lang="pt-BR" sz="1800" b="0" strike="noStrike" spc="-1" dirty="0">
+                          <a:solidFill>
+                            <a:srgbClr val="000000"/>
+                          </a:solidFill>
+                          <a:uFill>
+                            <a:solidFill>
+                              <a:srgbClr val="FFFFFF"/>
+                            </a:solidFill>
+                          </a:uFill>
+                          <a:latin typeface="Calibri"/>
+                        </a:rPr>
+                        <a:t>Falha do Planejamento Inicial do Projeto</a:t>
+                      </a:r>
+                      <a:endParaRPr lang="pt-BR" sz="1800" b="0" strike="noStrike" spc="-1">
+                        <a:solidFill>
+                          <a:srgbClr val="000000"/>
+                        </a:solidFill>
+                        <a:uFill>
+                          <a:solidFill>
+                            <a:srgbClr val="FFFFFF"/>
+                          </a:solidFill>
+                        </a:uFill>
+                      </a:endParaRPr>
+                    </a:p>
+                  </a:txBody>
+                  <a:tcPr>
+                    <a:lnL w="12240">
+                      <a:solidFill>
+                        <a:srgbClr val="FFFFFF"/>
+                      </a:solidFill>
+                    </a:lnL>
+                    <a:lnR w="12240">
+                      <a:solidFill>
+                        <a:srgbClr val="FFFFFF"/>
+                      </a:solidFill>
+                    </a:lnR>
+                    <a:lnT w="12240">
+                      <a:solidFill>
+                        <a:srgbClr val="FFFFFF"/>
+                      </a:solidFill>
+                    </a:lnT>
+                    <a:lnB w="12240">
+                      <a:solidFill>
+                        <a:srgbClr val="FFFFFF"/>
+                      </a:solidFill>
+                    </a:lnB>
+                    <a:solidFill>
+                      <a:srgbClr val="E7E7E7"/>
+                    </a:solidFill>
+                  </a:tcPr>
+                </a:tc>
+                <a:tc>
+                  <a:txBody>
+                    <a:bodyPr/>
+                    <a:lstStyle/>
+                    <a:p>
+                      <a:pPr>
+                        <a:lnSpc>
+                          <a:spcPct val="100000"/>
+                        </a:lnSpc>
+                      </a:pPr>
+                      <a:r>
+                        <a:rPr lang="pt-BR" sz="1800" b="0" strike="noStrike" spc="-1" dirty="0">
                           <a:solidFill>
                             <a:srgbClr val="000000"/>
                           </a:solidFill>
@@ -9813,7 +10376,6 @@
                             <a:srgbClr val="FFFFFF"/>
                           </a:solidFill>
                         </a:uFill>
-                        <a:latin typeface="Arial"/>
                       </a:endParaRPr>
                     </a:p>
                   </a:txBody>
@@ -9828,14 +10390,79 @@
                         <a:srgbClr val="FFFFFF"/>
                       </a:solidFill>
                     </a:lnR>
-                    <a:lnT w="38160" cap="flat" cmpd="sng" algn="ctr">
-                      <a:solidFill>
-                        <a:srgbClr val="FFFFFF"/>
-                      </a:solidFill>
-                      <a:prstDash val="solid"/>
-                      <a:round/>
-                      <a:headEnd type="none" w="med" len="med"/>
-                      <a:tailEnd type="none" w="med" len="med"/>
+                    <a:lnT w="12240">
+                      <a:solidFill>
+                        <a:srgbClr val="FFFFFF"/>
+                      </a:solidFill>
+                    </a:lnT>
+                    <a:lnB w="12240">
+                      <a:solidFill>
+                        <a:srgbClr val="FFFFFF"/>
+                      </a:solidFill>
+                    </a:lnB>
+                    <a:solidFill>
+                      <a:srgbClr val="E7E7E7"/>
+                    </a:solidFill>
+                  </a:tcPr>
+                </a:tc>
+                <a:extLst>
+                  <a:ext uri="{0D108BD9-81ED-4DB2-BD59-A6C34878D82A}">
+                    <a16:rowId xmlns:a16="http://schemas.microsoft.com/office/drawing/2014/main" val="10002"/>
+                  </a:ext>
+                </a:extLst>
+              </a:tr>
+              <a:tr h="725760">
+                <a:tc>
+                  <a:txBody>
+                    <a:bodyPr/>
+                    <a:lstStyle/>
+                    <a:p>
+                      <a:pPr>
+                        <a:lnSpc>
+                          <a:spcPct val="100000"/>
+                        </a:lnSpc>
+                      </a:pPr>
+                      <a:r>
+                        <a:rPr lang="pt-BR" sz="1800" b="0" strike="noStrike" spc="-1" dirty="0">
+                          <a:solidFill>
+                            <a:srgbClr val="000000"/>
+                          </a:solidFill>
+                          <a:uFill>
+                            <a:solidFill>
+                              <a:srgbClr val="FFFFFF"/>
+                            </a:solidFill>
+                          </a:uFill>
+                          <a:latin typeface="Calibri"/>
+                        </a:rPr>
+                        <a:t>Má Distribuição de Tempo nas Atividades da Iteração</a:t>
+                      </a:r>
+                      <a:endParaRPr lang="pt-BR" sz="1800" b="0" strike="noStrike" spc="-1">
+                        <a:solidFill>
+                          <a:srgbClr val="000000"/>
+                        </a:solidFill>
+                        <a:uFill>
+                          <a:solidFill>
+                            <a:srgbClr val="FFFFFF"/>
+                          </a:solidFill>
+                        </a:uFill>
+                      </a:endParaRPr>
+                    </a:p>
+                  </a:txBody>
+                  <a:tcPr>
+                    <a:lnL w="12240">
+                      <a:solidFill>
+                        <a:srgbClr val="FFFFFF"/>
+                      </a:solidFill>
+                    </a:lnL>
+                    <a:lnR w="12240">
+                      <a:solidFill>
+                        <a:srgbClr val="FFFFFF"/>
+                      </a:solidFill>
+                    </a:lnR>
+                    <a:lnT w="12240">
+                      <a:solidFill>
+                        <a:srgbClr val="FFFFFF"/>
+                      </a:solidFill>
                     </a:lnT>
                     <a:lnB w="12240">
                       <a:solidFill>
@@ -9858,7 +10485,7 @@
                         </a:lnSpc>
                       </a:pPr>
                       <a:r>
-                        <a:rPr lang="pt-BR" sz="1800" b="0" strike="noStrike" spc="-1">
+                        <a:rPr lang="pt-BR" sz="1800" b="0" strike="noStrike" spc="-1" dirty="0">
                           <a:solidFill>
                             <a:srgbClr val="000000"/>
                           </a:solidFill>
@@ -9869,19 +10496,8 @@
                           </a:uFill>
                           <a:latin typeface="Calibri"/>
                         </a:rPr>
-                        <a:t>Atraso em Finalização de Iteração</a:t>
+                        <a:t>Negativo</a:t>
                       </a:r>
-                      <a:endParaRPr lang="pt-BR" sz="1800" b="0" strike="noStrike" spc="-1">
-                        <a:solidFill>
-                          <a:srgbClr val="000000"/>
-                        </a:solidFill>
-                        <a:uFill>
-                          <a:solidFill>
-                            <a:srgbClr val="FFFFFF"/>
-                          </a:solidFill>
-                        </a:uFill>
-                        <a:latin typeface="Arial"/>
-                      </a:endParaRPr>
                     </a:p>
                   </a:txBody>
                   <a:tcPr>
@@ -9895,14 +10511,10 @@
                         <a:srgbClr val="FFFFFF"/>
                       </a:solidFill>
                     </a:lnR>
-                    <a:lnT w="38160" cap="flat" cmpd="sng" algn="ctr">
-                      <a:solidFill>
-                        <a:srgbClr val="FFFFFF"/>
-                      </a:solidFill>
-                      <a:prstDash val="solid"/>
-                      <a:round/>
-                      <a:headEnd type="none" w="med" len="med"/>
-                      <a:tailEnd type="none" w="med" len="med"/>
+                    <a:lnT w="12240">
+                      <a:solidFill>
+                        <a:srgbClr val="FFFFFF"/>
+                      </a:solidFill>
                     </a:lnT>
                     <a:lnB w="12240">
                       <a:solidFill>
@@ -9914,6 +10526,11 @@
                     </a:solidFill>
                   </a:tcPr>
                 </a:tc>
+                <a:extLst>
+                  <a:ext uri="{0D108BD9-81ED-4DB2-BD59-A6C34878D82A}">
+                    <a16:rowId xmlns:a16="http://schemas.microsoft.com/office/drawing/2014/main" val="10003"/>
+                  </a:ext>
+                </a:extLst>
               </a:tr>
               <a:tr h="725760">
                 <a:tc>
@@ -9927,7 +10544,170 @@
                         </a:lnSpc>
                       </a:pPr>
                       <a:r>
-                        <a:rPr lang="pt-BR" sz="1800" b="0" strike="noStrike" spc="-1">
+                        <a:rPr lang="pt-BR" sz="1800" b="0" strike="noStrike" spc="-1" dirty="0">
+                          <a:solidFill>
+                            <a:srgbClr val="000000"/>
+                          </a:solidFill>
+                          <a:uFill>
+                            <a:solidFill>
+                              <a:srgbClr val="FFFFFF"/>
+                            </a:solidFill>
+                          </a:uFill>
+                          <a:latin typeface="Calibri"/>
+                        </a:rPr>
+                        <a:t>Análise de Riscos Incompleta</a:t>
+                      </a:r>
+                    </a:p>
+                  </a:txBody>
+                  <a:tcPr>
+                    <a:lnL w="12240">
+                      <a:solidFill>
+                        <a:srgbClr val="FFFFFF"/>
+                      </a:solidFill>
+                    </a:lnL>
+                    <a:lnR w="12240">
+                      <a:solidFill>
+                        <a:srgbClr val="FFFFFF"/>
+                      </a:solidFill>
+                    </a:lnR>
+                    <a:lnT w="12240">
+                      <a:solidFill>
+                        <a:srgbClr val="FFFFFF"/>
+                      </a:solidFill>
+                    </a:lnT>
+                    <a:lnB w="12240">
+                      <a:solidFill>
+                        <a:srgbClr val="FFFFFF"/>
+                      </a:solidFill>
+                    </a:lnB>
+                    <a:solidFill>
+                      <a:srgbClr val="E7E7E7"/>
+                    </a:solidFill>
+                  </a:tcPr>
+                </a:tc>
+                <a:tc>
+                  <a:txBody>
+                    <a:bodyPr/>
+                    <a:lstStyle/>
+                    <a:p>
+                      <a:pPr>
+                        <a:lnSpc>
+                          <a:spcPct val="100000"/>
+                        </a:lnSpc>
+                      </a:pPr>
+                      <a:r>
+                        <a:rPr lang="pt-BR" sz="1800" b="0" strike="noStrike" spc="-1" dirty="0">
+                          <a:solidFill>
+                            <a:srgbClr val="000000"/>
+                          </a:solidFill>
+                          <a:uFill>
+                            <a:solidFill>
+                              <a:srgbClr val="FFFFFF"/>
+                            </a:solidFill>
+                          </a:uFill>
+                          <a:latin typeface="Calibri"/>
+                        </a:rPr>
+                        <a:t>Negativo</a:t>
+                      </a:r>
+                    </a:p>
+                  </a:txBody>
+                  <a:tcPr>
+                    <a:lnL w="12240">
+                      <a:solidFill>
+                        <a:srgbClr val="FFFFFF"/>
+                      </a:solidFill>
+                    </a:lnL>
+                    <a:lnR w="12240">
+                      <a:solidFill>
+                        <a:srgbClr val="FFFFFF"/>
+                      </a:solidFill>
+                    </a:lnR>
+                    <a:lnT w="12240">
+                      <a:solidFill>
+                        <a:srgbClr val="FFFFFF"/>
+                      </a:solidFill>
+                    </a:lnT>
+                    <a:lnB w="12240">
+                      <a:solidFill>
+                        <a:srgbClr val="FFFFFF"/>
+                      </a:solidFill>
+                    </a:lnB>
+                    <a:solidFill>
+                      <a:srgbClr val="E7E7E7"/>
+                    </a:solidFill>
+                  </a:tcPr>
+                </a:tc>
+                <a:extLst>
+                  <a:ext uri="{0D108BD9-81ED-4DB2-BD59-A6C34878D82A}">
+                    <a16:rowId xmlns:a16="http://schemas.microsoft.com/office/drawing/2014/main" val="10004"/>
+                  </a:ext>
+                </a:extLst>
+              </a:tr>
+              <a:tr h="725760">
+                <a:tc>
+                  <a:txBody>
+                    <a:bodyPr/>
+                    <a:lstStyle/>
+                    <a:p>
+                      <a:pPr>
+                        <a:lnSpc>
+                          <a:spcPct val="100000"/>
+                        </a:lnSpc>
+                      </a:pPr>
+                      <a:r>
+                        <a:rPr lang="pt-BR" sz="1800" b="0" strike="noStrike" spc="-1" dirty="0">
+                          <a:solidFill>
+                            <a:srgbClr val="000000"/>
+                          </a:solidFill>
+                          <a:uFill>
+                            <a:solidFill>
+                              <a:srgbClr val="FFFFFF"/>
+                            </a:solidFill>
+                          </a:uFill>
+                          <a:latin typeface="Calibri"/>
+                        </a:rPr>
+                        <a:t>Surgimento de Bugs em Release Disponibilizada ao Cliente</a:t>
+                      </a:r>
+                    </a:p>
+                  </a:txBody>
+                  <a:tcPr>
+                    <a:lnL w="12240">
+                      <a:solidFill>
+                        <a:srgbClr val="FFFFFF"/>
+                      </a:solidFill>
+                    </a:lnL>
+                    <a:lnR w="12240">
+                      <a:solidFill>
+                        <a:srgbClr val="FFFFFF"/>
+                      </a:solidFill>
+                    </a:lnR>
+                    <a:lnT w="12240">
+                      <a:solidFill>
+                        <a:srgbClr val="FFFFFF"/>
+                      </a:solidFill>
+                    </a:lnT>
+                    <a:lnB w="12240">
+                      <a:solidFill>
+                        <a:srgbClr val="FFFFFF"/>
+                      </a:solidFill>
+                    </a:lnB>
+                    <a:solidFill>
+                      <a:srgbClr val="E7E7E7"/>
+                    </a:solidFill>
+                  </a:tcPr>
+                </a:tc>
+                <a:tc>
+                  <a:txBody>
+                    <a:bodyPr/>
+                    <a:lstStyle/>
+                    <a:p>
+                      <a:pPr>
+                        <a:lnSpc>
+                          <a:spcPct val="100000"/>
+                        </a:lnSpc>
+                      </a:pPr>
+                      <a:r>
+                        <a:rPr lang="pt-BR" sz="1800" b="0" strike="noStrike" spc="-1" dirty="0">
                           <a:solidFill>
                             <a:srgbClr val="000000"/>
                           </a:solidFill>
@@ -9949,7 +10729,6 @@
                             <a:srgbClr val="FFFFFF"/>
                           </a:solidFill>
                         </a:uFill>
-                        <a:latin typeface="Arial"/>
                       </a:endParaRPr>
                     </a:p>
                   </a:txBody>
@@ -9979,453 +10758,11 @@
                     </a:solidFill>
                   </a:tcPr>
                 </a:tc>
-                <a:tc>
-                  <a:txBody>
-                    <a:bodyPr/>
-                    <a:lstStyle/>
-                    <a:p>
-                      <a:pPr>
-                        <a:lnSpc>
-                          <a:spcPct val="100000"/>
-                        </a:lnSpc>
-                      </a:pPr>
-                      <a:r>
-                        <a:rPr lang="pt-BR" sz="1800" b="0" strike="noStrike" spc="-1">
-                          <a:solidFill>
-                            <a:srgbClr val="000000"/>
-                          </a:solidFill>
-                          <a:uFill>
-                            <a:solidFill>
-                              <a:srgbClr val="FFFFFF"/>
-                            </a:solidFill>
-                          </a:uFill>
-                          <a:latin typeface="Calibri"/>
-                        </a:rPr>
-                        <a:t>Falha do Planejamento Inicial do Projeto</a:t>
-                      </a:r>
-                      <a:endParaRPr lang="pt-BR" sz="1800" b="0" strike="noStrike" spc="-1">
-                        <a:solidFill>
-                          <a:srgbClr val="000000"/>
-                        </a:solidFill>
-                        <a:uFill>
-                          <a:solidFill>
-                            <a:srgbClr val="FFFFFF"/>
-                          </a:solidFill>
-                        </a:uFill>
-                        <a:latin typeface="Arial"/>
-                      </a:endParaRPr>
-                    </a:p>
-                  </a:txBody>
-                  <a:tcPr>
-                    <a:lnL w="12240">
-                      <a:solidFill>
-                        <a:srgbClr val="FFFFFF"/>
-                      </a:solidFill>
-                    </a:lnL>
-                    <a:lnR w="12240">
-                      <a:solidFill>
-                        <a:srgbClr val="FFFFFF"/>
-                      </a:solidFill>
-                    </a:lnR>
-                    <a:lnT w="12240">
-                      <a:solidFill>
-                        <a:srgbClr val="FFFFFF"/>
-                      </a:solidFill>
-                    </a:lnT>
-                    <a:lnB w="12240">
-                      <a:solidFill>
-                        <a:srgbClr val="FFFFFF"/>
-                      </a:solidFill>
-                    </a:lnB>
-                    <a:solidFill>
-                      <a:srgbClr val="E7E7E7"/>
-                    </a:solidFill>
-                  </a:tcPr>
-                </a:tc>
-              </a:tr>
-              <a:tr h="725760">
-                <a:tc>
-                  <a:txBody>
-                    <a:bodyPr/>
-                    <a:lstStyle/>
-                    <a:p>
-                      <a:pPr>
-                        <a:lnSpc>
-                          <a:spcPct val="100000"/>
-                        </a:lnSpc>
-                      </a:pPr>
-                      <a:r>
-                        <a:rPr lang="pt-BR" sz="1800" b="0" strike="noStrike" spc="-1">
-                          <a:solidFill>
-                            <a:srgbClr val="000000"/>
-                          </a:solidFill>
-                          <a:uFill>
-                            <a:solidFill>
-                              <a:srgbClr val="FFFFFF"/>
-                            </a:solidFill>
-                          </a:uFill>
-                          <a:latin typeface="Calibri"/>
-                        </a:rPr>
-                        <a:t>Negativo</a:t>
-                      </a:r>
-                      <a:endParaRPr lang="pt-BR" sz="1800" b="0" strike="noStrike" spc="-1">
-                        <a:solidFill>
-                          <a:srgbClr val="000000"/>
-                        </a:solidFill>
-                        <a:uFill>
-                          <a:solidFill>
-                            <a:srgbClr val="FFFFFF"/>
-                          </a:solidFill>
-                        </a:uFill>
-                        <a:latin typeface="Arial"/>
-                      </a:endParaRPr>
-                    </a:p>
-                  </a:txBody>
-                  <a:tcPr>
-                    <a:lnL w="12240">
-                      <a:solidFill>
-                        <a:srgbClr val="FFFFFF"/>
-                      </a:solidFill>
-                    </a:lnL>
-                    <a:lnR w="12240">
-                      <a:solidFill>
-                        <a:srgbClr val="FFFFFF"/>
-                      </a:solidFill>
-                    </a:lnR>
-                    <a:lnT w="12240">
-                      <a:solidFill>
-                        <a:srgbClr val="FFFFFF"/>
-                      </a:solidFill>
-                    </a:lnT>
-                    <a:lnB w="12240">
-                      <a:solidFill>
-                        <a:srgbClr val="FFFFFF"/>
-                      </a:solidFill>
-                    </a:lnB>
-                    <a:solidFill>
-                      <a:srgbClr val="CCCCCC"/>
-                    </a:solidFill>
-                  </a:tcPr>
-                </a:tc>
-                <a:tc>
-                  <a:txBody>
-                    <a:bodyPr/>
-                    <a:lstStyle/>
-                    <a:p>
-                      <a:pPr>
-                        <a:lnSpc>
-                          <a:spcPct val="100000"/>
-                        </a:lnSpc>
-                      </a:pPr>
-                      <a:r>
-                        <a:rPr lang="pt-BR" sz="1800" b="0" strike="noStrike" spc="-1">
-                          <a:solidFill>
-                            <a:srgbClr val="000000"/>
-                          </a:solidFill>
-                          <a:uFill>
-                            <a:solidFill>
-                              <a:srgbClr val="FFFFFF"/>
-                            </a:solidFill>
-                          </a:uFill>
-                          <a:latin typeface="Calibri"/>
-                        </a:rPr>
-                        <a:t>Má Distribuição de Tempo nas Atividades da Iteração</a:t>
-                      </a:r>
-                      <a:endParaRPr lang="pt-BR" sz="1800" b="0" strike="noStrike" spc="-1">
-                        <a:solidFill>
-                          <a:srgbClr val="000000"/>
-                        </a:solidFill>
-                        <a:uFill>
-                          <a:solidFill>
-                            <a:srgbClr val="FFFFFF"/>
-                          </a:solidFill>
-                        </a:uFill>
-                        <a:latin typeface="Arial"/>
-                      </a:endParaRPr>
-                    </a:p>
-                  </a:txBody>
-                  <a:tcPr>
-                    <a:lnL w="12240">
-                      <a:solidFill>
-                        <a:srgbClr val="FFFFFF"/>
-                      </a:solidFill>
-                    </a:lnL>
-                    <a:lnR w="12240">
-                      <a:solidFill>
-                        <a:srgbClr val="FFFFFF"/>
-                      </a:solidFill>
-                    </a:lnR>
-                    <a:lnT w="12240">
-                      <a:solidFill>
-                        <a:srgbClr val="FFFFFF"/>
-                      </a:solidFill>
-                    </a:lnT>
-                    <a:lnB w="12240">
-                      <a:solidFill>
-                        <a:srgbClr val="FFFFFF"/>
-                      </a:solidFill>
-                    </a:lnB>
-                    <a:solidFill>
-                      <a:srgbClr val="CCCCCC"/>
-                    </a:solidFill>
-                  </a:tcPr>
-                </a:tc>
-              </a:tr>
-              <a:tr h="725760">
-                <a:tc>
-                  <a:txBody>
-                    <a:bodyPr/>
-                    <a:lstStyle/>
-                    <a:p>
-                      <a:pPr>
-                        <a:lnSpc>
-                          <a:spcPct val="100000"/>
-                        </a:lnSpc>
-                      </a:pPr>
-                      <a:r>
-                        <a:rPr lang="pt-BR" sz="1800" b="0" strike="noStrike" spc="-1">
-                          <a:solidFill>
-                            <a:srgbClr val="000000"/>
-                          </a:solidFill>
-                          <a:uFill>
-                            <a:solidFill>
-                              <a:srgbClr val="FFFFFF"/>
-                            </a:solidFill>
-                          </a:uFill>
-                          <a:latin typeface="Calibri"/>
-                        </a:rPr>
-                        <a:t>Negativo</a:t>
-                      </a:r>
-                      <a:endParaRPr lang="pt-BR" sz="1800" b="0" strike="noStrike" spc="-1">
-                        <a:solidFill>
-                          <a:srgbClr val="000000"/>
-                        </a:solidFill>
-                        <a:uFill>
-                          <a:solidFill>
-                            <a:srgbClr val="FFFFFF"/>
-                          </a:solidFill>
-                        </a:uFill>
-                        <a:latin typeface="Arial"/>
-                      </a:endParaRPr>
-                    </a:p>
-                  </a:txBody>
-                  <a:tcPr>
-                    <a:lnL w="12240">
-                      <a:solidFill>
-                        <a:srgbClr val="FFFFFF"/>
-                      </a:solidFill>
-                    </a:lnL>
-                    <a:lnR w="12240">
-                      <a:solidFill>
-                        <a:srgbClr val="FFFFFF"/>
-                      </a:solidFill>
-                    </a:lnR>
-                    <a:lnT w="12240">
-                      <a:solidFill>
-                        <a:srgbClr val="FFFFFF"/>
-                      </a:solidFill>
-                    </a:lnT>
-                    <a:lnB w="12240">
-                      <a:solidFill>
-                        <a:srgbClr val="FFFFFF"/>
-                      </a:solidFill>
-                    </a:lnB>
-                    <a:solidFill>
-                      <a:srgbClr val="E7E7E7"/>
-                    </a:solidFill>
-                  </a:tcPr>
-                </a:tc>
-                <a:tc>
-                  <a:txBody>
-                    <a:bodyPr/>
-                    <a:lstStyle/>
-                    <a:p>
-                      <a:pPr>
-                        <a:lnSpc>
-                          <a:spcPct val="100000"/>
-                        </a:lnSpc>
-                      </a:pPr>
-                      <a:r>
-                        <a:rPr lang="pt-BR" sz="1800" b="0" strike="noStrike" spc="-1">
-                          <a:solidFill>
-                            <a:srgbClr val="000000"/>
-                          </a:solidFill>
-                          <a:uFill>
-                            <a:solidFill>
-                              <a:srgbClr val="FFFFFF"/>
-                            </a:solidFill>
-                          </a:uFill>
-                          <a:latin typeface="Calibri"/>
-                        </a:rPr>
-                        <a:t>Análise de Riscos Incompleta</a:t>
-                      </a:r>
-                      <a:endParaRPr lang="pt-BR" sz="1800" b="0" strike="noStrike" spc="-1">
-                        <a:solidFill>
-                          <a:srgbClr val="000000"/>
-                        </a:solidFill>
-                        <a:uFill>
-                          <a:solidFill>
-                            <a:srgbClr val="FFFFFF"/>
-                          </a:solidFill>
-                        </a:uFill>
-                        <a:latin typeface="Arial"/>
-                      </a:endParaRPr>
-                    </a:p>
-                  </a:txBody>
-                  <a:tcPr>
-                    <a:lnL w="12240">
-                      <a:solidFill>
-                        <a:srgbClr val="FFFFFF"/>
-                      </a:solidFill>
-                    </a:lnL>
-                    <a:lnR w="12240">
-                      <a:solidFill>
-                        <a:srgbClr val="FFFFFF"/>
-                      </a:solidFill>
-                    </a:lnR>
-                    <a:lnT w="12240">
-                      <a:solidFill>
-                        <a:srgbClr val="FFFFFF"/>
-                      </a:solidFill>
-                    </a:lnT>
-                    <a:lnB w="12240">
-                      <a:solidFill>
-                        <a:srgbClr val="FFFFFF"/>
-                      </a:solidFill>
-                    </a:lnB>
-                    <a:solidFill>
-                      <a:srgbClr val="E7E7E7"/>
-                    </a:solidFill>
-                  </a:tcPr>
-                </a:tc>
-              </a:tr>
-              <a:tr h="725760">
-                <a:tc>
-                  <a:txBody>
-                    <a:bodyPr/>
-                    <a:lstStyle/>
-                    <a:p>
-                      <a:pPr>
-                        <a:lnSpc>
-                          <a:spcPct val="100000"/>
-                        </a:lnSpc>
-                      </a:pPr>
-                      <a:r>
-                        <a:rPr lang="pt-BR" sz="1800" b="0" strike="noStrike" spc="-1">
-                          <a:solidFill>
-                            <a:srgbClr val="000000"/>
-                          </a:solidFill>
-                          <a:uFill>
-                            <a:solidFill>
-                              <a:srgbClr val="FFFFFF"/>
-                            </a:solidFill>
-                          </a:uFill>
-                          <a:latin typeface="Calibri"/>
-                        </a:rPr>
-                        <a:t>Negativo</a:t>
-                      </a:r>
-                      <a:endParaRPr lang="pt-BR" sz="1800" b="0" strike="noStrike" spc="-1">
-                        <a:solidFill>
-                          <a:srgbClr val="000000"/>
-                        </a:solidFill>
-                        <a:uFill>
-                          <a:solidFill>
-                            <a:srgbClr val="FFFFFF"/>
-                          </a:solidFill>
-                        </a:uFill>
-                        <a:latin typeface="Arial"/>
-                      </a:endParaRPr>
-                    </a:p>
-                  </a:txBody>
-                  <a:tcPr>
-                    <a:lnL w="12240">
-                      <a:solidFill>
-                        <a:srgbClr val="FFFFFF"/>
-                      </a:solidFill>
-                    </a:lnL>
-                    <a:lnR w="12240">
-                      <a:solidFill>
-                        <a:srgbClr val="FFFFFF"/>
-                      </a:solidFill>
-                    </a:lnR>
-                    <a:lnT w="12240">
-                      <a:solidFill>
-                        <a:srgbClr val="FFFFFF"/>
-                      </a:solidFill>
-                    </a:lnT>
-                    <a:lnB w="12240">
-                      <a:solidFill>
-                        <a:srgbClr val="FFFFFF"/>
-                      </a:solidFill>
-                    </a:lnB>
-                    <a:solidFill>
-                      <a:srgbClr val="E7E7E7"/>
-                    </a:solidFill>
-                  </a:tcPr>
-                </a:tc>
-                <a:tc>
-                  <a:txBody>
-                    <a:bodyPr/>
-                    <a:lstStyle/>
-                    <a:p>
-                      <a:pPr>
-                        <a:lnSpc>
-                          <a:spcPct val="100000"/>
-                        </a:lnSpc>
-                      </a:pPr>
-                      <a:r>
-                        <a:rPr lang="pt-BR" sz="1800" b="0" strike="noStrike" spc="-1">
-                          <a:solidFill>
-                            <a:srgbClr val="000000"/>
-                          </a:solidFill>
-                          <a:uFill>
-                            <a:solidFill>
-                              <a:srgbClr val="FFFFFF"/>
-                            </a:solidFill>
-                          </a:uFill>
-                          <a:latin typeface="Calibri"/>
-                        </a:rPr>
-                        <a:t>Surgimento de Bugs em Release Disponibilizada ao Cliente</a:t>
-                      </a:r>
-                      <a:endParaRPr lang="pt-BR" sz="1800" b="0" strike="noStrike" spc="-1">
-                        <a:solidFill>
-                          <a:srgbClr val="000000"/>
-                        </a:solidFill>
-                        <a:uFill>
-                          <a:solidFill>
-                            <a:srgbClr val="FFFFFF"/>
-                          </a:solidFill>
-                        </a:uFill>
-                        <a:latin typeface="Arial"/>
-                      </a:endParaRPr>
-                    </a:p>
-                  </a:txBody>
-                  <a:tcPr>
-                    <a:lnL w="12240">
-                      <a:solidFill>
-                        <a:srgbClr val="FFFFFF"/>
-                      </a:solidFill>
-                    </a:lnL>
-                    <a:lnR w="12240">
-                      <a:solidFill>
-                        <a:srgbClr val="FFFFFF"/>
-                      </a:solidFill>
-                    </a:lnR>
-                    <a:lnT w="12240">
-                      <a:solidFill>
-                        <a:srgbClr val="FFFFFF"/>
-                      </a:solidFill>
-                    </a:lnT>
-                    <a:lnB w="12240">
-                      <a:solidFill>
-                        <a:srgbClr val="FFFFFF"/>
-                      </a:solidFill>
-                    </a:lnB>
-                    <a:solidFill>
-                      <a:srgbClr val="E7E7E7"/>
-                    </a:solidFill>
-                  </a:tcPr>
-                </a:tc>
+                <a:extLst>
+                  <a:ext uri="{0D108BD9-81ED-4DB2-BD59-A6C34878D82A}">
+                    <a16:rowId xmlns:a16="http://schemas.microsoft.com/office/drawing/2014/main" val="10005"/>
+                  </a:ext>
+                </a:extLst>
               </a:tr>
             </a:tbl>
           </a:graphicData>
@@ -10556,19 +10893,37 @@
         <p:nvGraphicFramePr>
           <p:cNvPr id="137" name="Table 2"/>
           <p:cNvGraphicFramePr/>
-          <p:nvPr/>
+          <p:nvPr>
+            <p:extLst>
+              <p:ext uri="{D42A27DB-BD31-4B8C-83A1-F6EECF244321}">
+                <p14:modId xmlns:p14="http://schemas.microsoft.com/office/powerpoint/2010/main" val="2385534116"/>
+              </p:ext>
+            </p:extLst>
+          </p:nvPr>
         </p:nvGraphicFramePr>
         <p:xfrm>
           <a:off x="457200" y="1420920"/>
-          <a:ext cx="8229240" cy="5080320"/>
+          <a:ext cx="8220074" cy="5080320"/>
         </p:xfrm>
         <a:graphic>
           <a:graphicData uri="http://schemas.openxmlformats.org/drawingml/2006/table">
             <a:tbl>
               <a:tblPr/>
               <a:tblGrid>
-                <a:gridCol w="3191760"/>
-                <a:gridCol w="5037480"/>
+                <a:gridCol w="5029200">
+                  <a:extLst>
+                    <a:ext uri="{9D8B030D-6E8A-4147-A177-3AD203B41FA5}">
+                      <a16:colId xmlns:a16="http://schemas.microsoft.com/office/drawing/2014/main" val="20000"/>
+                    </a:ext>
+                  </a:extLst>
+                </a:gridCol>
+                <a:gridCol w="3190874">
+                  <a:extLst>
+                    <a:ext uri="{9D8B030D-6E8A-4147-A177-3AD203B41FA5}">
+                      <a16:colId xmlns:a16="http://schemas.microsoft.com/office/drawing/2014/main" val="20001"/>
+                    </a:ext>
+                  </a:extLst>
+                </a:gridCol>
               </a:tblGrid>
               <a:tr h="725760">
                 <a:tc>
@@ -10582,7 +10937,7 @@
                         </a:lnSpc>
                       </a:pPr>
                       <a:r>
-                        <a:rPr lang="pt-BR" sz="2400" b="0" strike="noStrike" spc="-1">
+                        <a:rPr lang="pt-BR" sz="2400" b="0" strike="noStrike" spc="-1" dirty="0">
                           <a:solidFill>
                             <a:srgbClr val="FFFFFF"/>
                           </a:solidFill>
@@ -10604,7 +10959,6 @@
                             <a:srgbClr val="FFFFFF"/>
                           </a:solidFill>
                         </a:uFill>
-                        <a:latin typeface="Arial"/>
                       </a:endParaRPr>
                     </a:p>
                   </a:txBody>
@@ -10645,7 +10999,7 @@
                         </a:lnSpc>
                       </a:pPr>
                       <a:r>
-                        <a:rPr lang="pt-BR" sz="2400" b="0" strike="noStrike" spc="-1">
+                        <a:rPr lang="pt-BR" sz="2400" b="0" strike="noStrike" spc="-1" dirty="0">
                           <a:solidFill>
                             <a:srgbClr val="FFFFFF"/>
                           </a:solidFill>
@@ -10667,7 +11021,6 @@
                             <a:srgbClr val="FFFFFF"/>
                           </a:solidFill>
                         </a:uFill>
-                        <a:latin typeface="Arial"/>
                       </a:endParaRPr>
                     </a:p>
                   </a:txBody>
@@ -10697,6 +11050,11 @@
                     </a:solidFill>
                   </a:tcPr>
                 </a:tc>
+                <a:extLst>
+                  <a:ext uri="{0D108BD9-81ED-4DB2-BD59-A6C34878D82A}">
+                    <a16:rowId xmlns:a16="http://schemas.microsoft.com/office/drawing/2014/main" val="10000"/>
+                  </a:ext>
+                </a:extLst>
               </a:tr>
               <a:tr h="725760">
                 <a:tc>
@@ -10710,7 +11068,440 @@
                         </a:lnSpc>
                       </a:pPr>
                       <a:r>
-                        <a:rPr lang="pt-BR" sz="1800" b="0" strike="noStrike" spc="-1">
+                        <a:rPr lang="pt-BR" sz="1800" b="0" strike="noStrike" spc="-1" dirty="0">
+                          <a:solidFill>
+                            <a:srgbClr val="000000"/>
+                          </a:solidFill>
+                          <a:uFill>
+                            <a:solidFill>
+                              <a:srgbClr val="FFFFFF"/>
+                            </a:solidFill>
+                          </a:uFill>
+                          <a:latin typeface="Calibri"/>
+                        </a:rPr>
+                        <a:t>Indisponibilidade do Cliente</a:t>
+                      </a:r>
+                      <a:endParaRPr lang="pt-BR" sz="1800" b="0" strike="noStrike" spc="-1">
+                        <a:solidFill>
+                          <a:srgbClr val="000000"/>
+                        </a:solidFill>
+                        <a:uFill>
+                          <a:solidFill>
+                            <a:srgbClr val="FFFFFF"/>
+                          </a:solidFill>
+                        </a:uFill>
+                      </a:endParaRPr>
+                    </a:p>
+                  </a:txBody>
+                  <a:tcPr>
+                    <a:lnL w="12240">
+                      <a:solidFill>
+                        <a:srgbClr val="FFFFFF"/>
+                      </a:solidFill>
+                    </a:lnL>
+                    <a:lnR w="12240">
+                      <a:solidFill>
+                        <a:srgbClr val="FFFFFF"/>
+                      </a:solidFill>
+                    </a:lnR>
+                    <a:lnT w="38160" cap="flat" cmpd="sng" algn="ctr">
+                      <a:solidFill>
+                        <a:srgbClr val="FFFFFF"/>
+                      </a:solidFill>
+                      <a:prstDash val="solid"/>
+                      <a:round/>
+                      <a:headEnd type="none" w="med" len="med"/>
+                      <a:tailEnd type="none" w="med" len="med"/>
+                    </a:lnT>
+                    <a:lnB w="12240">
+                      <a:solidFill>
+                        <a:srgbClr val="FFFFFF"/>
+                      </a:solidFill>
+                    </a:lnB>
+                    <a:solidFill>
+                      <a:srgbClr val="E7E7E7"/>
+                    </a:solidFill>
+                  </a:tcPr>
+                </a:tc>
+                <a:tc>
+                  <a:txBody>
+                    <a:bodyPr/>
+                    <a:lstStyle/>
+                    <a:p>
+                      <a:pPr>
+                        <a:lnSpc>
+                          <a:spcPct val="100000"/>
+                        </a:lnSpc>
+                      </a:pPr>
+                      <a:r>
+                        <a:rPr lang="pt-BR" sz="1800" b="0" strike="noStrike" spc="-1" dirty="0">
+                          <a:solidFill>
+                            <a:srgbClr val="000000"/>
+                          </a:solidFill>
+                          <a:uFill>
+                            <a:solidFill>
+                              <a:srgbClr val="FFFFFF"/>
+                            </a:solidFill>
+                          </a:uFill>
+                          <a:latin typeface="Calibri"/>
+                        </a:rPr>
+                        <a:t>Negativo</a:t>
+                      </a:r>
+                    </a:p>
+                  </a:txBody>
+                  <a:tcPr>
+                    <a:lnL w="12240">
+                      <a:solidFill>
+                        <a:srgbClr val="FFFFFF"/>
+                      </a:solidFill>
+                    </a:lnL>
+                    <a:lnR w="12240">
+                      <a:solidFill>
+                        <a:srgbClr val="FFFFFF"/>
+                      </a:solidFill>
+                    </a:lnR>
+                    <a:lnT w="38160" cap="flat" cmpd="sng" algn="ctr">
+                      <a:solidFill>
+                        <a:srgbClr val="FFFFFF"/>
+                      </a:solidFill>
+                      <a:prstDash val="solid"/>
+                      <a:round/>
+                      <a:headEnd type="none" w="med" len="med"/>
+                      <a:tailEnd type="none" w="med" len="med"/>
+                    </a:lnT>
+                    <a:lnB w="12240">
+                      <a:solidFill>
+                        <a:srgbClr val="FFFFFF"/>
+                      </a:solidFill>
+                    </a:lnB>
+                    <a:solidFill>
+                      <a:srgbClr val="E7E7E7"/>
+                    </a:solidFill>
+                  </a:tcPr>
+                </a:tc>
+                <a:extLst>
+                  <a:ext uri="{0D108BD9-81ED-4DB2-BD59-A6C34878D82A}">
+                    <a16:rowId xmlns:a16="http://schemas.microsoft.com/office/drawing/2014/main" val="10001"/>
+                  </a:ext>
+                </a:extLst>
+              </a:tr>
+              <a:tr h="725760">
+                <a:tc>
+                  <a:txBody>
+                    <a:bodyPr/>
+                    <a:lstStyle/>
+                    <a:p>
+                      <a:pPr>
+                        <a:lnSpc>
+                          <a:spcPct val="100000"/>
+                        </a:lnSpc>
+                      </a:pPr>
+                      <a:r>
+                        <a:rPr lang="pt-BR" sz="1800" b="0" strike="noStrike" spc="-1" dirty="0">
+                          <a:solidFill>
+                            <a:srgbClr val="000000"/>
+                          </a:solidFill>
+                          <a:uFill>
+                            <a:solidFill>
+                              <a:srgbClr val="FFFFFF"/>
+                            </a:solidFill>
+                          </a:uFill>
+                          <a:latin typeface="Calibri"/>
+                        </a:rPr>
+                        <a:t>Mudança de Requisitos</a:t>
+                      </a:r>
+                      <a:endParaRPr lang="pt-BR" sz="1800" b="0" strike="noStrike" spc="-1">
+                        <a:solidFill>
+                          <a:srgbClr val="000000"/>
+                        </a:solidFill>
+                        <a:uFill>
+                          <a:solidFill>
+                            <a:srgbClr val="FFFFFF"/>
+                          </a:solidFill>
+                        </a:uFill>
+                      </a:endParaRPr>
+                    </a:p>
+                  </a:txBody>
+                  <a:tcPr>
+                    <a:lnL w="12240">
+                      <a:solidFill>
+                        <a:srgbClr val="FFFFFF"/>
+                      </a:solidFill>
+                    </a:lnL>
+                    <a:lnR w="12240">
+                      <a:solidFill>
+                        <a:srgbClr val="FFFFFF"/>
+                      </a:solidFill>
+                    </a:lnR>
+                    <a:lnT w="12240">
+                      <a:solidFill>
+                        <a:srgbClr val="FFFFFF"/>
+                      </a:solidFill>
+                    </a:lnT>
+                    <a:lnB w="12240">
+                      <a:solidFill>
+                        <a:srgbClr val="FFFFFF"/>
+                      </a:solidFill>
+                    </a:lnB>
+                    <a:solidFill>
+                      <a:srgbClr val="E7E7E7"/>
+                    </a:solidFill>
+                  </a:tcPr>
+                </a:tc>
+                <a:tc>
+                  <a:txBody>
+                    <a:bodyPr/>
+                    <a:lstStyle/>
+                    <a:p>
+                      <a:pPr>
+                        <a:lnSpc>
+                          <a:spcPct val="100000"/>
+                        </a:lnSpc>
+                      </a:pPr>
+                      <a:r>
+                        <a:rPr lang="pt-BR" sz="1800" b="0" strike="noStrike" spc="-1" dirty="0">
+                          <a:solidFill>
+                            <a:srgbClr val="000000"/>
+                          </a:solidFill>
+                          <a:uFill>
+                            <a:solidFill>
+                              <a:srgbClr val="FFFFFF"/>
+                            </a:solidFill>
+                          </a:uFill>
+                          <a:latin typeface="Calibri"/>
+                        </a:rPr>
+                        <a:t>Negativo</a:t>
+                      </a:r>
+                    </a:p>
+                  </a:txBody>
+                  <a:tcPr>
+                    <a:lnL w="12240">
+                      <a:solidFill>
+                        <a:srgbClr val="FFFFFF"/>
+                      </a:solidFill>
+                    </a:lnL>
+                    <a:lnR w="12240">
+                      <a:solidFill>
+                        <a:srgbClr val="FFFFFF"/>
+                      </a:solidFill>
+                    </a:lnR>
+                    <a:lnT w="12240">
+                      <a:solidFill>
+                        <a:srgbClr val="FFFFFF"/>
+                      </a:solidFill>
+                    </a:lnT>
+                    <a:lnB w="12240">
+                      <a:solidFill>
+                        <a:srgbClr val="FFFFFF"/>
+                      </a:solidFill>
+                    </a:lnB>
+                    <a:solidFill>
+                      <a:srgbClr val="E7E7E7"/>
+                    </a:solidFill>
+                  </a:tcPr>
+                </a:tc>
+                <a:extLst>
+                  <a:ext uri="{0D108BD9-81ED-4DB2-BD59-A6C34878D82A}">
+                    <a16:rowId xmlns:a16="http://schemas.microsoft.com/office/drawing/2014/main" val="10002"/>
+                  </a:ext>
+                </a:extLst>
+              </a:tr>
+              <a:tr h="725760">
+                <a:tc>
+                  <a:txBody>
+                    <a:bodyPr/>
+                    <a:lstStyle/>
+                    <a:p>
+                      <a:pPr>
+                        <a:lnSpc>
+                          <a:spcPct val="100000"/>
+                        </a:lnSpc>
+                      </a:pPr>
+                      <a:r>
+                        <a:rPr lang="pt-BR" sz="1800" b="0" strike="noStrike" spc="-1" dirty="0">
+                          <a:solidFill>
+                            <a:srgbClr val="000000"/>
+                          </a:solidFill>
+                          <a:uFill>
+                            <a:solidFill>
+                              <a:srgbClr val="FFFFFF"/>
+                            </a:solidFill>
+                          </a:uFill>
+                          <a:latin typeface="Calibri"/>
+                        </a:rPr>
+                        <a:t>Capacidade técnica da equipe insuficiente para conclusão do projeto</a:t>
+                      </a:r>
+                      <a:endParaRPr lang="pt-BR" sz="1800" b="0" strike="noStrike" spc="-1">
+                        <a:solidFill>
+                          <a:srgbClr val="000000"/>
+                        </a:solidFill>
+                        <a:uFill>
+                          <a:solidFill>
+                            <a:srgbClr val="FFFFFF"/>
+                          </a:solidFill>
+                        </a:uFill>
+                      </a:endParaRPr>
+                    </a:p>
+                  </a:txBody>
+                  <a:tcPr>
+                    <a:lnL w="12240">
+                      <a:solidFill>
+                        <a:srgbClr val="FFFFFF"/>
+                      </a:solidFill>
+                    </a:lnL>
+                    <a:lnR w="12240">
+                      <a:solidFill>
+                        <a:srgbClr val="FFFFFF"/>
+                      </a:solidFill>
+                    </a:lnR>
+                    <a:lnT w="12240">
+                      <a:solidFill>
+                        <a:srgbClr val="FFFFFF"/>
+                      </a:solidFill>
+                    </a:lnT>
+                    <a:lnB w="12240">
+                      <a:solidFill>
+                        <a:srgbClr val="FFFFFF"/>
+                      </a:solidFill>
+                    </a:lnB>
+                    <a:solidFill>
+                      <a:srgbClr val="E7E7E7"/>
+                    </a:solidFill>
+                  </a:tcPr>
+                </a:tc>
+                <a:tc>
+                  <a:txBody>
+                    <a:bodyPr/>
+                    <a:lstStyle/>
+                    <a:p>
+                      <a:pPr>
+                        <a:lnSpc>
+                          <a:spcPct val="100000"/>
+                        </a:lnSpc>
+                      </a:pPr>
+                      <a:r>
+                        <a:rPr lang="pt-BR" sz="1800" b="0" strike="noStrike" spc="-1" dirty="0">
+                          <a:solidFill>
+                            <a:srgbClr val="000000"/>
+                          </a:solidFill>
+                          <a:uFill>
+                            <a:solidFill>
+                              <a:srgbClr val="FFFFFF"/>
+                            </a:solidFill>
+                          </a:uFill>
+                          <a:latin typeface="Calibri"/>
+                        </a:rPr>
+                        <a:t>Negativo</a:t>
+                      </a:r>
+                    </a:p>
+                  </a:txBody>
+                  <a:tcPr>
+                    <a:lnL w="12240">
+                      <a:solidFill>
+                        <a:srgbClr val="FFFFFF"/>
+                      </a:solidFill>
+                    </a:lnL>
+                    <a:lnR w="12240">
+                      <a:solidFill>
+                        <a:srgbClr val="FFFFFF"/>
+                      </a:solidFill>
+                    </a:lnR>
+                    <a:lnT w="12240">
+                      <a:solidFill>
+                        <a:srgbClr val="FFFFFF"/>
+                      </a:solidFill>
+                    </a:lnT>
+                    <a:lnB w="12240">
+                      <a:solidFill>
+                        <a:srgbClr val="FFFFFF"/>
+                      </a:solidFill>
+                    </a:lnB>
+                    <a:solidFill>
+                      <a:srgbClr val="E7E7E7"/>
+                    </a:solidFill>
+                  </a:tcPr>
+                </a:tc>
+                <a:extLst>
+                  <a:ext uri="{0D108BD9-81ED-4DB2-BD59-A6C34878D82A}">
+                    <a16:rowId xmlns:a16="http://schemas.microsoft.com/office/drawing/2014/main" val="10003"/>
+                  </a:ext>
+                </a:extLst>
+              </a:tr>
+              <a:tr h="725760">
+                <a:tc>
+                  <a:txBody>
+                    <a:bodyPr/>
+                    <a:lstStyle/>
+                    <a:p>
+                      <a:pPr>
+                        <a:lnSpc>
+                          <a:spcPct val="100000"/>
+                        </a:lnSpc>
+                      </a:pPr>
+                      <a:r>
+                        <a:rPr lang="pt-BR" sz="1800" b="0" strike="noStrike" spc="-1" dirty="0">
+                          <a:solidFill>
+                            <a:srgbClr val="000000"/>
+                          </a:solidFill>
+                          <a:uFill>
+                            <a:solidFill>
+                              <a:srgbClr val="FFFFFF"/>
+                            </a:solidFill>
+                          </a:uFill>
+                          <a:latin typeface="Calibri"/>
+                        </a:rPr>
+                        <a:t>Afastamento de Membro de Equipe</a:t>
+                      </a:r>
+                      <a:endParaRPr lang="pt-BR" sz="1800" b="0" strike="noStrike" spc="-1">
+                        <a:solidFill>
+                          <a:srgbClr val="000000"/>
+                        </a:solidFill>
+                        <a:uFill>
+                          <a:solidFill>
+                            <a:srgbClr val="FFFFFF"/>
+                          </a:solidFill>
+                        </a:uFill>
+                      </a:endParaRPr>
+                    </a:p>
+                  </a:txBody>
+                  <a:tcPr>
+                    <a:lnL w="12240">
+                      <a:solidFill>
+                        <a:srgbClr val="FFFFFF"/>
+                      </a:solidFill>
+                    </a:lnL>
+                    <a:lnR w="12240">
+                      <a:solidFill>
+                        <a:srgbClr val="FFFFFF"/>
+                      </a:solidFill>
+                    </a:lnR>
+                    <a:lnT w="12240">
+                      <a:solidFill>
+                        <a:srgbClr val="FFFFFF"/>
+                      </a:solidFill>
+                    </a:lnT>
+                    <a:lnB w="12240">
+                      <a:solidFill>
+                        <a:srgbClr val="FFFFFF"/>
+                      </a:solidFill>
+                    </a:lnB>
+                    <a:solidFill>
+                      <a:srgbClr val="E7E7E7"/>
+                    </a:solidFill>
+                  </a:tcPr>
+                </a:tc>
+                <a:tc>
+                  <a:txBody>
+                    <a:bodyPr/>
+                    <a:lstStyle/>
+                    <a:p>
+                      <a:pPr>
+                        <a:lnSpc>
+                          <a:spcPct val="100000"/>
+                        </a:lnSpc>
+                      </a:pPr>
+                      <a:r>
+                        <a:rPr lang="pt-BR" sz="1800" b="0" strike="noStrike" spc="-1" dirty="0">
                           <a:solidFill>
                             <a:srgbClr val="000000"/>
                           </a:solidFill>
@@ -10732,7 +11523,6 @@
                             <a:srgbClr val="FFFFFF"/>
                           </a:solidFill>
                         </a:uFill>
-                        <a:latin typeface="Arial"/>
                       </a:endParaRPr>
                     </a:p>
                   </a:txBody>
@@ -10747,14 +11537,79 @@
                         <a:srgbClr val="FFFFFF"/>
                       </a:solidFill>
                     </a:lnR>
-                    <a:lnT w="38160" cap="flat" cmpd="sng" algn="ctr">
-                      <a:solidFill>
-                        <a:srgbClr val="FFFFFF"/>
-                      </a:solidFill>
-                      <a:prstDash val="solid"/>
-                      <a:round/>
-                      <a:headEnd type="none" w="med" len="med"/>
-                      <a:tailEnd type="none" w="med" len="med"/>
+                    <a:lnT w="12240">
+                      <a:solidFill>
+                        <a:srgbClr val="FFFFFF"/>
+                      </a:solidFill>
+                    </a:lnT>
+                    <a:lnB w="12240">
+                      <a:solidFill>
+                        <a:srgbClr val="FFFFFF"/>
+                      </a:solidFill>
+                    </a:lnB>
+                    <a:solidFill>
+                      <a:srgbClr val="E7E7E7"/>
+                    </a:solidFill>
+                  </a:tcPr>
+                </a:tc>
+                <a:extLst>
+                  <a:ext uri="{0D108BD9-81ED-4DB2-BD59-A6C34878D82A}">
+                    <a16:rowId xmlns:a16="http://schemas.microsoft.com/office/drawing/2014/main" val="10004"/>
+                  </a:ext>
+                </a:extLst>
+              </a:tr>
+              <a:tr h="725760">
+                <a:tc>
+                  <a:txBody>
+                    <a:bodyPr/>
+                    <a:lstStyle/>
+                    <a:p>
+                      <a:pPr>
+                        <a:lnSpc>
+                          <a:spcPct val="100000"/>
+                        </a:lnSpc>
+                      </a:pPr>
+                      <a:r>
+                        <a:rPr lang="pt-BR" sz="1800" b="0" strike="noStrike" spc="-1" dirty="0">
+                          <a:solidFill>
+                            <a:srgbClr val="000000"/>
+                          </a:solidFill>
+                          <a:uFill>
+                            <a:solidFill>
+                              <a:srgbClr val="FFFFFF"/>
+                            </a:solidFill>
+                          </a:uFill>
+                          <a:latin typeface="Calibri"/>
+                        </a:rPr>
+                        <a:t>Dificuldade de Comunicação entre Membros de Equipe</a:t>
+                      </a:r>
+                      <a:endParaRPr lang="pt-BR" sz="1800" b="0" strike="noStrike" spc="-1">
+                        <a:solidFill>
+                          <a:srgbClr val="000000"/>
+                        </a:solidFill>
+                        <a:uFill>
+                          <a:solidFill>
+                            <a:srgbClr val="FFFFFF"/>
+                          </a:solidFill>
+                        </a:uFill>
+                      </a:endParaRPr>
+                    </a:p>
+                  </a:txBody>
+                  <a:tcPr>
+                    <a:lnL w="12240">
+                      <a:solidFill>
+                        <a:srgbClr val="FFFFFF"/>
+                      </a:solidFill>
+                    </a:lnL>
+                    <a:lnR w="12240">
+                      <a:solidFill>
+                        <a:srgbClr val="FFFFFF"/>
+                      </a:solidFill>
+                    </a:lnR>
+                    <a:lnT w="12240">
+                      <a:solidFill>
+                        <a:srgbClr val="FFFFFF"/>
+                      </a:solidFill>
                     </a:lnT>
                     <a:lnB w="12240">
                       <a:solidFill>
@@ -10777,7 +11632,7 @@
                         </a:lnSpc>
                       </a:pPr>
                       <a:r>
-                        <a:rPr lang="pt-BR" sz="1800" b="0" strike="noStrike" spc="-1">
+                        <a:rPr lang="pt-BR" sz="1800" b="0" strike="noStrike" spc="-1" dirty="0">
                           <a:solidFill>
                             <a:srgbClr val="000000"/>
                           </a:solidFill>
@@ -10788,19 +11643,8 @@
                           </a:uFill>
                           <a:latin typeface="Calibri"/>
                         </a:rPr>
-                        <a:t>Indisponibilidade do Cliente</a:t>
+                        <a:t>Negativo</a:t>
                       </a:r>
-                      <a:endParaRPr lang="pt-BR" sz="1800" b="0" strike="noStrike" spc="-1">
-                        <a:solidFill>
-                          <a:srgbClr val="000000"/>
-                        </a:solidFill>
-                        <a:uFill>
-                          <a:solidFill>
-                            <a:srgbClr val="FFFFFF"/>
-                          </a:solidFill>
-                        </a:uFill>
-                        <a:latin typeface="Arial"/>
-                      </a:endParaRPr>
                     </a:p>
                   </a:txBody>
                   <a:tcPr>
@@ -10814,14 +11658,10 @@
                         <a:srgbClr val="FFFFFF"/>
                       </a:solidFill>
                     </a:lnR>
-                    <a:lnT w="38160" cap="flat" cmpd="sng" algn="ctr">
-                      <a:solidFill>
-                        <a:srgbClr val="FFFFFF"/>
-                      </a:solidFill>
-                      <a:prstDash val="solid"/>
-                      <a:round/>
-                      <a:headEnd type="none" w="med" len="med"/>
-                      <a:tailEnd type="none" w="med" len="med"/>
+                    <a:lnT w="12240">
+                      <a:solidFill>
+                        <a:srgbClr val="FFFFFF"/>
+                      </a:solidFill>
                     </a:lnT>
                     <a:lnB w="12240">
                       <a:solidFill>
@@ -10833,6 +11673,11 @@
                     </a:solidFill>
                   </a:tcPr>
                 </a:tc>
+                <a:extLst>
+                  <a:ext uri="{0D108BD9-81ED-4DB2-BD59-A6C34878D82A}">
+                    <a16:rowId xmlns:a16="http://schemas.microsoft.com/office/drawing/2014/main" val="10005"/>
+                  </a:ext>
+                </a:extLst>
               </a:tr>
               <a:tr h="725760">
                 <a:tc>
@@ -10846,7 +11691,69 @@
                         </a:lnSpc>
                       </a:pPr>
                       <a:r>
-                        <a:rPr lang="pt-BR" sz="1800" b="0" strike="noStrike" spc="-1">
+                        <a:rPr lang="pt-BR" sz="1800" b="0" strike="noStrike" spc="-1" dirty="0">
+                          <a:solidFill>
+                            <a:srgbClr val="000000"/>
+                          </a:solidFill>
+                          <a:uFill>
+                            <a:solidFill>
+                              <a:srgbClr val="FFFFFF"/>
+                            </a:solidFill>
+                          </a:uFill>
+                          <a:latin typeface="Calibri"/>
+                        </a:rPr>
+                        <a:t>Dificuldade no acesso a ferramentas utilizadas</a:t>
+                      </a:r>
+                      <a:endParaRPr lang="pt-BR" sz="1800" b="0" strike="noStrike" spc="-1">
+                        <a:solidFill>
+                          <a:srgbClr val="000000"/>
+                        </a:solidFill>
+                        <a:uFill>
+                          <a:solidFill>
+                            <a:srgbClr val="FFFFFF"/>
+                          </a:solidFill>
+                        </a:uFill>
+                      </a:endParaRPr>
+                    </a:p>
+                  </a:txBody>
+                  <a:tcPr>
+                    <a:lnL w="12240">
+                      <a:solidFill>
+                        <a:srgbClr val="FFFFFF"/>
+                      </a:solidFill>
+                    </a:lnL>
+                    <a:lnR w="12240">
+                      <a:solidFill>
+                        <a:srgbClr val="FFFFFF"/>
+                      </a:solidFill>
+                    </a:lnR>
+                    <a:lnT w="12240">
+                      <a:solidFill>
+                        <a:srgbClr val="FFFFFF"/>
+                      </a:solidFill>
+                    </a:lnT>
+                    <a:lnB w="12240">
+                      <a:solidFill>
+                        <a:srgbClr val="FFFFFF"/>
+                      </a:solidFill>
+                    </a:lnB>
+                    <a:solidFill>
+                      <a:srgbClr val="E7E7E7"/>
+                    </a:solidFill>
+                  </a:tcPr>
+                </a:tc>
+                <a:tc>
+                  <a:txBody>
+                    <a:bodyPr/>
+                    <a:lstStyle/>
+                    <a:p>
+                      <a:pPr>
+                        <a:lnSpc>
+                          <a:spcPct val="100000"/>
+                        </a:lnSpc>
+                      </a:pPr>
+                      <a:r>
+                        <a:rPr lang="pt-BR" sz="1800" b="0" strike="noStrike" spc="-1" dirty="0">
                           <a:solidFill>
                             <a:srgbClr val="000000"/>
                           </a:solidFill>
@@ -10868,7 +11775,6 @@
                             <a:srgbClr val="FFFFFF"/>
                           </a:solidFill>
                         </a:uFill>
-                        <a:latin typeface="Arial"/>
                       </a:endParaRPr>
                     </a:p>
                   </a:txBody>
@@ -10898,581 +11804,11 @@
                     </a:solidFill>
                   </a:tcPr>
                 </a:tc>
-                <a:tc>
-                  <a:txBody>
-                    <a:bodyPr/>
-                    <a:lstStyle/>
-                    <a:p>
-                      <a:pPr>
-                        <a:lnSpc>
-                          <a:spcPct val="100000"/>
-                        </a:lnSpc>
-                      </a:pPr>
-                      <a:r>
-                        <a:rPr lang="pt-BR" sz="1800" b="0" strike="noStrike" spc="-1">
-                          <a:solidFill>
-                            <a:srgbClr val="000000"/>
-                          </a:solidFill>
-                          <a:uFill>
-                            <a:solidFill>
-                              <a:srgbClr val="FFFFFF"/>
-                            </a:solidFill>
-                          </a:uFill>
-                          <a:latin typeface="Calibri"/>
-                        </a:rPr>
-                        <a:t>Mudança de Requisitos</a:t>
-                      </a:r>
-                      <a:endParaRPr lang="pt-BR" sz="1800" b="0" strike="noStrike" spc="-1">
-                        <a:solidFill>
-                          <a:srgbClr val="000000"/>
-                        </a:solidFill>
-                        <a:uFill>
-                          <a:solidFill>
-                            <a:srgbClr val="FFFFFF"/>
-                          </a:solidFill>
-                        </a:uFill>
-                        <a:latin typeface="Arial"/>
-                      </a:endParaRPr>
-                    </a:p>
-                  </a:txBody>
-                  <a:tcPr>
-                    <a:lnL w="12240">
-                      <a:solidFill>
-                        <a:srgbClr val="FFFFFF"/>
-                      </a:solidFill>
-                    </a:lnL>
-                    <a:lnR w="12240">
-                      <a:solidFill>
-                        <a:srgbClr val="FFFFFF"/>
-                      </a:solidFill>
-                    </a:lnR>
-                    <a:lnT w="12240">
-                      <a:solidFill>
-                        <a:srgbClr val="FFFFFF"/>
-                      </a:solidFill>
-                    </a:lnT>
-                    <a:lnB w="12240">
-                      <a:solidFill>
-                        <a:srgbClr val="FFFFFF"/>
-                      </a:solidFill>
-                    </a:lnB>
-                    <a:solidFill>
-                      <a:srgbClr val="E7E7E7"/>
-                    </a:solidFill>
-                  </a:tcPr>
-                </a:tc>
-              </a:tr>
-              <a:tr h="725760">
-                <a:tc>
-                  <a:txBody>
-                    <a:bodyPr/>
-                    <a:lstStyle/>
-                    <a:p>
-                      <a:pPr>
-                        <a:lnSpc>
-                          <a:spcPct val="100000"/>
-                        </a:lnSpc>
-                      </a:pPr>
-                      <a:r>
-                        <a:rPr lang="pt-BR" sz="1800" b="0" strike="noStrike" spc="-1">
-                          <a:solidFill>
-                            <a:srgbClr val="000000"/>
-                          </a:solidFill>
-                          <a:uFill>
-                            <a:solidFill>
-                              <a:srgbClr val="FFFFFF"/>
-                            </a:solidFill>
-                          </a:uFill>
-                          <a:latin typeface="Calibri"/>
-                        </a:rPr>
-                        <a:t>Negativo</a:t>
-                      </a:r>
-                      <a:endParaRPr lang="pt-BR" sz="1800" b="0" strike="noStrike" spc="-1">
-                        <a:solidFill>
-                          <a:srgbClr val="000000"/>
-                        </a:solidFill>
-                        <a:uFill>
-                          <a:solidFill>
-                            <a:srgbClr val="FFFFFF"/>
-                          </a:solidFill>
-                        </a:uFill>
-                        <a:latin typeface="Arial"/>
-                      </a:endParaRPr>
-                    </a:p>
-                  </a:txBody>
-                  <a:tcPr>
-                    <a:lnL w="12240">
-                      <a:solidFill>
-                        <a:srgbClr val="FFFFFF"/>
-                      </a:solidFill>
-                    </a:lnL>
-                    <a:lnR w="12240">
-                      <a:solidFill>
-                        <a:srgbClr val="FFFFFF"/>
-                      </a:solidFill>
-                    </a:lnR>
-                    <a:lnT w="12240">
-                      <a:solidFill>
-                        <a:srgbClr val="FFFFFF"/>
-                      </a:solidFill>
-                    </a:lnT>
-                    <a:lnB w="12240">
-                      <a:solidFill>
-                        <a:srgbClr val="FFFFFF"/>
-                      </a:solidFill>
-                    </a:lnB>
-                    <a:solidFill>
-                      <a:srgbClr val="E7E7E7"/>
-                    </a:solidFill>
-                  </a:tcPr>
-                </a:tc>
-                <a:tc>
-                  <a:txBody>
-                    <a:bodyPr/>
-                    <a:lstStyle/>
-                    <a:p>
-                      <a:pPr>
-                        <a:lnSpc>
-                          <a:spcPct val="100000"/>
-                        </a:lnSpc>
-                      </a:pPr>
-                      <a:r>
-                        <a:rPr lang="pt-BR" sz="1800" b="0" strike="noStrike" spc="-1">
-                          <a:solidFill>
-                            <a:srgbClr val="000000"/>
-                          </a:solidFill>
-                          <a:uFill>
-                            <a:solidFill>
-                              <a:srgbClr val="FFFFFF"/>
-                            </a:solidFill>
-                          </a:uFill>
-                          <a:latin typeface="Calibri"/>
-                        </a:rPr>
-                        <a:t>Capacidade técnica da equipe insuficiente para conclusão do projeto.</a:t>
-                      </a:r>
-                      <a:endParaRPr lang="pt-BR" sz="1800" b="0" strike="noStrike" spc="-1">
-                        <a:solidFill>
-                          <a:srgbClr val="000000"/>
-                        </a:solidFill>
-                        <a:uFill>
-                          <a:solidFill>
-                            <a:srgbClr val="FFFFFF"/>
-                          </a:solidFill>
-                        </a:uFill>
-                        <a:latin typeface="Arial"/>
-                      </a:endParaRPr>
-                    </a:p>
-                  </a:txBody>
-                  <a:tcPr>
-                    <a:lnL w="12240">
-                      <a:solidFill>
-                        <a:srgbClr val="FFFFFF"/>
-                      </a:solidFill>
-                    </a:lnL>
-                    <a:lnR w="12240">
-                      <a:solidFill>
-                        <a:srgbClr val="FFFFFF"/>
-                      </a:solidFill>
-                    </a:lnR>
-                    <a:lnT w="12240">
-                      <a:solidFill>
-                        <a:srgbClr val="FFFFFF"/>
-                      </a:solidFill>
-                    </a:lnT>
-                    <a:lnB w="12240">
-                      <a:solidFill>
-                        <a:srgbClr val="FFFFFF"/>
-                      </a:solidFill>
-                    </a:lnB>
-                    <a:solidFill>
-                      <a:srgbClr val="E7E7E7"/>
-                    </a:solidFill>
-                  </a:tcPr>
-                </a:tc>
-              </a:tr>
-              <a:tr h="725760">
-                <a:tc>
-                  <a:txBody>
-                    <a:bodyPr/>
-                    <a:lstStyle/>
-                    <a:p>
-                      <a:pPr>
-                        <a:lnSpc>
-                          <a:spcPct val="100000"/>
-                        </a:lnSpc>
-                      </a:pPr>
-                      <a:r>
-                        <a:rPr lang="pt-BR" sz="1800" b="0" strike="noStrike" spc="-1">
-                          <a:solidFill>
-                            <a:srgbClr val="000000"/>
-                          </a:solidFill>
-                          <a:uFill>
-                            <a:solidFill>
-                              <a:srgbClr val="FFFFFF"/>
-                            </a:solidFill>
-                          </a:uFill>
-                          <a:latin typeface="Calibri"/>
-                        </a:rPr>
-                        <a:t>Negativo</a:t>
-                      </a:r>
-                      <a:endParaRPr lang="pt-BR" sz="1800" b="0" strike="noStrike" spc="-1">
-                        <a:solidFill>
-                          <a:srgbClr val="000000"/>
-                        </a:solidFill>
-                        <a:uFill>
-                          <a:solidFill>
-                            <a:srgbClr val="FFFFFF"/>
-                          </a:solidFill>
-                        </a:uFill>
-                        <a:latin typeface="Arial"/>
-                      </a:endParaRPr>
-                    </a:p>
-                  </a:txBody>
-                  <a:tcPr>
-                    <a:lnL w="12240">
-                      <a:solidFill>
-                        <a:srgbClr val="FFFFFF"/>
-                      </a:solidFill>
-                    </a:lnL>
-                    <a:lnR w="12240">
-                      <a:solidFill>
-                        <a:srgbClr val="FFFFFF"/>
-                      </a:solidFill>
-                    </a:lnR>
-                    <a:lnT w="12240">
-                      <a:solidFill>
-                        <a:srgbClr val="FFFFFF"/>
-                      </a:solidFill>
-                    </a:lnT>
-                    <a:lnB w="12240">
-                      <a:solidFill>
-                        <a:srgbClr val="FFFFFF"/>
-                      </a:solidFill>
-                    </a:lnB>
-                    <a:solidFill>
-                      <a:srgbClr val="E7E7E7"/>
-                    </a:solidFill>
-                  </a:tcPr>
-                </a:tc>
-                <a:tc>
-                  <a:txBody>
-                    <a:bodyPr/>
-                    <a:lstStyle/>
-                    <a:p>
-                      <a:pPr>
-                        <a:lnSpc>
-                          <a:spcPct val="100000"/>
-                        </a:lnSpc>
-                      </a:pPr>
-                      <a:r>
-                        <a:rPr lang="pt-BR" sz="1800" b="0" strike="noStrike" spc="-1">
-                          <a:solidFill>
-                            <a:srgbClr val="000000"/>
-                          </a:solidFill>
-                          <a:uFill>
-                            <a:solidFill>
-                              <a:srgbClr val="FFFFFF"/>
-                            </a:solidFill>
-                          </a:uFill>
-                          <a:latin typeface="Calibri"/>
-                        </a:rPr>
-                        <a:t>Afastamento de Membro de Equipe.</a:t>
-                      </a:r>
-                      <a:endParaRPr lang="pt-BR" sz="1800" b="0" strike="noStrike" spc="-1">
-                        <a:solidFill>
-                          <a:srgbClr val="000000"/>
-                        </a:solidFill>
-                        <a:uFill>
-                          <a:solidFill>
-                            <a:srgbClr val="FFFFFF"/>
-                          </a:solidFill>
-                        </a:uFill>
-                        <a:latin typeface="Arial"/>
-                      </a:endParaRPr>
-                    </a:p>
-                  </a:txBody>
-                  <a:tcPr>
-                    <a:lnL w="12240">
-                      <a:solidFill>
-                        <a:srgbClr val="FFFFFF"/>
-                      </a:solidFill>
-                    </a:lnL>
-                    <a:lnR w="12240">
-                      <a:solidFill>
-                        <a:srgbClr val="FFFFFF"/>
-                      </a:solidFill>
-                    </a:lnR>
-                    <a:lnT w="12240">
-                      <a:solidFill>
-                        <a:srgbClr val="FFFFFF"/>
-                      </a:solidFill>
-                    </a:lnT>
-                    <a:lnB w="12240">
-                      <a:solidFill>
-                        <a:srgbClr val="FFFFFF"/>
-                      </a:solidFill>
-                    </a:lnB>
-                    <a:solidFill>
-                      <a:srgbClr val="E7E7E7"/>
-                    </a:solidFill>
-                  </a:tcPr>
-                </a:tc>
-              </a:tr>
-              <a:tr h="725760">
-                <a:tc>
-                  <a:txBody>
-                    <a:bodyPr/>
-                    <a:lstStyle/>
-                    <a:p>
-                      <a:pPr>
-                        <a:lnSpc>
-                          <a:spcPct val="100000"/>
-                        </a:lnSpc>
-                      </a:pPr>
-                      <a:r>
-                        <a:rPr lang="pt-BR" sz="1800" b="0" strike="noStrike" spc="-1">
-                          <a:solidFill>
-                            <a:srgbClr val="000000"/>
-                          </a:solidFill>
-                          <a:uFill>
-                            <a:solidFill>
-                              <a:srgbClr val="FFFFFF"/>
-                            </a:solidFill>
-                          </a:uFill>
-                          <a:latin typeface="Calibri"/>
-                        </a:rPr>
-                        <a:t>Negativo</a:t>
-                      </a:r>
-                      <a:endParaRPr lang="pt-BR" sz="1800" b="0" strike="noStrike" spc="-1">
-                        <a:solidFill>
-                          <a:srgbClr val="000000"/>
-                        </a:solidFill>
-                        <a:uFill>
-                          <a:solidFill>
-                            <a:srgbClr val="FFFFFF"/>
-                          </a:solidFill>
-                        </a:uFill>
-                        <a:latin typeface="Arial"/>
-                      </a:endParaRPr>
-                    </a:p>
-                  </a:txBody>
-                  <a:tcPr>
-                    <a:lnL w="12240">
-                      <a:solidFill>
-                        <a:srgbClr val="FFFFFF"/>
-                      </a:solidFill>
-                    </a:lnL>
-                    <a:lnR w="12240">
-                      <a:solidFill>
-                        <a:srgbClr val="FFFFFF"/>
-                      </a:solidFill>
-                    </a:lnR>
-                    <a:lnT w="12240">
-                      <a:solidFill>
-                        <a:srgbClr val="FFFFFF"/>
-                      </a:solidFill>
-                    </a:lnT>
-                    <a:lnB w="12240">
-                      <a:solidFill>
-                        <a:srgbClr val="FFFFFF"/>
-                      </a:solidFill>
-                    </a:lnB>
-                    <a:solidFill>
-                      <a:srgbClr val="E7E7E7"/>
-                    </a:solidFill>
-                  </a:tcPr>
-                </a:tc>
-                <a:tc>
-                  <a:txBody>
-                    <a:bodyPr/>
-                    <a:lstStyle/>
-                    <a:p>
-                      <a:pPr>
-                        <a:lnSpc>
-                          <a:spcPct val="100000"/>
-                        </a:lnSpc>
-                      </a:pPr>
-                      <a:r>
-                        <a:rPr lang="pt-BR" sz="1800" b="0" strike="noStrike" spc="-1">
-                          <a:solidFill>
-                            <a:srgbClr val="000000"/>
-                          </a:solidFill>
-                          <a:uFill>
-                            <a:solidFill>
-                              <a:srgbClr val="FFFFFF"/>
-                            </a:solidFill>
-                          </a:uFill>
-                          <a:latin typeface="Calibri"/>
-                        </a:rPr>
-                        <a:t>Dificuldade de Comunicação entre Membros de Equipe</a:t>
-                      </a:r>
-                      <a:endParaRPr lang="pt-BR" sz="1800" b="0" strike="noStrike" spc="-1">
-                        <a:solidFill>
-                          <a:srgbClr val="000000"/>
-                        </a:solidFill>
-                        <a:uFill>
-                          <a:solidFill>
-                            <a:srgbClr val="FFFFFF"/>
-                          </a:solidFill>
-                        </a:uFill>
-                        <a:latin typeface="Arial"/>
-                      </a:endParaRPr>
-                    </a:p>
-                  </a:txBody>
-                  <a:tcPr>
-                    <a:lnL w="12240">
-                      <a:solidFill>
-                        <a:srgbClr val="FFFFFF"/>
-                      </a:solidFill>
-                    </a:lnL>
-                    <a:lnR w="12240">
-                      <a:solidFill>
-                        <a:srgbClr val="FFFFFF"/>
-                      </a:solidFill>
-                    </a:lnR>
-                    <a:lnT w="12240">
-                      <a:solidFill>
-                        <a:srgbClr val="FFFFFF"/>
-                      </a:solidFill>
-                    </a:lnT>
-                    <a:lnB w="12240">
-                      <a:solidFill>
-                        <a:srgbClr val="FFFFFF"/>
-                      </a:solidFill>
-                    </a:lnB>
-                    <a:solidFill>
-                      <a:srgbClr val="E7E7E7"/>
-                    </a:solidFill>
-                  </a:tcPr>
-                </a:tc>
-              </a:tr>
-              <a:tr h="725760">
-                <a:tc>
-                  <a:txBody>
-                    <a:bodyPr/>
-                    <a:lstStyle/>
-                    <a:p>
-                      <a:pPr>
-                        <a:lnSpc>
-                          <a:spcPct val="100000"/>
-                        </a:lnSpc>
-                      </a:pPr>
-                      <a:r>
-                        <a:rPr lang="pt-BR" sz="1800" b="0" strike="noStrike" spc="-1">
-                          <a:solidFill>
-                            <a:srgbClr val="000000"/>
-                          </a:solidFill>
-                          <a:uFill>
-                            <a:solidFill>
-                              <a:srgbClr val="FFFFFF"/>
-                            </a:solidFill>
-                          </a:uFill>
-                          <a:latin typeface="Calibri"/>
-                        </a:rPr>
-                        <a:t>Negativo</a:t>
-                      </a:r>
-                      <a:endParaRPr lang="pt-BR" sz="1800" b="0" strike="noStrike" spc="-1">
-                        <a:solidFill>
-                          <a:srgbClr val="000000"/>
-                        </a:solidFill>
-                        <a:uFill>
-                          <a:solidFill>
-                            <a:srgbClr val="FFFFFF"/>
-                          </a:solidFill>
-                        </a:uFill>
-                        <a:latin typeface="Arial"/>
-                      </a:endParaRPr>
-                    </a:p>
-                  </a:txBody>
-                  <a:tcPr>
-                    <a:lnL w="12240">
-                      <a:solidFill>
-                        <a:srgbClr val="FFFFFF"/>
-                      </a:solidFill>
-                    </a:lnL>
-                    <a:lnR w="12240">
-                      <a:solidFill>
-                        <a:srgbClr val="FFFFFF"/>
-                      </a:solidFill>
-                    </a:lnR>
-                    <a:lnT w="12240">
-                      <a:solidFill>
-                        <a:srgbClr val="FFFFFF"/>
-                      </a:solidFill>
-                    </a:lnT>
-                    <a:lnB w="12240">
-                      <a:solidFill>
-                        <a:srgbClr val="FFFFFF"/>
-                      </a:solidFill>
-                    </a:lnB>
-                    <a:solidFill>
-                      <a:srgbClr val="E7E7E7"/>
-                    </a:solidFill>
-                  </a:tcPr>
-                </a:tc>
-                <a:tc>
-                  <a:txBody>
-                    <a:bodyPr/>
-                    <a:lstStyle/>
-                    <a:p>
-                      <a:pPr>
-                        <a:lnSpc>
-                          <a:spcPct val="100000"/>
-                        </a:lnSpc>
-                      </a:pPr>
-                      <a:r>
-                        <a:rPr lang="pt-BR" sz="1800" b="0" strike="noStrike" spc="-1">
-                          <a:solidFill>
-                            <a:srgbClr val="000000"/>
-                          </a:solidFill>
-                          <a:uFill>
-                            <a:solidFill>
-                              <a:srgbClr val="FFFFFF"/>
-                            </a:solidFill>
-                          </a:uFill>
-                          <a:latin typeface="Calibri"/>
-                        </a:rPr>
-                        <a:t>Dificuldade no acesso a ferramentas utilizadas</a:t>
-                      </a:r>
-                      <a:endParaRPr lang="pt-BR" sz="1800" b="0" strike="noStrike" spc="-1">
-                        <a:solidFill>
-                          <a:srgbClr val="000000"/>
-                        </a:solidFill>
-                        <a:uFill>
-                          <a:solidFill>
-                            <a:srgbClr val="FFFFFF"/>
-                          </a:solidFill>
-                        </a:uFill>
-                        <a:latin typeface="Arial"/>
-                      </a:endParaRPr>
-                    </a:p>
-                  </a:txBody>
-                  <a:tcPr>
-                    <a:lnL w="12240">
-                      <a:solidFill>
-                        <a:srgbClr val="FFFFFF"/>
-                      </a:solidFill>
-                    </a:lnL>
-                    <a:lnR w="12240">
-                      <a:solidFill>
-                        <a:srgbClr val="FFFFFF"/>
-                      </a:solidFill>
-                    </a:lnR>
-                    <a:lnT w="12240">
-                      <a:solidFill>
-                        <a:srgbClr val="FFFFFF"/>
-                      </a:solidFill>
-                    </a:lnT>
-                    <a:lnB w="12240">
-                      <a:solidFill>
-                        <a:srgbClr val="FFFFFF"/>
-                      </a:solidFill>
-                    </a:lnB>
-                    <a:solidFill>
-                      <a:srgbClr val="E7E7E7"/>
-                    </a:solidFill>
-                  </a:tcPr>
-                </a:tc>
+                <a:extLst>
+                  <a:ext uri="{0D108BD9-81ED-4DB2-BD59-A6C34878D82A}">
+                    <a16:rowId xmlns:a16="http://schemas.microsoft.com/office/drawing/2014/main" val="10006"/>
+                  </a:ext>
+                </a:extLst>
               </a:tr>
             </a:tbl>
           </a:graphicData>
@@ -13537,8 +13873,20 @@
             <a:tbl>
               <a:tblPr/>
               <a:tblGrid>
-                <a:gridCol w="4114800"/>
-                <a:gridCol w="4114800"/>
+                <a:gridCol w="4114800">
+                  <a:extLst>
+                    <a:ext uri="{9D8B030D-6E8A-4147-A177-3AD203B41FA5}">
+                      <a16:colId xmlns:a16="http://schemas.microsoft.com/office/drawing/2014/main" val="20000"/>
+                    </a:ext>
+                  </a:extLst>
+                </a:gridCol>
+                <a:gridCol w="4114800">
+                  <a:extLst>
+                    <a:ext uri="{9D8B030D-6E8A-4147-A177-3AD203B41FA5}">
+                      <a16:colId xmlns:a16="http://schemas.microsoft.com/office/drawing/2014/main" val="20001"/>
+                    </a:ext>
+                  </a:extLst>
+                </a:gridCol>
               </a:tblGrid>
               <a:tr h="725760">
                 <a:tc>
@@ -13667,6 +14015,11 @@
                     </a:solidFill>
                   </a:tcPr>
                 </a:tc>
+                <a:extLst>
+                  <a:ext uri="{0D108BD9-81ED-4DB2-BD59-A6C34878D82A}">
+                    <a16:rowId xmlns:a16="http://schemas.microsoft.com/office/drawing/2014/main" val="10000"/>
+                  </a:ext>
+                </a:extLst>
               </a:tr>
               <a:tr h="725760">
                 <a:tc>
@@ -13803,6 +14156,11 @@
                     </a:solidFill>
                   </a:tcPr>
                 </a:tc>
+                <a:extLst>
+                  <a:ext uri="{0D108BD9-81ED-4DB2-BD59-A6C34878D82A}">
+                    <a16:rowId xmlns:a16="http://schemas.microsoft.com/office/drawing/2014/main" val="10001"/>
+                  </a:ext>
+                </a:extLst>
               </a:tr>
               <a:tr h="725760">
                 <a:tc>
@@ -13931,6 +14289,11 @@
                     </a:solidFill>
                   </a:tcPr>
                 </a:tc>
+                <a:extLst>
+                  <a:ext uri="{0D108BD9-81ED-4DB2-BD59-A6C34878D82A}">
+                    <a16:rowId xmlns:a16="http://schemas.microsoft.com/office/drawing/2014/main" val="10002"/>
+                  </a:ext>
+                </a:extLst>
               </a:tr>
               <a:tr h="725760">
                 <a:tc>
@@ -14059,6 +14422,11 @@
                     </a:solidFill>
                   </a:tcPr>
                 </a:tc>
+                <a:extLst>
+                  <a:ext uri="{0D108BD9-81ED-4DB2-BD59-A6C34878D82A}">
+                    <a16:rowId xmlns:a16="http://schemas.microsoft.com/office/drawing/2014/main" val="10003"/>
+                  </a:ext>
+                </a:extLst>
               </a:tr>
               <a:tr h="725760">
                 <a:tc>
@@ -14187,6 +14555,11 @@
                     </a:solidFill>
                   </a:tcPr>
                 </a:tc>
+                <a:extLst>
+                  <a:ext uri="{0D108BD9-81ED-4DB2-BD59-A6C34878D82A}">
+                    <a16:rowId xmlns:a16="http://schemas.microsoft.com/office/drawing/2014/main" val="10004"/>
+                  </a:ext>
+                </a:extLst>
               </a:tr>
               <a:tr h="725760">
                 <a:tc>
@@ -14315,6 +14688,11 @@
                     </a:solidFill>
                   </a:tcPr>
                 </a:tc>
+                <a:extLst>
+                  <a:ext uri="{0D108BD9-81ED-4DB2-BD59-A6C34878D82A}">
+                    <a16:rowId xmlns:a16="http://schemas.microsoft.com/office/drawing/2014/main" val="10005"/>
+                  </a:ext>
+                </a:extLst>
               </a:tr>
               <a:tr h="725760">
                 <a:tc>
@@ -14433,6 +14811,11 @@
                     </a:solidFill>
                   </a:tcPr>
                 </a:tc>
+                <a:extLst>
+                  <a:ext uri="{0D108BD9-81ED-4DB2-BD59-A6C34878D82A}">
+                    <a16:rowId xmlns:a16="http://schemas.microsoft.com/office/drawing/2014/main" val="10006"/>
+                  </a:ext>
+                </a:extLst>
               </a:tr>
             </a:tbl>
           </a:graphicData>
@@ -15146,4 +15529,299 @@
   <a:objectDefaults/>
   <a:extraClrSchemeLst/>
 </a:theme>
+</file>
+
+<file path=ppt/theme/theme4.xml><?xml version="1.0" encoding="utf-8"?>
+<a:theme xmlns:a="http://schemas.openxmlformats.org/drawingml/2006/main" name="Tema do Office">
+  <a:themeElements>
+    <a:clrScheme name="Office">
+      <a:dk1>
+        <a:sysClr val="windowText" lastClr="000000"/>
+      </a:dk1>
+      <a:lt1>
+        <a:sysClr val="window" lastClr="FFFFFF"/>
+      </a:lt1>
+      <a:dk2>
+        <a:srgbClr val="44546A"/>
+      </a:dk2>
+      <a:lt2>
+        <a:srgbClr val="E7E6E6"/>
+      </a:lt2>
+      <a:accent1>
+        <a:srgbClr val="4472C4"/>
+      </a:accent1>
+      <a:accent2>
+        <a:srgbClr val="ED7D31"/>
+      </a:accent2>
+      <a:accent3>
+        <a:srgbClr val="A5A5A5"/>
+      </a:accent3>
+      <a:accent4>
+        <a:srgbClr val="FFC000"/>
+      </a:accent4>
+      <a:accent5>
+        <a:srgbClr val="5B9BD5"/>
+      </a:accent5>
+      <a:accent6>
+        <a:srgbClr val="70AD47"/>
+      </a:accent6>
+      <a:hlink>
+        <a:srgbClr val="0563C1"/>
+      </a:hlink>
+      <a:folHlink>
+        <a:srgbClr val="954F72"/>
+      </a:folHlink>
+    </a:clrScheme>
+    <a:fontScheme name="Office">
+      <a:majorFont>
+        <a:latin typeface="Calibri Light" panose="020F0302020204030204"/>
+        <a:ea typeface=""/>
+        <a:cs typeface=""/>
+        <a:font script="Jpan" typeface="游ゴシック Light"/>
+        <a:font script="Hang" typeface="맑은 고딕"/>
+        <a:font script="Hans" typeface="等线 Light"/>
+        <a:font script="Hant" typeface="新細明體"/>
+        <a:font script="Arab" typeface="Times New Roman"/>
+        <a:font script="Hebr" typeface="Times New Roman"/>
+        <a:font script="Thai" typeface="Angsana New"/>
+        <a:font script="Ethi" typeface="Nyala"/>
+        <a:font script="Beng" typeface="Vrinda"/>
+        <a:font script="Gujr" typeface="Shruti"/>
+        <a:font script="Khmr" typeface="MoolBoran"/>
+        <a:font script="Knda" typeface="Tunga"/>
+        <a:font script="Guru" typeface="Raavi"/>
+        <a:font script="Cans" typeface="Euphemia"/>
+        <a:font script="Cher" typeface="Plantagenet Cherokee"/>
+        <a:font script="Yiii" typeface="Microsoft Yi Baiti"/>
+        <a:font script="Tibt" typeface="Microsoft Himalaya"/>
+        <a:font script="Thaa" typeface="MV Boli"/>
+        <a:font script="Deva" typeface="Mangal"/>
+        <a:font script="Telu" typeface="Gautami"/>
+        <a:font script="Taml" typeface="Latha"/>
+        <a:font script="Syrc" typeface="Estrangelo Edessa"/>
+        <a:font script="Orya" typeface="Kalinga"/>
+        <a:font script="Mlym" typeface="Kartika"/>
+        <a:font script="Laoo" typeface="DokChampa"/>
+        <a:font script="Sinh" typeface="Iskoola Pota"/>
+        <a:font script="Mong" typeface="Mongolian Baiti"/>
+        <a:font script="Viet" typeface="Times New Roman"/>
+        <a:font script="Uigh" typeface="Microsoft Uighur"/>
+        <a:font script="Geor" typeface="Sylfaen"/>
+        <a:font script="Armn" typeface="Arial"/>
+        <a:font script="Bugi" typeface="Leelawadee UI"/>
+        <a:font script="Bopo" typeface="Microsoft JhengHei"/>
+        <a:font script="Java" typeface="Javanese Text"/>
+        <a:font script="Lisu" typeface="Segoe UI"/>
+        <a:font script="Mymr" typeface="Myanmar Text"/>
+        <a:font script="Nkoo" typeface="Ebrima"/>
+        <a:font script="Olck" typeface="Nirmala UI"/>
+        <a:font script="Osma" typeface="Ebrima"/>
+        <a:font script="Phag" typeface="Phagspa"/>
+        <a:font script="Syrn" typeface="Estrangelo Edessa"/>
+        <a:font script="Syrj" typeface="Estrangelo Edessa"/>
+        <a:font script="Syre" typeface="Estrangelo Edessa"/>
+        <a:font script="Sora" typeface="Nirmala UI"/>
+        <a:font script="Tale" typeface="Microsoft Tai Le"/>
+        <a:font script="Talu" typeface="Microsoft New Tai Lue"/>
+        <a:font script="Tfng" typeface="Ebrima"/>
+      </a:majorFont>
+      <a:minorFont>
+        <a:latin typeface="Calibri" panose="020F0502020204030204"/>
+        <a:ea typeface=""/>
+        <a:cs typeface=""/>
+        <a:font script="Jpan" typeface="游ゴシック"/>
+        <a:font script="Hang" typeface="맑은 고딕"/>
+        <a:font script="Hans" typeface="等线"/>
+        <a:font script="Hant" typeface="新細明體"/>
+        <a:font script="Arab" typeface="Arial"/>
+        <a:font script="Hebr" typeface="Arial"/>
+        <a:font script="Thai" typeface="Cordia New"/>
+        <a:font script="Ethi" typeface="Nyala"/>
+        <a:font script="Beng" typeface="Vrinda"/>
+        <a:font script="Gujr" typeface="Shruti"/>
+        <a:font script="Khmr" typeface="DaunPenh"/>
+        <a:font script="Knda" typeface="Tunga"/>
+        <a:font script="Guru" typeface="Raavi"/>
+        <a:font script="Cans" typeface="Euphemia"/>
+        <a:font script="Cher" typeface="Plantagenet Cherokee"/>
+        <a:font script="Yiii" typeface="Microsoft Yi Baiti"/>
+        <a:font script="Tibt" typeface="Microsoft Himalaya"/>
+        <a:font script="Thaa" typeface="MV Boli"/>
+        <a:font script="Deva" typeface="Mangal"/>
+        <a:font script="Telu" typeface="Gautami"/>
+        <a:font script="Taml" typeface="Latha"/>
+        <a:font script="Syrc" typeface="Estrangelo Edessa"/>
+        <a:font script="Orya" typeface="Kalinga"/>
+        <a:font script="Mlym" typeface="Kartika"/>
+        <a:font script="Laoo" typeface="DokChampa"/>
+        <a:font script="Sinh" typeface="Iskoola Pota"/>
+        <a:font script="Mong" typeface="Mongolian Baiti"/>
+        <a:font script="Viet" typeface="Arial"/>
+        <a:font script="Uigh" typeface="Microsoft Uighur"/>
+        <a:font script="Geor" typeface="Sylfaen"/>
+        <a:font script="Armn" typeface="Arial"/>
+        <a:font script="Bugi" typeface="Leelawadee UI"/>
+        <a:font script="Bopo" typeface="Microsoft JhengHei"/>
+        <a:font script="Java" typeface="Javanese Text"/>
+        <a:font script="Lisu" typeface="Segoe UI"/>
+        <a:font script="Mymr" typeface="Myanmar Text"/>
+        <a:font script="Nkoo" typeface="Ebrima"/>
+        <a:font script="Olck" typeface="Nirmala UI"/>
+        <a:font script="Osma" typeface="Ebrima"/>
+        <a:font script="Phag" typeface="Phagspa"/>
+        <a:font script="Syrn" typeface="Estrangelo Edessa"/>
+        <a:font script="Syrj" typeface="Estrangelo Edessa"/>
+        <a:font script="Syre" typeface="Estrangelo Edessa"/>
+        <a:font script="Sora" typeface="Nirmala UI"/>
+        <a:font script="Tale" typeface="Microsoft Tai Le"/>
+        <a:font script="Talu" typeface="Microsoft New Tai Lue"/>
+        <a:font script="Tfng" typeface="Ebrima"/>
+      </a:minorFont>
+    </a:fontScheme>
+    <a:fmtScheme name="Office">
+      <a:fillStyleLst>
+        <a:solidFill>
+          <a:schemeClr val="phClr"/>
+        </a:solidFill>
+        <a:gradFill rotWithShape="1">
+          <a:gsLst>
+            <a:gs pos="0">
+              <a:schemeClr val="phClr">
+                <a:lumMod val="110000"/>
+                <a:satMod val="105000"/>
+                <a:tint val="67000"/>
+              </a:schemeClr>
+            </a:gs>
+            <a:gs pos="50000">
+              <a:schemeClr val="phClr">
+                <a:lumMod val="105000"/>
+                <a:satMod val="103000"/>
+                <a:tint val="73000"/>
+              </a:schemeClr>
+            </a:gs>
+            <a:gs pos="100000">
+              <a:schemeClr val="phClr">
+                <a:lumMod val="105000"/>
+                <a:satMod val="109000"/>
+                <a:tint val="81000"/>
+              </a:schemeClr>
+            </a:gs>
+          </a:gsLst>
+          <a:lin ang="5400000" scaled="0"/>
+        </a:gradFill>
+        <a:gradFill rotWithShape="1">
+          <a:gsLst>
+            <a:gs pos="0">
+              <a:schemeClr val="phClr">
+                <a:satMod val="103000"/>
+                <a:lumMod val="102000"/>
+                <a:tint val="94000"/>
+              </a:schemeClr>
+            </a:gs>
+            <a:gs pos="50000">
+              <a:schemeClr val="phClr">
+                <a:satMod val="110000"/>
+                <a:lumMod val="100000"/>
+                <a:shade val="100000"/>
+              </a:schemeClr>
+            </a:gs>
+            <a:gs pos="100000">
+              <a:schemeClr val="phClr">
+                <a:lumMod val="99000"/>
+                <a:satMod val="120000"/>
+                <a:shade val="78000"/>
+              </a:schemeClr>
+            </a:gs>
+          </a:gsLst>
+          <a:lin ang="5400000" scaled="0"/>
+        </a:gradFill>
+      </a:fillStyleLst>
+      <a:lnStyleLst>
+        <a:ln w="6350" cap="flat" cmpd="sng" algn="ctr">
+          <a:solidFill>
+            <a:schemeClr val="phClr"/>
+          </a:solidFill>
+          <a:prstDash val="solid"/>
+          <a:miter lim="800000"/>
+        </a:ln>
+        <a:ln w="12700" cap="flat" cmpd="sng" algn="ctr">
+          <a:solidFill>
+            <a:schemeClr val="phClr"/>
+          </a:solidFill>
+          <a:prstDash val="solid"/>
+          <a:miter lim="800000"/>
+        </a:ln>
+        <a:ln w="19050" cap="flat" cmpd="sng" algn="ctr">
+          <a:solidFill>
+            <a:schemeClr val="phClr"/>
+          </a:solidFill>
+          <a:prstDash val="solid"/>
+          <a:miter lim="800000"/>
+        </a:ln>
+      </a:lnStyleLst>
+      <a:effectStyleLst>
+        <a:effectStyle>
+          <a:effectLst/>
+        </a:effectStyle>
+        <a:effectStyle>
+          <a:effectLst/>
+        </a:effectStyle>
+        <a:effectStyle>
+          <a:effectLst>
+            <a:outerShdw blurRad="57150" dist="19050" dir="5400000" algn="ctr" rotWithShape="0">
+              <a:srgbClr val="000000">
+                <a:alpha val="63000"/>
+              </a:srgbClr>
+            </a:outerShdw>
+          </a:effectLst>
+        </a:effectStyle>
+      </a:effectStyleLst>
+      <a:bgFillStyleLst>
+        <a:solidFill>
+          <a:schemeClr val="phClr"/>
+        </a:solidFill>
+        <a:solidFill>
+          <a:schemeClr val="phClr">
+            <a:tint val="95000"/>
+            <a:satMod val="170000"/>
+          </a:schemeClr>
+        </a:solidFill>
+        <a:gradFill rotWithShape="1">
+          <a:gsLst>
+            <a:gs pos="0">
+              <a:schemeClr val="phClr">
+                <a:tint val="93000"/>
+                <a:satMod val="150000"/>
+                <a:shade val="98000"/>
+                <a:lumMod val="102000"/>
+              </a:schemeClr>
+            </a:gs>
+            <a:gs pos="50000">
+              <a:schemeClr val="phClr">
+                <a:tint val="98000"/>
+                <a:satMod val="130000"/>
+                <a:shade val="90000"/>
+                <a:lumMod val="103000"/>
+              </a:schemeClr>
+            </a:gs>
+            <a:gs pos="100000">
+              <a:schemeClr val="phClr">
+                <a:shade val="63000"/>
+                <a:satMod val="120000"/>
+              </a:schemeClr>
+            </a:gs>
+          </a:gsLst>
+          <a:lin ang="5400000" scaled="0"/>
+        </a:gradFill>
+      </a:bgFillStyleLst>
+    </a:fmtScheme>
+  </a:themeElements>
+  <a:objectDefaults/>
+  <a:extraClrSchemeLst/>
+  <a:extLst>
+    <a:ext uri="{05A4C25C-085E-4340-85A3-A5531E510DB2}">
+      <thm15:themeFamily xmlns:thm15="http://schemas.microsoft.com/office/thememl/2012/main" name="Office Theme" id="{62F939B6-93AF-4DB8-9C6B-D6C7DFDC589F}" vid="{4A3C46E8-61CC-4603-A589-7422A47A8E4A}"/>
+    </a:ext>
+  </a:extLst>
+</a:theme>
 </file>
--- a/Projeto-AjudeMais/000-Gerência de Projeto/PPJ-Plano de Projeto.pptx
+++ b/Projeto-AjudeMais/000-Gerência de Projeto/PPJ-Plano de Projeto.pptx
@@ -225,7 +225,7 @@
           <a:p>
             <a:fld id="{6F19187C-107A-461F-948E-1D51F5B1349A}" type="datetimeFigureOut">
               <a:rPr lang="pt-BR"/>
-              <a:t>25/03/2017</a:t>
+              <a:t>28/03/2017</a:t>
             </a:fld>
             <a:endParaRPr lang="pt-BR"/>
           </a:p>
@@ -557,7 +557,7 @@
           <a:p>
             <a:fld id="{2DD07020-CA46-47EE-9199-35777A0F5CCA}" type="slidenum">
               <a:rPr lang="pt-BR"/>
-              <a:t>‹nº›</a:t>
+              <a:t>13</a:t>
             </a:fld>
             <a:endParaRPr lang="pt-BR"/>
           </a:p>
@@ -7157,14 +7157,14 @@
                 <a:gridCol w="4114800">
                   <a:extLst>
                     <a:ext uri="{9D8B030D-6E8A-4147-A177-3AD203B41FA5}">
-                      <a16:colId xmlns:a16="http://schemas.microsoft.com/office/drawing/2014/main" val="20000"/>
+                      <a16:colId xmlns:a16="http://schemas.microsoft.com/office/drawing/2014/main" xmlns="" val="20000"/>
                     </a:ext>
                   </a:extLst>
                 </a:gridCol>
                 <a:gridCol w="4114800">
                   <a:extLst>
                     <a:ext uri="{9D8B030D-6E8A-4147-A177-3AD203B41FA5}">
-                      <a16:colId xmlns:a16="http://schemas.microsoft.com/office/drawing/2014/main" val="20001"/>
+                      <a16:colId xmlns:a16="http://schemas.microsoft.com/office/drawing/2014/main" xmlns="" val="20001"/>
                     </a:ext>
                   </a:extLst>
                 </a:gridCol>
@@ -7298,7 +7298,7 @@
                 </a:tc>
                 <a:extLst>
                   <a:ext uri="{0D108BD9-81ED-4DB2-BD59-A6C34878D82A}">
-                    <a16:rowId xmlns:a16="http://schemas.microsoft.com/office/drawing/2014/main" val="10000"/>
+                    <a16:rowId xmlns:a16="http://schemas.microsoft.com/office/drawing/2014/main" xmlns="" val="10000"/>
                   </a:ext>
                 </a:extLst>
               </a:tr>
@@ -7535,7 +7535,7 @@
                 </a:tc>
                 <a:extLst>
                   <a:ext uri="{0D108BD9-81ED-4DB2-BD59-A6C34878D82A}">
-                    <a16:rowId xmlns:a16="http://schemas.microsoft.com/office/drawing/2014/main" val="10001"/>
+                    <a16:rowId xmlns:a16="http://schemas.microsoft.com/office/drawing/2014/main" xmlns="" val="10001"/>
                   </a:ext>
                 </a:extLst>
               </a:tr>
@@ -7668,7 +7668,7 @@
                 </a:tc>
                 <a:extLst>
                   <a:ext uri="{0D108BD9-81ED-4DB2-BD59-A6C34878D82A}">
-                    <a16:rowId xmlns:a16="http://schemas.microsoft.com/office/drawing/2014/main" val="10002"/>
+                    <a16:rowId xmlns:a16="http://schemas.microsoft.com/office/drawing/2014/main" xmlns="" val="10002"/>
                   </a:ext>
                 </a:extLst>
               </a:tr>
@@ -7801,7 +7801,7 @@
                 </a:tc>
                 <a:extLst>
                   <a:ext uri="{0D108BD9-81ED-4DB2-BD59-A6C34878D82A}">
-                    <a16:rowId xmlns:a16="http://schemas.microsoft.com/office/drawing/2014/main" val="10003"/>
+                    <a16:rowId xmlns:a16="http://schemas.microsoft.com/office/drawing/2014/main" xmlns="" val="10003"/>
                   </a:ext>
                 </a:extLst>
               </a:tr>
@@ -7929,7 +7929,7 @@
                 </a:tc>
                 <a:extLst>
                   <a:ext uri="{0D108BD9-81ED-4DB2-BD59-A6C34878D82A}">
-                    <a16:rowId xmlns:a16="http://schemas.microsoft.com/office/drawing/2014/main" val="10004"/>
+                    <a16:rowId xmlns:a16="http://schemas.microsoft.com/office/drawing/2014/main" xmlns="" val="10004"/>
                   </a:ext>
                 </a:extLst>
               </a:tr>
@@ -8082,28 +8082,28 @@
                 <a:gridCol w="1512000">
                   <a:extLst>
                     <a:ext uri="{9D8B030D-6E8A-4147-A177-3AD203B41FA5}">
-                      <a16:colId xmlns:a16="http://schemas.microsoft.com/office/drawing/2014/main" val="20000"/>
+                      <a16:colId xmlns:a16="http://schemas.microsoft.com/office/drawing/2014/main" xmlns="" val="20000"/>
                     </a:ext>
                   </a:extLst>
                 </a:gridCol>
                 <a:gridCol w="4248360">
                   <a:extLst>
                     <a:ext uri="{9D8B030D-6E8A-4147-A177-3AD203B41FA5}">
-                      <a16:colId xmlns:a16="http://schemas.microsoft.com/office/drawing/2014/main" val="20001"/>
+                      <a16:colId xmlns:a16="http://schemas.microsoft.com/office/drawing/2014/main" xmlns="" val="20001"/>
                     </a:ext>
                   </a:extLst>
                 </a:gridCol>
                 <a:gridCol w="945000">
                   <a:extLst>
                     <a:ext uri="{9D8B030D-6E8A-4147-A177-3AD203B41FA5}">
-                      <a16:colId xmlns:a16="http://schemas.microsoft.com/office/drawing/2014/main" val="20002"/>
+                      <a16:colId xmlns:a16="http://schemas.microsoft.com/office/drawing/2014/main" xmlns="" val="20002"/>
                     </a:ext>
                   </a:extLst>
                 </a:gridCol>
                 <a:gridCol w="1215000">
                   <a:extLst>
                     <a:ext uri="{9D8B030D-6E8A-4147-A177-3AD203B41FA5}">
-                      <a16:colId xmlns:a16="http://schemas.microsoft.com/office/drawing/2014/main" val="20003"/>
+                      <a16:colId xmlns:a16="http://schemas.microsoft.com/office/drawing/2014/main" xmlns="" val="20003"/>
                     </a:ext>
                   </a:extLst>
                 </a:gridCol>
@@ -8363,7 +8363,7 @@
                 </a:tc>
                 <a:extLst>
                   <a:ext uri="{0D108BD9-81ED-4DB2-BD59-A6C34878D82A}">
-                    <a16:rowId xmlns:a16="http://schemas.microsoft.com/office/drawing/2014/main" val="10000"/>
+                    <a16:rowId xmlns:a16="http://schemas.microsoft.com/office/drawing/2014/main" xmlns="" val="10000"/>
                   </a:ext>
                 </a:extLst>
               </a:tr>
@@ -8654,7 +8654,7 @@
                 </a:tc>
                 <a:extLst>
                   <a:ext uri="{0D108BD9-81ED-4DB2-BD59-A6C34878D82A}">
-                    <a16:rowId xmlns:a16="http://schemas.microsoft.com/office/drawing/2014/main" val="10001"/>
+                    <a16:rowId xmlns:a16="http://schemas.microsoft.com/office/drawing/2014/main" xmlns="" val="10001"/>
                   </a:ext>
                 </a:extLst>
               </a:tr>
@@ -8913,7 +8913,7 @@
                 </a:tc>
                 <a:extLst>
                   <a:ext uri="{0D108BD9-81ED-4DB2-BD59-A6C34878D82A}">
-                    <a16:rowId xmlns:a16="http://schemas.microsoft.com/office/drawing/2014/main" val="10002"/>
+                    <a16:rowId xmlns:a16="http://schemas.microsoft.com/office/drawing/2014/main" xmlns="" val="10002"/>
                   </a:ext>
                 </a:extLst>
               </a:tr>
@@ -9156,7 +9156,7 @@
                 </a:tc>
                 <a:extLst>
                   <a:ext uri="{0D108BD9-81ED-4DB2-BD59-A6C34878D82A}">
-                    <a16:rowId xmlns:a16="http://schemas.microsoft.com/office/drawing/2014/main" val="10003"/>
+                    <a16:rowId xmlns:a16="http://schemas.microsoft.com/office/drawing/2014/main" xmlns="" val="10003"/>
                   </a:ext>
                 </a:extLst>
               </a:tr>
@@ -9354,7 +9354,7 @@
               <a:buChar char="•"/>
             </a:pPr>
             <a:r>
-              <a:rPr lang="pt-BR" sz="1800" b="0" strike="noStrike" spc="-1" dirty="0">
+              <a:rPr lang="pt-BR" spc="-1" dirty="0" smtClean="0">
                 <a:solidFill>
                   <a:srgbClr val="000000"/>
                 </a:solidFill>
@@ -9365,22 +9365,10 @@
                 </a:uFill>
                 <a:latin typeface="Arial"/>
               </a:rPr>
-              <a:t>....</a:t>
+              <a:t>Instituições devem ser cadastradas previamente por um “</a:t>
             </a:r>
-          </a:p>
-          <a:p>
-            <a:pPr marL="343080" indent="-340920" algn="just">
-              <a:lnSpc>
-                <a:spcPct val="100000"/>
-              </a:lnSpc>
-              <a:buClr>
-                <a:srgbClr val="000000"/>
-              </a:buClr>
-              <a:buFont typeface="Arial"/>
-              <a:buChar char="•"/>
-            </a:pPr>
             <a:r>
-              <a:rPr lang="pt-BR" spc="-1" dirty="0">
+              <a:rPr lang="pt-BR" spc="-1" dirty="0" err="1" smtClean="0">
                 <a:solidFill>
                   <a:srgbClr val="000000"/>
                 </a:solidFill>
@@ -9391,7 +9379,75 @@
                 </a:uFill>
                 <a:latin typeface="Arial"/>
               </a:rPr>
-              <a:t>....</a:t>
+              <a:t>Super</a:t>
+            </a:r>
+            <a:r>
+              <a:rPr lang="pt-BR" spc="-1" dirty="0" smtClean="0">
+                <a:solidFill>
+                  <a:srgbClr val="000000"/>
+                </a:solidFill>
+                <a:uFill>
+                  <a:solidFill>
+                    <a:srgbClr val="FFFFFF"/>
+                  </a:solidFill>
+                </a:uFill>
+                <a:latin typeface="Arial"/>
+              </a:rPr>
+              <a:t> Usuário” para que possam operar o sistema.</a:t>
+            </a:r>
+          </a:p>
+          <a:p>
+            <a:pPr marL="343080" indent="-340920" algn="just">
+              <a:lnSpc>
+                <a:spcPct val="100000"/>
+              </a:lnSpc>
+              <a:buClr>
+                <a:srgbClr val="000000"/>
+              </a:buClr>
+              <a:buFont typeface="Arial"/>
+              <a:buChar char="•"/>
+            </a:pPr>
+            <a:r>
+              <a:rPr lang="pt-BR" spc="-1" dirty="0" smtClean="0">
+                <a:solidFill>
+                  <a:srgbClr val="000000"/>
+                </a:solidFill>
+                <a:uFill>
+                  <a:solidFill>
+                    <a:srgbClr val="FFFFFF"/>
+                  </a:solidFill>
+                </a:uFill>
+                <a:latin typeface="Arial"/>
+              </a:rPr>
+              <a:t>Um doador só poderá doar um item que tinha sido </a:t>
+            </a:r>
+            <a:r>
+              <a:rPr lang="pt-BR" spc="-1" dirty="0" err="1" smtClean="0">
+                <a:solidFill>
+                  <a:srgbClr val="000000"/>
+                </a:solidFill>
+                <a:uFill>
+                  <a:solidFill>
+                    <a:srgbClr val="FFFFFF"/>
+                  </a:solidFill>
+                </a:uFill>
+                <a:latin typeface="Arial"/>
+              </a:rPr>
+              <a:t>pré</a:t>
+            </a:r>
+            <a:r>
+              <a:rPr lang="pt-BR" spc="-1" dirty="0" smtClean="0">
+                <a:solidFill>
+                  <a:srgbClr val="000000"/>
+                </a:solidFill>
+                <a:uFill>
+                  <a:solidFill>
+                    <a:srgbClr val="FFFFFF"/>
+                  </a:solidFill>
+                </a:uFill>
+                <a:latin typeface="Arial"/>
+              </a:rPr>
+              <a:t>-cadastro por uma instituição.</a:t>
             </a:r>
             <a:endParaRPr lang="pt-BR" sz="1800" b="0" strike="noStrike" spc="-1" dirty="0">
               <a:solidFill>
@@ -9430,6 +9486,115 @@
               </a:rPr>
               <a:t>O mensageiro deve haver sido cadastrado previamente pela instituição para ter acesso ao aplicativo. </a:t>
             </a:r>
+            <a:endParaRPr lang="pt-BR" sz="1800" b="0" strike="noStrike" spc="-1" dirty="0" smtClean="0">
+              <a:solidFill>
+                <a:srgbClr val="000000"/>
+              </a:solidFill>
+              <a:uFill>
+                <a:solidFill>
+                  <a:srgbClr val="FFFFFF"/>
+                </a:solidFill>
+              </a:uFill>
+              <a:latin typeface="Arial"/>
+            </a:endParaRPr>
+          </a:p>
+          <a:p>
+            <a:pPr marL="343080" indent="-340920" algn="just">
+              <a:lnSpc>
+                <a:spcPct val="100000"/>
+              </a:lnSpc>
+              <a:buClr>
+                <a:srgbClr val="000000"/>
+              </a:buClr>
+              <a:buFont typeface="Arial"/>
+              <a:buChar char="•"/>
+            </a:pPr>
+            <a:r>
+              <a:rPr lang="pt-BR" spc="-1" dirty="0" smtClean="0">
+                <a:solidFill>
+                  <a:srgbClr val="000000"/>
+                </a:solidFill>
+                <a:uFill>
+                  <a:solidFill>
+                    <a:srgbClr val="FFFFFF"/>
+                  </a:solidFill>
+                </a:uFill>
+                <a:latin typeface="Arial"/>
+              </a:rPr>
+              <a:t>Cliente estar ciente sobre necessidade de contato a qualquer momentos do desenvolvimento.</a:t>
+            </a:r>
+          </a:p>
+          <a:p>
+            <a:pPr marL="343080" indent="-340920" algn="just">
+              <a:lnSpc>
+                <a:spcPct val="100000"/>
+              </a:lnSpc>
+              <a:buClr>
+                <a:srgbClr val="000000"/>
+              </a:buClr>
+              <a:buFont typeface="Arial"/>
+              <a:buChar char="•"/>
+            </a:pPr>
+            <a:r>
+              <a:rPr lang="pt-BR" spc="-1" dirty="0" smtClean="0">
+                <a:solidFill>
+                  <a:srgbClr val="000000"/>
+                </a:solidFill>
+                <a:uFill>
+                  <a:solidFill>
+                    <a:srgbClr val="FFFFFF"/>
+                  </a:solidFill>
+                </a:uFill>
+                <a:latin typeface="Arial"/>
+              </a:rPr>
+              <a:t>Ter disponibilidade de um servidor para implantação do software.</a:t>
+            </a:r>
+          </a:p>
+          <a:p>
+            <a:pPr marL="343080" indent="-340920" algn="just">
+              <a:lnSpc>
+                <a:spcPct val="100000"/>
+              </a:lnSpc>
+              <a:buClr>
+                <a:srgbClr val="000000"/>
+              </a:buClr>
+              <a:buFont typeface="Arial"/>
+              <a:buChar char="•"/>
+            </a:pPr>
+            <a:endParaRPr lang="pt-BR" spc="-1" dirty="0" smtClean="0">
+              <a:solidFill>
+                <a:srgbClr val="000000"/>
+              </a:solidFill>
+              <a:uFill>
+                <a:solidFill>
+                  <a:srgbClr val="FFFFFF"/>
+                </a:solidFill>
+              </a:uFill>
+              <a:latin typeface="Arial"/>
+            </a:endParaRPr>
+          </a:p>
+          <a:p>
+            <a:pPr marL="343080" indent="-340920" algn="just">
+              <a:lnSpc>
+                <a:spcPct val="100000"/>
+              </a:lnSpc>
+              <a:buClr>
+                <a:srgbClr val="000000"/>
+              </a:buClr>
+              <a:buFont typeface="Arial"/>
+              <a:buChar char="•"/>
+            </a:pPr>
+            <a:endParaRPr lang="pt-BR" sz="1800" b="0" strike="noStrike" spc="-1" dirty="0">
+              <a:solidFill>
+                <a:srgbClr val="000000"/>
+              </a:solidFill>
+              <a:uFill>
+                <a:solidFill>
+                  <a:srgbClr val="FFFFFF"/>
+                </a:solidFill>
+              </a:uFill>
+              <a:latin typeface="Arial"/>
+            </a:endParaRPr>
           </a:p>
         </p:txBody>
       </p:sp>
@@ -10008,14 +10173,14 @@
                 <a:gridCol w="5048250">
                   <a:extLst>
                     <a:ext uri="{9D8B030D-6E8A-4147-A177-3AD203B41FA5}">
-                      <a16:colId xmlns:a16="http://schemas.microsoft.com/office/drawing/2014/main" val="20000"/>
+                      <a16:colId xmlns:a16="http://schemas.microsoft.com/office/drawing/2014/main" xmlns="" val="20000"/>
                     </a:ext>
                   </a:extLst>
                 </a:gridCol>
                 <a:gridCol w="3171825">
                   <a:extLst>
                     <a:ext uri="{9D8B030D-6E8A-4147-A177-3AD203B41FA5}">
-                      <a16:colId xmlns:a16="http://schemas.microsoft.com/office/drawing/2014/main" val="20001"/>
+                      <a16:colId xmlns:a16="http://schemas.microsoft.com/office/drawing/2014/main" xmlns="" val="20001"/>
                     </a:ext>
                   </a:extLst>
                 </a:gridCol>
@@ -10147,7 +10312,7 @@
                 </a:tc>
                 <a:extLst>
                   <a:ext uri="{0D108BD9-81ED-4DB2-BD59-A6C34878D82A}">
-                    <a16:rowId xmlns:a16="http://schemas.microsoft.com/office/drawing/2014/main" val="10000"/>
+                    <a16:rowId xmlns:a16="http://schemas.microsoft.com/office/drawing/2014/main" xmlns="" val="10000"/>
                   </a:ext>
                 </a:extLst>
               </a:tr>
@@ -10276,7 +10441,7 @@
                 </a:tc>
                 <a:extLst>
                   <a:ext uri="{0D108BD9-81ED-4DB2-BD59-A6C34878D82A}">
-                    <a16:rowId xmlns:a16="http://schemas.microsoft.com/office/drawing/2014/main" val="10001"/>
+                    <a16:rowId xmlns:a16="http://schemas.microsoft.com/office/drawing/2014/main" xmlns="" val="10001"/>
                   </a:ext>
                 </a:extLst>
               </a:tr>
@@ -10407,7 +10572,7 @@
                 </a:tc>
                 <a:extLst>
                   <a:ext uri="{0D108BD9-81ED-4DB2-BD59-A6C34878D82A}">
-                    <a16:rowId xmlns:a16="http://schemas.microsoft.com/office/drawing/2014/main" val="10002"/>
+                    <a16:rowId xmlns:a16="http://schemas.microsoft.com/office/drawing/2014/main" xmlns="" val="10002"/>
                   </a:ext>
                 </a:extLst>
               </a:tr>
@@ -10528,7 +10693,7 @@
                 </a:tc>
                 <a:extLst>
                   <a:ext uri="{0D108BD9-81ED-4DB2-BD59-A6C34878D82A}">
-                    <a16:rowId xmlns:a16="http://schemas.microsoft.com/office/drawing/2014/main" val="10003"/>
+                    <a16:rowId xmlns:a16="http://schemas.microsoft.com/office/drawing/2014/main" xmlns="" val="10003"/>
                   </a:ext>
                 </a:extLst>
               </a:tr>
@@ -10639,7 +10804,7 @@
                 </a:tc>
                 <a:extLst>
                   <a:ext uri="{0D108BD9-81ED-4DB2-BD59-A6C34878D82A}">
-                    <a16:rowId xmlns:a16="http://schemas.microsoft.com/office/drawing/2014/main" val="10004"/>
+                    <a16:rowId xmlns:a16="http://schemas.microsoft.com/office/drawing/2014/main" xmlns="" val="10004"/>
                   </a:ext>
                 </a:extLst>
               </a:tr>
@@ -10760,7 +10925,7 @@
                 </a:tc>
                 <a:extLst>
                   <a:ext uri="{0D108BD9-81ED-4DB2-BD59-A6C34878D82A}">
-                    <a16:rowId xmlns:a16="http://schemas.microsoft.com/office/drawing/2014/main" val="10005"/>
+                    <a16:rowId xmlns:a16="http://schemas.microsoft.com/office/drawing/2014/main" xmlns="" val="10005"/>
                   </a:ext>
                 </a:extLst>
               </a:tr>
@@ -10913,14 +11078,14 @@
                 <a:gridCol w="5029200">
                   <a:extLst>
                     <a:ext uri="{9D8B030D-6E8A-4147-A177-3AD203B41FA5}">
-                      <a16:colId xmlns:a16="http://schemas.microsoft.com/office/drawing/2014/main" val="20000"/>
+                      <a16:colId xmlns:a16="http://schemas.microsoft.com/office/drawing/2014/main" xmlns="" val="20000"/>
                     </a:ext>
                   </a:extLst>
                 </a:gridCol>
                 <a:gridCol w="3190874">
                   <a:extLst>
                     <a:ext uri="{9D8B030D-6E8A-4147-A177-3AD203B41FA5}">
-                      <a16:colId xmlns:a16="http://schemas.microsoft.com/office/drawing/2014/main" val="20001"/>
+                      <a16:colId xmlns:a16="http://schemas.microsoft.com/office/drawing/2014/main" xmlns="" val="20001"/>
                     </a:ext>
                   </a:extLst>
                 </a:gridCol>
@@ -11052,7 +11217,7 @@
                 </a:tc>
                 <a:extLst>
                   <a:ext uri="{0D108BD9-81ED-4DB2-BD59-A6C34878D82A}">
-                    <a16:rowId xmlns:a16="http://schemas.microsoft.com/office/drawing/2014/main" val="10000"/>
+                    <a16:rowId xmlns:a16="http://schemas.microsoft.com/office/drawing/2014/main" xmlns="" val="10000"/>
                   </a:ext>
                 </a:extLst>
               </a:tr>
@@ -11181,7 +11346,7 @@
                 </a:tc>
                 <a:extLst>
                   <a:ext uri="{0D108BD9-81ED-4DB2-BD59-A6C34878D82A}">
-                    <a16:rowId xmlns:a16="http://schemas.microsoft.com/office/drawing/2014/main" val="10001"/>
+                    <a16:rowId xmlns:a16="http://schemas.microsoft.com/office/drawing/2014/main" xmlns="" val="10001"/>
                   </a:ext>
                 </a:extLst>
               </a:tr>
@@ -11302,7 +11467,7 @@
                 </a:tc>
                 <a:extLst>
                   <a:ext uri="{0D108BD9-81ED-4DB2-BD59-A6C34878D82A}">
-                    <a16:rowId xmlns:a16="http://schemas.microsoft.com/office/drawing/2014/main" val="10002"/>
+                    <a16:rowId xmlns:a16="http://schemas.microsoft.com/office/drawing/2014/main" xmlns="" val="10002"/>
                   </a:ext>
                 </a:extLst>
               </a:tr>
@@ -11423,7 +11588,7 @@
                 </a:tc>
                 <a:extLst>
                   <a:ext uri="{0D108BD9-81ED-4DB2-BD59-A6C34878D82A}">
-                    <a16:rowId xmlns:a16="http://schemas.microsoft.com/office/drawing/2014/main" val="10003"/>
+                    <a16:rowId xmlns:a16="http://schemas.microsoft.com/office/drawing/2014/main" xmlns="" val="10003"/>
                   </a:ext>
                 </a:extLst>
               </a:tr>
@@ -11554,7 +11719,7 @@
                 </a:tc>
                 <a:extLst>
                   <a:ext uri="{0D108BD9-81ED-4DB2-BD59-A6C34878D82A}">
-                    <a16:rowId xmlns:a16="http://schemas.microsoft.com/office/drawing/2014/main" val="10004"/>
+                    <a16:rowId xmlns:a16="http://schemas.microsoft.com/office/drawing/2014/main" xmlns="" val="10004"/>
                   </a:ext>
                 </a:extLst>
               </a:tr>
@@ -11675,7 +11840,7 @@
                 </a:tc>
                 <a:extLst>
                   <a:ext uri="{0D108BD9-81ED-4DB2-BD59-A6C34878D82A}">
-                    <a16:rowId xmlns:a16="http://schemas.microsoft.com/office/drawing/2014/main" val="10005"/>
+                    <a16:rowId xmlns:a16="http://schemas.microsoft.com/office/drawing/2014/main" xmlns="" val="10005"/>
                   </a:ext>
                 </a:extLst>
               </a:tr>
@@ -11806,7 +11971,7 @@
                 </a:tc>
                 <a:extLst>
                   <a:ext uri="{0D108BD9-81ED-4DB2-BD59-A6C34878D82A}">
-                    <a16:rowId xmlns:a16="http://schemas.microsoft.com/office/drawing/2014/main" val="10006"/>
+                    <a16:rowId xmlns:a16="http://schemas.microsoft.com/office/drawing/2014/main" xmlns="" val="10006"/>
                   </a:ext>
                 </a:extLst>
               </a:tr>
@@ -13876,14 +14041,14 @@
                 <a:gridCol w="4114800">
                   <a:extLst>
                     <a:ext uri="{9D8B030D-6E8A-4147-A177-3AD203B41FA5}">
-                      <a16:colId xmlns:a16="http://schemas.microsoft.com/office/drawing/2014/main" val="20000"/>
+                      <a16:colId xmlns:a16="http://schemas.microsoft.com/office/drawing/2014/main" xmlns="" val="20000"/>
                     </a:ext>
                   </a:extLst>
                 </a:gridCol>
                 <a:gridCol w="4114800">
                   <a:extLst>
                     <a:ext uri="{9D8B030D-6E8A-4147-A177-3AD203B41FA5}">
-                      <a16:colId xmlns:a16="http://schemas.microsoft.com/office/drawing/2014/main" val="20001"/>
+                      <a16:colId xmlns:a16="http://schemas.microsoft.com/office/drawing/2014/main" xmlns="" val="20001"/>
                     </a:ext>
                   </a:extLst>
                 </a:gridCol>
@@ -14017,7 +14182,7 @@
                 </a:tc>
                 <a:extLst>
                   <a:ext uri="{0D108BD9-81ED-4DB2-BD59-A6C34878D82A}">
-                    <a16:rowId xmlns:a16="http://schemas.microsoft.com/office/drawing/2014/main" val="10000"/>
+                    <a16:rowId xmlns:a16="http://schemas.microsoft.com/office/drawing/2014/main" xmlns="" val="10000"/>
                   </a:ext>
                 </a:extLst>
               </a:tr>
@@ -14158,7 +14323,7 @@
                 </a:tc>
                 <a:extLst>
                   <a:ext uri="{0D108BD9-81ED-4DB2-BD59-A6C34878D82A}">
-                    <a16:rowId xmlns:a16="http://schemas.microsoft.com/office/drawing/2014/main" val="10001"/>
+                    <a16:rowId xmlns:a16="http://schemas.microsoft.com/office/drawing/2014/main" xmlns="" val="10001"/>
                   </a:ext>
                 </a:extLst>
               </a:tr>
@@ -14291,7 +14456,7 @@
                 </a:tc>
                 <a:extLst>
                   <a:ext uri="{0D108BD9-81ED-4DB2-BD59-A6C34878D82A}">
-                    <a16:rowId xmlns:a16="http://schemas.microsoft.com/office/drawing/2014/main" val="10002"/>
+                    <a16:rowId xmlns:a16="http://schemas.microsoft.com/office/drawing/2014/main" xmlns="" val="10002"/>
                   </a:ext>
                 </a:extLst>
               </a:tr>
@@ -14424,7 +14589,7 @@
                 </a:tc>
                 <a:extLst>
                   <a:ext uri="{0D108BD9-81ED-4DB2-BD59-A6C34878D82A}">
-                    <a16:rowId xmlns:a16="http://schemas.microsoft.com/office/drawing/2014/main" val="10003"/>
+                    <a16:rowId xmlns:a16="http://schemas.microsoft.com/office/drawing/2014/main" xmlns="" val="10003"/>
                   </a:ext>
                 </a:extLst>
               </a:tr>
@@ -14557,7 +14722,7 @@
                 </a:tc>
                 <a:extLst>
                   <a:ext uri="{0D108BD9-81ED-4DB2-BD59-A6C34878D82A}">
-                    <a16:rowId xmlns:a16="http://schemas.microsoft.com/office/drawing/2014/main" val="10004"/>
+                    <a16:rowId xmlns:a16="http://schemas.microsoft.com/office/drawing/2014/main" xmlns="" val="10004"/>
                   </a:ext>
                 </a:extLst>
               </a:tr>
@@ -14690,7 +14855,7 @@
                 </a:tc>
                 <a:extLst>
                   <a:ext uri="{0D108BD9-81ED-4DB2-BD59-A6C34878D82A}">
-                    <a16:rowId xmlns:a16="http://schemas.microsoft.com/office/drawing/2014/main" val="10005"/>
+                    <a16:rowId xmlns:a16="http://schemas.microsoft.com/office/drawing/2014/main" xmlns="" val="10005"/>
                   </a:ext>
                 </a:extLst>
               </a:tr>
@@ -14813,7 +14978,7 @@
                 </a:tc>
                 <a:extLst>
                   <a:ext uri="{0D108BD9-81ED-4DB2-BD59-A6C34878D82A}">
-                    <a16:rowId xmlns:a16="http://schemas.microsoft.com/office/drawing/2014/main" val="10006"/>
+                    <a16:rowId xmlns:a16="http://schemas.microsoft.com/office/drawing/2014/main" xmlns="" val="10006"/>
                   </a:ext>
                 </a:extLst>
               </a:tr>

--- a/Projeto-AjudeMais/000-Gerência de Projeto/PPJ-Plano de Projeto.pptx
+++ b/Projeto-AjudeMais/000-Gerência de Projeto/PPJ-Plano de Projeto.pptx
@@ -225,7 +225,7 @@
           <a:p>
             <a:fld id="{6F19187C-107A-461F-948E-1D51F5B1349A}" type="datetimeFigureOut">
               <a:rPr lang="pt-BR"/>
-              <a:t>28/03/2017</a:t>
+              <a:t>29/03/2017</a:t>
             </a:fld>
             <a:endParaRPr lang="pt-BR"/>
           </a:p>
@@ -6901,7 +6901,7 @@
         </p:nvSpPr>
         <p:spPr>
           <a:xfrm>
-            <a:off x="648000" y="2736000"/>
+            <a:off x="675993" y="2857303"/>
             <a:ext cx="7770240" cy="1467720"/>
           </a:xfrm>
           <a:prstGeom prst="rect">
@@ -7007,7 +7007,7 @@
         </p:blipFill>
         <p:spPr>
           <a:xfrm>
-            <a:off x="3573728" y="942840"/>
+            <a:off x="3601721" y="1064143"/>
             <a:ext cx="1872000" cy="1649160"/>
           </a:xfrm>
           <a:prstGeom prst="rect">
@@ -7157,14 +7157,14 @@
                 <a:gridCol w="4114800">
                   <a:extLst>
                     <a:ext uri="{9D8B030D-6E8A-4147-A177-3AD203B41FA5}">
-                      <a16:colId xmlns:a16="http://schemas.microsoft.com/office/drawing/2014/main" xmlns="" val="20000"/>
+                      <a16:colId xmlns="" xmlns:a16="http://schemas.microsoft.com/office/drawing/2014/main" val="20000"/>
                     </a:ext>
                   </a:extLst>
                 </a:gridCol>
                 <a:gridCol w="4114800">
                   <a:extLst>
                     <a:ext uri="{9D8B030D-6E8A-4147-A177-3AD203B41FA5}">
-                      <a16:colId xmlns:a16="http://schemas.microsoft.com/office/drawing/2014/main" xmlns="" val="20001"/>
+                      <a16:colId xmlns="" xmlns:a16="http://schemas.microsoft.com/office/drawing/2014/main" val="20001"/>
                     </a:ext>
                   </a:extLst>
                 </a:gridCol>
@@ -7181,7 +7181,7 @@
                         </a:lnSpc>
                       </a:pPr>
                       <a:r>
-                        <a:rPr lang="pt-BR" sz="2400" b="0" strike="noStrike" spc="-1">
+                        <a:rPr lang="pt-BR" sz="2400" b="0" strike="noStrike" spc="-1" dirty="0" err="1">
                           <a:solidFill>
                             <a:srgbClr val="FFFFFF"/>
                           </a:solidFill>
@@ -7194,7 +7194,7 @@
                         </a:rPr>
                         <a:t>Stakeholders</a:t>
                       </a:r>
-                      <a:endParaRPr lang="pt-BR" sz="1800" b="0" strike="noStrike" spc="-1">
+                      <a:endParaRPr lang="pt-BR" sz="1800" b="0" strike="noStrike" spc="-1" dirty="0">
                         <a:solidFill>
                           <a:srgbClr val="000000"/>
                         </a:solidFill>
@@ -7298,7 +7298,7 @@
                 </a:tc>
                 <a:extLst>
                   <a:ext uri="{0D108BD9-81ED-4DB2-BD59-A6C34878D82A}">
-                    <a16:rowId xmlns:a16="http://schemas.microsoft.com/office/drawing/2014/main" xmlns="" val="10000"/>
+                    <a16:rowId xmlns="" xmlns:a16="http://schemas.microsoft.com/office/drawing/2014/main" val="10000"/>
                   </a:ext>
                 </a:extLst>
               </a:tr>
@@ -7314,7 +7314,7 @@
                         </a:lnSpc>
                       </a:pPr>
                       <a:r>
-                        <a:rPr lang="pt-BR" sz="1800" b="0" strike="noStrike" spc="-1">
+                        <a:rPr lang="pt-BR" sz="1800" b="0" strike="noStrike" spc="-1" dirty="0">
                           <a:solidFill>
                             <a:srgbClr val="000000"/>
                           </a:solidFill>
@@ -7327,7 +7327,7 @@
                         </a:rPr>
                         <a:t>Ana Maria Santos Silva</a:t>
                       </a:r>
-                      <a:endParaRPr lang="pt-BR" sz="1800" b="0" strike="noStrike" spc="-1">
+                      <a:endParaRPr lang="pt-BR" sz="1800" b="0" strike="noStrike" spc="-1" dirty="0">
                         <a:solidFill>
                           <a:srgbClr val="000000"/>
                         </a:solidFill>
@@ -7346,7 +7346,7 @@
                         </a:lnSpc>
                       </a:pPr>
                       <a:r>
-                        <a:rPr lang="pt-BR" sz="1800" b="0" strike="noStrike" spc="-1">
+                        <a:rPr lang="pt-BR" sz="1800" b="0" strike="noStrike" spc="-1" dirty="0" err="1">
                           <a:solidFill>
                             <a:srgbClr val="000000"/>
                           </a:solidFill>
@@ -7357,9 +7357,23 @@
                           </a:uFill>
                           <a:latin typeface="Calibri"/>
                         </a:rPr>
-                        <a:t>Elson Alves de Farias</a:t>
+                        <a:t>Elson</a:t>
                       </a:r>
-                      <a:endParaRPr lang="pt-BR" sz="1800" b="0" strike="noStrike" spc="-1">
+                      <a:r>
+                        <a:rPr lang="pt-BR" sz="1800" b="0" strike="noStrike" spc="-1" dirty="0">
+                          <a:solidFill>
+                            <a:srgbClr val="000000"/>
+                          </a:solidFill>
+                          <a:uFill>
+                            <a:solidFill>
+                              <a:srgbClr val="FFFFFF"/>
+                            </a:solidFill>
+                          </a:uFill>
+                          <a:latin typeface="Calibri"/>
+                        </a:rPr>
+                        <a:t> Alves de Farias</a:t>
+                      </a:r>
+                      <a:endParaRPr lang="pt-BR" sz="1800" b="0" strike="noStrike" spc="-1" dirty="0">
                         <a:solidFill>
                           <a:srgbClr val="000000"/>
                         </a:solidFill>
@@ -7378,7 +7392,7 @@
                         </a:lnSpc>
                       </a:pPr>
                       <a:r>
-                        <a:rPr lang="pt-BR" sz="1800" b="0" strike="noStrike" spc="-1">
+                        <a:rPr lang="pt-BR" sz="1800" b="0" strike="noStrike" spc="-1" dirty="0" err="1">
                           <a:solidFill>
                             <a:srgbClr val="000000"/>
                           </a:solidFill>
@@ -7389,9 +7403,23 @@
                           </a:uFill>
                           <a:latin typeface="Calibri"/>
                         </a:rPr>
-                        <a:t>Franck Oliveira de Aragão Júnior</a:t>
+                        <a:t>Franck</a:t>
                       </a:r>
-                      <a:endParaRPr lang="pt-BR" sz="1800" b="0" strike="noStrike" spc="-1">
+                      <a:r>
+                        <a:rPr lang="pt-BR" sz="1800" b="0" strike="noStrike" spc="-1" dirty="0">
+                          <a:solidFill>
+                            <a:srgbClr val="000000"/>
+                          </a:solidFill>
+                          <a:uFill>
+                            <a:solidFill>
+                              <a:srgbClr val="FFFFFF"/>
+                            </a:solidFill>
+                          </a:uFill>
+                          <a:latin typeface="Calibri"/>
+                        </a:rPr>
+                        <a:t> Oliveira de Aragão Júnior</a:t>
+                      </a:r>
+                      <a:endParaRPr lang="pt-BR" sz="1800" b="0" strike="noStrike" spc="-1" dirty="0">
                         <a:solidFill>
                           <a:srgbClr val="000000"/>
                         </a:solidFill>
@@ -7410,7 +7438,7 @@
                         </a:lnSpc>
                       </a:pPr>
                       <a:r>
-                        <a:rPr lang="pt-BR" sz="1800" b="0" strike="noStrike" spc="-1">
+                        <a:rPr lang="pt-BR" sz="1800" b="0" strike="noStrike" spc="-1" dirty="0">
                           <a:solidFill>
                             <a:srgbClr val="000000"/>
                           </a:solidFill>
@@ -7423,7 +7451,7 @@
                         </a:rPr>
                         <a:t>José Rafael Feitosa Remígio</a:t>
                       </a:r>
-                      <a:endParaRPr lang="pt-BR" sz="1800" b="0" strike="noStrike" spc="-1">
+                      <a:endParaRPr lang="pt-BR" sz="1800" b="0" strike="noStrike" spc="-1" dirty="0">
                         <a:solidFill>
                           <a:srgbClr val="000000"/>
                         </a:solidFill>
@@ -7535,7 +7563,7 @@
                 </a:tc>
                 <a:extLst>
                   <a:ext uri="{0D108BD9-81ED-4DB2-BD59-A6C34878D82A}">
-                    <a16:rowId xmlns:a16="http://schemas.microsoft.com/office/drawing/2014/main" xmlns="" val="10001"/>
+                    <a16:rowId xmlns="" xmlns:a16="http://schemas.microsoft.com/office/drawing/2014/main" val="10001"/>
                   </a:ext>
                 </a:extLst>
               </a:tr>
@@ -7668,7 +7696,7 @@
                 </a:tc>
                 <a:extLst>
                   <a:ext uri="{0D108BD9-81ED-4DB2-BD59-A6C34878D82A}">
-                    <a16:rowId xmlns:a16="http://schemas.microsoft.com/office/drawing/2014/main" xmlns="" val="10002"/>
+                    <a16:rowId xmlns="" xmlns:a16="http://schemas.microsoft.com/office/drawing/2014/main" val="10002"/>
                   </a:ext>
                 </a:extLst>
               </a:tr>
@@ -7801,7 +7829,7 @@
                 </a:tc>
                 <a:extLst>
                   <a:ext uri="{0D108BD9-81ED-4DB2-BD59-A6C34878D82A}">
-                    <a16:rowId xmlns:a16="http://schemas.microsoft.com/office/drawing/2014/main" xmlns="" val="10003"/>
+                    <a16:rowId xmlns="" xmlns:a16="http://schemas.microsoft.com/office/drawing/2014/main" val="10003"/>
                   </a:ext>
                 </a:extLst>
               </a:tr>
@@ -7929,7 +7957,7 @@
                 </a:tc>
                 <a:extLst>
                   <a:ext uri="{0D108BD9-81ED-4DB2-BD59-A6C34878D82A}">
-                    <a16:rowId xmlns:a16="http://schemas.microsoft.com/office/drawing/2014/main" xmlns="" val="10004"/>
+                    <a16:rowId xmlns="" xmlns:a16="http://schemas.microsoft.com/office/drawing/2014/main" val="10004"/>
                   </a:ext>
                 </a:extLst>
               </a:tr>
@@ -8065,14 +8093,14 @@
           <p:nvPr>
             <p:extLst>
               <p:ext uri="{D42A27DB-BD31-4B8C-83A1-F6EECF244321}">
-                <p14:modId xmlns:p14="http://schemas.microsoft.com/office/powerpoint/2010/main" val="2735365598"/>
+                <p14:modId xmlns:p14="http://schemas.microsoft.com/office/powerpoint/2010/main" val="2345998399"/>
               </p:ext>
             </p:extLst>
           </p:nvPr>
         </p:nvGraphicFramePr>
         <p:xfrm>
-          <a:off x="683640" y="1253880"/>
-          <a:ext cx="7920360" cy="2323800"/>
+          <a:off x="683640" y="1459157"/>
+          <a:ext cx="7920360" cy="1762560"/>
         </p:xfrm>
         <a:graphic>
           <a:graphicData uri="http://schemas.openxmlformats.org/drawingml/2006/table">
@@ -8082,28 +8110,28 @@
                 <a:gridCol w="1512000">
                   <a:extLst>
                     <a:ext uri="{9D8B030D-6E8A-4147-A177-3AD203B41FA5}">
-                      <a16:colId xmlns:a16="http://schemas.microsoft.com/office/drawing/2014/main" xmlns="" val="20000"/>
+                      <a16:colId xmlns="" xmlns:a16="http://schemas.microsoft.com/office/drawing/2014/main" val="20000"/>
                     </a:ext>
                   </a:extLst>
                 </a:gridCol>
                 <a:gridCol w="4248360">
                   <a:extLst>
                     <a:ext uri="{9D8B030D-6E8A-4147-A177-3AD203B41FA5}">
-                      <a16:colId xmlns:a16="http://schemas.microsoft.com/office/drawing/2014/main" xmlns="" val="20001"/>
+                      <a16:colId xmlns="" xmlns:a16="http://schemas.microsoft.com/office/drawing/2014/main" val="20001"/>
                     </a:ext>
                   </a:extLst>
                 </a:gridCol>
                 <a:gridCol w="945000">
                   <a:extLst>
                     <a:ext uri="{9D8B030D-6E8A-4147-A177-3AD203B41FA5}">
-                      <a16:colId xmlns:a16="http://schemas.microsoft.com/office/drawing/2014/main" xmlns="" val="20002"/>
+                      <a16:colId xmlns="" xmlns:a16="http://schemas.microsoft.com/office/drawing/2014/main" val="20002"/>
                     </a:ext>
                   </a:extLst>
                 </a:gridCol>
                 <a:gridCol w="1215000">
                   <a:extLst>
                     <a:ext uri="{9D8B030D-6E8A-4147-A177-3AD203B41FA5}">
-                      <a16:colId xmlns:a16="http://schemas.microsoft.com/office/drawing/2014/main" xmlns="" val="20003"/>
+                      <a16:colId xmlns="" xmlns:a16="http://schemas.microsoft.com/office/drawing/2014/main" val="20003"/>
                     </a:ext>
                   </a:extLst>
                 </a:gridCol>
@@ -8363,7 +8391,7 @@
                 </a:tc>
                 <a:extLst>
                   <a:ext uri="{0D108BD9-81ED-4DB2-BD59-A6C34878D82A}">
-                    <a16:rowId xmlns:a16="http://schemas.microsoft.com/office/drawing/2014/main" xmlns="" val="10000"/>
+                    <a16:rowId xmlns="" xmlns:a16="http://schemas.microsoft.com/office/drawing/2014/main" val="10000"/>
                   </a:ext>
                 </a:extLst>
               </a:tr>
@@ -8654,7 +8682,7 @@
                 </a:tc>
                 <a:extLst>
                   <a:ext uri="{0D108BD9-81ED-4DB2-BD59-A6C34878D82A}">
-                    <a16:rowId xmlns:a16="http://schemas.microsoft.com/office/drawing/2014/main" xmlns="" val="10001"/>
+                    <a16:rowId xmlns="" xmlns:a16="http://schemas.microsoft.com/office/drawing/2014/main" val="10001"/>
                   </a:ext>
                 </a:extLst>
               </a:tr>
@@ -8706,14 +8734,10 @@
                       <a:headEnd type="none" w="med" len="med"/>
                       <a:tailEnd type="none" w="med" len="med"/>
                     </a:lnT>
-                    <a:lnB w="38160" cap="flat" cmpd="sng" algn="ctr">
-                      <a:solidFill>
-                        <a:srgbClr val="FFFFFF"/>
-                      </a:solidFill>
-                      <a:prstDash val="solid"/>
-                      <a:round/>
-                      <a:headEnd type="none" w="med" len="med"/>
-                      <a:tailEnd type="none" w="med" len="med"/>
+                    <a:lnB w="12240">
+                      <a:solidFill>
+                        <a:srgbClr val="FFFFFF"/>
+                      </a:solidFill>
                     </a:lnB>
                     <a:solidFill>
                       <a:srgbClr val="E7E7E7"/>
@@ -8730,7 +8754,7 @@
                           <a:spcPct val="100000"/>
                         </a:lnSpc>
                       </a:pPr>
-                      <a:endParaRPr lang="pt-BR" sz="1800" b="0" strike="noStrike" spc="-1">
+                      <a:endParaRPr lang="pt-BR" sz="1800" b="0" strike="noStrike" spc="-1" dirty="0">
                         <a:solidFill>
                           <a:srgbClr val="000000"/>
                         </a:solidFill>
@@ -8771,14 +8795,10 @@
                       <a:headEnd type="none" w="med" len="med"/>
                       <a:tailEnd type="none" w="med" len="med"/>
                     </a:lnT>
-                    <a:lnB w="38160" cap="flat" cmpd="sng" algn="ctr">
-                      <a:solidFill>
-                        <a:srgbClr val="FFFFFF"/>
-                      </a:solidFill>
-                      <a:prstDash val="solid"/>
-                      <a:round/>
-                      <a:headEnd type="none" w="med" len="med"/>
-                      <a:tailEnd type="none" w="med" len="med"/>
+                    <a:lnB w="12240">
+                      <a:solidFill>
+                        <a:srgbClr val="FFFFFF"/>
+                      </a:solidFill>
                     </a:lnB>
                     <a:solidFill>
                       <a:srgbClr val="E7E7E7"/>
@@ -8836,14 +8856,10 @@
                       <a:headEnd type="none" w="med" len="med"/>
                       <a:tailEnd type="none" w="med" len="med"/>
                     </a:lnT>
-                    <a:lnB w="38160" cap="flat" cmpd="sng" algn="ctr">
-                      <a:solidFill>
-                        <a:srgbClr val="FFFFFF"/>
-                      </a:solidFill>
-                      <a:prstDash val="solid"/>
-                      <a:round/>
-                      <a:headEnd type="none" w="med" len="med"/>
-                      <a:tailEnd type="none" w="med" len="med"/>
+                    <a:lnB w="12240">
+                      <a:solidFill>
+                        <a:srgbClr val="FFFFFF"/>
+                      </a:solidFill>
                     </a:lnB>
                     <a:solidFill>
                       <a:srgbClr val="E7E7E7"/>
@@ -8897,14 +8913,10 @@
                       <a:headEnd type="none" w="med" len="med"/>
                       <a:tailEnd type="none" w="med" len="med"/>
                     </a:lnT>
-                    <a:lnB w="38160" cap="flat" cmpd="sng" algn="ctr">
-                      <a:solidFill>
-                        <a:srgbClr val="FFFFFF"/>
-                      </a:solidFill>
-                      <a:prstDash val="solid"/>
-                      <a:round/>
-                      <a:headEnd type="none" w="med" len="med"/>
-                      <a:tailEnd type="none" w="med" len="med"/>
+                    <a:lnB w="12240">
+                      <a:solidFill>
+                        <a:srgbClr val="FFFFFF"/>
+                      </a:solidFill>
                     </a:lnB>
                     <a:solidFill>
                       <a:srgbClr val="E7E7E7"/>
@@ -8913,250 +8925,7 @@
                 </a:tc>
                 <a:extLst>
                   <a:ext uri="{0D108BD9-81ED-4DB2-BD59-A6C34878D82A}">
-                    <a16:rowId xmlns:a16="http://schemas.microsoft.com/office/drawing/2014/main" xmlns="" val="10002"/>
-                  </a:ext>
-                </a:extLst>
-              </a:tr>
-              <a:tr h="561240">
-                <a:tc>
-                  <a:txBody>
-                    <a:bodyPr/>
-                    <a:lstStyle/>
-                    <a:p>
-                      <a:pPr algn="ctr">
-                        <a:lnSpc>
-                          <a:spcPct val="100000"/>
-                        </a:lnSpc>
-                      </a:pPr>
-                      <a:endParaRPr lang="pt-BR" sz="1800" b="0" strike="noStrike" spc="-1" dirty="0">
-                        <a:solidFill>
-                          <a:srgbClr val="000000"/>
-                        </a:solidFill>
-                        <a:uFill>
-                          <a:solidFill>
-                            <a:srgbClr val="FFFFFF"/>
-                          </a:solidFill>
-                        </a:uFill>
-                        <a:latin typeface="Arial"/>
-                      </a:endParaRPr>
-                    </a:p>
-                  </a:txBody>
-                  <a:tcPr marL="30600" marR="30600">
-                    <a:lnL w="12240">
-                      <a:solidFill>
-                        <a:srgbClr val="FFFFFF"/>
-                      </a:solidFill>
-                    </a:lnL>
-                    <a:lnR w="12240" cap="flat" cmpd="sng" algn="ctr">
-                      <a:solidFill>
-                        <a:srgbClr val="FFFFFF"/>
-                      </a:solidFill>
-                      <a:prstDash val="solid"/>
-                      <a:round/>
-                      <a:headEnd type="none" w="med" len="med"/>
-                      <a:tailEnd type="none" w="med" len="med"/>
-                    </a:lnR>
-                    <a:lnT w="38160" cap="flat" cmpd="sng" algn="ctr">
-                      <a:solidFill>
-                        <a:srgbClr val="FFFFFF"/>
-                      </a:solidFill>
-                      <a:prstDash val="solid"/>
-                      <a:round/>
-                      <a:headEnd type="none" w="med" len="med"/>
-                      <a:tailEnd type="none" w="med" len="med"/>
-                    </a:lnT>
-                    <a:lnB w="12240">
-                      <a:solidFill>
-                        <a:srgbClr val="FFFFFF"/>
-                      </a:solidFill>
-                    </a:lnB>
-                    <a:solidFill>
-                      <a:srgbClr val="E7E7E7"/>
-                    </a:solidFill>
-                  </a:tcPr>
-                </a:tc>
-                <a:tc>
-                  <a:txBody>
-                    <a:bodyPr/>
-                    <a:lstStyle/>
-                    <a:p>
-                      <a:pPr>
-                        <a:lnSpc>
-                          <a:spcPct val="100000"/>
-                        </a:lnSpc>
-                      </a:pPr>
-                      <a:endParaRPr lang="pt-BR" sz="1800" b="0" strike="noStrike" spc="-1" dirty="0">
-                        <a:solidFill>
-                          <a:srgbClr val="000000"/>
-                        </a:solidFill>
-                        <a:uFill>
-                          <a:solidFill>
-                            <a:srgbClr val="FFFFFF"/>
-                          </a:solidFill>
-                        </a:uFill>
-                        <a:latin typeface="Arial"/>
-                      </a:endParaRPr>
-                    </a:p>
-                  </a:txBody>
-                  <a:tcPr marL="30600" marR="30600">
-                    <a:lnL w="12240" cap="flat" cmpd="sng" algn="ctr">
-                      <a:solidFill>
-                        <a:srgbClr val="FFFFFF"/>
-                      </a:solidFill>
-                      <a:prstDash val="solid"/>
-                      <a:round/>
-                      <a:headEnd type="none" w="med" len="med"/>
-                      <a:tailEnd type="none" w="med" len="med"/>
-                    </a:lnL>
-                    <a:lnR w="12240" cap="flat" cmpd="sng" algn="ctr">
-                      <a:solidFill>
-                        <a:srgbClr val="FFFFFF"/>
-                      </a:solidFill>
-                      <a:prstDash val="solid"/>
-                      <a:round/>
-                      <a:headEnd type="none" w="med" len="med"/>
-                      <a:tailEnd type="none" w="med" len="med"/>
-                    </a:lnR>
-                    <a:lnT w="38160" cap="flat" cmpd="sng" algn="ctr">
-                      <a:solidFill>
-                        <a:srgbClr val="FFFFFF"/>
-                      </a:solidFill>
-                      <a:prstDash val="solid"/>
-                      <a:round/>
-                      <a:headEnd type="none" w="med" len="med"/>
-                      <a:tailEnd type="none" w="med" len="med"/>
-                    </a:lnT>
-                    <a:lnB w="12240">
-                      <a:solidFill>
-                        <a:srgbClr val="FFFFFF"/>
-                      </a:solidFill>
-                    </a:lnB>
-                    <a:solidFill>
-                      <a:srgbClr val="E7E7E7"/>
-                    </a:solidFill>
-                  </a:tcPr>
-                </a:tc>
-                <a:tc>
-                  <a:txBody>
-                    <a:bodyPr/>
-                    <a:lstStyle/>
-                    <a:p>
-                      <a:pPr algn="ctr">
-                        <a:lnSpc>
-                          <a:spcPct val="100000"/>
-                        </a:lnSpc>
-                      </a:pPr>
-                      <a:endParaRPr lang="pt-BR" sz="1800" b="0" strike="noStrike" spc="-1">
-                        <a:solidFill>
-                          <a:srgbClr val="000000"/>
-                        </a:solidFill>
-                        <a:uFill>
-                          <a:solidFill>
-                            <a:srgbClr val="FFFFFF"/>
-                          </a:solidFill>
-                        </a:uFill>
-                        <a:latin typeface="Arial"/>
-                      </a:endParaRPr>
-                    </a:p>
-                  </a:txBody>
-                  <a:tcPr marL="30600" marR="30600">
-                    <a:lnL w="12240" cap="flat" cmpd="sng" algn="ctr">
-                      <a:solidFill>
-                        <a:srgbClr val="FFFFFF"/>
-                      </a:solidFill>
-                      <a:prstDash val="solid"/>
-                      <a:round/>
-                      <a:headEnd type="none" w="med" len="med"/>
-                      <a:tailEnd type="none" w="med" len="med"/>
-                    </a:lnL>
-                    <a:lnR w="12240" cap="flat" cmpd="sng" algn="ctr">
-                      <a:solidFill>
-                        <a:srgbClr val="FFFFFF"/>
-                      </a:solidFill>
-                      <a:prstDash val="solid"/>
-                      <a:round/>
-                      <a:headEnd type="none" w="med" len="med"/>
-                      <a:tailEnd type="none" w="med" len="med"/>
-                    </a:lnR>
-                    <a:lnT w="38160" cap="flat" cmpd="sng" algn="ctr">
-                      <a:solidFill>
-                        <a:srgbClr val="FFFFFF"/>
-                      </a:solidFill>
-                      <a:prstDash val="solid"/>
-                      <a:round/>
-                      <a:headEnd type="none" w="med" len="med"/>
-                      <a:tailEnd type="none" w="med" len="med"/>
-                    </a:lnT>
-                    <a:lnB w="12240">
-                      <a:solidFill>
-                        <a:srgbClr val="FFFFFF"/>
-                      </a:solidFill>
-                    </a:lnB>
-                    <a:solidFill>
-                      <a:srgbClr val="E7E7E7"/>
-                    </a:solidFill>
-                  </a:tcPr>
-                </a:tc>
-                <a:tc>
-                  <a:txBody>
-                    <a:bodyPr/>
-                    <a:lstStyle/>
-                    <a:p>
-                      <a:pPr algn="ctr">
-                        <a:lnSpc>
-                          <a:spcPct val="100000"/>
-                        </a:lnSpc>
-                      </a:pPr>
-                      <a:endParaRPr lang="pt-BR" sz="1800" b="0" strike="noStrike" spc="-1" dirty="0">
-                        <a:solidFill>
-                          <a:srgbClr val="000000"/>
-                        </a:solidFill>
-                        <a:uFill>
-                          <a:solidFill>
-                            <a:srgbClr val="FFFFFF"/>
-                          </a:solidFill>
-                        </a:uFill>
-                        <a:latin typeface="Arial"/>
-                      </a:endParaRPr>
-                    </a:p>
-                  </a:txBody>
-                  <a:tcPr marL="30600" marR="30600">
-                    <a:lnL w="12240" cap="flat" cmpd="sng" algn="ctr">
-                      <a:solidFill>
-                        <a:srgbClr val="FFFFFF"/>
-                      </a:solidFill>
-                      <a:prstDash val="solid"/>
-                      <a:round/>
-                      <a:headEnd type="none" w="med" len="med"/>
-                      <a:tailEnd type="none" w="med" len="med"/>
-                    </a:lnL>
-                    <a:lnR w="12240">
-                      <a:solidFill>
-                        <a:srgbClr val="FFFFFF"/>
-                      </a:solidFill>
-                    </a:lnR>
-                    <a:lnT w="38160" cap="flat" cmpd="sng" algn="ctr">
-                      <a:solidFill>
-                        <a:srgbClr val="FFFFFF"/>
-                      </a:solidFill>
-                      <a:prstDash val="solid"/>
-                      <a:round/>
-                      <a:headEnd type="none" w="med" len="med"/>
-                      <a:tailEnd type="none" w="med" len="med"/>
-                    </a:lnT>
-                    <a:lnB w="12240">
-                      <a:solidFill>
-                        <a:srgbClr val="FFFFFF"/>
-                      </a:solidFill>
-                    </a:lnB>
-                    <a:solidFill>
-                      <a:srgbClr val="E7E7E7"/>
-                    </a:solidFill>
-                  </a:tcPr>
-                </a:tc>
-                <a:extLst>
-                  <a:ext uri="{0D108BD9-81ED-4DB2-BD59-A6C34878D82A}">
-                    <a16:rowId xmlns:a16="http://schemas.microsoft.com/office/drawing/2014/main" xmlns="" val="10003"/>
+                    <a16:rowId xmlns="" xmlns:a16="http://schemas.microsoft.com/office/drawing/2014/main" val="10003"/>
                   </a:ext>
                 </a:extLst>
               </a:tr>
@@ -9293,7 +9062,7 @@
         </p:nvSpPr>
         <p:spPr>
           <a:xfrm>
-            <a:off x="457200" y="1600200"/>
+            <a:off x="457200" y="1415520"/>
             <a:ext cx="8227440" cy="4523760"/>
           </a:xfrm>
           <a:prstGeom prst="rect">
@@ -9354,7 +9123,7 @@
               <a:buChar char="•"/>
             </a:pPr>
             <a:r>
-              <a:rPr lang="pt-BR" spc="-1" dirty="0" smtClean="0">
+              <a:rPr lang="pt-BR" sz="2400" spc="-1" dirty="0" smtClean="0">
                 <a:solidFill>
                   <a:srgbClr val="000000"/>
                 </a:solidFill>
@@ -9365,10 +9134,10 @@
                 </a:uFill>
                 <a:latin typeface="Arial"/>
               </a:rPr>
-              <a:t>Instituições devem ser cadastradas previamente por um “</a:t>
+              <a:t>Cliente </a:t>
             </a:r>
             <a:r>
-              <a:rPr lang="pt-BR" spc="-1" dirty="0" err="1" smtClean="0">
+              <a:rPr lang="pt-BR" sz="2400" spc="-1" dirty="0" smtClean="0">
                 <a:solidFill>
                   <a:srgbClr val="000000"/>
                 </a:solidFill>
@@ -9379,10 +9148,10 @@
                 </a:uFill>
                 <a:latin typeface="Arial"/>
               </a:rPr>
-              <a:t>Super</a:t>
+              <a:t>estar ciente sobre necessidade de contato a qualquer </a:t>
             </a:r>
             <a:r>
-              <a:rPr lang="pt-BR" spc="-1" dirty="0" smtClean="0">
+              <a:rPr lang="pt-BR" sz="2400" spc="-1" dirty="0" smtClean="0">
                 <a:solidFill>
                   <a:srgbClr val="000000"/>
                 </a:solidFill>
@@ -9393,22 +9162,10 @@
                 </a:uFill>
                 <a:latin typeface="Arial"/>
               </a:rPr>
-              <a:t> Usuário” para que possam operar o sistema.</a:t>
+              <a:t>momento </a:t>
             </a:r>
-          </a:p>
-          <a:p>
-            <a:pPr marL="343080" indent="-340920" algn="just">
-              <a:lnSpc>
-                <a:spcPct val="100000"/>
-              </a:lnSpc>
-              <a:buClr>
-                <a:srgbClr val="000000"/>
-              </a:buClr>
-              <a:buFont typeface="Arial"/>
-              <a:buChar char="•"/>
-            </a:pPr>
             <a:r>
-              <a:rPr lang="pt-BR" spc="-1" dirty="0" smtClean="0">
+              <a:rPr lang="pt-BR" sz="2400" spc="-1" dirty="0" smtClean="0">
                 <a:solidFill>
                   <a:srgbClr val="000000"/>
                 </a:solidFill>
@@ -9419,10 +9176,10 @@
                 </a:uFill>
                 <a:latin typeface="Arial"/>
               </a:rPr>
-              <a:t>Um doador só poderá doar um item que tinha sido </a:t>
+              <a:t>do desenvolvimento</a:t>
             </a:r>
             <a:r>
-              <a:rPr lang="pt-BR" spc="-1" dirty="0" err="1" smtClean="0">
+              <a:rPr lang="pt-BR" sz="2400" spc="-1" dirty="0" smtClean="0">
                 <a:solidFill>
                   <a:srgbClr val="000000"/>
                 </a:solidFill>
@@ -9433,10 +9190,45 @@
                 </a:uFill>
                 <a:latin typeface="Arial"/>
               </a:rPr>
-              <a:t>pré</a:t>
+              <a:t>.</a:t>
             </a:r>
+          </a:p>
+          <a:p>
+            <a:pPr marL="343080" indent="-340920" algn="just">
+              <a:lnSpc>
+                <a:spcPct val="100000"/>
+              </a:lnSpc>
+              <a:buClr>
+                <a:srgbClr val="000000"/>
+              </a:buClr>
+              <a:buFont typeface="Arial"/>
+              <a:buChar char="•"/>
+            </a:pPr>
+            <a:endParaRPr lang="pt-BR" sz="2400" spc="-1" dirty="0" smtClean="0">
+              <a:solidFill>
+                <a:srgbClr val="000000"/>
+              </a:solidFill>
+              <a:uFill>
+                <a:solidFill>
+                  <a:srgbClr val="FFFFFF"/>
+                </a:solidFill>
+              </a:uFill>
+              <a:latin typeface="Arial"/>
+            </a:endParaRPr>
+          </a:p>
+          <a:p>
+            <a:pPr marL="343080" indent="-340920" algn="just">
+              <a:lnSpc>
+                <a:spcPct val="100000"/>
+              </a:lnSpc>
+              <a:buClr>
+                <a:srgbClr val="000000"/>
+              </a:buClr>
+              <a:buFont typeface="Arial"/>
+              <a:buChar char="•"/>
+            </a:pPr>
             <a:r>
-              <a:rPr lang="pt-BR" spc="-1" dirty="0" smtClean="0">
+              <a:rPr lang="pt-BR" sz="2400" spc="-1" dirty="0" smtClean="0">
                 <a:solidFill>
                   <a:srgbClr val="000000"/>
                 </a:solidFill>
@@ -9447,33 +9239,10 @@
                 </a:uFill>
                 <a:latin typeface="Arial"/>
               </a:rPr>
-              <a:t>-cadastro por uma instituição.</a:t>
+              <a:t>Ter disponibilidade de um servidor para implantação do software</a:t>
             </a:r>
-            <a:endParaRPr lang="pt-BR" sz="1800" b="0" strike="noStrike" spc="-1" dirty="0">
-              <a:solidFill>
-                <a:srgbClr val="000000"/>
-              </a:solidFill>
-              <a:uFill>
-                <a:solidFill>
-                  <a:srgbClr val="FFFFFF"/>
-                </a:solidFill>
-              </a:uFill>
-              <a:latin typeface="Arial"/>
-            </a:endParaRPr>
-          </a:p>
-          <a:p>
-            <a:pPr marL="343080" indent="-340920" algn="just">
-              <a:lnSpc>
-                <a:spcPct val="100000"/>
-              </a:lnSpc>
-              <a:buClr>
-                <a:srgbClr val="000000"/>
-              </a:buClr>
-              <a:buFont typeface="Arial"/>
-              <a:buChar char="•"/>
-            </a:pPr>
             <a:r>
-              <a:rPr lang="pt-BR" sz="1800" b="0" strike="noStrike" spc="-1" dirty="0">
+              <a:rPr lang="pt-BR" sz="2400" spc="-1" dirty="0" smtClean="0">
                 <a:solidFill>
                   <a:srgbClr val="000000"/>
                 </a:solidFill>
@@ -9484,19 +9253,8 @@
                 </a:uFill>
                 <a:latin typeface="Arial"/>
               </a:rPr>
-              <a:t>O mensageiro deve haver sido cadastrado previamente pela instituição para ter acesso ao aplicativo. </a:t>
+              <a:t>.</a:t>
             </a:r>
-            <a:endParaRPr lang="pt-BR" sz="1800" b="0" strike="noStrike" spc="-1" dirty="0" smtClean="0">
-              <a:solidFill>
-                <a:srgbClr val="000000"/>
-              </a:solidFill>
-              <a:uFill>
-                <a:solidFill>
-                  <a:srgbClr val="FFFFFF"/>
-                </a:solidFill>
-              </a:uFill>
-              <a:latin typeface="Arial"/>
-            </a:endParaRPr>
           </a:p>
           <a:p>
             <a:pPr marL="343080" indent="-340920" algn="just">
@@ -9509,8 +9267,31 @@
               <a:buFont typeface="Arial"/>
               <a:buChar char="•"/>
             </a:pPr>
+            <a:endParaRPr lang="pt-BR" sz="2400" spc="-1" dirty="0" smtClean="0">
+              <a:solidFill>
+                <a:srgbClr val="000000"/>
+              </a:solidFill>
+              <a:uFill>
+                <a:solidFill>
+                  <a:srgbClr val="FFFFFF"/>
+                </a:solidFill>
+              </a:uFill>
+              <a:latin typeface="Arial"/>
+            </a:endParaRPr>
+          </a:p>
+          <a:p>
+            <a:pPr marL="343080" indent="-340920" algn="just">
+              <a:lnSpc>
+                <a:spcPct val="100000"/>
+              </a:lnSpc>
+              <a:buClr>
+                <a:srgbClr val="000000"/>
+              </a:buClr>
+              <a:buFont typeface="Arial"/>
+              <a:buChar char="•"/>
+            </a:pPr>
             <a:r>
-              <a:rPr lang="pt-BR" spc="-1" dirty="0" smtClean="0">
+              <a:rPr lang="pt-BR" sz="2400" spc="-1" dirty="0" smtClean="0">
                 <a:solidFill>
                   <a:srgbClr val="000000"/>
                 </a:solidFill>
@@ -9521,7 +9302,7 @@
                 </a:uFill>
                 <a:latin typeface="Arial"/>
               </a:rPr>
-              <a:t>Cliente estar ciente sobre necessidade de contato a qualquer momentos do desenvolvimento.</a:t>
+              <a:t>Equipe cumprir com os horários estabelecidos no decorrer do projeto.</a:t>
             </a:r>
           </a:p>
           <a:p>
@@ -9535,8 +9316,31 @@
               <a:buFont typeface="Arial"/>
               <a:buChar char="•"/>
             </a:pPr>
+            <a:endParaRPr lang="pt-BR" sz="2400" spc="-1" dirty="0">
+              <a:solidFill>
+                <a:srgbClr val="000000"/>
+              </a:solidFill>
+              <a:uFill>
+                <a:solidFill>
+                  <a:srgbClr val="FFFFFF"/>
+                </a:solidFill>
+              </a:uFill>
+              <a:latin typeface="Arial"/>
+            </a:endParaRPr>
+          </a:p>
+          <a:p>
+            <a:pPr marL="343080" indent="-340920" algn="just">
+              <a:lnSpc>
+                <a:spcPct val="100000"/>
+              </a:lnSpc>
+              <a:buClr>
+                <a:srgbClr val="000000"/>
+              </a:buClr>
+              <a:buFont typeface="Arial"/>
+              <a:buChar char="•"/>
+            </a:pPr>
             <a:r>
-              <a:rPr lang="pt-BR" spc="-1" dirty="0" smtClean="0">
+              <a:rPr lang="pt-BR" sz="2400" spc="-1" dirty="0" smtClean="0">
                 <a:solidFill>
                   <a:srgbClr val="000000"/>
                 </a:solidFill>
@@ -9547,8 +9351,19 @@
                 </a:uFill>
                 <a:latin typeface="Arial"/>
               </a:rPr>
-              <a:t>Ter disponibilidade de um servidor para implantação do software.</a:t>
+              <a:t>Equipe ter conhecimento do processo e ferramentas utilizadas no decorrer do projeto.</a:t>
             </a:r>
+            <a:endParaRPr lang="pt-BR" sz="2400" spc="-1" dirty="0" smtClean="0">
+              <a:solidFill>
+                <a:srgbClr val="000000"/>
+              </a:solidFill>
+              <a:uFill>
+                <a:solidFill>
+                  <a:srgbClr val="FFFFFF"/>
+                </a:solidFill>
+              </a:uFill>
+              <a:latin typeface="Arial"/>
+            </a:endParaRPr>
           </a:p>
           <a:p>
             <a:pPr marL="343080" indent="-340920" algn="just">
@@ -9765,7 +9580,7 @@
               <a:buChar char="•"/>
             </a:pPr>
             <a:r>
-              <a:rPr lang="pt-BR" sz="3200" b="0" strike="noStrike" spc="-1" dirty="0">
+              <a:rPr lang="pt-BR" sz="2400" b="0" strike="noStrike" spc="-1" dirty="0" smtClean="0">
                 <a:solidFill>
                   <a:srgbClr val="000000"/>
                 </a:solidFill>
@@ -9777,34 +9592,10 @@
                 <a:latin typeface="Calibri"/>
                 <a:ea typeface="DejaVu Sans"/>
               </a:rPr>
-              <a:t>Módulo web deve operar nos seguintes browsers:</a:t>
+              <a:t>Módulo </a:t>
             </a:r>
-            <a:endParaRPr lang="pt-BR" sz="1800" b="0" strike="noStrike" spc="-1" dirty="0">
-              <a:solidFill>
-                <a:srgbClr val="000000"/>
-              </a:solidFill>
-              <a:uFill>
-                <a:solidFill>
-                  <a:srgbClr val="FFFFFF"/>
-                </a:solidFill>
-              </a:uFill>
-              <a:latin typeface="Arial"/>
-            </a:endParaRPr>
-          </a:p>
-          <a:p>
-            <a:pPr marL="864000" lvl="1" indent="-322200">
-              <a:lnSpc>
-                <a:spcPct val="100000"/>
-              </a:lnSpc>
-              <a:buClr>
-                <a:srgbClr val="FFFFFF"/>
-              </a:buClr>
-              <a:buSzPct val="75000"/>
-              <a:buFont typeface="Symbol"/>
-              <a:buChar char=""/>
-            </a:pPr>
             <a:r>
-              <a:rPr lang="pt-BR" sz="3200" b="0" strike="noStrike" spc="-1" dirty="0">
+              <a:rPr lang="pt-BR" sz="2400" b="0" strike="noStrike" spc="-1" dirty="0">
                 <a:solidFill>
                   <a:srgbClr val="000000"/>
                 </a:solidFill>
@@ -9816,142 +9607,10 @@
                 <a:latin typeface="Calibri"/>
                 <a:ea typeface="DejaVu Sans"/>
               </a:rPr>
-              <a:t>Google Chrome;</a:t>
-            </a:r>
-          </a:p>
-          <a:p>
-            <a:pPr marL="864000" lvl="1" indent="-322200">
-              <a:lnSpc>
-                <a:spcPct val="100000"/>
-              </a:lnSpc>
-              <a:buClr>
-                <a:srgbClr val="FFFFFF"/>
-              </a:buClr>
-              <a:buSzPct val="75000"/>
-              <a:buFont typeface="Symbol"/>
-              <a:buChar char=""/>
-            </a:pPr>
-            <a:r>
-              <a:rPr lang="pt-BR" sz="3200" b="0" strike="noStrike" spc="-1" dirty="0">
-                <a:solidFill>
-                  <a:srgbClr val="000000"/>
-                </a:solidFill>
-                <a:uFill>
-                  <a:solidFill>
-                    <a:srgbClr val="FFFFFF"/>
-                  </a:solidFill>
-                </a:uFill>
-                <a:latin typeface="Calibri"/>
-              </a:rPr>
-              <a:t>Opera;</a:t>
-            </a:r>
-          </a:p>
-          <a:p>
-            <a:pPr marL="864000" lvl="1" indent="-322200">
-              <a:lnSpc>
-                <a:spcPct val="100000"/>
-              </a:lnSpc>
-              <a:buClr>
-                <a:srgbClr val="FFFFFF"/>
-              </a:buClr>
-              <a:buSzPct val="75000"/>
-              <a:buFont typeface="Symbol"/>
-              <a:buChar char=""/>
-            </a:pPr>
-            <a:r>
-              <a:rPr lang="pt-BR" sz="3200" b="0" strike="noStrike" spc="-1" dirty="0">
-                <a:solidFill>
-                  <a:srgbClr val="000000"/>
-                </a:solidFill>
-                <a:uFill>
-                  <a:solidFill>
-                    <a:srgbClr val="FFFFFF"/>
-                  </a:solidFill>
-                </a:uFill>
-                <a:latin typeface="Calibri"/>
-                <a:ea typeface="DejaVu Sans"/>
-              </a:rPr>
-              <a:t>Mozilla Firefox;</a:t>
-            </a:r>
-            <a:endParaRPr lang="pt-BR" sz="1800" b="0" strike="noStrike" spc="-1" dirty="0">
-              <a:solidFill>
-                <a:srgbClr val="000000"/>
-              </a:solidFill>
-              <a:uFill>
-                <a:solidFill>
-                  <a:srgbClr val="FFFFFF"/>
-                </a:solidFill>
-              </a:uFill>
-              <a:latin typeface="Arial"/>
-            </a:endParaRPr>
-          </a:p>
-          <a:p>
-            <a:pPr marL="864000" lvl="1" indent="-322200">
-              <a:lnSpc>
-                <a:spcPct val="100000"/>
-              </a:lnSpc>
-              <a:buClr>
-                <a:srgbClr val="FFFFFF"/>
-              </a:buClr>
-              <a:buSzPct val="75000"/>
-              <a:buFont typeface="Symbol"/>
-              <a:buChar char=""/>
-            </a:pPr>
-            <a:r>
-              <a:rPr lang="pt-BR" sz="3200" b="0" strike="noStrike" spc="-1" dirty="0">
-                <a:solidFill>
-                  <a:srgbClr val="000000"/>
-                </a:solidFill>
-                <a:uFill>
-                  <a:solidFill>
-                    <a:srgbClr val="FFFFFF"/>
-                  </a:solidFill>
-                </a:uFill>
-                <a:latin typeface="Calibri"/>
-                <a:ea typeface="DejaVu Sans"/>
-              </a:rPr>
-              <a:t>Edge.</a:t>
-            </a:r>
-            <a:endParaRPr lang="pt-BR" sz="1800" b="0" strike="noStrike" spc="-1" dirty="0">
-              <a:solidFill>
-                <a:srgbClr val="000000"/>
-              </a:solidFill>
-              <a:uFill>
-                <a:solidFill>
-                  <a:srgbClr val="FFFFFF"/>
-                </a:solidFill>
-              </a:uFill>
-              <a:latin typeface="Arial"/>
-            </a:endParaRPr>
-          </a:p>
-          <a:p>
-            <a:pPr marL="343080" indent="-340920">
-              <a:lnSpc>
-                <a:spcPct val="100000"/>
-              </a:lnSpc>
-              <a:buClr>
-                <a:srgbClr val="000000"/>
-              </a:buClr>
-              <a:buFont typeface="Arial"/>
-              <a:buChar char="•"/>
-            </a:pPr>
-            <a:r>
-              <a:rPr lang="pt-BR" sz="3200" b="0" strike="noStrike" spc="-1" dirty="0">
-                <a:solidFill>
-                  <a:srgbClr val="000000"/>
-                </a:solidFill>
-                <a:uFill>
-                  <a:solidFill>
-                    <a:srgbClr val="FFFFFF"/>
-                  </a:solidFill>
-                </a:uFill>
-                <a:latin typeface="Calibri"/>
-                <a:ea typeface="DejaVu Sans"/>
-              </a:rPr>
-              <a:t>Módulo mobile deve operar no sistema operacional </a:t>
+              <a:t>mobile deve operar no sistema operacional </a:t>
             </a:r>
             <a:r>
-              <a:rPr lang="pt-BR" sz="3200" b="1" strike="noStrike" spc="-1" dirty="0">
+              <a:rPr lang="pt-BR" sz="2400" b="1" strike="noStrike" spc="-1" dirty="0">
                 <a:solidFill>
                   <a:srgbClr val="000000"/>
                 </a:solidFill>
@@ -9966,7 +9625,7 @@
               <a:t>Android</a:t>
             </a:r>
             <a:r>
-              <a:rPr lang="pt-BR" sz="3200" b="0" strike="noStrike" spc="-1" dirty="0">
+              <a:rPr lang="pt-BR" sz="2400" b="0" strike="noStrike" spc="-1" dirty="0">
                 <a:solidFill>
                   <a:srgbClr val="000000"/>
                 </a:solidFill>
@@ -9981,7 +9640,7 @@
               <a:t>, a partir da versão </a:t>
             </a:r>
             <a:r>
-              <a:rPr lang="pt-BR" sz="3200" b="1" strike="noStrike" spc="-1" dirty="0">
+              <a:rPr lang="pt-BR" sz="2400" b="1" strike="noStrike" spc="-1" dirty="0" smtClean="0">
                 <a:solidFill>
                   <a:srgbClr val="000000"/>
                 </a:solidFill>
@@ -9993,9 +9652,111 @@
                 <a:latin typeface="Calibri"/>
                 <a:ea typeface="DejaVu Sans"/>
               </a:rPr>
-              <a:t>5.0</a:t>
+              <a:t>5.0.</a:t>
             </a:r>
-            <a:endParaRPr lang="pt-BR" sz="1800" b="0" strike="noStrike" spc="-1" dirty="0">
+          </a:p>
+          <a:p>
+            <a:pPr marL="2160" algn="just">
+              <a:lnSpc>
+                <a:spcPct val="100000"/>
+              </a:lnSpc>
+              <a:buClr>
+                <a:srgbClr val="000000"/>
+              </a:buClr>
+            </a:pPr>
+            <a:endParaRPr lang="pt-BR" sz="2400" b="1" strike="noStrike" spc="-1" dirty="0" smtClean="0">
+              <a:solidFill>
+                <a:srgbClr val="000000"/>
+              </a:solidFill>
+              <a:uFill>
+                <a:solidFill>
+                  <a:srgbClr val="FFFFFF"/>
+                </a:solidFill>
+              </a:uFill>
+              <a:latin typeface="Calibri"/>
+              <a:ea typeface="DejaVu Sans"/>
+            </a:endParaRPr>
+          </a:p>
+          <a:p>
+            <a:pPr marL="343080" indent="-340920" algn="just">
+              <a:lnSpc>
+                <a:spcPct val="100000"/>
+              </a:lnSpc>
+              <a:buClr>
+                <a:srgbClr val="000000"/>
+              </a:buClr>
+              <a:buFont typeface="Arial"/>
+              <a:buChar char="•"/>
+            </a:pPr>
+            <a:r>
+              <a:rPr lang="pt-BR" sz="2400" b="0" strike="noStrike" spc="-1" dirty="0" err="1" smtClean="0">
+                <a:solidFill>
+                  <a:srgbClr val="000000"/>
+                </a:solidFill>
+                <a:uFill>
+                  <a:solidFill>
+                    <a:srgbClr val="FFFFFF"/>
+                  </a:solidFill>
+                </a:uFill>
+                <a:latin typeface="Arial"/>
+              </a:rPr>
+              <a:t>Deploy</a:t>
+            </a:r>
+            <a:r>
+              <a:rPr lang="pt-BR" sz="2400" b="0" strike="noStrike" spc="-1" dirty="0" smtClean="0">
+                <a:solidFill>
+                  <a:srgbClr val="000000"/>
+                </a:solidFill>
+                <a:uFill>
+                  <a:solidFill>
+                    <a:srgbClr val="FFFFFF"/>
+                  </a:solidFill>
+                </a:uFill>
+                <a:latin typeface="Arial"/>
+              </a:rPr>
+              <a:t> do Web Service deve ser em um ambiente Linux com suporte ao </a:t>
+            </a:r>
+            <a:r>
+              <a:rPr lang="pt-BR" sz="2400" b="1" strike="noStrike" spc="-1" dirty="0" smtClean="0">
+                <a:solidFill>
+                  <a:srgbClr val="000000"/>
+                </a:solidFill>
+                <a:uFill>
+                  <a:solidFill>
+                    <a:srgbClr val="FFFFFF"/>
+                  </a:solidFill>
+                </a:uFill>
+                <a:latin typeface="Arial"/>
+              </a:rPr>
+              <a:t>Java</a:t>
+            </a:r>
+            <a:r>
+              <a:rPr lang="pt-BR" sz="2400" b="0" strike="noStrike" spc="-1" dirty="0" smtClean="0">
+                <a:solidFill>
+                  <a:srgbClr val="000000"/>
+                </a:solidFill>
+                <a:uFill>
+                  <a:solidFill>
+                    <a:srgbClr val="FFFFFF"/>
+                  </a:solidFill>
+                </a:uFill>
+                <a:latin typeface="Arial"/>
+              </a:rPr>
+              <a:t>.</a:t>
+            </a:r>
+          </a:p>
+          <a:p>
+            <a:pPr marL="343080" indent="-340920" algn="just">
+              <a:lnSpc>
+                <a:spcPct val="100000"/>
+              </a:lnSpc>
+              <a:buClr>
+                <a:srgbClr val="000000"/>
+              </a:buClr>
+              <a:buFont typeface="Arial"/>
+              <a:buChar char="•"/>
+            </a:pPr>
+            <a:endParaRPr lang="pt-BR" sz="2400" b="0" strike="noStrike" spc="-1" dirty="0">
               <a:solidFill>
                 <a:srgbClr val="000000"/>
               </a:solidFill>
@@ -10173,14 +9934,14 @@
                 <a:gridCol w="5048250">
                   <a:extLst>
                     <a:ext uri="{9D8B030D-6E8A-4147-A177-3AD203B41FA5}">
-                      <a16:colId xmlns:a16="http://schemas.microsoft.com/office/drawing/2014/main" xmlns="" val="20000"/>
+                      <a16:colId xmlns="" xmlns:a16="http://schemas.microsoft.com/office/drawing/2014/main" val="20000"/>
                     </a:ext>
                   </a:extLst>
                 </a:gridCol>
                 <a:gridCol w="3171825">
                   <a:extLst>
                     <a:ext uri="{9D8B030D-6E8A-4147-A177-3AD203B41FA5}">
-                      <a16:colId xmlns:a16="http://schemas.microsoft.com/office/drawing/2014/main" xmlns="" val="20001"/>
+                      <a16:colId xmlns="" xmlns:a16="http://schemas.microsoft.com/office/drawing/2014/main" val="20001"/>
                     </a:ext>
                   </a:extLst>
                 </a:gridCol>
@@ -10312,7 +10073,7 @@
                 </a:tc>
                 <a:extLst>
                   <a:ext uri="{0D108BD9-81ED-4DB2-BD59-A6C34878D82A}">
-                    <a16:rowId xmlns:a16="http://schemas.microsoft.com/office/drawing/2014/main" xmlns="" val="10000"/>
+                    <a16:rowId xmlns="" xmlns:a16="http://schemas.microsoft.com/office/drawing/2014/main" val="10000"/>
                   </a:ext>
                 </a:extLst>
               </a:tr>
@@ -10441,7 +10202,7 @@
                 </a:tc>
                 <a:extLst>
                   <a:ext uri="{0D108BD9-81ED-4DB2-BD59-A6C34878D82A}">
-                    <a16:rowId xmlns:a16="http://schemas.microsoft.com/office/drawing/2014/main" xmlns="" val="10001"/>
+                    <a16:rowId xmlns="" xmlns:a16="http://schemas.microsoft.com/office/drawing/2014/main" val="10001"/>
                   </a:ext>
                 </a:extLst>
               </a:tr>
@@ -10572,7 +10333,7 @@
                 </a:tc>
                 <a:extLst>
                   <a:ext uri="{0D108BD9-81ED-4DB2-BD59-A6C34878D82A}">
-                    <a16:rowId xmlns:a16="http://schemas.microsoft.com/office/drawing/2014/main" xmlns="" val="10002"/>
+                    <a16:rowId xmlns="" xmlns:a16="http://schemas.microsoft.com/office/drawing/2014/main" val="10002"/>
                   </a:ext>
                 </a:extLst>
               </a:tr>
@@ -10693,7 +10454,7 @@
                 </a:tc>
                 <a:extLst>
                   <a:ext uri="{0D108BD9-81ED-4DB2-BD59-A6C34878D82A}">
-                    <a16:rowId xmlns:a16="http://schemas.microsoft.com/office/drawing/2014/main" xmlns="" val="10003"/>
+                    <a16:rowId xmlns="" xmlns:a16="http://schemas.microsoft.com/office/drawing/2014/main" val="10003"/>
                   </a:ext>
                 </a:extLst>
               </a:tr>
@@ -10804,7 +10565,7 @@
                 </a:tc>
                 <a:extLst>
                   <a:ext uri="{0D108BD9-81ED-4DB2-BD59-A6C34878D82A}">
-                    <a16:rowId xmlns:a16="http://schemas.microsoft.com/office/drawing/2014/main" xmlns="" val="10004"/>
+                    <a16:rowId xmlns="" xmlns:a16="http://schemas.microsoft.com/office/drawing/2014/main" val="10004"/>
                   </a:ext>
                 </a:extLst>
               </a:tr>
@@ -10925,7 +10686,7 @@
                 </a:tc>
                 <a:extLst>
                   <a:ext uri="{0D108BD9-81ED-4DB2-BD59-A6C34878D82A}">
-                    <a16:rowId xmlns:a16="http://schemas.microsoft.com/office/drawing/2014/main" xmlns="" val="10005"/>
+                    <a16:rowId xmlns="" xmlns:a16="http://schemas.microsoft.com/office/drawing/2014/main" val="10005"/>
                   </a:ext>
                 </a:extLst>
               </a:tr>
@@ -11078,14 +10839,14 @@
                 <a:gridCol w="5029200">
                   <a:extLst>
                     <a:ext uri="{9D8B030D-6E8A-4147-A177-3AD203B41FA5}">
-                      <a16:colId xmlns:a16="http://schemas.microsoft.com/office/drawing/2014/main" xmlns="" val="20000"/>
+                      <a16:colId xmlns="" xmlns:a16="http://schemas.microsoft.com/office/drawing/2014/main" val="20000"/>
                     </a:ext>
                   </a:extLst>
                 </a:gridCol>
                 <a:gridCol w="3190874">
                   <a:extLst>
                     <a:ext uri="{9D8B030D-6E8A-4147-A177-3AD203B41FA5}">
-                      <a16:colId xmlns:a16="http://schemas.microsoft.com/office/drawing/2014/main" xmlns="" val="20001"/>
+                      <a16:colId xmlns="" xmlns:a16="http://schemas.microsoft.com/office/drawing/2014/main" val="20001"/>
                     </a:ext>
                   </a:extLst>
                 </a:gridCol>
@@ -11217,7 +10978,7 @@
                 </a:tc>
                 <a:extLst>
                   <a:ext uri="{0D108BD9-81ED-4DB2-BD59-A6C34878D82A}">
-                    <a16:rowId xmlns:a16="http://schemas.microsoft.com/office/drawing/2014/main" xmlns="" val="10000"/>
+                    <a16:rowId xmlns="" xmlns:a16="http://schemas.microsoft.com/office/drawing/2014/main" val="10000"/>
                   </a:ext>
                 </a:extLst>
               </a:tr>
@@ -11346,7 +11107,7 @@
                 </a:tc>
                 <a:extLst>
                   <a:ext uri="{0D108BD9-81ED-4DB2-BD59-A6C34878D82A}">
-                    <a16:rowId xmlns:a16="http://schemas.microsoft.com/office/drawing/2014/main" xmlns="" val="10001"/>
+                    <a16:rowId xmlns="" xmlns:a16="http://schemas.microsoft.com/office/drawing/2014/main" val="10001"/>
                   </a:ext>
                 </a:extLst>
               </a:tr>
@@ -11467,7 +11228,7 @@
                 </a:tc>
                 <a:extLst>
                   <a:ext uri="{0D108BD9-81ED-4DB2-BD59-A6C34878D82A}">
-                    <a16:rowId xmlns:a16="http://schemas.microsoft.com/office/drawing/2014/main" xmlns="" val="10002"/>
+                    <a16:rowId xmlns="" xmlns:a16="http://schemas.microsoft.com/office/drawing/2014/main" val="10002"/>
                   </a:ext>
                 </a:extLst>
               </a:tr>
@@ -11588,7 +11349,7 @@
                 </a:tc>
                 <a:extLst>
                   <a:ext uri="{0D108BD9-81ED-4DB2-BD59-A6C34878D82A}">
-                    <a16:rowId xmlns:a16="http://schemas.microsoft.com/office/drawing/2014/main" xmlns="" val="10003"/>
+                    <a16:rowId xmlns="" xmlns:a16="http://schemas.microsoft.com/office/drawing/2014/main" val="10003"/>
                   </a:ext>
                 </a:extLst>
               </a:tr>
@@ -11719,7 +11480,7 @@
                 </a:tc>
                 <a:extLst>
                   <a:ext uri="{0D108BD9-81ED-4DB2-BD59-A6C34878D82A}">
-                    <a16:rowId xmlns:a16="http://schemas.microsoft.com/office/drawing/2014/main" xmlns="" val="10004"/>
+                    <a16:rowId xmlns="" xmlns:a16="http://schemas.microsoft.com/office/drawing/2014/main" val="10004"/>
                   </a:ext>
                 </a:extLst>
               </a:tr>
@@ -11840,7 +11601,7 @@
                 </a:tc>
                 <a:extLst>
                   <a:ext uri="{0D108BD9-81ED-4DB2-BD59-A6C34878D82A}">
-                    <a16:rowId xmlns:a16="http://schemas.microsoft.com/office/drawing/2014/main" xmlns="" val="10005"/>
+                    <a16:rowId xmlns="" xmlns:a16="http://schemas.microsoft.com/office/drawing/2014/main" val="10005"/>
                   </a:ext>
                 </a:extLst>
               </a:tr>
@@ -11971,7 +11732,7 @@
                 </a:tc>
                 <a:extLst>
                   <a:ext uri="{0D108BD9-81ED-4DB2-BD59-A6C34878D82A}">
-                    <a16:rowId xmlns:a16="http://schemas.microsoft.com/office/drawing/2014/main" xmlns="" val="10006"/>
+                    <a16:rowId xmlns="" xmlns:a16="http://schemas.microsoft.com/office/drawing/2014/main" val="10006"/>
                   </a:ext>
                 </a:extLst>
               </a:tr>
@@ -12146,7 +11907,7 @@
               <a:buChar char="•"/>
             </a:pPr>
             <a:r>
-              <a:rPr lang="pt-BR" sz="3200" b="0" strike="noStrike" spc="-1">
+              <a:rPr lang="pt-BR" sz="2400" b="0" strike="noStrike" spc="-1" dirty="0">
                 <a:solidFill>
                   <a:srgbClr val="000000"/>
                 </a:solidFill>
@@ -12160,7 +11921,7 @@
               </a:rPr>
               <a:t>Objetivos do Projeto</a:t>
             </a:r>
-            <a:endParaRPr lang="pt-BR" sz="1800" b="0" strike="noStrike" spc="-1">
+            <a:endParaRPr lang="pt-BR" sz="2400" b="0" strike="noStrike" spc="-1" dirty="0">
               <a:solidFill>
                 <a:srgbClr val="000000"/>
               </a:solidFill>
@@ -12184,7 +11945,7 @@
               <a:buChar char="•"/>
             </a:pPr>
             <a:r>
-              <a:rPr lang="pt-BR" sz="3200" b="0" strike="noStrike" spc="-1">
+              <a:rPr lang="pt-BR" sz="2400" b="0" strike="noStrike" spc="-1" dirty="0">
                 <a:solidFill>
                   <a:srgbClr val="000000"/>
                 </a:solidFill>
@@ -12198,7 +11959,7 @@
               </a:rPr>
               <a:t>Equipe e Papéis</a:t>
             </a:r>
-            <a:endParaRPr lang="pt-BR" sz="1800" b="0" strike="noStrike" spc="-1">
+            <a:endParaRPr lang="pt-BR" sz="2400" b="0" strike="noStrike" spc="-1" dirty="0">
               <a:solidFill>
                 <a:srgbClr val="000000"/>
               </a:solidFill>
@@ -12222,7 +11983,7 @@
               <a:buChar char="•"/>
             </a:pPr>
             <a:r>
-              <a:rPr lang="pt-BR" sz="3200" b="0" strike="noStrike" spc="-1">
+              <a:rPr lang="pt-BR" sz="2400" b="0" strike="noStrike" spc="-1" dirty="0" err="1">
                 <a:solidFill>
                   <a:srgbClr val="000000"/>
                 </a:solidFill>
@@ -12234,9 +11995,24 @@
                 <a:latin typeface="Calibri"/>
                 <a:ea typeface="DejaVu Sans"/>
               </a:rPr>
-              <a:t>Stakeholders do Projeto</a:t>
+              <a:t>Stakeholders</a:t>
             </a:r>
-            <a:endParaRPr lang="pt-BR" sz="1800" b="0" strike="noStrike" spc="-1">
+            <a:r>
+              <a:rPr lang="pt-BR" sz="2400" b="0" strike="noStrike" spc="-1" dirty="0">
+                <a:solidFill>
+                  <a:srgbClr val="000000"/>
+                </a:solidFill>
+                <a:uFill>
+                  <a:solidFill>
+                    <a:srgbClr val="FFFFFF"/>
+                  </a:solidFill>
+                </a:uFill>
+                <a:latin typeface="Calibri"/>
+                <a:ea typeface="DejaVu Sans"/>
+              </a:rPr>
+              <a:t> do Projeto</a:t>
+            </a:r>
+            <a:endParaRPr lang="pt-BR" sz="2400" b="0" strike="noStrike" spc="-1" dirty="0">
               <a:solidFill>
                 <a:srgbClr val="000000"/>
               </a:solidFill>
@@ -12260,7 +12036,7 @@
               <a:buChar char="•"/>
             </a:pPr>
             <a:r>
-              <a:rPr lang="pt-BR" sz="3200" b="0" strike="noStrike" spc="-1">
+              <a:rPr lang="pt-BR" sz="2400" b="0" strike="noStrike" spc="-1" dirty="0">
                 <a:solidFill>
                   <a:srgbClr val="000000"/>
                 </a:solidFill>
@@ -12274,7 +12050,7 @@
               </a:rPr>
               <a:t>Escopo do Projeto</a:t>
             </a:r>
-            <a:endParaRPr lang="pt-BR" sz="1800" b="0" strike="noStrike" spc="-1">
+            <a:endParaRPr lang="pt-BR" sz="2400" b="0" strike="noStrike" spc="-1" dirty="0">
               <a:solidFill>
                 <a:srgbClr val="000000"/>
               </a:solidFill>
@@ -12298,7 +12074,7 @@
               <a:buChar char="•"/>
             </a:pPr>
             <a:r>
-              <a:rPr lang="pt-BR" sz="3200" b="0" strike="noStrike" spc="-1">
+              <a:rPr lang="pt-BR" sz="2400" b="0" strike="noStrike" spc="-1" dirty="0">
                 <a:solidFill>
                   <a:srgbClr val="000000"/>
                 </a:solidFill>
@@ -12312,7 +12088,7 @@
               </a:rPr>
               <a:t>Premissas</a:t>
             </a:r>
-            <a:endParaRPr lang="pt-BR" sz="1800" b="0" strike="noStrike" spc="-1">
+            <a:endParaRPr lang="pt-BR" sz="2400" b="0" strike="noStrike" spc="-1" dirty="0">
               <a:solidFill>
                 <a:srgbClr val="000000"/>
               </a:solidFill>
@@ -12336,7 +12112,7 @@
               <a:buChar char="•"/>
             </a:pPr>
             <a:r>
-              <a:rPr lang="pt-BR" sz="3200" b="0" strike="noStrike" spc="-1">
+              <a:rPr lang="pt-BR" sz="2400" b="0" strike="noStrike" spc="-1" dirty="0">
                 <a:solidFill>
                   <a:srgbClr val="000000"/>
                 </a:solidFill>
@@ -12350,7 +12126,7 @@
               </a:rPr>
               <a:t>Restrições</a:t>
             </a:r>
-            <a:endParaRPr lang="pt-BR" sz="1800" b="0" strike="noStrike" spc="-1">
+            <a:endParaRPr lang="pt-BR" sz="2400" b="0" strike="noStrike" spc="-1" dirty="0">
               <a:solidFill>
                 <a:srgbClr val="000000"/>
               </a:solidFill>
@@ -12374,7 +12150,7 @@
               <a:buChar char="•"/>
             </a:pPr>
             <a:r>
-              <a:rPr lang="pt-BR" sz="3200" b="0" strike="noStrike" spc="-1">
+              <a:rPr lang="pt-BR" sz="2400" b="0" strike="noStrike" spc="-1" dirty="0">
                 <a:solidFill>
                   <a:srgbClr val="000000"/>
                 </a:solidFill>
@@ -12388,7 +12164,7 @@
               </a:rPr>
               <a:t>Riscos</a:t>
             </a:r>
-            <a:endParaRPr lang="pt-BR" sz="1800" b="0" strike="noStrike" spc="-1">
+            <a:endParaRPr lang="pt-BR" sz="2400" b="0" strike="noStrike" spc="-1" dirty="0">
               <a:solidFill>
                 <a:srgbClr val="000000"/>
               </a:solidFill>
@@ -12406,7 +12182,7 @@
                 <a:spcPct val="100000"/>
               </a:lnSpc>
             </a:pPr>
-            <a:endParaRPr lang="pt-BR" sz="1800" b="0" strike="noStrike" spc="-1">
+            <a:endParaRPr lang="pt-BR" sz="1800" b="0" strike="noStrike" spc="-1" dirty="0">
               <a:solidFill>
                 <a:srgbClr val="000000"/>
               </a:solidFill>
@@ -12587,7 +12363,7 @@
               <a:buChar char="•"/>
             </a:pPr>
             <a:r>
-              <a:rPr lang="pt-BR" sz="3200" b="0" strike="noStrike" spc="-1">
+              <a:rPr lang="pt-BR" sz="2400" b="0" strike="noStrike" spc="-1" dirty="0">
                 <a:solidFill>
                   <a:srgbClr val="000000"/>
                 </a:solidFill>
@@ -12601,7 +12377,7 @@
               </a:rPr>
               <a:t>Objetivo Geral:</a:t>
             </a:r>
-            <a:endParaRPr lang="pt-BR" sz="1800" b="0" strike="noStrike" spc="-1">
+            <a:endParaRPr lang="pt-BR" sz="2400" b="0" strike="noStrike" spc="-1" dirty="0">
               <a:solidFill>
                 <a:srgbClr val="000000"/>
               </a:solidFill>
@@ -12626,7 +12402,7 @@
               <a:buChar char=""/>
             </a:pPr>
             <a:r>
-              <a:rPr lang="pt-BR" sz="3200" b="0" strike="noStrike" spc="-1">
+              <a:rPr lang="pt-BR" sz="2400" b="0" strike="noStrike" spc="-1" dirty="0">
                 <a:solidFill>
                   <a:srgbClr val="000000"/>
                 </a:solidFill>
@@ -12640,7 +12416,7 @@
               </a:rPr>
               <a:t>Facilitar e fortalecer o processo de doações destinadas a instituições de caridade.</a:t>
             </a:r>
-            <a:endParaRPr lang="pt-BR" sz="1800" b="0" strike="noStrike" spc="-1">
+            <a:endParaRPr lang="pt-BR" sz="2400" b="0" strike="noStrike" spc="-1" dirty="0">
               <a:solidFill>
                 <a:srgbClr val="000000"/>
               </a:solidFill>
@@ -12821,7 +12597,7 @@
               <a:buChar char="•"/>
             </a:pPr>
             <a:r>
-              <a:rPr lang="pt-BR" sz="3200" b="0" strike="noStrike" spc="-1">
+              <a:rPr lang="pt-BR" sz="2400" b="0" strike="noStrike" spc="-1" dirty="0">
                 <a:solidFill>
                   <a:srgbClr val="000000"/>
                 </a:solidFill>
@@ -12835,7 +12611,7 @@
               </a:rPr>
               <a:t>Objetivo Específicos:</a:t>
             </a:r>
-            <a:endParaRPr lang="pt-BR" sz="1800" b="0" strike="noStrike" spc="-1">
+            <a:endParaRPr lang="pt-BR" sz="2400" b="0" strike="noStrike" spc="-1" dirty="0">
               <a:solidFill>
                 <a:srgbClr val="000000"/>
               </a:solidFill>
@@ -12860,7 +12636,7 @@
               <a:buChar char=""/>
             </a:pPr>
             <a:r>
-              <a:rPr lang="pt-BR" sz="3200" b="0" strike="noStrike" spc="-1">
+              <a:rPr lang="pt-BR" sz="2400" b="0" strike="noStrike" spc="-1" dirty="0">
                 <a:solidFill>
                   <a:srgbClr val="000000"/>
                 </a:solidFill>
@@ -12872,9 +12648,24 @@
                 <a:latin typeface="Calibri"/>
                 <a:ea typeface="DejaVu Sans"/>
               </a:rPr>
-              <a:t>Facilitar a forma em que doadores contribuem com donativos para instituições de caridade.  </a:t>
+              <a:t>Facilitar a forma em que doadores contribuem com donativos para instituições de caridade.</a:t>
             </a:r>
-            <a:endParaRPr lang="pt-BR" sz="1800" b="0" strike="noStrike" spc="-1">
+            <a:r>
+              <a:rPr lang="pt-BR" sz="3200" b="0" strike="noStrike" spc="-1" dirty="0">
+                <a:solidFill>
+                  <a:srgbClr val="000000"/>
+                </a:solidFill>
+                <a:uFill>
+                  <a:solidFill>
+                    <a:srgbClr val="FFFFFF"/>
+                  </a:solidFill>
+                </a:uFill>
+                <a:latin typeface="Calibri"/>
+                <a:ea typeface="DejaVu Sans"/>
+              </a:rPr>
+              <a:t>  </a:t>
+            </a:r>
+            <a:endParaRPr lang="pt-BR" sz="1800" b="0" strike="noStrike" spc="-1" dirty="0">
               <a:solidFill>
                 <a:srgbClr val="000000"/>
               </a:solidFill>
@@ -13055,7 +12846,7 @@
               <a:buChar char="•"/>
             </a:pPr>
             <a:r>
-              <a:rPr lang="pt-BR" sz="3200" b="0" strike="noStrike" spc="-1">
+              <a:rPr lang="pt-BR" sz="2400" b="0" strike="noStrike" spc="-1" dirty="0">
                 <a:solidFill>
                   <a:srgbClr val="000000"/>
                 </a:solidFill>
@@ -13069,7 +12860,7 @@
               </a:rPr>
               <a:t>Objetivo Específicos:</a:t>
             </a:r>
-            <a:endParaRPr lang="pt-BR" sz="1800" b="0" strike="noStrike" spc="-1">
+            <a:endParaRPr lang="pt-BR" sz="2400" b="0" strike="noStrike" spc="-1" dirty="0">
               <a:solidFill>
                 <a:srgbClr val="000000"/>
               </a:solidFill>
@@ -13094,7 +12885,7 @@
               <a:buChar char=""/>
             </a:pPr>
             <a:r>
-              <a:rPr lang="pt-BR" sz="3200" b="0" strike="noStrike" spc="-1">
+              <a:rPr lang="pt-BR" sz="2400" b="0" strike="noStrike" spc="-1" dirty="0">
                 <a:solidFill>
                   <a:srgbClr val="000000"/>
                 </a:solidFill>
@@ -13108,7 +12899,7 @@
               </a:rPr>
               <a:t>Aproximar potenciais doadores de instituições de caridade, bem como das campanhas humanitárias lançadas por esses órgãos.  </a:t>
             </a:r>
-            <a:endParaRPr lang="pt-BR" sz="1800" b="0" strike="noStrike" spc="-1">
+            <a:endParaRPr lang="pt-BR" sz="2400" b="0" strike="noStrike" spc="-1" dirty="0">
               <a:solidFill>
                 <a:srgbClr val="000000"/>
               </a:solidFill>
@@ -13289,7 +13080,7 @@
               <a:buChar char="•"/>
             </a:pPr>
             <a:r>
-              <a:rPr lang="pt-BR" sz="3200" b="0" strike="noStrike" spc="-1">
+              <a:rPr lang="pt-BR" sz="2400" b="0" strike="noStrike" spc="-1" dirty="0">
                 <a:solidFill>
                   <a:srgbClr val="000000"/>
                 </a:solidFill>
@@ -13303,7 +13094,7 @@
               </a:rPr>
               <a:t>Objetivo Específicos:</a:t>
             </a:r>
-            <a:endParaRPr lang="pt-BR" sz="1800" b="0" strike="noStrike" spc="-1">
+            <a:endParaRPr lang="pt-BR" sz="2400" b="0" strike="noStrike" spc="-1" dirty="0">
               <a:solidFill>
                 <a:srgbClr val="000000"/>
               </a:solidFill>
@@ -13328,7 +13119,7 @@
               <a:buChar char=""/>
             </a:pPr>
             <a:r>
-              <a:rPr lang="pt-BR" sz="3200" b="0" strike="noStrike" spc="-1">
+              <a:rPr lang="pt-BR" sz="2400" b="0" strike="noStrike" spc="-1" dirty="0">
                 <a:solidFill>
                   <a:srgbClr val="000000"/>
                 </a:solidFill>
@@ -13342,7 +13133,7 @@
               </a:rPr>
               <a:t>Manter o registro de instituições de caridade (i.e., ONGs, orfanatos, Igrejas, etc.).</a:t>
             </a:r>
-            <a:endParaRPr lang="pt-BR" sz="1800" b="0" strike="noStrike" spc="-1">
+            <a:endParaRPr lang="pt-BR" sz="2400" b="0" strike="noStrike" spc="-1" dirty="0">
               <a:solidFill>
                 <a:srgbClr val="000000"/>
               </a:solidFill>
@@ -13523,7 +13314,7 @@
               <a:buChar char="•"/>
             </a:pPr>
             <a:r>
-              <a:rPr lang="pt-BR" sz="3200" b="0" strike="noStrike" spc="-1">
+              <a:rPr lang="pt-BR" sz="2400" b="0" strike="noStrike" spc="-1" dirty="0">
                 <a:solidFill>
                   <a:srgbClr val="000000"/>
                 </a:solidFill>
@@ -13537,7 +13328,7 @@
               </a:rPr>
               <a:t>Objetivo Específicos:</a:t>
             </a:r>
-            <a:endParaRPr lang="pt-BR" sz="1800" b="0" strike="noStrike" spc="-1">
+            <a:endParaRPr lang="pt-BR" sz="2400" b="0" strike="noStrike" spc="-1" dirty="0">
               <a:solidFill>
                 <a:srgbClr val="000000"/>
               </a:solidFill>
@@ -13562,7 +13353,7 @@
               <a:buChar char=""/>
             </a:pPr>
             <a:r>
-              <a:rPr lang="pt-BR" sz="3200" b="0" strike="noStrike" spc="-1">
+              <a:rPr lang="pt-BR" sz="2400" b="0" strike="noStrike" spc="-1" dirty="0">
                 <a:solidFill>
                   <a:srgbClr val="000000"/>
                 </a:solidFill>
@@ -13576,7 +13367,7 @@
               </a:rPr>
               <a:t>Fornecer meios para facilitar e tornar mais eficaz a divulgação de campanhas humanitárias para captação de doações.</a:t>
             </a:r>
-            <a:endParaRPr lang="pt-BR" sz="1800" b="0" strike="noStrike" spc="-1">
+            <a:endParaRPr lang="pt-BR" sz="2400" b="0" strike="noStrike" spc="-1" dirty="0">
               <a:solidFill>
                 <a:srgbClr val="000000"/>
               </a:solidFill>
@@ -13601,7 +13392,7 @@
               <a:buChar char=""/>
             </a:pPr>
             <a:r>
-              <a:rPr lang="pt-BR" sz="3200" b="0" strike="noStrike" spc="-1">
+              <a:rPr lang="pt-BR" sz="3200" b="0" strike="noStrike" spc="-1" dirty="0">
                 <a:solidFill>
                   <a:srgbClr val="000000"/>
                 </a:solidFill>
@@ -13615,7 +13406,7 @@
               </a:rPr>
               <a:t> </a:t>
             </a:r>
-            <a:endParaRPr lang="pt-BR" sz="1800" b="0" strike="noStrike" spc="-1">
+            <a:endParaRPr lang="pt-BR" sz="1800" b="0" strike="noStrike" spc="-1" dirty="0">
               <a:solidFill>
                 <a:srgbClr val="000000"/>
               </a:solidFill>
@@ -13796,7 +13587,7 @@
               <a:buChar char="•"/>
             </a:pPr>
             <a:r>
-              <a:rPr lang="pt-BR" sz="3200" b="0" strike="noStrike" spc="-1">
+              <a:rPr lang="pt-BR" sz="2400" b="0" strike="noStrike" spc="-1" dirty="0">
                 <a:solidFill>
                   <a:srgbClr val="000000"/>
                 </a:solidFill>
@@ -13810,7 +13601,7 @@
               </a:rPr>
               <a:t>Objetivo Específicos:</a:t>
             </a:r>
-            <a:endParaRPr lang="pt-BR" sz="1800" b="0" strike="noStrike" spc="-1">
+            <a:endParaRPr lang="pt-BR" sz="2400" b="0" strike="noStrike" spc="-1" dirty="0">
               <a:solidFill>
                 <a:srgbClr val="000000"/>
               </a:solidFill>
@@ -13835,7 +13626,7 @@
               <a:buChar char=""/>
             </a:pPr>
             <a:r>
-              <a:rPr lang="pt-BR" sz="3200" b="0" strike="noStrike" spc="-1">
+              <a:rPr lang="pt-BR" sz="2400" b="0" strike="noStrike" spc="-1" dirty="0">
                 <a:solidFill>
                   <a:srgbClr val="000000"/>
                 </a:solidFill>
@@ -13849,7 +13640,7 @@
               </a:rPr>
               <a:t>Permitir o acompanhamento de instituições de caridade, campanhas humanitárias, doações e doadores, disponibilizando dados quantitativos, permitindo o setor gerencial acompanhar todos estes processos de forma simples e eficaz.</a:t>
             </a:r>
-            <a:endParaRPr lang="pt-BR" sz="1800" b="0" strike="noStrike" spc="-1">
+            <a:endParaRPr lang="pt-BR" sz="2400" b="0" strike="noStrike" spc="-1" dirty="0">
               <a:solidFill>
                 <a:srgbClr val="000000"/>
               </a:solidFill>
@@ -13874,7 +13665,7 @@
               <a:buChar char=""/>
             </a:pPr>
             <a:r>
-              <a:rPr lang="pt-BR" sz="3200" b="0" strike="noStrike" spc="-1">
+              <a:rPr lang="pt-BR" sz="3200" b="0" strike="noStrike" spc="-1" dirty="0">
                 <a:solidFill>
                   <a:srgbClr val="000000"/>
                 </a:solidFill>
@@ -13888,7 +13679,7 @@
               </a:rPr>
               <a:t> </a:t>
             </a:r>
-            <a:endParaRPr lang="pt-BR" sz="1800" b="0" strike="noStrike" spc="-1">
+            <a:endParaRPr lang="pt-BR" sz="1800" b="0" strike="noStrike" spc="-1" dirty="0">
               <a:solidFill>
                 <a:srgbClr val="000000"/>
               </a:solidFill>
@@ -14027,7 +13818,13 @@
         <p:nvGraphicFramePr>
           <p:cNvPr id="125" name="Table 2"/>
           <p:cNvGraphicFramePr/>
-          <p:nvPr/>
+          <p:nvPr>
+            <p:extLst>
+              <p:ext uri="{D42A27DB-BD31-4B8C-83A1-F6EECF244321}">
+                <p14:modId xmlns:p14="http://schemas.microsoft.com/office/powerpoint/2010/main" val="3131621257"/>
+              </p:ext>
+            </p:extLst>
+          </p:nvPr>
         </p:nvGraphicFramePr>
         <p:xfrm>
           <a:off x="491040" y="1460880"/>
@@ -14041,14 +13838,14 @@
                 <a:gridCol w="4114800">
                   <a:extLst>
                     <a:ext uri="{9D8B030D-6E8A-4147-A177-3AD203B41FA5}">
-                      <a16:colId xmlns:a16="http://schemas.microsoft.com/office/drawing/2014/main" xmlns="" val="20000"/>
+                      <a16:colId xmlns="" xmlns:a16="http://schemas.microsoft.com/office/drawing/2014/main" val="20000"/>
                     </a:ext>
                   </a:extLst>
                 </a:gridCol>
                 <a:gridCol w="4114800">
                   <a:extLst>
                     <a:ext uri="{9D8B030D-6E8A-4147-A177-3AD203B41FA5}">
-                      <a16:colId xmlns:a16="http://schemas.microsoft.com/office/drawing/2014/main" xmlns="" val="20001"/>
+                      <a16:colId xmlns="" xmlns:a16="http://schemas.microsoft.com/office/drawing/2014/main" val="20001"/>
                     </a:ext>
                   </a:extLst>
                 </a:gridCol>
@@ -14065,7 +13862,7 @@
                         </a:lnSpc>
                       </a:pPr>
                       <a:r>
-                        <a:rPr lang="pt-BR" sz="2400" b="0" strike="noStrike" spc="-1">
+                        <a:rPr lang="pt-BR" sz="1800" b="0" strike="noStrike" spc="-1" dirty="0">
                           <a:solidFill>
                             <a:srgbClr val="FFFFFF"/>
                           </a:solidFill>
@@ -14078,7 +13875,7 @@
                         </a:rPr>
                         <a:t>Integrante</a:t>
                       </a:r>
-                      <a:endParaRPr lang="pt-BR" sz="1800" b="0" strike="noStrike" spc="-1">
+                      <a:endParaRPr lang="pt-BR" sz="1800" b="0" strike="noStrike" spc="-1" dirty="0">
                         <a:solidFill>
                           <a:srgbClr val="000000"/>
                         </a:solidFill>
@@ -14128,7 +13925,7 @@
                         </a:lnSpc>
                       </a:pPr>
                       <a:r>
-                        <a:rPr lang="pt-BR" sz="2400" b="0" strike="noStrike" spc="-1">
+                        <a:rPr lang="pt-BR" sz="1800" b="0" strike="noStrike" spc="-1">
                           <a:solidFill>
                             <a:srgbClr val="FFFFFF"/>
                           </a:solidFill>
@@ -14182,7 +13979,7 @@
                 </a:tc>
                 <a:extLst>
                   <a:ext uri="{0D108BD9-81ED-4DB2-BD59-A6C34878D82A}">
-                    <a16:rowId xmlns:a16="http://schemas.microsoft.com/office/drawing/2014/main" xmlns="" val="10000"/>
+                    <a16:rowId xmlns="" xmlns:a16="http://schemas.microsoft.com/office/drawing/2014/main" val="10000"/>
                   </a:ext>
                 </a:extLst>
               </a:tr>
@@ -14323,7 +14120,7 @@
                 </a:tc>
                 <a:extLst>
                   <a:ext uri="{0D108BD9-81ED-4DB2-BD59-A6C34878D82A}">
-                    <a16:rowId xmlns:a16="http://schemas.microsoft.com/office/drawing/2014/main" xmlns="" val="10001"/>
+                    <a16:rowId xmlns="" xmlns:a16="http://schemas.microsoft.com/office/drawing/2014/main" val="10001"/>
                   </a:ext>
                 </a:extLst>
               </a:tr>
@@ -14456,7 +14253,7 @@
                 </a:tc>
                 <a:extLst>
                   <a:ext uri="{0D108BD9-81ED-4DB2-BD59-A6C34878D82A}">
-                    <a16:rowId xmlns:a16="http://schemas.microsoft.com/office/drawing/2014/main" xmlns="" val="10002"/>
+                    <a16:rowId xmlns="" xmlns:a16="http://schemas.microsoft.com/office/drawing/2014/main" val="10002"/>
                   </a:ext>
                 </a:extLst>
               </a:tr>
@@ -14535,7 +14332,7 @@
                         </a:lnSpc>
                       </a:pPr>
                       <a:r>
-                        <a:rPr lang="pt-BR" sz="1800" b="0" strike="noStrike" spc="-1">
+                        <a:rPr lang="pt-BR" sz="1800" b="0" strike="noStrike" spc="-1" dirty="0">
                           <a:solidFill>
                             <a:srgbClr val="000000"/>
                           </a:solidFill>
@@ -14546,9 +14343,23 @@
                           </a:uFill>
                           <a:latin typeface="Calibri"/>
                         </a:rPr>
-                        <a:t>Líder de Projeto, Desenvolvedor, Testador</a:t>
+                        <a:t>Líder de Projeto, </a:t>
                       </a:r>
-                      <a:endParaRPr lang="pt-BR" sz="1800" b="0" strike="noStrike" spc="-1">
+                      <a:r>
+                        <a:rPr lang="pt-BR" sz="1800" b="0" strike="noStrike" spc="-1" dirty="0" smtClean="0">
+                          <a:solidFill>
+                            <a:srgbClr val="000000"/>
+                          </a:solidFill>
+                          <a:uFill>
+                            <a:solidFill>
+                              <a:srgbClr val="FFFFFF"/>
+                            </a:solidFill>
+                          </a:uFill>
+                          <a:latin typeface="Calibri"/>
+                        </a:rPr>
+                        <a:t>Desenvolvedor</a:t>
+                      </a:r>
+                      <a:endParaRPr lang="pt-BR" sz="1800" b="0" strike="noStrike" spc="-1" dirty="0">
                         <a:solidFill>
                           <a:srgbClr val="000000"/>
                         </a:solidFill>
@@ -14589,7 +14400,7 @@
                 </a:tc>
                 <a:extLst>
                   <a:ext uri="{0D108BD9-81ED-4DB2-BD59-A6C34878D82A}">
-                    <a16:rowId xmlns:a16="http://schemas.microsoft.com/office/drawing/2014/main" xmlns="" val="10003"/>
+                    <a16:rowId xmlns="" xmlns:a16="http://schemas.microsoft.com/office/drawing/2014/main" val="10003"/>
                   </a:ext>
                 </a:extLst>
               </a:tr>
@@ -14668,7 +14479,7 @@
                         </a:lnSpc>
                       </a:pPr>
                       <a:r>
-                        <a:rPr lang="pt-BR" sz="1800" b="0" strike="noStrike" spc="-1">
+                        <a:rPr lang="pt-BR" sz="1800" b="0" strike="noStrike" spc="-1" dirty="0">
                           <a:solidFill>
                             <a:srgbClr val="000000"/>
                           </a:solidFill>
@@ -14679,9 +14490,23 @@
                           </a:uFill>
                           <a:latin typeface="Calibri"/>
                         </a:rPr>
-                        <a:t>Gerente de Configuração, Desenvolvedor, Testador</a:t>
+                        <a:t>Gerente de Configuração, </a:t>
                       </a:r>
-                      <a:endParaRPr lang="pt-BR" sz="1800" b="0" strike="noStrike" spc="-1">
+                      <a:r>
+                        <a:rPr lang="pt-BR" sz="1800" b="0" strike="noStrike" spc="-1" dirty="0" smtClean="0">
+                          <a:solidFill>
+                            <a:srgbClr val="000000"/>
+                          </a:solidFill>
+                          <a:uFill>
+                            <a:solidFill>
+                              <a:srgbClr val="FFFFFF"/>
+                            </a:solidFill>
+                          </a:uFill>
+                          <a:latin typeface="Calibri"/>
+                        </a:rPr>
+                        <a:t>Desenvolvedor</a:t>
+                      </a:r>
+                      <a:endParaRPr lang="pt-BR" sz="1800" b="0" strike="noStrike" spc="-1" dirty="0">
                         <a:solidFill>
                           <a:srgbClr val="000000"/>
                         </a:solidFill>
@@ -14722,7 +14547,7 @@
                 </a:tc>
                 <a:extLst>
                   <a:ext uri="{0D108BD9-81ED-4DB2-BD59-A6C34878D82A}">
-                    <a16:rowId xmlns:a16="http://schemas.microsoft.com/office/drawing/2014/main" xmlns="" val="10004"/>
+                    <a16:rowId xmlns="" xmlns:a16="http://schemas.microsoft.com/office/drawing/2014/main" val="10004"/>
                   </a:ext>
                 </a:extLst>
               </a:tr>
@@ -14855,7 +14680,7 @@
                 </a:tc>
                 <a:extLst>
                   <a:ext uri="{0D108BD9-81ED-4DB2-BD59-A6C34878D82A}">
-                    <a16:rowId xmlns:a16="http://schemas.microsoft.com/office/drawing/2014/main" xmlns="" val="10005"/>
+                    <a16:rowId xmlns="" xmlns:a16="http://schemas.microsoft.com/office/drawing/2014/main" val="10005"/>
                   </a:ext>
                 </a:extLst>
               </a:tr>
@@ -14924,7 +14749,7 @@
                     <a:lstStyle/>
                     <a:p>
                       <a:r>
-                        <a:rPr lang="pt-BR" sz="1800" b="0" strike="noStrike" spc="-1">
+                        <a:rPr lang="pt-BR" sz="1800" b="0" strike="noStrike" spc="-1" dirty="0" err="1">
                           <a:solidFill>
                             <a:srgbClr val="000000"/>
                           </a:solidFill>
@@ -14935,9 +14760,23 @@
                           </a:uFill>
                           <a:latin typeface="Calibri"/>
                         </a:rPr>
-                        <a:t>Análista de Qualidade</a:t>
+                        <a:t>Análista</a:t>
                       </a:r>
-                      <a:endParaRPr lang="pt-BR" sz="1800" b="0" strike="noStrike" spc="-1">
+                      <a:r>
+                        <a:rPr lang="pt-BR" sz="1800" b="0" strike="noStrike" spc="-1" dirty="0">
+                          <a:solidFill>
+                            <a:srgbClr val="000000"/>
+                          </a:solidFill>
+                          <a:uFill>
+                            <a:solidFill>
+                              <a:srgbClr val="FFFFFF"/>
+                            </a:solidFill>
+                          </a:uFill>
+                          <a:latin typeface="Calibri"/>
+                        </a:rPr>
+                        <a:t> de Qualidade</a:t>
+                      </a:r>
+                      <a:endParaRPr lang="pt-BR" sz="1800" b="0" strike="noStrike" spc="-1" dirty="0">
                         <a:solidFill>
                           <a:srgbClr val="000000"/>
                         </a:solidFill>
@@ -14978,7 +14817,7 @@
                 </a:tc>
                 <a:extLst>
                   <a:ext uri="{0D108BD9-81ED-4DB2-BD59-A6C34878D82A}">
-                    <a16:rowId xmlns:a16="http://schemas.microsoft.com/office/drawing/2014/main" xmlns="" val="10006"/>
+                    <a16:rowId xmlns="" xmlns:a16="http://schemas.microsoft.com/office/drawing/2014/main" val="10006"/>
                   </a:ext>
                 </a:extLst>
               </a:tr>

--- a/Projeto-AjudeMais/000-Gerência de Projeto/PPJ-Plano de Projeto.pptx
+++ b/Projeto-AjudeMais/000-Gerência de Projeto/PPJ-Plano de Projeto.pptx
@@ -25,6 +25,7 @@
     <p:sldId id="268" r:id="rId18"/>
     <p:sldId id="269" r:id="rId19"/>
     <p:sldId id="270" r:id="rId20"/>
+    <p:sldId id="271" r:id="rId21"/>
   </p:sldIdLst>
   <p:sldSz cx="9144000" cy="6858000"/>
   <p:notesSz cx="7772400" cy="10058400"/>
@@ -60,8 +61,8 @@
         </p:nvSpPr>
         <p:spPr>
           <a:xfrm>
-            <a:off x="756000" y="5078520"/>
-            <a:ext cx="6047640" cy="4811040"/>
+            <a:off x="777240" y="4777560"/>
+            <a:ext cx="6217560" cy="4525920"/>
           </a:xfrm>
           <a:prstGeom prst="rect">
             <a:avLst/>
@@ -82,7 +83,7 @@
                 </a:uFill>
                 <a:latin typeface="Arial"/>
               </a:rPr>
-              <a:t>Click to edit the notes format</a:t>
+              <a:t>Clique para editar o formato de notas</a:t>
             </a:r>
             <a:endParaRPr b="0" lang="pt-BR" sz="2000" spc="-1" strike="noStrike">
               <a:solidFill>
@@ -111,7 +112,7 @@
         <p:spPr>
           <a:xfrm>
             <a:off x="0" y="0"/>
-            <a:ext cx="3280680" cy="534240"/>
+            <a:ext cx="3372840" cy="502560"/>
           </a:xfrm>
           <a:prstGeom prst="rect">
             <a:avLst/>
@@ -132,7 +133,7 @@
                 </a:uFill>
                 <a:latin typeface="Times New Roman"/>
               </a:rPr>
-              <a:t> </a:t>
+              <a:t>&lt;cabeçalho&gt;</a:t>
             </a:r>
             <a:endParaRPr b="0" lang="pt-BR" sz="1400" spc="-1" strike="noStrike">
               <a:solidFill>
@@ -160,8 +161,8 @@
         </p:nvSpPr>
         <p:spPr>
           <a:xfrm>
-            <a:off x="4278960" y="0"/>
-            <a:ext cx="3280680" cy="534240"/>
+            <a:off x="4399200" y="0"/>
+            <a:ext cx="3372840" cy="502560"/>
           </a:xfrm>
           <a:prstGeom prst="rect">
             <a:avLst/>
@@ -183,7 +184,7 @@
                 </a:uFill>
                 <a:latin typeface="Times New Roman"/>
               </a:rPr>
-              <a:t> </a:t>
+              <a:t>&lt;data/hora&gt;</a:t>
             </a:r>
             <a:endParaRPr b="0" lang="pt-BR" sz="1400" spc="-1" strike="noStrike">
               <a:solidFill>
@@ -211,8 +212,8 @@
         </p:nvSpPr>
         <p:spPr>
           <a:xfrm>
-            <a:off x="0" y="10157400"/>
-            <a:ext cx="3280680" cy="534240"/>
+            <a:off x="0" y="9555480"/>
+            <a:ext cx="3372840" cy="502560"/>
           </a:xfrm>
           <a:prstGeom prst="rect">
             <a:avLst/>
@@ -233,7 +234,7 @@
                 </a:uFill>
                 <a:latin typeface="Times New Roman"/>
               </a:rPr>
-              <a:t> </a:t>
+              <a:t>&lt;rodapé&gt;</a:t>
             </a:r>
             <a:endParaRPr b="0" lang="pt-BR" sz="1400" spc="-1" strike="noStrike">
               <a:solidFill>
@@ -261,8 +262,8 @@
         </p:nvSpPr>
         <p:spPr>
           <a:xfrm>
-            <a:off x="4278960" y="10157400"/>
-            <a:ext cx="3280680" cy="534240"/>
+            <a:off x="4399200" y="9555480"/>
+            <a:ext cx="3372840" cy="502560"/>
           </a:xfrm>
           <a:prstGeom prst="rect">
             <a:avLst/>
@@ -272,7 +273,7 @@
           <a:bodyPr lIns="0" rIns="0" tIns="0" bIns="0" anchor="b"/>
           <a:p>
             <a:pPr algn="r"/>
-            <a:fld id="{32814F30-0274-45BB-8D14-B6BC75BCB8DA}" type="slidenum">
+            <a:fld id="{540E341E-80E4-4DEA-B739-8913F8853E7B}" type="slidenum">
               <a:rPr b="0" lang="pt-BR" sz="1400" spc="-1" strike="noStrike">
                 <a:solidFill>
                   <a:srgbClr val="000000"/>
@@ -284,7 +285,7 @@
                 </a:uFill>
                 <a:latin typeface="Times New Roman"/>
               </a:rPr>
-              <a:t>1</a:t>
+              <a:t>&lt;número&gt;</a:t>
             </a:fld>
             <a:endParaRPr b="0" lang="pt-BR" sz="1400" spc="-1" strike="noStrike">
               <a:solidFill>
@@ -306,7 +307,7 @@
 </p:notesMaster>
 </file>
 
-<file path=ppt/notesSlides/notesSlide13.xml><?xml version="1.0" encoding="utf-8"?>
+<file path=ppt/notesSlides/notesSlide14.xml><?xml version="1.0" encoding="utf-8"?>
 <p:notes xmlns:a="http://schemas.openxmlformats.org/drawingml/2006/main" xmlns:p="http://schemas.openxmlformats.org/presentationml/2006/main" xmlns:r="http://schemas.openxmlformats.org/officeDocument/2006/relationships" xmlns:p14="http://schemas.microsoft.com/office/powerpoint/2010/main" xmlns:p15="http://schemas.microsoft.com/office/powerpoint/2012/main" xmlns:mc="http://schemas.openxmlformats.org/markup-compatibility/2006">
   <p:cSld>
     <p:spTree>
@@ -325,7 +326,7 @@
       </p:grpSpPr>
       <p:sp>
         <p:nvSpPr>
-          <p:cNvPr id="143" name="PlaceHolder 1"/>
+          <p:cNvPr id="145" name="PlaceHolder 1"/>
           <p:cNvSpPr>
             <a:spLocks noGrp="1"/>
           </p:cNvSpPr>
@@ -336,7 +337,7 @@
         <p:spPr>
           <a:xfrm>
             <a:off x="777960" y="4840200"/>
-            <a:ext cx="6215760" cy="3960000"/>
+            <a:ext cx="6215040" cy="3959280"/>
           </a:xfrm>
           <a:prstGeom prst="rect">
             <a:avLst/>
@@ -361,14 +362,14 @@
       </p:sp>
       <p:sp>
         <p:nvSpPr>
-          <p:cNvPr id="144" name="CustomShape 2"/>
+          <p:cNvPr id="146" name="CustomShape 2"/>
           <p:cNvSpPr/>
           <p:nvPr/>
         </p:nvSpPr>
         <p:spPr>
           <a:xfrm>
             <a:off x="4402080" y="9553680"/>
-            <a:ext cx="3367800" cy="504000"/>
+            <a:ext cx="3367080" cy="503280"/>
           </a:xfrm>
           <a:prstGeom prst="rect">
             <a:avLst/>
@@ -392,7 +393,7 @@
                 <a:spcPct val="100000"/>
               </a:lnSpc>
             </a:pPr>
-            <a:fld id="{6A4C1274-BEA7-4FE0-956C-58246D7C9C7A}" type="slidenum">
+            <a:fld id="{D1A6864C-82C1-407C-8E89-FD7EA53914D5}" type="slidenum">
               <a:rPr b="0" lang="pt-BR" sz="1200" spc="-1" strike="noStrike">
                 <a:solidFill>
                   <a:srgbClr val="000000"/>
@@ -405,7 +406,7 @@
                 <a:latin typeface="+mn-lt"/>
                 <a:ea typeface="+mn-ea"/>
               </a:rPr>
-              <a:t>&lt;number&gt;</a:t>
+              <a:t>&lt;número&gt;</a:t>
             </a:fld>
             <a:endParaRPr b="0" lang="pt-BR" sz="1800" spc="-1" strike="noStrike">
               <a:solidFill>
@@ -4907,7 +4908,161 @@
                 </a:uFill>
                 <a:latin typeface="Arial"/>
               </a:rPr>
-              <a:t>Click to edit the title text format</a:t>
+              <a:t>Cliq</a:t>
+            </a:r>
+            <a:r>
+              <a:rPr b="0" lang="pt-BR" sz="4400" spc="-1" strike="noStrike">
+                <a:solidFill>
+                  <a:srgbClr val="000000"/>
+                </a:solidFill>
+                <a:uFill>
+                  <a:solidFill>
+                    <a:srgbClr val="ffffff"/>
+                  </a:solidFill>
+                </a:uFill>
+                <a:latin typeface="Arial"/>
+              </a:rPr>
+              <a:t>ue </a:t>
+            </a:r>
+            <a:r>
+              <a:rPr b="0" lang="pt-BR" sz="4400" spc="-1" strike="noStrike">
+                <a:solidFill>
+                  <a:srgbClr val="000000"/>
+                </a:solidFill>
+                <a:uFill>
+                  <a:solidFill>
+                    <a:srgbClr val="ffffff"/>
+                  </a:solidFill>
+                </a:uFill>
+                <a:latin typeface="Arial"/>
+              </a:rPr>
+              <a:t>para </a:t>
+            </a:r>
+            <a:r>
+              <a:rPr b="0" lang="pt-BR" sz="4400" spc="-1" strike="noStrike">
+                <a:solidFill>
+                  <a:srgbClr val="000000"/>
+                </a:solidFill>
+                <a:uFill>
+                  <a:solidFill>
+                    <a:srgbClr val="ffffff"/>
+                  </a:solidFill>
+                </a:uFill>
+                <a:latin typeface="Arial"/>
+              </a:rPr>
+              <a:t>edit</a:t>
+            </a:r>
+            <a:r>
+              <a:rPr b="0" lang="pt-BR" sz="4400" spc="-1" strike="noStrike">
+                <a:solidFill>
+                  <a:srgbClr val="000000"/>
+                </a:solidFill>
+                <a:uFill>
+                  <a:solidFill>
+                    <a:srgbClr val="ffffff"/>
+                  </a:solidFill>
+                </a:uFill>
+                <a:latin typeface="Arial"/>
+              </a:rPr>
+              <a:t>ar o </a:t>
+            </a:r>
+            <a:r>
+              <a:rPr b="0" lang="pt-BR" sz="4400" spc="-1" strike="noStrike">
+                <a:solidFill>
+                  <a:srgbClr val="000000"/>
+                </a:solidFill>
+                <a:uFill>
+                  <a:solidFill>
+                    <a:srgbClr val="ffffff"/>
+                  </a:solidFill>
+                </a:uFill>
+                <a:latin typeface="Arial"/>
+              </a:rPr>
+              <a:t>form</a:t>
+            </a:r>
+            <a:r>
+              <a:rPr b="0" lang="pt-BR" sz="4400" spc="-1" strike="noStrike">
+                <a:solidFill>
+                  <a:srgbClr val="000000"/>
+                </a:solidFill>
+                <a:uFill>
+                  <a:solidFill>
+                    <a:srgbClr val="ffffff"/>
+                  </a:solidFill>
+                </a:uFill>
+                <a:latin typeface="Arial"/>
+              </a:rPr>
+              <a:t>ato </a:t>
+            </a:r>
+            <a:r>
+              <a:rPr b="0" lang="pt-BR" sz="4400" spc="-1" strike="noStrike">
+                <a:solidFill>
+                  <a:srgbClr val="000000"/>
+                </a:solidFill>
+                <a:uFill>
+                  <a:solidFill>
+                    <a:srgbClr val="ffffff"/>
+                  </a:solidFill>
+                </a:uFill>
+                <a:latin typeface="Arial"/>
+              </a:rPr>
+              <a:t>do </a:t>
+            </a:r>
+            <a:r>
+              <a:rPr b="0" lang="pt-BR" sz="4400" spc="-1" strike="noStrike">
+                <a:solidFill>
+                  <a:srgbClr val="000000"/>
+                </a:solidFill>
+                <a:uFill>
+                  <a:solidFill>
+                    <a:srgbClr val="ffffff"/>
+                  </a:solidFill>
+                </a:uFill>
+                <a:latin typeface="Arial"/>
+              </a:rPr>
+              <a:t>text</a:t>
+            </a:r>
+            <a:r>
+              <a:rPr b="0" lang="pt-BR" sz="4400" spc="-1" strike="noStrike">
+                <a:solidFill>
+                  <a:srgbClr val="000000"/>
+                </a:solidFill>
+                <a:uFill>
+                  <a:solidFill>
+                    <a:srgbClr val="ffffff"/>
+                  </a:solidFill>
+                </a:uFill>
+                <a:latin typeface="Arial"/>
+              </a:rPr>
+              <a:t>o do </a:t>
+            </a:r>
+            <a:r>
+              <a:rPr b="0" lang="pt-BR" sz="4400" spc="-1" strike="noStrike">
+                <a:solidFill>
+                  <a:srgbClr val="000000"/>
+                </a:solidFill>
+                <a:uFill>
+                  <a:solidFill>
+                    <a:srgbClr val="ffffff"/>
+                  </a:solidFill>
+                </a:uFill>
+                <a:latin typeface="Arial"/>
+              </a:rPr>
+              <a:t>títul</a:t>
+            </a:r>
+            <a:r>
+              <a:rPr b="0" lang="pt-BR" sz="4400" spc="-1" strike="noStrike">
+                <a:solidFill>
+                  <a:srgbClr val="000000"/>
+                </a:solidFill>
+                <a:uFill>
+                  <a:solidFill>
+                    <a:srgbClr val="ffffff"/>
+                  </a:solidFill>
+                </a:uFill>
+                <a:latin typeface="Arial"/>
+              </a:rPr>
+              <a:t>o</a:t>
             </a:r>
             <a:endParaRPr b="0" lang="pt-BR" sz="4400" spc="-1" strike="noStrike">
               <a:solidFill>
@@ -4965,7 +5120,7 @@
                 </a:uFill>
                 <a:latin typeface="Arial"/>
               </a:rPr>
-              <a:t>Click to edit the outline text format</a:t>
+              <a:t>Clique para editar o formato do texto da estrutura de tópicos</a:t>
             </a:r>
             <a:endParaRPr b="0" lang="pt-BR" sz="3200" spc="-1" strike="noStrike">
               <a:solidFill>
@@ -5000,7 +5155,7 @@
                 </a:uFill>
                 <a:latin typeface="Arial"/>
               </a:rPr>
-              <a:t>Second Outline Level</a:t>
+              <a:t>2.º nível da estrutura de tópicos</a:t>
             </a:r>
             <a:endParaRPr b="0" lang="pt-BR" sz="2800" spc="-1" strike="noStrike">
               <a:solidFill>
@@ -5035,7 +5190,7 @@
                 </a:uFill>
                 <a:latin typeface="Arial"/>
               </a:rPr>
-              <a:t>Third Outline Level</a:t>
+              <a:t>3.º nível da estrutura de tópicos</a:t>
             </a:r>
             <a:endParaRPr b="0" lang="pt-BR" sz="2400" spc="-1" strike="noStrike">
               <a:solidFill>
@@ -5070,7 +5225,7 @@
                 </a:uFill>
                 <a:latin typeface="Arial"/>
               </a:rPr>
-              <a:t>Fourth Outline Level</a:t>
+              <a:t>4.º nível da estrutura de tópicos</a:t>
             </a:r>
             <a:endParaRPr b="0" lang="pt-BR" sz="2000" spc="-1" strike="noStrike">
               <a:solidFill>
@@ -5105,7 +5260,7 @@
                 </a:uFill>
                 <a:latin typeface="Arial"/>
               </a:rPr>
-              <a:t>Fifth Outline Level</a:t>
+              <a:t>5.º nível da estrutura de tópicos</a:t>
             </a:r>
             <a:endParaRPr b="0" lang="pt-BR" sz="2000" spc="-1" strike="noStrike">
               <a:solidFill>
@@ -5140,7 +5295,7 @@
                 </a:uFill>
                 <a:latin typeface="Arial"/>
               </a:rPr>
-              <a:t>Sixth Outline Level</a:t>
+              <a:t>6.º nível da estrutura de tópicos</a:t>
             </a:r>
             <a:endParaRPr b="0" lang="pt-BR" sz="2000" spc="-1" strike="noStrike">
               <a:solidFill>
@@ -5175,7 +5330,7 @@
                 </a:uFill>
                 <a:latin typeface="Arial"/>
               </a:rPr>
-              <a:t>Seventh Outline Level</a:t>
+              <a:t>7.º nível da estrutura de tópicos</a:t>
             </a:r>
             <a:endParaRPr b="0" lang="pt-BR" sz="2000" spc="-1" strike="noStrike">
               <a:solidFill>
@@ -5270,7 +5425,161 @@
                 </a:uFill>
                 <a:latin typeface="Arial"/>
               </a:rPr>
-              <a:t>Click to edit the title text format</a:t>
+              <a:t>Cliq</a:t>
+            </a:r>
+            <a:r>
+              <a:rPr b="0" lang="pt-BR" sz="4400" spc="-1" strike="noStrike">
+                <a:solidFill>
+                  <a:srgbClr val="000000"/>
+                </a:solidFill>
+                <a:uFill>
+                  <a:solidFill>
+                    <a:srgbClr val="ffffff"/>
+                  </a:solidFill>
+                </a:uFill>
+                <a:latin typeface="Arial"/>
+              </a:rPr>
+              <a:t>ue </a:t>
+            </a:r>
+            <a:r>
+              <a:rPr b="0" lang="pt-BR" sz="4400" spc="-1" strike="noStrike">
+                <a:solidFill>
+                  <a:srgbClr val="000000"/>
+                </a:solidFill>
+                <a:uFill>
+                  <a:solidFill>
+                    <a:srgbClr val="ffffff"/>
+                  </a:solidFill>
+                </a:uFill>
+                <a:latin typeface="Arial"/>
+              </a:rPr>
+              <a:t>para </a:t>
+            </a:r>
+            <a:r>
+              <a:rPr b="0" lang="pt-BR" sz="4400" spc="-1" strike="noStrike">
+                <a:solidFill>
+                  <a:srgbClr val="000000"/>
+                </a:solidFill>
+                <a:uFill>
+                  <a:solidFill>
+                    <a:srgbClr val="ffffff"/>
+                  </a:solidFill>
+                </a:uFill>
+                <a:latin typeface="Arial"/>
+              </a:rPr>
+              <a:t>edit</a:t>
+            </a:r>
+            <a:r>
+              <a:rPr b="0" lang="pt-BR" sz="4400" spc="-1" strike="noStrike">
+                <a:solidFill>
+                  <a:srgbClr val="000000"/>
+                </a:solidFill>
+                <a:uFill>
+                  <a:solidFill>
+                    <a:srgbClr val="ffffff"/>
+                  </a:solidFill>
+                </a:uFill>
+                <a:latin typeface="Arial"/>
+              </a:rPr>
+              <a:t>ar o </a:t>
+            </a:r>
+            <a:r>
+              <a:rPr b="0" lang="pt-BR" sz="4400" spc="-1" strike="noStrike">
+                <a:solidFill>
+                  <a:srgbClr val="000000"/>
+                </a:solidFill>
+                <a:uFill>
+                  <a:solidFill>
+                    <a:srgbClr val="ffffff"/>
+                  </a:solidFill>
+                </a:uFill>
+                <a:latin typeface="Arial"/>
+              </a:rPr>
+              <a:t>form</a:t>
+            </a:r>
+            <a:r>
+              <a:rPr b="0" lang="pt-BR" sz="4400" spc="-1" strike="noStrike">
+                <a:solidFill>
+                  <a:srgbClr val="000000"/>
+                </a:solidFill>
+                <a:uFill>
+                  <a:solidFill>
+                    <a:srgbClr val="ffffff"/>
+                  </a:solidFill>
+                </a:uFill>
+                <a:latin typeface="Arial"/>
+              </a:rPr>
+              <a:t>ato </a:t>
+            </a:r>
+            <a:r>
+              <a:rPr b="0" lang="pt-BR" sz="4400" spc="-1" strike="noStrike">
+                <a:solidFill>
+                  <a:srgbClr val="000000"/>
+                </a:solidFill>
+                <a:uFill>
+                  <a:solidFill>
+                    <a:srgbClr val="ffffff"/>
+                  </a:solidFill>
+                </a:uFill>
+                <a:latin typeface="Arial"/>
+              </a:rPr>
+              <a:t>do </a:t>
+            </a:r>
+            <a:r>
+              <a:rPr b="0" lang="pt-BR" sz="4400" spc="-1" strike="noStrike">
+                <a:solidFill>
+                  <a:srgbClr val="000000"/>
+                </a:solidFill>
+                <a:uFill>
+                  <a:solidFill>
+                    <a:srgbClr val="ffffff"/>
+                  </a:solidFill>
+                </a:uFill>
+                <a:latin typeface="Arial"/>
+              </a:rPr>
+              <a:t>text</a:t>
+            </a:r>
+            <a:r>
+              <a:rPr b="0" lang="pt-BR" sz="4400" spc="-1" strike="noStrike">
+                <a:solidFill>
+                  <a:srgbClr val="000000"/>
+                </a:solidFill>
+                <a:uFill>
+                  <a:solidFill>
+                    <a:srgbClr val="ffffff"/>
+                  </a:solidFill>
+                </a:uFill>
+                <a:latin typeface="Arial"/>
+              </a:rPr>
+              <a:t>o do </a:t>
+            </a:r>
+            <a:r>
+              <a:rPr b="0" lang="pt-BR" sz="4400" spc="-1" strike="noStrike">
+                <a:solidFill>
+                  <a:srgbClr val="000000"/>
+                </a:solidFill>
+                <a:uFill>
+                  <a:solidFill>
+                    <a:srgbClr val="ffffff"/>
+                  </a:solidFill>
+                </a:uFill>
+                <a:latin typeface="Arial"/>
+              </a:rPr>
+              <a:t>títul</a:t>
+            </a:r>
+            <a:r>
+              <a:rPr b="0" lang="pt-BR" sz="4400" spc="-1" strike="noStrike">
+                <a:solidFill>
+                  <a:srgbClr val="000000"/>
+                </a:solidFill>
+                <a:uFill>
+                  <a:solidFill>
+                    <a:srgbClr val="ffffff"/>
+                  </a:solidFill>
+                </a:uFill>
+                <a:latin typeface="Arial"/>
+              </a:rPr>
+              <a:t>o</a:t>
             </a:r>
             <a:endParaRPr b="0" lang="pt-BR" sz="4400" spc="-1" strike="noStrike">
               <a:solidFill>
@@ -5328,7 +5637,7 @@
                 </a:uFill>
                 <a:latin typeface="Arial"/>
               </a:rPr>
-              <a:t>Click to edit the outline text format</a:t>
+              <a:t>Clique para editar o formato do texto da estrutura de tópicos</a:t>
             </a:r>
             <a:endParaRPr b="0" lang="pt-BR" sz="3200" spc="-1" strike="noStrike">
               <a:solidFill>
@@ -5363,7 +5672,7 @@
                 </a:uFill>
                 <a:latin typeface="Arial"/>
               </a:rPr>
-              <a:t>Second Outline Level</a:t>
+              <a:t>2.º nível da estrutura de tópicos</a:t>
             </a:r>
             <a:endParaRPr b="0" lang="pt-BR" sz="2800" spc="-1" strike="noStrike">
               <a:solidFill>
@@ -5398,7 +5707,7 @@
                 </a:uFill>
                 <a:latin typeface="Arial"/>
               </a:rPr>
-              <a:t>Third Outline Level</a:t>
+              <a:t>3.º nível da estrutura de tópicos</a:t>
             </a:r>
             <a:endParaRPr b="0" lang="pt-BR" sz="2400" spc="-1" strike="noStrike">
               <a:solidFill>
@@ -5433,7 +5742,7 @@
                 </a:uFill>
                 <a:latin typeface="Arial"/>
               </a:rPr>
-              <a:t>Fourth Outline Level</a:t>
+              <a:t>4.º nível da estrutura de tópicos</a:t>
             </a:r>
             <a:endParaRPr b="0" lang="pt-BR" sz="2000" spc="-1" strike="noStrike">
               <a:solidFill>
@@ -5468,7 +5777,7 @@
                 </a:uFill>
                 <a:latin typeface="Arial"/>
               </a:rPr>
-              <a:t>Fifth Outline Level</a:t>
+              <a:t>5.º nível da estrutura de tópicos</a:t>
             </a:r>
             <a:endParaRPr b="0" lang="pt-BR" sz="2000" spc="-1" strike="noStrike">
               <a:solidFill>
@@ -5503,7 +5812,7 @@
                 </a:uFill>
                 <a:latin typeface="Arial"/>
               </a:rPr>
-              <a:t>Sixth Outline Level</a:t>
+              <a:t>6.º nível da estrutura de tópicos</a:t>
             </a:r>
             <a:endParaRPr b="0" lang="pt-BR" sz="2000" spc="-1" strike="noStrike">
               <a:solidFill>
@@ -5538,7 +5847,7 @@
                 </a:uFill>
                 <a:latin typeface="Arial"/>
               </a:rPr>
-              <a:t>Seventh Outline Level</a:t>
+              <a:t>7.º nível da estrutura de tópicos</a:t>
             </a:r>
             <a:endParaRPr b="0" lang="pt-BR" sz="2000" spc="-1" strike="noStrike">
               <a:solidFill>
@@ -5633,7 +5942,7 @@
                 </a:uFill>
                 <a:latin typeface="Arial"/>
               </a:rPr>
-              <a:t>Click to edit the title text format</a:t>
+              <a:t>Clique para editar o formato do texto do título</a:t>
             </a:r>
             <a:endParaRPr b="0" lang="pt-BR" sz="4400" spc="-1" strike="noStrike">
               <a:solidFill>
@@ -5691,7 +6000,7 @@
                 </a:uFill>
                 <a:latin typeface="Arial"/>
               </a:rPr>
-              <a:t>Click to edit the outline text format</a:t>
+              <a:t>Clique para editar o formato do texto da estrutura de tópicos</a:t>
             </a:r>
             <a:endParaRPr b="0" lang="pt-BR" sz="3200" spc="-1" strike="noStrike">
               <a:solidFill>
@@ -5726,7 +6035,7 @@
                 </a:uFill>
                 <a:latin typeface="Arial"/>
               </a:rPr>
-              <a:t>Second Outline Level</a:t>
+              <a:t>2.º nível da estrutura de tópicos</a:t>
             </a:r>
             <a:endParaRPr b="0" lang="pt-BR" sz="2800" spc="-1" strike="noStrike">
               <a:solidFill>
@@ -5761,7 +6070,7 @@
                 </a:uFill>
                 <a:latin typeface="Arial"/>
               </a:rPr>
-              <a:t>Third Outline Level</a:t>
+              <a:t>3.º nível da estrutura de tópicos</a:t>
             </a:r>
             <a:endParaRPr b="0" lang="pt-BR" sz="2400" spc="-1" strike="noStrike">
               <a:solidFill>
@@ -5796,7 +6105,7 @@
                 </a:uFill>
                 <a:latin typeface="Arial"/>
               </a:rPr>
-              <a:t>Fourth Outline Level</a:t>
+              <a:t>4.º nível da estrutura de tópicos</a:t>
             </a:r>
             <a:endParaRPr b="0" lang="pt-BR" sz="2000" spc="-1" strike="noStrike">
               <a:solidFill>
@@ -5831,7 +6140,7 @@
                 </a:uFill>
                 <a:latin typeface="Arial"/>
               </a:rPr>
-              <a:t>Fifth Outline Level</a:t>
+              <a:t>5.º nível da estrutura de tópicos</a:t>
             </a:r>
             <a:endParaRPr b="0" lang="pt-BR" sz="2000" spc="-1" strike="noStrike">
               <a:solidFill>
@@ -5866,7 +6175,7 @@
                 </a:uFill>
                 <a:latin typeface="Arial"/>
               </a:rPr>
-              <a:t>Sixth Outline Level</a:t>
+              <a:t>6.º nível da estrutura de tópicos</a:t>
             </a:r>
             <a:endParaRPr b="0" lang="pt-BR" sz="2000" spc="-1" strike="noStrike">
               <a:solidFill>
@@ -5901,7 +6210,7 @@
                 </a:uFill>
                 <a:latin typeface="Arial"/>
               </a:rPr>
-              <a:t>Seventh Outline Level</a:t>
+              <a:t>7.º nível da estrutura de tópicos</a:t>
             </a:r>
             <a:endParaRPr b="0" lang="pt-BR" sz="2000" spc="-1" strike="noStrike">
               <a:solidFill>
@@ -5963,7 +6272,7 @@
         <p:spPr>
           <a:xfrm>
             <a:off x="648000" y="2736000"/>
-            <a:ext cx="7769520" cy="1467000"/>
+            <a:ext cx="7768800" cy="1466280"/>
           </a:xfrm>
           <a:prstGeom prst="rect">
             <a:avLst/>
@@ -6062,7 +6371,7 @@
         <p:spPr>
           <a:xfrm>
             <a:off x="3573720" y="942840"/>
-            <a:ext cx="1871280" cy="1648440"/>
+            <a:ext cx="1870560" cy="1647720"/>
           </a:xfrm>
           <a:prstGeom prst="rect">
             <a:avLst/>
@@ -6130,7 +6439,7 @@
         <p:spPr>
           <a:xfrm>
             <a:off x="457200" y="274680"/>
-            <a:ext cx="8226720" cy="1140120"/>
+            <a:ext cx="8226000" cy="1139400"/>
           </a:xfrm>
           <a:prstGeom prst="rect">
             <a:avLst/>
@@ -7002,7 +7311,7 @@
         <p:spPr>
           <a:xfrm>
             <a:off x="457200" y="274680"/>
-            <a:ext cx="8226720" cy="1140120"/>
+            <a:ext cx="8226000" cy="1139400"/>
           </a:xfrm>
           <a:prstGeom prst="rect">
             <a:avLst/>
@@ -7063,17 +7372,17 @@
         </p:nvGraphicFramePr>
         <p:xfrm>
           <a:off x="683640" y="1253880"/>
-          <a:ext cx="7920000" cy="2305800"/>
+          <a:ext cx="7920000" cy="5112000"/>
         </p:xfrm>
         <a:graphic>
           <a:graphicData uri="http://schemas.openxmlformats.org/drawingml/2006/table">
             <a:tbl>
               <a:tblPr/>
               <a:tblGrid>
-                <a:gridCol w="1512000"/>
-                <a:gridCol w="4248360"/>
-                <a:gridCol w="945000"/>
-                <a:gridCol w="1215000"/>
+                <a:gridCol w="1260360"/>
+                <a:gridCol w="3418560"/>
+                <a:gridCol w="1905120"/>
+                <a:gridCol w="1336320"/>
               </a:tblGrid>
               <a:tr h="622440">
                 <a:tc>
@@ -7334,13 +7643,13 @@
                   <a:txBody>
                     <a:bodyPr lIns="30600" rIns="30600"/>
                     <a:p>
-                      <a:pPr algn="ctr">
+                      <a:pPr>
                         <a:lnSpc>
                           <a:spcPct val="100000"/>
                         </a:lnSpc>
                       </a:pPr>
                       <a:r>
-                        <a:rPr b="0" lang="pt-BR" sz="1600" spc="-1" strike="noStrike">
+                        <a:rPr b="0" lang="pt-BR" sz="1800" spc="-1" strike="noStrike">
                           <a:solidFill>
                             <a:srgbClr val="000000"/>
                           </a:solidFill>
@@ -7349,7 +7658,7 @@
                               <a:srgbClr val="ffffff"/>
                             </a:solidFill>
                           </a:uFill>
-                          <a:latin typeface="Calibri"/>
+                          <a:latin typeface="Arial"/>
                           <a:ea typeface="DejaVu Sans"/>
                         </a:rPr>
                         <a:t>1</a:t>
@@ -7403,7 +7712,7 @@
                         </a:lnSpc>
                       </a:pPr>
                       <a:r>
-                        <a:rPr b="0" lang="pt-BR" sz="1600" spc="-1" strike="noStrike">
+                        <a:rPr b="0" lang="pt-BR" sz="1800" spc="-1" strike="noStrike">
                           <a:solidFill>
                             <a:srgbClr val="000000"/>
                           </a:solidFill>
@@ -7412,10 +7721,10 @@
                               <a:srgbClr val="ffffff"/>
                             </a:solidFill>
                           </a:uFill>
-                          <a:latin typeface="Calibri"/>
+                          <a:latin typeface="Arial"/>
                           <a:ea typeface="DejaVu Sans"/>
                         </a:rPr>
-                        <a:t>Manter Instituição</a:t>
+                        <a:t>Login</a:t>
                       </a:r>
                       <a:endParaRPr b="0" lang="pt-BR" sz="1800" spc="-1" strike="noStrike">
                         <a:solidFill>
@@ -7460,13 +7769,13 @@
                   <a:txBody>
                     <a:bodyPr lIns="30600" rIns="30600"/>
                     <a:p>
-                      <a:pPr algn="ctr">
+                      <a:pPr>
                         <a:lnSpc>
                           <a:spcPct val="100000"/>
                         </a:lnSpc>
                       </a:pPr>
                       <a:r>
-                        <a:rPr b="0" lang="pt-BR" sz="1600" spc="-1" strike="noStrike">
+                        <a:rPr b="0" lang="pt-BR" sz="1800" spc="-1" strike="noStrike">
                           <a:solidFill>
                             <a:srgbClr val="000000"/>
                           </a:solidFill>
@@ -7475,7 +7784,7 @@
                               <a:srgbClr val="ffffff"/>
                             </a:solidFill>
                           </a:uFill>
-                          <a:latin typeface="Calibri"/>
+                          <a:latin typeface="Arial"/>
                           <a:ea typeface="DejaVu Sans"/>
                         </a:rPr>
                         <a:t>1.0</a:t>
@@ -7523,13 +7832,13 @@
                   <a:txBody>
                     <a:bodyPr lIns="30600" rIns="30600"/>
                     <a:p>
-                      <a:pPr algn="ctr">
+                      <a:pPr>
                         <a:lnSpc>
                           <a:spcPct val="100000"/>
                         </a:lnSpc>
                       </a:pPr>
                       <a:r>
-                        <a:rPr b="0" lang="pt-BR" sz="1600" spc="-1" strike="noStrike">
+                        <a:rPr b="0" lang="pt-BR" sz="1800" spc="-1" strike="noStrike">
                           <a:solidFill>
                             <a:srgbClr val="000000"/>
                           </a:solidFill>
@@ -7538,10 +7847,10 @@
                               <a:srgbClr val="ffffff"/>
                             </a:solidFill>
                           </a:uFill>
-                          <a:latin typeface="Calibri"/>
+                          <a:latin typeface="Arial"/>
                           <a:ea typeface="DejaVu Sans"/>
                         </a:rPr>
-                        <a:t>05/04/2017</a:t>
+                        <a:t>11/04/2017</a:t>
                       </a:r>
                       <a:endParaRPr b="0" lang="pt-BR" sz="1800" spc="-1" strike="noStrike">
                         <a:solidFill>
@@ -7585,6 +7894,36 @@
               </a:tr>
               <a:tr h="561240">
                 <a:tc>
+                  <a:txBody>
+                    <a:bodyPr lIns="30600" rIns="30600"/>
+                    <a:p>
+                      <a:r>
+                        <a:rPr b="0" lang="pt-BR" sz="1800" spc="-1" strike="noStrike">
+                          <a:solidFill>
+                            <a:srgbClr val="000000"/>
+                          </a:solidFill>
+                          <a:uFill>
+                            <a:solidFill>
+                              <a:srgbClr val="ffffff"/>
+                            </a:solidFill>
+                          </a:uFill>
+                          <a:latin typeface="Arial"/>
+                        </a:rPr>
+                        <a:t>1</a:t>
+                      </a:r>
+                      <a:endParaRPr b="0" lang="pt-BR" sz="1800" spc="-1" strike="noStrike">
+                        <a:solidFill>
+                          <a:srgbClr val="000000"/>
+                        </a:solidFill>
+                        <a:uFill>
+                          <a:solidFill>
+                            <a:srgbClr val="ffffff"/>
+                          </a:solidFill>
+                        </a:uFill>
+                        <a:latin typeface="Arial"/>
+                      </a:endParaRPr>
+                    </a:p>
+                  </a:txBody>
                   <a:tcPr marL="30600" marR="30600">
                     <a:lnL w="12240">
                       <a:solidFill>
@@ -7602,6 +7941,523 @@
                       </a:solidFill>
                     </a:lnT>
                     <a:lnB w="38160">
+                      <a:solidFill>
+                        <a:srgbClr val="ffffff"/>
+                      </a:solidFill>
+                    </a:lnB>
+                    <a:solidFill>
+                      <a:srgbClr val="e7e7e7"/>
+                    </a:solidFill>
+                  </a:tcPr>
+                </a:tc>
+                <a:tc>
+                  <a:txBody>
+                    <a:bodyPr lIns="30600" rIns="30600"/>
+                    <a:p>
+                      <a:r>
+                        <a:rPr b="0" lang="pt-BR" sz="1800" spc="-1" strike="noStrike">
+                          <a:solidFill>
+                            <a:srgbClr val="000000"/>
+                          </a:solidFill>
+                          <a:uFill>
+                            <a:solidFill>
+                              <a:srgbClr val="ffffff"/>
+                            </a:solidFill>
+                          </a:uFill>
+                          <a:latin typeface="Arial"/>
+                        </a:rPr>
+                        <a:t>Gerenciamento de instituições de caridade</a:t>
+                      </a:r>
+                      <a:endParaRPr b="0" lang="pt-BR" sz="1800" spc="-1" strike="noStrike">
+                        <a:solidFill>
+                          <a:srgbClr val="000000"/>
+                        </a:solidFill>
+                        <a:uFill>
+                          <a:solidFill>
+                            <a:srgbClr val="ffffff"/>
+                          </a:solidFill>
+                        </a:uFill>
+                        <a:latin typeface="Arial"/>
+                      </a:endParaRPr>
+                    </a:p>
+                  </a:txBody>
+                  <a:tcPr marL="30600" marR="30600">
+                    <a:lnL w="12240">
+                      <a:solidFill>
+                        <a:srgbClr val="ffffff"/>
+                      </a:solidFill>
+                    </a:lnL>
+                    <a:lnR w="12240">
+                      <a:solidFill>
+                        <a:srgbClr val="ffffff"/>
+                      </a:solidFill>
+                    </a:lnR>
+                    <a:lnT w="38160">
+                      <a:solidFill>
+                        <a:srgbClr val="ffffff"/>
+                      </a:solidFill>
+                    </a:lnT>
+                    <a:lnB w="38160">
+                      <a:solidFill>
+                        <a:srgbClr val="ffffff"/>
+                      </a:solidFill>
+                    </a:lnB>
+                    <a:solidFill>
+                      <a:srgbClr val="e7e7e7"/>
+                    </a:solidFill>
+                  </a:tcPr>
+                </a:tc>
+                <a:tc>
+                  <a:txBody>
+                    <a:bodyPr lIns="30600" rIns="30600"/>
+                    <a:p>
+                      <a:r>
+                        <a:rPr b="0" lang="pt-BR" sz="1800" spc="-1" strike="noStrike">
+                          <a:solidFill>
+                            <a:srgbClr val="000000"/>
+                          </a:solidFill>
+                          <a:uFill>
+                            <a:solidFill>
+                              <a:srgbClr val="ffffff"/>
+                            </a:solidFill>
+                          </a:uFill>
+                          <a:latin typeface="Arial"/>
+                        </a:rPr>
+                        <a:t>1.0</a:t>
+                      </a:r>
+                      <a:endParaRPr b="0" lang="pt-BR" sz="1800" spc="-1" strike="noStrike">
+                        <a:solidFill>
+                          <a:srgbClr val="000000"/>
+                        </a:solidFill>
+                        <a:uFill>
+                          <a:solidFill>
+                            <a:srgbClr val="ffffff"/>
+                          </a:solidFill>
+                        </a:uFill>
+                        <a:latin typeface="Arial"/>
+                      </a:endParaRPr>
+                    </a:p>
+                  </a:txBody>
+                  <a:tcPr marL="30600" marR="30600">
+                    <a:lnL w="12240">
+                      <a:solidFill>
+                        <a:srgbClr val="ffffff"/>
+                      </a:solidFill>
+                    </a:lnL>
+                    <a:lnR w="12240">
+                      <a:solidFill>
+                        <a:srgbClr val="ffffff"/>
+                      </a:solidFill>
+                    </a:lnR>
+                    <a:lnT w="38160">
+                      <a:solidFill>
+                        <a:srgbClr val="ffffff"/>
+                      </a:solidFill>
+                    </a:lnT>
+                    <a:lnB w="38160">
+                      <a:solidFill>
+                        <a:srgbClr val="ffffff"/>
+                      </a:solidFill>
+                    </a:lnB>
+                    <a:solidFill>
+                      <a:srgbClr val="e7e7e7"/>
+                    </a:solidFill>
+                  </a:tcPr>
+                </a:tc>
+                <a:tc>
+                  <a:txBody>
+                    <a:bodyPr lIns="30600" rIns="30600"/>
+                    <a:p>
+                      <a:r>
+                        <a:rPr b="0" lang="pt-BR" sz="1800" spc="-1" strike="noStrike">
+                          <a:solidFill>
+                            <a:srgbClr val="000000"/>
+                          </a:solidFill>
+                          <a:uFill>
+                            <a:solidFill>
+                              <a:srgbClr val="ffffff"/>
+                            </a:solidFill>
+                          </a:uFill>
+                          <a:latin typeface="Arial"/>
+                        </a:rPr>
+                        <a:t>11/04/2017</a:t>
+                      </a:r>
+                      <a:endParaRPr b="0" lang="pt-BR" sz="1800" spc="-1" strike="noStrike">
+                        <a:solidFill>
+                          <a:srgbClr val="000000"/>
+                        </a:solidFill>
+                        <a:uFill>
+                          <a:solidFill>
+                            <a:srgbClr val="ffffff"/>
+                          </a:solidFill>
+                        </a:uFill>
+                        <a:latin typeface="Arial"/>
+                      </a:endParaRPr>
+                    </a:p>
+                  </a:txBody>
+                  <a:tcPr marL="30600" marR="30600">
+                    <a:lnL w="12240">
+                      <a:solidFill>
+                        <a:srgbClr val="ffffff"/>
+                      </a:solidFill>
+                    </a:lnL>
+                    <a:lnR w="12240">
+                      <a:solidFill>
+                        <a:srgbClr val="ffffff"/>
+                      </a:solidFill>
+                    </a:lnR>
+                    <a:lnT w="38160">
+                      <a:solidFill>
+                        <a:srgbClr val="ffffff"/>
+                      </a:solidFill>
+                    </a:lnT>
+                    <a:lnB w="38160">
+                      <a:solidFill>
+                        <a:srgbClr val="ffffff"/>
+                      </a:solidFill>
+                    </a:lnB>
+                    <a:solidFill>
+                      <a:srgbClr val="e7e7e7"/>
+                    </a:solidFill>
+                  </a:tcPr>
+                </a:tc>
+              </a:tr>
+              <a:tr h="561240">
+                <a:tc>
+                  <a:txBody>
+                    <a:bodyPr lIns="30600" rIns="30600"/>
+                    <a:p>
+                      <a:r>
+                        <a:rPr b="0" lang="pt-BR" sz="1800" spc="-1" strike="noStrike">
+                          <a:solidFill>
+                            <a:srgbClr val="000000"/>
+                          </a:solidFill>
+                          <a:uFill>
+                            <a:solidFill>
+                              <a:srgbClr val="ffffff"/>
+                            </a:solidFill>
+                          </a:uFill>
+                          <a:latin typeface="Arial"/>
+                        </a:rPr>
+                        <a:t>1</a:t>
+                      </a:r>
+                      <a:endParaRPr b="0" lang="pt-BR" sz="1800" spc="-1" strike="noStrike">
+                        <a:solidFill>
+                          <a:srgbClr val="000000"/>
+                        </a:solidFill>
+                        <a:uFill>
+                          <a:solidFill>
+                            <a:srgbClr val="ffffff"/>
+                          </a:solidFill>
+                        </a:uFill>
+                        <a:latin typeface="Arial"/>
+                      </a:endParaRPr>
+                    </a:p>
+                  </a:txBody>
+                  <a:tcPr marL="30600" marR="30600">
+                    <a:lnL w="12240">
+                      <a:solidFill>
+                        <a:srgbClr val="ffffff"/>
+                      </a:solidFill>
+                    </a:lnL>
+                    <a:lnR w="12240">
+                      <a:solidFill>
+                        <a:srgbClr val="ffffff"/>
+                      </a:solidFill>
+                    </a:lnR>
+                    <a:lnT w="38160">
+                      <a:solidFill>
+                        <a:srgbClr val="ffffff"/>
+                      </a:solidFill>
+                    </a:lnT>
+                    <a:lnB w="12240">
+                      <a:solidFill>
+                        <a:srgbClr val="ffffff"/>
+                      </a:solidFill>
+                    </a:lnB>
+                    <a:solidFill>
+                      <a:srgbClr val="e7e7e7"/>
+                    </a:solidFill>
+                  </a:tcPr>
+                </a:tc>
+                <a:tc>
+                  <a:txBody>
+                    <a:bodyPr lIns="30600" rIns="30600"/>
+                    <a:p>
+                      <a:r>
+                        <a:rPr b="0" lang="pt-BR" sz="1800" spc="-1" strike="noStrike">
+                          <a:solidFill>
+                            <a:srgbClr val="000000"/>
+                          </a:solidFill>
+                          <a:uFill>
+                            <a:solidFill>
+                              <a:srgbClr val="ffffff"/>
+                            </a:solidFill>
+                          </a:uFill>
+                          <a:latin typeface="Arial"/>
+                        </a:rPr>
+                        <a:t>Gerenciamento de categorias de itens de doação</a:t>
+                      </a:r>
+                      <a:endParaRPr b="0" lang="pt-BR" sz="1800" spc="-1" strike="noStrike">
+                        <a:solidFill>
+                          <a:srgbClr val="000000"/>
+                        </a:solidFill>
+                        <a:uFill>
+                          <a:solidFill>
+                            <a:srgbClr val="ffffff"/>
+                          </a:solidFill>
+                        </a:uFill>
+                        <a:latin typeface="Arial"/>
+                      </a:endParaRPr>
+                    </a:p>
+                  </a:txBody>
+                  <a:tcPr marL="30600" marR="30600">
+                    <a:lnL w="12240">
+                      <a:solidFill>
+                        <a:srgbClr val="ffffff"/>
+                      </a:solidFill>
+                    </a:lnL>
+                    <a:lnR w="12240">
+                      <a:solidFill>
+                        <a:srgbClr val="ffffff"/>
+                      </a:solidFill>
+                    </a:lnR>
+                    <a:lnT w="38160">
+                      <a:solidFill>
+                        <a:srgbClr val="ffffff"/>
+                      </a:solidFill>
+                    </a:lnT>
+                    <a:lnB w="12240">
+                      <a:solidFill>
+                        <a:srgbClr val="ffffff"/>
+                      </a:solidFill>
+                    </a:lnB>
+                    <a:solidFill>
+                      <a:srgbClr val="e7e7e7"/>
+                    </a:solidFill>
+                  </a:tcPr>
+                </a:tc>
+                <a:tc>
+                  <a:txBody>
+                    <a:bodyPr lIns="30600" rIns="30600"/>
+                    <a:p>
+                      <a:r>
+                        <a:rPr b="0" lang="pt-BR" sz="1800" spc="-1" strike="noStrike">
+                          <a:solidFill>
+                            <a:srgbClr val="000000"/>
+                          </a:solidFill>
+                          <a:uFill>
+                            <a:solidFill>
+                              <a:srgbClr val="ffffff"/>
+                            </a:solidFill>
+                          </a:uFill>
+                          <a:latin typeface="Arial"/>
+                        </a:rPr>
+                        <a:t>1.0</a:t>
+                      </a:r>
+                      <a:endParaRPr b="0" lang="pt-BR" sz="1800" spc="-1" strike="noStrike">
+                        <a:solidFill>
+                          <a:srgbClr val="000000"/>
+                        </a:solidFill>
+                        <a:uFill>
+                          <a:solidFill>
+                            <a:srgbClr val="ffffff"/>
+                          </a:solidFill>
+                        </a:uFill>
+                        <a:latin typeface="Arial"/>
+                      </a:endParaRPr>
+                    </a:p>
+                  </a:txBody>
+                  <a:tcPr marL="30600" marR="30600">
+                    <a:lnL w="12240">
+                      <a:solidFill>
+                        <a:srgbClr val="ffffff"/>
+                      </a:solidFill>
+                    </a:lnL>
+                    <a:lnR w="12240">
+                      <a:solidFill>
+                        <a:srgbClr val="ffffff"/>
+                      </a:solidFill>
+                    </a:lnR>
+                    <a:lnT w="38160">
+                      <a:solidFill>
+                        <a:srgbClr val="ffffff"/>
+                      </a:solidFill>
+                    </a:lnT>
+                    <a:lnB w="12240">
+                      <a:solidFill>
+                        <a:srgbClr val="ffffff"/>
+                      </a:solidFill>
+                    </a:lnB>
+                    <a:solidFill>
+                      <a:srgbClr val="e7e7e7"/>
+                    </a:solidFill>
+                  </a:tcPr>
+                </a:tc>
+                <a:tc>
+                  <a:txBody>
+                    <a:bodyPr lIns="30600" rIns="30600"/>
+                    <a:p>
+                      <a:r>
+                        <a:rPr b="0" lang="pt-BR" sz="1800" spc="-1" strike="noStrike">
+                          <a:solidFill>
+                            <a:srgbClr val="000000"/>
+                          </a:solidFill>
+                          <a:uFill>
+                            <a:solidFill>
+                              <a:srgbClr val="ffffff"/>
+                            </a:solidFill>
+                          </a:uFill>
+                          <a:latin typeface="Arial"/>
+                        </a:rPr>
+                        <a:t>11/04/2017</a:t>
+                      </a:r>
+                      <a:endParaRPr b="0" lang="pt-BR" sz="1800" spc="-1" strike="noStrike">
+                        <a:solidFill>
+                          <a:srgbClr val="000000"/>
+                        </a:solidFill>
+                        <a:uFill>
+                          <a:solidFill>
+                            <a:srgbClr val="ffffff"/>
+                          </a:solidFill>
+                        </a:uFill>
+                        <a:latin typeface="Arial"/>
+                      </a:endParaRPr>
+                    </a:p>
+                  </a:txBody>
+                  <a:tcPr marL="30600" marR="30600">
+                    <a:lnL w="12240">
+                      <a:solidFill>
+                        <a:srgbClr val="ffffff"/>
+                      </a:solidFill>
+                    </a:lnL>
+                    <a:lnR w="12240">
+                      <a:solidFill>
+                        <a:srgbClr val="ffffff"/>
+                      </a:solidFill>
+                    </a:lnR>
+                    <a:lnT w="38160">
+                      <a:solidFill>
+                        <a:srgbClr val="ffffff"/>
+                      </a:solidFill>
+                    </a:lnT>
+                    <a:lnB w="12240">
+                      <a:solidFill>
+                        <a:srgbClr val="ffffff"/>
+                      </a:solidFill>
+                    </a:lnB>
+                    <a:solidFill>
+                      <a:srgbClr val="e7e7e7"/>
+                    </a:solidFill>
+                  </a:tcPr>
+                </a:tc>
+              </a:tr>
+              <a:tr h="561240">
+                <a:tc>
+                  <a:txBody>
+                    <a:bodyPr lIns="30600" rIns="30600"/>
+                    <a:p>
+                      <a:r>
+                        <a:rPr b="0" lang="pt-BR" sz="1800" spc="-1" strike="noStrike">
+                          <a:solidFill>
+                            <a:srgbClr val="000000"/>
+                          </a:solidFill>
+                          <a:uFill>
+                            <a:solidFill>
+                              <a:srgbClr val="ffffff"/>
+                            </a:solidFill>
+                          </a:uFill>
+                          <a:latin typeface="Arial"/>
+                        </a:rPr>
+                        <a:t>2</a:t>
+                      </a:r>
+                      <a:endParaRPr b="0" lang="pt-BR" sz="1800" spc="-1" strike="noStrike">
+                        <a:solidFill>
+                          <a:srgbClr val="000000"/>
+                        </a:solidFill>
+                        <a:uFill>
+                          <a:solidFill>
+                            <a:srgbClr val="ffffff"/>
+                          </a:solidFill>
+                        </a:uFill>
+                        <a:latin typeface="Arial"/>
+                      </a:endParaRPr>
+                    </a:p>
+                  </a:txBody>
+                  <a:tcPr marL="30600" marR="30600">
+                    <a:lnL w="12240">
+                      <a:solidFill>
+                        <a:srgbClr val="ffffff"/>
+                      </a:solidFill>
+                    </a:lnL>
+                    <a:lnR w="12240">
+                      <a:solidFill>
+                        <a:srgbClr val="ffffff"/>
+                      </a:solidFill>
+                    </a:lnR>
+                    <a:lnT w="38160">
+                      <a:solidFill>
+                        <a:srgbClr val="ffffff"/>
+                      </a:solidFill>
+                    </a:lnT>
+                    <a:lnB w="12240">
+                      <a:solidFill>
+                        <a:srgbClr val="ffffff"/>
+                      </a:solidFill>
+                    </a:lnB>
+                    <a:solidFill>
+                      <a:srgbClr val="e7e7e7"/>
+                    </a:solidFill>
+                  </a:tcPr>
+                </a:tc>
+                <a:tc>
+                  <a:txBody>
+                    <a:bodyPr lIns="30600" rIns="30600"/>
+                    <a:p>
+                      <a:r>
+                        <a:rPr b="0" lang="pt-BR" sz="1800" spc="-1" strike="noStrike">
+                          <a:solidFill>
+                            <a:srgbClr val="000000"/>
+                          </a:solidFill>
+                          <a:uFill>
+                            <a:solidFill>
+                              <a:srgbClr val="ffffff"/>
+                            </a:solidFill>
+                          </a:uFill>
+                          <a:latin typeface="Arial"/>
+                        </a:rPr>
+                        <a:t>Gerenciamento de doadores</a:t>
+                      </a:r>
+                      <a:endParaRPr b="0" lang="pt-BR" sz="1800" spc="-1" strike="noStrike">
+                        <a:solidFill>
+                          <a:srgbClr val="000000"/>
+                        </a:solidFill>
+                        <a:uFill>
+                          <a:solidFill>
+                            <a:srgbClr val="ffffff"/>
+                          </a:solidFill>
+                        </a:uFill>
+                        <a:latin typeface="Arial"/>
+                      </a:endParaRPr>
+                    </a:p>
+                  </a:txBody>
+                  <a:tcPr marL="30600" marR="30600">
+                    <a:lnL w="12240">
+                      <a:solidFill>
+                        <a:srgbClr val="ffffff"/>
+                      </a:solidFill>
+                    </a:lnL>
+                    <a:lnR w="12240">
+                      <a:solidFill>
+                        <a:srgbClr val="ffffff"/>
+                      </a:solidFill>
+                    </a:lnR>
+                    <a:lnT w="38160">
+                      <a:solidFill>
+                        <a:srgbClr val="ffffff"/>
+                      </a:solidFill>
+                    </a:lnT>
+                    <a:lnB w="12240">
                       <a:solidFill>
                         <a:srgbClr val="ffffff"/>
                       </a:solidFill>
@@ -7628,7 +8484,7 @@
                         <a:srgbClr val="ffffff"/>
                       </a:solidFill>
                     </a:lnT>
-                    <a:lnB w="38160">
+                    <a:lnB w="12240">
                       <a:solidFill>
                         <a:srgbClr val="ffffff"/>
                       </a:solidFill>
@@ -7655,7 +8511,123 @@
                         <a:srgbClr val="ffffff"/>
                       </a:solidFill>
                     </a:lnT>
-                    <a:lnB w="38160">
+                    <a:lnB w="12240">
+                      <a:solidFill>
+                        <a:srgbClr val="ffffff"/>
+                      </a:solidFill>
+                    </a:lnB>
+                    <a:solidFill>
+                      <a:srgbClr val="e7e7e7"/>
+                    </a:solidFill>
+                  </a:tcPr>
+                </a:tc>
+              </a:tr>
+              <a:tr h="561240">
+                <a:tc>
+                  <a:txBody>
+                    <a:bodyPr lIns="30600" rIns="30600"/>
+                    <a:p>
+                      <a:r>
+                        <a:rPr b="0" lang="pt-BR" sz="1800" spc="-1" strike="noStrike">
+                          <a:solidFill>
+                            <a:srgbClr val="000000"/>
+                          </a:solidFill>
+                          <a:uFill>
+                            <a:solidFill>
+                              <a:srgbClr val="ffffff"/>
+                            </a:solidFill>
+                          </a:uFill>
+                          <a:latin typeface="Arial"/>
+                        </a:rPr>
+                        <a:t>2</a:t>
+                      </a:r>
+                      <a:endParaRPr b="0" lang="pt-BR" sz="1800" spc="-1" strike="noStrike">
+                        <a:solidFill>
+                          <a:srgbClr val="000000"/>
+                        </a:solidFill>
+                        <a:uFill>
+                          <a:solidFill>
+                            <a:srgbClr val="ffffff"/>
+                          </a:solidFill>
+                        </a:uFill>
+                        <a:latin typeface="Arial"/>
+                      </a:endParaRPr>
+                    </a:p>
+                  </a:txBody>
+                  <a:tcPr marL="30600" marR="30600">
+                    <a:lnL w="12240">
+                      <a:solidFill>
+                        <a:srgbClr val="ffffff"/>
+                      </a:solidFill>
+                    </a:lnL>
+                    <a:lnR w="12240">
+                      <a:solidFill>
+                        <a:srgbClr val="ffffff"/>
+                      </a:solidFill>
+                    </a:lnR>
+                    <a:lnT w="38160">
+                      <a:solidFill>
+                        <a:srgbClr val="ffffff"/>
+                      </a:solidFill>
+                    </a:lnT>
+                    <a:lnB w="12240">
+                      <a:solidFill>
+                        <a:srgbClr val="ffffff"/>
+                      </a:solidFill>
+                    </a:lnB>
+                    <a:solidFill>
+                      <a:srgbClr val="e7e7e7"/>
+                    </a:solidFill>
+                  </a:tcPr>
+                </a:tc>
+                <a:tc>
+                  <a:txBody>
+                    <a:bodyPr lIns="30600" rIns="30600"/>
+                    <a:p>
+                      <a:r>
+                        <a:rPr b="0" lang="pt-BR" sz="1800" spc="-1" strike="noStrike">
+                          <a:solidFill>
+                            <a:srgbClr val="000000"/>
+                          </a:solidFill>
+                          <a:uFill>
+                            <a:solidFill>
+                              <a:srgbClr val="ffffff"/>
+                            </a:solidFill>
+                          </a:uFill>
+                          <a:latin typeface="Arial"/>
+                        </a:rPr>
+                        <a:t>Realizar Doação</a:t>
+                      </a:r>
+                      <a:endParaRPr b="0" lang="pt-BR" sz="1800" spc="-1" strike="noStrike">
+                        <a:solidFill>
+                          <a:srgbClr val="000000"/>
+                        </a:solidFill>
+                        <a:uFill>
+                          <a:solidFill>
+                            <a:srgbClr val="ffffff"/>
+                          </a:solidFill>
+                        </a:uFill>
+                        <a:latin typeface="Arial"/>
+                      </a:endParaRPr>
+                    </a:p>
+                  </a:txBody>
+                  <a:tcPr marL="30600" marR="30600">
+                    <a:lnL w="12240">
+                      <a:solidFill>
+                        <a:srgbClr val="ffffff"/>
+                      </a:solidFill>
+                    </a:lnL>
+                    <a:lnR w="12240">
+                      <a:solidFill>
+                        <a:srgbClr val="ffffff"/>
+                      </a:solidFill>
+                    </a:lnR>
+                    <a:lnT w="38160">
+                      <a:solidFill>
+                        <a:srgbClr val="ffffff"/>
+                      </a:solidFill>
+                    </a:lnT>
+                    <a:lnB w="12240">
                       <a:solidFill>
                         <a:srgbClr val="ffffff"/>
                       </a:solidFill>
@@ -7682,7 +8654,34 @@
                         <a:srgbClr val="ffffff"/>
                       </a:solidFill>
                     </a:lnT>
-                    <a:lnB w="38160">
+                    <a:lnB w="12240">
+                      <a:solidFill>
+                        <a:srgbClr val="ffffff"/>
+                      </a:solidFill>
+                    </a:lnB>
+                    <a:solidFill>
+                      <a:srgbClr val="e7e7e7"/>
+                    </a:solidFill>
+                  </a:tcPr>
+                </a:tc>
+                <a:tc>
+                  <a:tcPr marL="30600" marR="30600">
+                    <a:lnL w="12240">
+                      <a:solidFill>
+                        <a:srgbClr val="ffffff"/>
+                      </a:solidFill>
+                    </a:lnL>
+                    <a:lnR w="12240">
+                      <a:solidFill>
+                        <a:srgbClr val="ffffff"/>
+                      </a:solidFill>
+                    </a:lnR>
+                    <a:lnT w="38160">
+                      <a:solidFill>
+                        <a:srgbClr val="ffffff"/>
+                      </a:solidFill>
+                    </a:lnT>
+                    <a:lnB w="12240">
                       <a:solidFill>
                         <a:srgbClr val="ffffff"/>
                       </a:solidFill>
@@ -7695,6 +8694,36 @@
               </a:tr>
               <a:tr h="561240">
                 <a:tc>
+                  <a:txBody>
+                    <a:bodyPr lIns="30600" rIns="30600"/>
+                    <a:p>
+                      <a:r>
+                        <a:rPr b="0" lang="pt-BR" sz="1800" spc="-1" strike="noStrike">
+                          <a:solidFill>
+                            <a:srgbClr val="000000"/>
+                          </a:solidFill>
+                          <a:uFill>
+                            <a:solidFill>
+                              <a:srgbClr val="ffffff"/>
+                            </a:solidFill>
+                          </a:uFill>
+                          <a:latin typeface="Arial"/>
+                        </a:rPr>
+                        <a:t>3</a:t>
+                      </a:r>
+                      <a:endParaRPr b="0" lang="pt-BR" sz="1800" spc="-1" strike="noStrike">
+                        <a:solidFill>
+                          <a:srgbClr val="000000"/>
+                        </a:solidFill>
+                        <a:uFill>
+                          <a:solidFill>
+                            <a:srgbClr val="ffffff"/>
+                          </a:solidFill>
+                        </a:uFill>
+                        <a:latin typeface="Arial"/>
+                      </a:endParaRPr>
+                    </a:p>
+                  </a:txBody>
                   <a:tcPr marL="30600" marR="30600">
                     <a:lnL w="12240">
                       <a:solidFill>
@@ -7722,6 +8751,376 @@
                   </a:tcPr>
                 </a:tc>
                 <a:tc>
+                  <a:txBody>
+                    <a:bodyPr lIns="30600" rIns="30600"/>
+                    <a:p>
+                      <a:r>
+                        <a:rPr b="0" lang="pt-BR" sz="1800" spc="-1" strike="noStrike">
+                          <a:solidFill>
+                            <a:srgbClr val="000000"/>
+                          </a:solidFill>
+                          <a:uFill>
+                            <a:solidFill>
+                              <a:srgbClr val="ffffff"/>
+                            </a:solidFill>
+                          </a:uFill>
+                          <a:latin typeface="Arial"/>
+                        </a:rPr>
+                        <a:t>Gerenciamento de Mensageiros</a:t>
+                      </a:r>
+                      <a:endParaRPr b="0" lang="pt-BR" sz="1800" spc="-1" strike="noStrike">
+                        <a:solidFill>
+                          <a:srgbClr val="000000"/>
+                        </a:solidFill>
+                        <a:uFill>
+                          <a:solidFill>
+                            <a:srgbClr val="ffffff"/>
+                          </a:solidFill>
+                        </a:uFill>
+                        <a:latin typeface="Arial"/>
+                      </a:endParaRPr>
+                    </a:p>
+                  </a:txBody>
+                  <a:tcPr marL="30600" marR="30600">
+                    <a:lnL w="12240">
+                      <a:solidFill>
+                        <a:srgbClr val="ffffff"/>
+                      </a:solidFill>
+                    </a:lnL>
+                    <a:lnR w="12240">
+                      <a:solidFill>
+                        <a:srgbClr val="ffffff"/>
+                      </a:solidFill>
+                    </a:lnR>
+                    <a:lnT w="38160">
+                      <a:solidFill>
+                        <a:srgbClr val="ffffff"/>
+                      </a:solidFill>
+                    </a:lnT>
+                    <a:lnB w="12240">
+                      <a:solidFill>
+                        <a:srgbClr val="ffffff"/>
+                      </a:solidFill>
+                    </a:lnB>
+                    <a:solidFill>
+                      <a:srgbClr val="e7e7e7"/>
+                    </a:solidFill>
+                  </a:tcPr>
+                </a:tc>
+                <a:tc>
+                  <a:tcPr marL="30600" marR="30600">
+                    <a:lnL w="12240">
+                      <a:solidFill>
+                        <a:srgbClr val="ffffff"/>
+                      </a:solidFill>
+                    </a:lnL>
+                    <a:lnR w="12240">
+                      <a:solidFill>
+                        <a:srgbClr val="ffffff"/>
+                      </a:solidFill>
+                    </a:lnR>
+                    <a:lnT w="38160">
+                      <a:solidFill>
+                        <a:srgbClr val="ffffff"/>
+                      </a:solidFill>
+                    </a:lnT>
+                    <a:lnB w="12240">
+                      <a:solidFill>
+                        <a:srgbClr val="ffffff"/>
+                      </a:solidFill>
+                    </a:lnB>
+                    <a:solidFill>
+                      <a:srgbClr val="e7e7e7"/>
+                    </a:solidFill>
+                  </a:tcPr>
+                </a:tc>
+                <a:tc>
+                  <a:tcPr marL="30600" marR="30600">
+                    <a:lnL w="12240">
+                      <a:solidFill>
+                        <a:srgbClr val="ffffff"/>
+                      </a:solidFill>
+                    </a:lnL>
+                    <a:lnR w="12240">
+                      <a:solidFill>
+                        <a:srgbClr val="ffffff"/>
+                      </a:solidFill>
+                    </a:lnR>
+                    <a:lnT w="38160">
+                      <a:solidFill>
+                        <a:srgbClr val="ffffff"/>
+                      </a:solidFill>
+                    </a:lnT>
+                    <a:lnB w="12240">
+                      <a:solidFill>
+                        <a:srgbClr val="ffffff"/>
+                      </a:solidFill>
+                    </a:lnB>
+                    <a:solidFill>
+                      <a:srgbClr val="e7e7e7"/>
+                    </a:solidFill>
+                  </a:tcPr>
+                </a:tc>
+              </a:tr>
+              <a:tr h="561240">
+                <a:tc>
+                  <a:txBody>
+                    <a:bodyPr lIns="30600" rIns="30600"/>
+                    <a:p>
+                      <a:r>
+                        <a:rPr b="0" lang="pt-BR" sz="1800" spc="-1" strike="noStrike">
+                          <a:solidFill>
+                            <a:srgbClr val="000000"/>
+                          </a:solidFill>
+                          <a:uFill>
+                            <a:solidFill>
+                              <a:srgbClr val="ffffff"/>
+                            </a:solidFill>
+                          </a:uFill>
+                          <a:latin typeface="Arial"/>
+                        </a:rPr>
+                        <a:t>3</a:t>
+                      </a:r>
+                      <a:endParaRPr b="0" lang="pt-BR" sz="1800" spc="-1" strike="noStrike">
+                        <a:solidFill>
+                          <a:srgbClr val="000000"/>
+                        </a:solidFill>
+                        <a:uFill>
+                          <a:solidFill>
+                            <a:srgbClr val="ffffff"/>
+                          </a:solidFill>
+                        </a:uFill>
+                        <a:latin typeface="Arial"/>
+                      </a:endParaRPr>
+                    </a:p>
+                  </a:txBody>
+                  <a:tcPr marL="30600" marR="30600">
+                    <a:lnL w="12240">
+                      <a:solidFill>
+                        <a:srgbClr val="ffffff"/>
+                      </a:solidFill>
+                    </a:lnL>
+                    <a:lnR w="12240">
+                      <a:solidFill>
+                        <a:srgbClr val="ffffff"/>
+                      </a:solidFill>
+                    </a:lnR>
+                    <a:lnT w="38160">
+                      <a:solidFill>
+                        <a:srgbClr val="ffffff"/>
+                      </a:solidFill>
+                    </a:lnT>
+                    <a:lnB w="12240">
+                      <a:solidFill>
+                        <a:srgbClr val="ffffff"/>
+                      </a:solidFill>
+                    </a:lnB>
+                    <a:solidFill>
+                      <a:srgbClr val="e7e7e7"/>
+                    </a:solidFill>
+                  </a:tcPr>
+                </a:tc>
+                <a:tc>
+                  <a:txBody>
+                    <a:bodyPr lIns="30600" rIns="30600"/>
+                    <a:p>
+                      <a:r>
+                        <a:rPr b="0" lang="pt-BR" sz="1800" spc="-1" strike="noStrike">
+                          <a:solidFill>
+                            <a:srgbClr val="000000"/>
+                          </a:solidFill>
+                          <a:uFill>
+                            <a:solidFill>
+                              <a:srgbClr val="ffffff"/>
+                            </a:solidFill>
+                          </a:uFill>
+                          <a:latin typeface="Arial"/>
+                        </a:rPr>
+                        <a:t>Realizar Coleta</a:t>
+                      </a:r>
+                      <a:endParaRPr b="0" lang="pt-BR" sz="1800" spc="-1" strike="noStrike">
+                        <a:solidFill>
+                          <a:srgbClr val="000000"/>
+                        </a:solidFill>
+                        <a:uFill>
+                          <a:solidFill>
+                            <a:srgbClr val="ffffff"/>
+                          </a:solidFill>
+                        </a:uFill>
+                        <a:latin typeface="Arial"/>
+                      </a:endParaRPr>
+                    </a:p>
+                  </a:txBody>
+                  <a:tcPr marL="30600" marR="30600">
+                    <a:lnL w="12240">
+                      <a:solidFill>
+                        <a:srgbClr val="ffffff"/>
+                      </a:solidFill>
+                    </a:lnL>
+                    <a:lnR w="12240">
+                      <a:solidFill>
+                        <a:srgbClr val="ffffff"/>
+                      </a:solidFill>
+                    </a:lnR>
+                    <a:lnT w="38160">
+                      <a:solidFill>
+                        <a:srgbClr val="ffffff"/>
+                      </a:solidFill>
+                    </a:lnT>
+                    <a:lnB w="12240">
+                      <a:solidFill>
+                        <a:srgbClr val="ffffff"/>
+                      </a:solidFill>
+                    </a:lnB>
+                    <a:solidFill>
+                      <a:srgbClr val="e7e7e7"/>
+                    </a:solidFill>
+                  </a:tcPr>
+                </a:tc>
+                <a:tc>
+                  <a:tcPr marL="30600" marR="30600">
+                    <a:lnL w="12240">
+                      <a:solidFill>
+                        <a:srgbClr val="ffffff"/>
+                      </a:solidFill>
+                    </a:lnL>
+                    <a:lnR w="12240">
+                      <a:solidFill>
+                        <a:srgbClr val="ffffff"/>
+                      </a:solidFill>
+                    </a:lnR>
+                    <a:lnT w="38160">
+                      <a:solidFill>
+                        <a:srgbClr val="ffffff"/>
+                      </a:solidFill>
+                    </a:lnT>
+                    <a:lnB w="12240">
+                      <a:solidFill>
+                        <a:srgbClr val="ffffff"/>
+                      </a:solidFill>
+                    </a:lnB>
+                    <a:solidFill>
+                      <a:srgbClr val="e7e7e7"/>
+                    </a:solidFill>
+                  </a:tcPr>
+                </a:tc>
+                <a:tc>
+                  <a:tcPr marL="30600" marR="30600">
+                    <a:lnL w="12240">
+                      <a:solidFill>
+                        <a:srgbClr val="ffffff"/>
+                      </a:solidFill>
+                    </a:lnL>
+                    <a:lnR w="12240">
+                      <a:solidFill>
+                        <a:srgbClr val="ffffff"/>
+                      </a:solidFill>
+                    </a:lnR>
+                    <a:lnT w="38160">
+                      <a:solidFill>
+                        <a:srgbClr val="ffffff"/>
+                      </a:solidFill>
+                    </a:lnT>
+                    <a:lnB w="12240">
+                      <a:solidFill>
+                        <a:srgbClr val="ffffff"/>
+                      </a:solidFill>
+                    </a:lnB>
+                    <a:solidFill>
+                      <a:srgbClr val="e7e7e7"/>
+                    </a:solidFill>
+                  </a:tcPr>
+                </a:tc>
+              </a:tr>
+              <a:tr h="561240">
+                <a:tc>
+                  <a:txBody>
+                    <a:bodyPr lIns="30600" rIns="30600"/>
+                    <a:p>
+                      <a:r>
+                        <a:rPr b="0" lang="pt-BR" sz="1800" spc="-1" strike="noStrike">
+                          <a:solidFill>
+                            <a:srgbClr val="000000"/>
+                          </a:solidFill>
+                          <a:uFill>
+                            <a:solidFill>
+                              <a:srgbClr val="ffffff"/>
+                            </a:solidFill>
+                          </a:uFill>
+                          <a:latin typeface="Arial"/>
+                        </a:rPr>
+                        <a:t>4</a:t>
+                      </a:r>
+                      <a:endParaRPr b="0" lang="pt-BR" sz="1800" spc="-1" strike="noStrike">
+                        <a:solidFill>
+                          <a:srgbClr val="000000"/>
+                        </a:solidFill>
+                        <a:uFill>
+                          <a:solidFill>
+                            <a:srgbClr val="ffffff"/>
+                          </a:solidFill>
+                        </a:uFill>
+                        <a:latin typeface="Arial"/>
+                      </a:endParaRPr>
+                    </a:p>
+                  </a:txBody>
+                  <a:tcPr marL="30600" marR="30600">
+                    <a:lnL w="12240">
+                      <a:solidFill>
+                        <a:srgbClr val="ffffff"/>
+                      </a:solidFill>
+                    </a:lnL>
+                    <a:lnR w="12240">
+                      <a:solidFill>
+                        <a:srgbClr val="ffffff"/>
+                      </a:solidFill>
+                    </a:lnR>
+                    <a:lnT w="38160">
+                      <a:solidFill>
+                        <a:srgbClr val="ffffff"/>
+                      </a:solidFill>
+                    </a:lnT>
+                    <a:lnB w="12240">
+                      <a:solidFill>
+                        <a:srgbClr val="ffffff"/>
+                      </a:solidFill>
+                    </a:lnB>
+                    <a:solidFill>
+                      <a:srgbClr val="e7e7e7"/>
+                    </a:solidFill>
+                  </a:tcPr>
+                </a:tc>
+                <a:tc>
+                  <a:txBody>
+                    <a:bodyPr lIns="30600" rIns="30600"/>
+                    <a:p>
+                      <a:r>
+                        <a:rPr b="0" lang="pt-BR" sz="1800" spc="-1" strike="noStrike">
+                          <a:solidFill>
+                            <a:srgbClr val="000000"/>
+                          </a:solidFill>
+                          <a:uFill>
+                            <a:solidFill>
+                              <a:srgbClr val="ffffff"/>
+                            </a:solidFill>
+                          </a:uFill>
+                          <a:latin typeface="Arial"/>
+                        </a:rPr>
+                        <a:t>Registrar entrega de coleta</a:t>
+                      </a:r>
+                      <a:endParaRPr b="0" lang="pt-BR" sz="1800" spc="-1" strike="noStrike">
+                        <a:solidFill>
+                          <a:srgbClr val="000000"/>
+                        </a:solidFill>
+                        <a:uFill>
+                          <a:solidFill>
+                            <a:srgbClr val="ffffff"/>
+                          </a:solidFill>
+                        </a:uFill>
+                        <a:latin typeface="Arial"/>
+                      </a:endParaRPr>
+                    </a:p>
+                  </a:txBody>
                   <a:tcPr marL="30600" marR="30600">
                     <a:lnL w="12240">
                       <a:solidFill>
@@ -7865,7 +9264,7 @@
         <p:spPr>
           <a:xfrm>
             <a:off x="457200" y="274680"/>
-            <a:ext cx="8226720" cy="1140120"/>
+            <a:ext cx="8226000" cy="1139400"/>
           </a:xfrm>
           <a:prstGeom prst="rect">
             <a:avLst/>
@@ -7902,7 +9301,7 @@
                 <a:latin typeface="Calibri"/>
                 <a:ea typeface="DejaVu Sans"/>
               </a:rPr>
-              <a:t>Premissas</a:t>
+              <a:t>Escopo do Projeto</a:t>
             </a:r>
             <a:endParaRPr b="0" lang="pt-BR" sz="1800" spc="-1" strike="noStrike">
               <a:solidFill>
@@ -7918,279 +9317,1338 @@
           </a:p>
         </p:txBody>
       </p:sp>
-      <p:sp>
-        <p:nvSpPr>
-          <p:cNvPr id="136" name="CustomShape 2"/>
-          <p:cNvSpPr/>
+      <p:graphicFrame>
+        <p:nvGraphicFramePr>
+          <p:cNvPr id="136" name="Table 2"/>
+          <p:cNvGraphicFramePr/>
           <p:nvPr/>
-        </p:nvSpPr>
-        <p:spPr>
-          <a:xfrm>
-            <a:off x="457200" y="1600200"/>
-            <a:ext cx="8226720" cy="4523040"/>
-          </a:xfrm>
-          <a:prstGeom prst="rect">
-            <a:avLst/>
-          </a:prstGeom>
-          <a:noFill/>
-          <a:ln>
-            <a:noFill/>
-          </a:ln>
-        </p:spPr>
-        <p:style>
-          <a:lnRef idx="0"/>
-          <a:fillRef idx="0"/>
-          <a:effectRef idx="0"/>
-          <a:fontRef idx="minor"/>
-        </p:style>
-        <p:txBody>
-          <a:bodyPr lIns="90000" rIns="90000" tIns="45000" bIns="45000"/>
-          <a:p>
-            <a:pPr algn="just">
-              <a:lnSpc>
-                <a:spcPct val="100000"/>
-              </a:lnSpc>
-            </a:pPr>
-            <a:endParaRPr b="0" lang="pt-BR" sz="1800" spc="-1" strike="noStrike">
-              <a:solidFill>
-                <a:srgbClr val="000000"/>
-              </a:solidFill>
-              <a:uFill>
-                <a:solidFill>
-                  <a:srgbClr val="ffffff"/>
-                </a:solidFill>
-              </a:uFill>
-              <a:latin typeface="Arial"/>
-            </a:endParaRPr>
-          </a:p>
-          <a:p>
-            <a:pPr marL="343080" indent="-340200" algn="just">
-              <a:lnSpc>
-                <a:spcPct val="100000"/>
-              </a:lnSpc>
-              <a:buClr>
-                <a:srgbClr val="000000"/>
-              </a:buClr>
-              <a:buFont typeface="Arial"/>
-              <a:buChar char="•"/>
-            </a:pPr>
-            <a:r>
-              <a:rPr b="0" lang="pt-BR" sz="1800" spc="-1" strike="noStrike">
-                <a:solidFill>
-                  <a:srgbClr val="000000"/>
-                </a:solidFill>
-                <a:uFill>
-                  <a:solidFill>
-                    <a:srgbClr val="ffffff"/>
-                  </a:solidFill>
-                </a:uFill>
-                <a:latin typeface="Arial"/>
-                <a:ea typeface="DejaVu Sans"/>
-              </a:rPr>
-              <a:t>Instituições devem ser cadastradas previamente por um “Super Usuário” para que possam operar o sistema.</a:t>
-            </a:r>
-            <a:endParaRPr b="0" lang="pt-BR" sz="1800" spc="-1" strike="noStrike">
-              <a:solidFill>
-                <a:srgbClr val="000000"/>
-              </a:solidFill>
-              <a:uFill>
-                <a:solidFill>
-                  <a:srgbClr val="ffffff"/>
-                </a:solidFill>
-              </a:uFill>
-              <a:latin typeface="Arial"/>
-            </a:endParaRPr>
-          </a:p>
-          <a:p>
-            <a:pPr marL="343080" indent="-340200" algn="just">
-              <a:lnSpc>
-                <a:spcPct val="100000"/>
-              </a:lnSpc>
-              <a:buClr>
-                <a:srgbClr val="000000"/>
-              </a:buClr>
-              <a:buFont typeface="Arial"/>
-              <a:buChar char="•"/>
-            </a:pPr>
-            <a:r>
-              <a:rPr b="0" lang="pt-BR" sz="1800" spc="-1" strike="noStrike">
-                <a:solidFill>
-                  <a:srgbClr val="000000"/>
-                </a:solidFill>
-                <a:uFill>
-                  <a:solidFill>
-                    <a:srgbClr val="ffffff"/>
-                  </a:solidFill>
-                </a:uFill>
-                <a:latin typeface="Arial"/>
-                <a:ea typeface="DejaVu Sans"/>
-              </a:rPr>
-              <a:t>Um doador só poderá doar um item que tinha sido pré-cadastro por uma instituição.</a:t>
-            </a:r>
-            <a:endParaRPr b="0" lang="pt-BR" sz="1800" spc="-1" strike="noStrike">
-              <a:solidFill>
-                <a:srgbClr val="000000"/>
-              </a:solidFill>
-              <a:uFill>
-                <a:solidFill>
-                  <a:srgbClr val="ffffff"/>
-                </a:solidFill>
-              </a:uFill>
-              <a:latin typeface="Arial"/>
-            </a:endParaRPr>
-          </a:p>
-          <a:p>
-            <a:pPr marL="343080" indent="-340200" algn="just">
-              <a:lnSpc>
-                <a:spcPct val="100000"/>
-              </a:lnSpc>
-              <a:buClr>
-                <a:srgbClr val="000000"/>
-              </a:buClr>
-              <a:buFont typeface="Arial"/>
-              <a:buChar char="•"/>
-            </a:pPr>
-            <a:r>
-              <a:rPr b="0" lang="pt-BR" sz="1800" spc="-1" strike="noStrike">
-                <a:solidFill>
-                  <a:srgbClr val="000000"/>
-                </a:solidFill>
-                <a:uFill>
-                  <a:solidFill>
-                    <a:srgbClr val="ffffff"/>
-                  </a:solidFill>
-                </a:uFill>
-                <a:latin typeface="Arial"/>
-                <a:ea typeface="DejaVu Sans"/>
-              </a:rPr>
-              <a:t>O mensageiro deve haver sido cadastrado previamente pela instituição para ter acesso ao aplicativo. </a:t>
-            </a:r>
-            <a:endParaRPr b="0" lang="pt-BR" sz="1800" spc="-1" strike="noStrike">
-              <a:solidFill>
-                <a:srgbClr val="000000"/>
-              </a:solidFill>
-              <a:uFill>
-                <a:solidFill>
-                  <a:srgbClr val="ffffff"/>
-                </a:solidFill>
-              </a:uFill>
-              <a:latin typeface="Arial"/>
-            </a:endParaRPr>
-          </a:p>
-          <a:p>
-            <a:pPr marL="343080" indent="-340200" algn="just">
-              <a:lnSpc>
-                <a:spcPct val="100000"/>
-              </a:lnSpc>
-              <a:buClr>
-                <a:srgbClr val="000000"/>
-              </a:buClr>
-              <a:buFont typeface="Arial"/>
-              <a:buChar char="•"/>
-            </a:pPr>
-            <a:r>
-              <a:rPr b="0" lang="pt-BR" sz="1800" spc="-1" strike="noStrike">
-                <a:solidFill>
-                  <a:srgbClr val="000000"/>
-                </a:solidFill>
-                <a:uFill>
-                  <a:solidFill>
-                    <a:srgbClr val="ffffff"/>
-                  </a:solidFill>
-                </a:uFill>
-                <a:latin typeface="Arial"/>
-                <a:ea typeface="DejaVu Sans"/>
-              </a:rPr>
-              <a:t>Cliente estar ciente sobre necessidade de contato a qualquer momentos do desenvolvimento.</a:t>
-            </a:r>
-            <a:endParaRPr b="0" lang="pt-BR" sz="1800" spc="-1" strike="noStrike">
-              <a:solidFill>
-                <a:srgbClr val="000000"/>
-              </a:solidFill>
-              <a:uFill>
-                <a:solidFill>
-                  <a:srgbClr val="ffffff"/>
-                </a:solidFill>
-              </a:uFill>
-              <a:latin typeface="Arial"/>
-            </a:endParaRPr>
-          </a:p>
-          <a:p>
-            <a:pPr marL="343080" indent="-340200" algn="just">
-              <a:lnSpc>
-                <a:spcPct val="100000"/>
-              </a:lnSpc>
-              <a:buClr>
-                <a:srgbClr val="000000"/>
-              </a:buClr>
-              <a:buFont typeface="Arial"/>
-              <a:buChar char="•"/>
-            </a:pPr>
-            <a:r>
-              <a:rPr b="0" lang="pt-BR" sz="1800" spc="-1" strike="noStrike">
-                <a:solidFill>
-                  <a:srgbClr val="000000"/>
-                </a:solidFill>
-                <a:uFill>
-                  <a:solidFill>
-                    <a:srgbClr val="ffffff"/>
-                  </a:solidFill>
-                </a:uFill>
-                <a:latin typeface="Arial"/>
-                <a:ea typeface="DejaVu Sans"/>
-              </a:rPr>
-              <a:t>Ter disponibilidade de um servidor para implantação do software.</a:t>
-            </a:r>
-            <a:endParaRPr b="0" lang="pt-BR" sz="1800" spc="-1" strike="noStrike">
-              <a:solidFill>
-                <a:srgbClr val="000000"/>
-              </a:solidFill>
-              <a:uFill>
-                <a:solidFill>
-                  <a:srgbClr val="ffffff"/>
-                </a:solidFill>
-              </a:uFill>
-              <a:latin typeface="Arial"/>
-            </a:endParaRPr>
-          </a:p>
-          <a:p>
-            <a:pPr algn="just">
-              <a:lnSpc>
-                <a:spcPct val="100000"/>
-              </a:lnSpc>
-            </a:pPr>
-            <a:endParaRPr b="0" lang="pt-BR" sz="1800" spc="-1" strike="noStrike">
-              <a:solidFill>
-                <a:srgbClr val="000000"/>
-              </a:solidFill>
-              <a:uFill>
-                <a:solidFill>
-                  <a:srgbClr val="ffffff"/>
-                </a:solidFill>
-              </a:uFill>
-              <a:latin typeface="Arial"/>
-            </a:endParaRPr>
-          </a:p>
-          <a:p>
-            <a:pPr algn="just">
-              <a:lnSpc>
-                <a:spcPct val="100000"/>
-              </a:lnSpc>
-            </a:pPr>
-            <a:endParaRPr b="0" lang="pt-BR" sz="1800" spc="-1" strike="noStrike">
-              <a:solidFill>
-                <a:srgbClr val="000000"/>
-              </a:solidFill>
-              <a:uFill>
-                <a:solidFill>
-                  <a:srgbClr val="ffffff"/>
-                </a:solidFill>
-              </a:uFill>
-              <a:latin typeface="Arial"/>
-            </a:endParaRPr>
-          </a:p>
-        </p:txBody>
-      </p:sp>
+        </p:nvGraphicFramePr>
+        <p:xfrm>
+          <a:off x="683640" y="1253880"/>
+          <a:ext cx="7920000" cy="3428280"/>
+        </p:xfrm>
+        <a:graphic>
+          <a:graphicData uri="http://schemas.openxmlformats.org/drawingml/2006/table">
+            <a:tbl>
+              <a:tblPr/>
+              <a:tblGrid>
+                <a:gridCol w="1260360"/>
+                <a:gridCol w="3418560"/>
+                <a:gridCol w="1905120"/>
+                <a:gridCol w="1336320"/>
+              </a:tblGrid>
+              <a:tr h="622440">
+                <a:tc>
+                  <a:txBody>
+                    <a:bodyPr lIns="30600" rIns="30600"/>
+                    <a:p>
+                      <a:pPr algn="ctr">
+                        <a:lnSpc>
+                          <a:spcPct val="100000"/>
+                        </a:lnSpc>
+                      </a:pPr>
+                      <a:r>
+                        <a:rPr b="0" lang="pt-BR" sz="1800" spc="-1" strike="noStrike">
+                          <a:solidFill>
+                            <a:srgbClr val="ffffff"/>
+                          </a:solidFill>
+                          <a:uFill>
+                            <a:solidFill>
+                              <a:srgbClr val="ffffff"/>
+                            </a:solidFill>
+                          </a:uFill>
+                          <a:latin typeface="Calibri"/>
+                          <a:ea typeface="DejaVu Sans"/>
+                        </a:rPr>
+                        <a:t>Iteração</a:t>
+                      </a:r>
+                      <a:endParaRPr b="0" lang="pt-BR" sz="1800" spc="-1" strike="noStrike">
+                        <a:solidFill>
+                          <a:srgbClr val="000000"/>
+                        </a:solidFill>
+                        <a:uFill>
+                          <a:solidFill>
+                            <a:srgbClr val="ffffff"/>
+                          </a:solidFill>
+                        </a:uFill>
+                        <a:latin typeface="Arial"/>
+                      </a:endParaRPr>
+                    </a:p>
+                  </a:txBody>
+                  <a:tcPr marL="30600" marR="30600">
+                    <a:lnL w="12240">
+                      <a:solidFill>
+                        <a:srgbClr val="ffffff"/>
+                      </a:solidFill>
+                    </a:lnL>
+                    <a:lnR w="12240">
+                      <a:solidFill>
+                        <a:srgbClr val="ffffff"/>
+                      </a:solidFill>
+                    </a:lnR>
+                    <a:lnT w="12240">
+                      <a:solidFill>
+                        <a:srgbClr val="ffffff"/>
+                      </a:solidFill>
+                    </a:lnT>
+                    <a:lnB w="38160">
+                      <a:solidFill>
+                        <a:srgbClr val="ffffff"/>
+                      </a:solidFill>
+                    </a:lnB>
+                    <a:solidFill>
+                      <a:srgbClr val="000000"/>
+                    </a:solidFill>
+                  </a:tcPr>
+                </a:tc>
+                <a:tc>
+                  <a:txBody>
+                    <a:bodyPr lIns="30600" rIns="30600"/>
+                    <a:p>
+                      <a:pPr algn="ctr">
+                        <a:lnSpc>
+                          <a:spcPct val="100000"/>
+                        </a:lnSpc>
+                      </a:pPr>
+                      <a:r>
+                        <a:rPr b="0" lang="pt-BR" sz="1800" spc="-1" strike="noStrike">
+                          <a:solidFill>
+                            <a:srgbClr val="ffffff"/>
+                          </a:solidFill>
+                          <a:uFill>
+                            <a:solidFill>
+                              <a:srgbClr val="ffffff"/>
+                            </a:solidFill>
+                          </a:uFill>
+                          <a:latin typeface="Calibri"/>
+                          <a:ea typeface="DejaVu Sans"/>
+                        </a:rPr>
+                        <a:t>Descrição de IB</a:t>
+                      </a:r>
+                      <a:endParaRPr b="0" lang="pt-BR" sz="1800" spc="-1" strike="noStrike">
+                        <a:solidFill>
+                          <a:srgbClr val="000000"/>
+                        </a:solidFill>
+                        <a:uFill>
+                          <a:solidFill>
+                            <a:srgbClr val="ffffff"/>
+                          </a:solidFill>
+                        </a:uFill>
+                        <a:latin typeface="Arial"/>
+                      </a:endParaRPr>
+                    </a:p>
+                  </a:txBody>
+                  <a:tcPr marL="30600" marR="30600">
+                    <a:lnL w="12240">
+                      <a:solidFill>
+                        <a:srgbClr val="ffffff"/>
+                      </a:solidFill>
+                    </a:lnL>
+                    <a:lnR w="12240">
+                      <a:solidFill>
+                        <a:srgbClr val="ffffff"/>
+                      </a:solidFill>
+                    </a:lnR>
+                    <a:lnT w="12240">
+                      <a:solidFill>
+                        <a:srgbClr val="ffffff"/>
+                      </a:solidFill>
+                    </a:lnT>
+                    <a:lnB w="38160">
+                      <a:solidFill>
+                        <a:srgbClr val="ffffff"/>
+                      </a:solidFill>
+                    </a:lnB>
+                    <a:solidFill>
+                      <a:srgbClr val="000000"/>
+                    </a:solidFill>
+                  </a:tcPr>
+                </a:tc>
+                <a:tc>
+                  <a:txBody>
+                    <a:bodyPr lIns="30600" rIns="30600"/>
+                    <a:p>
+                      <a:pPr algn="ctr">
+                        <a:lnSpc>
+                          <a:spcPct val="100000"/>
+                        </a:lnSpc>
+                      </a:pPr>
+                      <a:r>
+                        <a:rPr b="0" lang="pt-BR" sz="1800" spc="-1" strike="noStrike">
+                          <a:solidFill>
+                            <a:srgbClr val="ffffff"/>
+                          </a:solidFill>
+                          <a:uFill>
+                            <a:solidFill>
+                              <a:srgbClr val="ffffff"/>
+                            </a:solidFill>
+                          </a:uFill>
+                          <a:latin typeface="Calibri"/>
+                          <a:ea typeface="DejaVu Sans"/>
+                        </a:rPr>
+                        <a:t>Release</a:t>
+                      </a:r>
+                      <a:endParaRPr b="0" lang="pt-BR" sz="1800" spc="-1" strike="noStrike">
+                        <a:solidFill>
+                          <a:srgbClr val="000000"/>
+                        </a:solidFill>
+                        <a:uFill>
+                          <a:solidFill>
+                            <a:srgbClr val="ffffff"/>
+                          </a:solidFill>
+                        </a:uFill>
+                        <a:latin typeface="Arial"/>
+                      </a:endParaRPr>
+                    </a:p>
+                  </a:txBody>
+                  <a:tcPr marL="30600" marR="30600">
+                    <a:lnL w="12240">
+                      <a:solidFill>
+                        <a:srgbClr val="ffffff"/>
+                      </a:solidFill>
+                    </a:lnL>
+                    <a:lnR w="12240">
+                      <a:solidFill>
+                        <a:srgbClr val="ffffff"/>
+                      </a:solidFill>
+                    </a:lnR>
+                    <a:lnT w="12240">
+                      <a:solidFill>
+                        <a:srgbClr val="ffffff"/>
+                      </a:solidFill>
+                    </a:lnT>
+                    <a:lnB w="38160">
+                      <a:solidFill>
+                        <a:srgbClr val="ffffff"/>
+                      </a:solidFill>
+                    </a:lnB>
+                    <a:solidFill>
+                      <a:srgbClr val="000000"/>
+                    </a:solidFill>
+                  </a:tcPr>
+                </a:tc>
+                <a:tc>
+                  <a:txBody>
+                    <a:bodyPr lIns="30600" rIns="30600"/>
+                    <a:p>
+                      <a:pPr algn="ctr">
+                        <a:lnSpc>
+                          <a:spcPct val="100000"/>
+                        </a:lnSpc>
+                      </a:pPr>
+                      <a:r>
+                        <a:rPr b="0" lang="pt-BR" sz="1800" spc="-1" strike="noStrike">
+                          <a:solidFill>
+                            <a:srgbClr val="ffffff"/>
+                          </a:solidFill>
+                          <a:uFill>
+                            <a:solidFill>
+                              <a:srgbClr val="ffffff"/>
+                            </a:solidFill>
+                          </a:uFill>
+                          <a:latin typeface="Calibri"/>
+                          <a:ea typeface="DejaVu Sans"/>
+                        </a:rPr>
+                        <a:t>Data de Entrega</a:t>
+                      </a:r>
+                      <a:endParaRPr b="0" lang="pt-BR" sz="1800" spc="-1" strike="noStrike">
+                        <a:solidFill>
+                          <a:srgbClr val="000000"/>
+                        </a:solidFill>
+                        <a:uFill>
+                          <a:solidFill>
+                            <a:srgbClr val="ffffff"/>
+                          </a:solidFill>
+                        </a:uFill>
+                        <a:latin typeface="Arial"/>
+                      </a:endParaRPr>
+                    </a:p>
+                  </a:txBody>
+                  <a:tcPr marL="30600" marR="30600">
+                    <a:lnL w="12240">
+                      <a:solidFill>
+                        <a:srgbClr val="ffffff"/>
+                      </a:solidFill>
+                    </a:lnL>
+                    <a:lnR w="12240">
+                      <a:solidFill>
+                        <a:srgbClr val="ffffff"/>
+                      </a:solidFill>
+                    </a:lnR>
+                    <a:lnT w="12240">
+                      <a:solidFill>
+                        <a:srgbClr val="ffffff"/>
+                      </a:solidFill>
+                    </a:lnT>
+                    <a:lnB w="38160">
+                      <a:solidFill>
+                        <a:srgbClr val="ffffff"/>
+                      </a:solidFill>
+                    </a:lnB>
+                    <a:solidFill>
+                      <a:srgbClr val="000000"/>
+                    </a:solidFill>
+                  </a:tcPr>
+                </a:tc>
+              </a:tr>
+              <a:tr h="561240">
+                <a:tc>
+                  <a:txBody>
+                    <a:bodyPr lIns="30600" rIns="30600"/>
+                    <a:p>
+                      <a:pPr>
+                        <a:lnSpc>
+                          <a:spcPct val="100000"/>
+                        </a:lnSpc>
+                      </a:pPr>
+                      <a:r>
+                        <a:rPr b="0" lang="pt-BR" sz="1800" spc="-1" strike="noStrike">
+                          <a:solidFill>
+                            <a:srgbClr val="000000"/>
+                          </a:solidFill>
+                          <a:uFill>
+                            <a:solidFill>
+                              <a:srgbClr val="ffffff"/>
+                            </a:solidFill>
+                          </a:uFill>
+                          <a:latin typeface="Arial"/>
+                          <a:ea typeface="DejaVu Sans"/>
+                        </a:rPr>
+                        <a:t>4</a:t>
+                      </a:r>
+                      <a:endParaRPr b="0" lang="pt-BR" sz="1800" spc="-1" strike="noStrike">
+                        <a:solidFill>
+                          <a:srgbClr val="000000"/>
+                        </a:solidFill>
+                        <a:uFill>
+                          <a:solidFill>
+                            <a:srgbClr val="ffffff"/>
+                          </a:solidFill>
+                        </a:uFill>
+                        <a:latin typeface="Arial"/>
+                      </a:endParaRPr>
+                    </a:p>
+                  </a:txBody>
+                  <a:tcPr marL="30600" marR="30600">
+                    <a:lnL w="12240">
+                      <a:solidFill>
+                        <a:srgbClr val="ffffff"/>
+                      </a:solidFill>
+                    </a:lnL>
+                    <a:lnR w="12240">
+                      <a:solidFill>
+                        <a:srgbClr val="ffffff"/>
+                      </a:solidFill>
+                    </a:lnR>
+                    <a:lnT w="38160">
+                      <a:solidFill>
+                        <a:srgbClr val="ffffff"/>
+                      </a:solidFill>
+                    </a:lnT>
+                    <a:lnB w="38160">
+                      <a:solidFill>
+                        <a:srgbClr val="ffffff"/>
+                      </a:solidFill>
+                    </a:lnB>
+                    <a:solidFill>
+                      <a:srgbClr val="e7e7e7"/>
+                    </a:solidFill>
+                  </a:tcPr>
+                </a:tc>
+                <a:tc>
+                  <a:txBody>
+                    <a:bodyPr lIns="30600" rIns="30600"/>
+                    <a:p>
+                      <a:pPr>
+                        <a:lnSpc>
+                          <a:spcPct val="100000"/>
+                        </a:lnSpc>
+                      </a:pPr>
+                      <a:r>
+                        <a:rPr b="0" lang="pt-BR" sz="1800" spc="-1" strike="noStrike">
+                          <a:solidFill>
+                            <a:srgbClr val="000000"/>
+                          </a:solidFill>
+                          <a:uFill>
+                            <a:solidFill>
+                              <a:srgbClr val="ffffff"/>
+                            </a:solidFill>
+                          </a:uFill>
+                          <a:latin typeface="Arial"/>
+                          <a:ea typeface="DejaVu Sans"/>
+                        </a:rPr>
+                        <a:t>Gerenciamento de Campanhas</a:t>
+                      </a:r>
+                      <a:endParaRPr b="0" lang="pt-BR" sz="1800" spc="-1" strike="noStrike">
+                        <a:solidFill>
+                          <a:srgbClr val="000000"/>
+                        </a:solidFill>
+                        <a:uFill>
+                          <a:solidFill>
+                            <a:srgbClr val="ffffff"/>
+                          </a:solidFill>
+                        </a:uFill>
+                        <a:latin typeface="Arial"/>
+                      </a:endParaRPr>
+                    </a:p>
+                  </a:txBody>
+                  <a:tcPr marL="30600" marR="30600">
+                    <a:lnL w="12240">
+                      <a:solidFill>
+                        <a:srgbClr val="ffffff"/>
+                      </a:solidFill>
+                    </a:lnL>
+                    <a:lnR w="12240">
+                      <a:solidFill>
+                        <a:srgbClr val="ffffff"/>
+                      </a:solidFill>
+                    </a:lnR>
+                    <a:lnT w="38160">
+                      <a:solidFill>
+                        <a:srgbClr val="ffffff"/>
+                      </a:solidFill>
+                    </a:lnT>
+                    <a:lnB w="38160">
+                      <a:solidFill>
+                        <a:srgbClr val="ffffff"/>
+                      </a:solidFill>
+                    </a:lnB>
+                    <a:solidFill>
+                      <a:srgbClr val="e7e7e7"/>
+                    </a:solidFill>
+                  </a:tcPr>
+                </a:tc>
+                <a:tc>
+                  <a:txBody>
+                    <a:bodyPr lIns="30600" rIns="30600"/>
+                    <a:p>
+                      <a:pPr>
+                        <a:lnSpc>
+                          <a:spcPct val="100000"/>
+                        </a:lnSpc>
+                      </a:pPr>
+                      <a:r>
+                        <a:rPr b="0" lang="pt-BR" sz="1800" spc="-1" strike="noStrike">
+                          <a:solidFill>
+                            <a:srgbClr val="000000"/>
+                          </a:solidFill>
+                          <a:uFill>
+                            <a:solidFill>
+                              <a:srgbClr val="ffffff"/>
+                            </a:solidFill>
+                          </a:uFill>
+                          <a:latin typeface="Arial"/>
+                          <a:ea typeface="DejaVu Sans"/>
+                        </a:rPr>
+                        <a:t>1.0</a:t>
+                      </a:r>
+                      <a:endParaRPr b="0" lang="pt-BR" sz="1800" spc="-1" strike="noStrike">
+                        <a:solidFill>
+                          <a:srgbClr val="000000"/>
+                        </a:solidFill>
+                        <a:uFill>
+                          <a:solidFill>
+                            <a:srgbClr val="ffffff"/>
+                          </a:solidFill>
+                        </a:uFill>
+                        <a:latin typeface="Arial"/>
+                      </a:endParaRPr>
+                    </a:p>
+                  </a:txBody>
+                  <a:tcPr marL="30600" marR="30600">
+                    <a:lnL w="12240">
+                      <a:solidFill>
+                        <a:srgbClr val="ffffff"/>
+                      </a:solidFill>
+                    </a:lnL>
+                    <a:lnR w="12240">
+                      <a:solidFill>
+                        <a:srgbClr val="ffffff"/>
+                      </a:solidFill>
+                    </a:lnR>
+                    <a:lnT w="38160">
+                      <a:solidFill>
+                        <a:srgbClr val="ffffff"/>
+                      </a:solidFill>
+                    </a:lnT>
+                    <a:lnB w="38160">
+                      <a:solidFill>
+                        <a:srgbClr val="ffffff"/>
+                      </a:solidFill>
+                    </a:lnB>
+                    <a:solidFill>
+                      <a:srgbClr val="e7e7e7"/>
+                    </a:solidFill>
+                  </a:tcPr>
+                </a:tc>
+                <a:tc>
+                  <a:txBody>
+                    <a:bodyPr lIns="30600" rIns="30600"/>
+                    <a:p>
+                      <a:pPr>
+                        <a:lnSpc>
+                          <a:spcPct val="100000"/>
+                        </a:lnSpc>
+                      </a:pPr>
+                      <a:r>
+                        <a:rPr b="0" lang="pt-BR" sz="1800" spc="-1" strike="noStrike">
+                          <a:solidFill>
+                            <a:srgbClr val="000000"/>
+                          </a:solidFill>
+                          <a:uFill>
+                            <a:solidFill>
+                              <a:srgbClr val="ffffff"/>
+                            </a:solidFill>
+                          </a:uFill>
+                          <a:latin typeface="Arial"/>
+                          <a:ea typeface="DejaVu Sans"/>
+                        </a:rPr>
+                        <a:t>11/04/2017</a:t>
+                      </a:r>
+                      <a:endParaRPr b="0" lang="pt-BR" sz="1800" spc="-1" strike="noStrike">
+                        <a:solidFill>
+                          <a:srgbClr val="000000"/>
+                        </a:solidFill>
+                        <a:uFill>
+                          <a:solidFill>
+                            <a:srgbClr val="ffffff"/>
+                          </a:solidFill>
+                        </a:uFill>
+                        <a:latin typeface="Arial"/>
+                      </a:endParaRPr>
+                    </a:p>
+                  </a:txBody>
+                  <a:tcPr marL="30600" marR="30600">
+                    <a:lnL w="12240">
+                      <a:solidFill>
+                        <a:srgbClr val="ffffff"/>
+                      </a:solidFill>
+                    </a:lnL>
+                    <a:lnR w="12240">
+                      <a:solidFill>
+                        <a:srgbClr val="ffffff"/>
+                      </a:solidFill>
+                    </a:lnR>
+                    <a:lnT w="38160">
+                      <a:solidFill>
+                        <a:srgbClr val="ffffff"/>
+                      </a:solidFill>
+                    </a:lnT>
+                    <a:lnB w="38160">
+                      <a:solidFill>
+                        <a:srgbClr val="ffffff"/>
+                      </a:solidFill>
+                    </a:lnB>
+                    <a:solidFill>
+                      <a:srgbClr val="e7e7e7"/>
+                    </a:solidFill>
+                  </a:tcPr>
+                </a:tc>
+              </a:tr>
+              <a:tr h="561240">
+                <a:tc>
+                  <a:txBody>
+                    <a:bodyPr lIns="30600" rIns="30600"/>
+                    <a:p>
+                      <a:r>
+                        <a:rPr b="0" lang="pt-BR" sz="1800" spc="-1" strike="noStrike">
+                          <a:solidFill>
+                            <a:srgbClr val="000000"/>
+                          </a:solidFill>
+                          <a:uFill>
+                            <a:solidFill>
+                              <a:srgbClr val="ffffff"/>
+                            </a:solidFill>
+                          </a:uFill>
+                          <a:latin typeface="Arial"/>
+                        </a:rPr>
+                        <a:t>5</a:t>
+                      </a:r>
+                      <a:endParaRPr b="0" lang="pt-BR" sz="1800" spc="-1" strike="noStrike">
+                        <a:solidFill>
+                          <a:srgbClr val="000000"/>
+                        </a:solidFill>
+                        <a:uFill>
+                          <a:solidFill>
+                            <a:srgbClr val="ffffff"/>
+                          </a:solidFill>
+                        </a:uFill>
+                        <a:latin typeface="Arial"/>
+                      </a:endParaRPr>
+                    </a:p>
+                  </a:txBody>
+                  <a:tcPr marL="30600" marR="30600">
+                    <a:lnL w="12240">
+                      <a:solidFill>
+                        <a:srgbClr val="ffffff"/>
+                      </a:solidFill>
+                    </a:lnL>
+                    <a:lnR w="12240">
+                      <a:solidFill>
+                        <a:srgbClr val="ffffff"/>
+                      </a:solidFill>
+                    </a:lnR>
+                    <a:lnT w="38160">
+                      <a:solidFill>
+                        <a:srgbClr val="ffffff"/>
+                      </a:solidFill>
+                    </a:lnT>
+                    <a:lnB w="38160">
+                      <a:solidFill>
+                        <a:srgbClr val="ffffff"/>
+                      </a:solidFill>
+                    </a:lnB>
+                    <a:solidFill>
+                      <a:srgbClr val="e7e7e7"/>
+                    </a:solidFill>
+                  </a:tcPr>
+                </a:tc>
+                <a:tc>
+                  <a:txBody>
+                    <a:bodyPr lIns="30600" rIns="30600"/>
+                    <a:p>
+                      <a:r>
+                        <a:rPr b="0" lang="pt-BR" sz="1800" spc="-1" strike="noStrike">
+                          <a:solidFill>
+                            <a:srgbClr val="000000"/>
+                          </a:solidFill>
+                          <a:uFill>
+                            <a:solidFill>
+                              <a:srgbClr val="ffffff"/>
+                            </a:solidFill>
+                          </a:uFill>
+                          <a:latin typeface="Arial"/>
+                        </a:rPr>
+                        <a:t>Gerenciamento de metas de campanha</a:t>
+                      </a:r>
+                      <a:endParaRPr b="0" lang="pt-BR" sz="1800" spc="-1" strike="noStrike">
+                        <a:solidFill>
+                          <a:srgbClr val="000000"/>
+                        </a:solidFill>
+                        <a:uFill>
+                          <a:solidFill>
+                            <a:srgbClr val="ffffff"/>
+                          </a:solidFill>
+                        </a:uFill>
+                        <a:latin typeface="Arial"/>
+                      </a:endParaRPr>
+                    </a:p>
+                  </a:txBody>
+                  <a:tcPr marL="30600" marR="30600">
+                    <a:lnL w="12240">
+                      <a:solidFill>
+                        <a:srgbClr val="ffffff"/>
+                      </a:solidFill>
+                    </a:lnL>
+                    <a:lnR w="12240">
+                      <a:solidFill>
+                        <a:srgbClr val="ffffff"/>
+                      </a:solidFill>
+                    </a:lnR>
+                    <a:lnT w="38160">
+                      <a:solidFill>
+                        <a:srgbClr val="ffffff"/>
+                      </a:solidFill>
+                    </a:lnT>
+                    <a:lnB w="38160">
+                      <a:solidFill>
+                        <a:srgbClr val="ffffff"/>
+                      </a:solidFill>
+                    </a:lnB>
+                    <a:solidFill>
+                      <a:srgbClr val="e7e7e7"/>
+                    </a:solidFill>
+                  </a:tcPr>
+                </a:tc>
+                <a:tc>
+                  <a:txBody>
+                    <a:bodyPr lIns="30600" rIns="30600"/>
+                    <a:p>
+                      <a:r>
+                        <a:rPr b="0" lang="pt-BR" sz="1800" spc="-1" strike="noStrike">
+                          <a:solidFill>
+                            <a:srgbClr val="000000"/>
+                          </a:solidFill>
+                          <a:uFill>
+                            <a:solidFill>
+                              <a:srgbClr val="ffffff"/>
+                            </a:solidFill>
+                          </a:uFill>
+                          <a:latin typeface="Arial"/>
+                        </a:rPr>
+                        <a:t>1.0</a:t>
+                      </a:r>
+                      <a:endParaRPr b="0" lang="pt-BR" sz="1800" spc="-1" strike="noStrike">
+                        <a:solidFill>
+                          <a:srgbClr val="000000"/>
+                        </a:solidFill>
+                        <a:uFill>
+                          <a:solidFill>
+                            <a:srgbClr val="ffffff"/>
+                          </a:solidFill>
+                        </a:uFill>
+                        <a:latin typeface="Arial"/>
+                      </a:endParaRPr>
+                    </a:p>
+                  </a:txBody>
+                  <a:tcPr marL="30600" marR="30600">
+                    <a:lnL w="12240">
+                      <a:solidFill>
+                        <a:srgbClr val="ffffff"/>
+                      </a:solidFill>
+                    </a:lnL>
+                    <a:lnR w="12240">
+                      <a:solidFill>
+                        <a:srgbClr val="ffffff"/>
+                      </a:solidFill>
+                    </a:lnR>
+                    <a:lnT w="38160">
+                      <a:solidFill>
+                        <a:srgbClr val="ffffff"/>
+                      </a:solidFill>
+                    </a:lnT>
+                    <a:lnB w="38160">
+                      <a:solidFill>
+                        <a:srgbClr val="ffffff"/>
+                      </a:solidFill>
+                    </a:lnB>
+                    <a:solidFill>
+                      <a:srgbClr val="e7e7e7"/>
+                    </a:solidFill>
+                  </a:tcPr>
+                </a:tc>
+                <a:tc>
+                  <a:txBody>
+                    <a:bodyPr lIns="30600" rIns="30600"/>
+                    <a:p>
+                      <a:r>
+                        <a:rPr b="0" lang="pt-BR" sz="1800" spc="-1" strike="noStrike">
+                          <a:solidFill>
+                            <a:srgbClr val="000000"/>
+                          </a:solidFill>
+                          <a:uFill>
+                            <a:solidFill>
+                              <a:srgbClr val="ffffff"/>
+                            </a:solidFill>
+                          </a:uFill>
+                          <a:latin typeface="Arial"/>
+                        </a:rPr>
+                        <a:t>11/04/2017</a:t>
+                      </a:r>
+                      <a:endParaRPr b="0" lang="pt-BR" sz="1800" spc="-1" strike="noStrike">
+                        <a:solidFill>
+                          <a:srgbClr val="000000"/>
+                        </a:solidFill>
+                        <a:uFill>
+                          <a:solidFill>
+                            <a:srgbClr val="ffffff"/>
+                          </a:solidFill>
+                        </a:uFill>
+                        <a:latin typeface="Arial"/>
+                      </a:endParaRPr>
+                    </a:p>
+                  </a:txBody>
+                  <a:tcPr marL="30600" marR="30600">
+                    <a:lnL w="12240">
+                      <a:solidFill>
+                        <a:srgbClr val="ffffff"/>
+                      </a:solidFill>
+                    </a:lnL>
+                    <a:lnR w="12240">
+                      <a:solidFill>
+                        <a:srgbClr val="ffffff"/>
+                      </a:solidFill>
+                    </a:lnR>
+                    <a:lnT w="38160">
+                      <a:solidFill>
+                        <a:srgbClr val="ffffff"/>
+                      </a:solidFill>
+                    </a:lnT>
+                    <a:lnB w="38160">
+                      <a:solidFill>
+                        <a:srgbClr val="ffffff"/>
+                      </a:solidFill>
+                    </a:lnB>
+                    <a:solidFill>
+                      <a:srgbClr val="e7e7e7"/>
+                    </a:solidFill>
+                  </a:tcPr>
+                </a:tc>
+              </a:tr>
+              <a:tr h="561240">
+                <a:tc>
+                  <a:txBody>
+                    <a:bodyPr lIns="30600" rIns="30600"/>
+                    <a:p>
+                      <a:r>
+                        <a:rPr b="0" lang="pt-BR" sz="1800" spc="-1" strike="noStrike">
+                          <a:solidFill>
+                            <a:srgbClr val="000000"/>
+                          </a:solidFill>
+                          <a:uFill>
+                            <a:solidFill>
+                              <a:srgbClr val="ffffff"/>
+                            </a:solidFill>
+                          </a:uFill>
+                          <a:latin typeface="Arial"/>
+                        </a:rPr>
+                        <a:t>5</a:t>
+                      </a:r>
+                      <a:endParaRPr b="0" lang="pt-BR" sz="1800" spc="-1" strike="noStrike">
+                        <a:solidFill>
+                          <a:srgbClr val="000000"/>
+                        </a:solidFill>
+                        <a:uFill>
+                          <a:solidFill>
+                            <a:srgbClr val="ffffff"/>
+                          </a:solidFill>
+                        </a:uFill>
+                        <a:latin typeface="Arial"/>
+                      </a:endParaRPr>
+                    </a:p>
+                  </a:txBody>
+                  <a:tcPr marL="30600" marR="30600">
+                    <a:lnL w="12240">
+                      <a:solidFill>
+                        <a:srgbClr val="ffffff"/>
+                      </a:solidFill>
+                    </a:lnL>
+                    <a:lnR w="12240">
+                      <a:solidFill>
+                        <a:srgbClr val="ffffff"/>
+                      </a:solidFill>
+                    </a:lnR>
+                    <a:lnT w="38160">
+                      <a:solidFill>
+                        <a:srgbClr val="ffffff"/>
+                      </a:solidFill>
+                    </a:lnT>
+                    <a:lnB w="12240">
+                      <a:solidFill>
+                        <a:srgbClr val="ffffff"/>
+                      </a:solidFill>
+                    </a:lnB>
+                    <a:solidFill>
+                      <a:srgbClr val="e7e7e7"/>
+                    </a:solidFill>
+                  </a:tcPr>
+                </a:tc>
+                <a:tc>
+                  <a:txBody>
+                    <a:bodyPr lIns="30600" rIns="30600"/>
+                    <a:p>
+                      <a:r>
+                        <a:rPr b="0" lang="pt-BR" sz="1800" spc="-1" strike="noStrike">
+                          <a:solidFill>
+                            <a:srgbClr val="000000"/>
+                          </a:solidFill>
+                          <a:uFill>
+                            <a:solidFill>
+                              <a:srgbClr val="ffffff"/>
+                            </a:solidFill>
+                          </a:uFill>
+                          <a:latin typeface="Arial"/>
+                        </a:rPr>
+                        <a:t>Acompanhamento de doações</a:t>
+                      </a:r>
+                      <a:endParaRPr b="0" lang="pt-BR" sz="1800" spc="-1" strike="noStrike">
+                        <a:solidFill>
+                          <a:srgbClr val="000000"/>
+                        </a:solidFill>
+                        <a:uFill>
+                          <a:solidFill>
+                            <a:srgbClr val="ffffff"/>
+                          </a:solidFill>
+                        </a:uFill>
+                        <a:latin typeface="Arial"/>
+                      </a:endParaRPr>
+                    </a:p>
+                  </a:txBody>
+                  <a:tcPr marL="30600" marR="30600">
+                    <a:lnL w="12240">
+                      <a:solidFill>
+                        <a:srgbClr val="ffffff"/>
+                      </a:solidFill>
+                    </a:lnL>
+                    <a:lnR w="12240">
+                      <a:solidFill>
+                        <a:srgbClr val="ffffff"/>
+                      </a:solidFill>
+                    </a:lnR>
+                    <a:lnT w="38160">
+                      <a:solidFill>
+                        <a:srgbClr val="ffffff"/>
+                      </a:solidFill>
+                    </a:lnT>
+                    <a:lnB w="12240">
+                      <a:solidFill>
+                        <a:srgbClr val="ffffff"/>
+                      </a:solidFill>
+                    </a:lnB>
+                    <a:solidFill>
+                      <a:srgbClr val="e7e7e7"/>
+                    </a:solidFill>
+                  </a:tcPr>
+                </a:tc>
+                <a:tc>
+                  <a:txBody>
+                    <a:bodyPr lIns="30600" rIns="30600"/>
+                    <a:p>
+                      <a:r>
+                        <a:rPr b="0" lang="pt-BR" sz="1800" spc="-1" strike="noStrike">
+                          <a:solidFill>
+                            <a:srgbClr val="000000"/>
+                          </a:solidFill>
+                          <a:uFill>
+                            <a:solidFill>
+                              <a:srgbClr val="ffffff"/>
+                            </a:solidFill>
+                          </a:uFill>
+                          <a:latin typeface="Arial"/>
+                        </a:rPr>
+                        <a:t>1.0</a:t>
+                      </a:r>
+                      <a:endParaRPr b="0" lang="pt-BR" sz="1800" spc="-1" strike="noStrike">
+                        <a:solidFill>
+                          <a:srgbClr val="000000"/>
+                        </a:solidFill>
+                        <a:uFill>
+                          <a:solidFill>
+                            <a:srgbClr val="ffffff"/>
+                          </a:solidFill>
+                        </a:uFill>
+                        <a:latin typeface="Arial"/>
+                      </a:endParaRPr>
+                    </a:p>
+                  </a:txBody>
+                  <a:tcPr marL="30600" marR="30600">
+                    <a:lnL w="12240">
+                      <a:solidFill>
+                        <a:srgbClr val="ffffff"/>
+                      </a:solidFill>
+                    </a:lnL>
+                    <a:lnR w="12240">
+                      <a:solidFill>
+                        <a:srgbClr val="ffffff"/>
+                      </a:solidFill>
+                    </a:lnR>
+                    <a:lnT w="38160">
+                      <a:solidFill>
+                        <a:srgbClr val="ffffff"/>
+                      </a:solidFill>
+                    </a:lnT>
+                    <a:lnB w="12240">
+                      <a:solidFill>
+                        <a:srgbClr val="ffffff"/>
+                      </a:solidFill>
+                    </a:lnB>
+                    <a:solidFill>
+                      <a:srgbClr val="e7e7e7"/>
+                    </a:solidFill>
+                  </a:tcPr>
+                </a:tc>
+                <a:tc>
+                  <a:txBody>
+                    <a:bodyPr lIns="30600" rIns="30600"/>
+                    <a:p>
+                      <a:r>
+                        <a:rPr b="0" lang="pt-BR" sz="1800" spc="-1" strike="noStrike">
+                          <a:solidFill>
+                            <a:srgbClr val="000000"/>
+                          </a:solidFill>
+                          <a:uFill>
+                            <a:solidFill>
+                              <a:srgbClr val="ffffff"/>
+                            </a:solidFill>
+                          </a:uFill>
+                          <a:latin typeface="Arial"/>
+                        </a:rPr>
+                        <a:t>11/04/2017</a:t>
+                      </a:r>
+                      <a:endParaRPr b="0" lang="pt-BR" sz="1800" spc="-1" strike="noStrike">
+                        <a:solidFill>
+                          <a:srgbClr val="000000"/>
+                        </a:solidFill>
+                        <a:uFill>
+                          <a:solidFill>
+                            <a:srgbClr val="ffffff"/>
+                          </a:solidFill>
+                        </a:uFill>
+                        <a:latin typeface="Arial"/>
+                      </a:endParaRPr>
+                    </a:p>
+                  </a:txBody>
+                  <a:tcPr marL="30600" marR="30600">
+                    <a:lnL w="12240">
+                      <a:solidFill>
+                        <a:srgbClr val="ffffff"/>
+                      </a:solidFill>
+                    </a:lnL>
+                    <a:lnR w="12240">
+                      <a:solidFill>
+                        <a:srgbClr val="ffffff"/>
+                      </a:solidFill>
+                    </a:lnR>
+                    <a:lnT w="38160">
+                      <a:solidFill>
+                        <a:srgbClr val="ffffff"/>
+                      </a:solidFill>
+                    </a:lnT>
+                    <a:lnB w="12240">
+                      <a:solidFill>
+                        <a:srgbClr val="ffffff"/>
+                      </a:solidFill>
+                    </a:lnB>
+                    <a:solidFill>
+                      <a:srgbClr val="e7e7e7"/>
+                    </a:solidFill>
+                  </a:tcPr>
+                </a:tc>
+              </a:tr>
+              <a:tr h="561240">
+                <a:tc>
+                  <a:txBody>
+                    <a:bodyPr lIns="30600" rIns="30600"/>
+                    <a:p>
+                      <a:r>
+                        <a:rPr b="0" lang="pt-BR" sz="1800" spc="-1" strike="noStrike">
+                          <a:solidFill>
+                            <a:srgbClr val="000000"/>
+                          </a:solidFill>
+                          <a:uFill>
+                            <a:solidFill>
+                              <a:srgbClr val="ffffff"/>
+                            </a:solidFill>
+                          </a:uFill>
+                          <a:latin typeface="Arial"/>
+                        </a:rPr>
+                        <a:t>6</a:t>
+                      </a:r>
+                      <a:endParaRPr b="0" lang="pt-BR" sz="1800" spc="-1" strike="noStrike">
+                        <a:solidFill>
+                          <a:srgbClr val="000000"/>
+                        </a:solidFill>
+                        <a:uFill>
+                          <a:solidFill>
+                            <a:srgbClr val="ffffff"/>
+                          </a:solidFill>
+                        </a:uFill>
+                        <a:latin typeface="Arial"/>
+                      </a:endParaRPr>
+                    </a:p>
+                  </a:txBody>
+                  <a:tcPr marL="30600" marR="30600">
+                    <a:lnL w="12240">
+                      <a:solidFill>
+                        <a:srgbClr val="ffffff"/>
+                      </a:solidFill>
+                    </a:lnL>
+                    <a:lnR w="12240">
+                      <a:solidFill>
+                        <a:srgbClr val="ffffff"/>
+                      </a:solidFill>
+                    </a:lnR>
+                    <a:lnT w="38160">
+                      <a:solidFill>
+                        <a:srgbClr val="ffffff"/>
+                      </a:solidFill>
+                    </a:lnT>
+                    <a:lnB w="12240">
+                      <a:solidFill>
+                        <a:srgbClr val="ffffff"/>
+                      </a:solidFill>
+                    </a:lnB>
+                    <a:solidFill>
+                      <a:srgbClr val="e7e7e7"/>
+                    </a:solidFill>
+                  </a:tcPr>
+                </a:tc>
+                <a:tc>
+                  <a:txBody>
+                    <a:bodyPr lIns="30600" rIns="30600"/>
+                    <a:p>
+                      <a:r>
+                        <a:rPr b="0" lang="pt-BR" sz="1800" spc="-1" strike="noStrike">
+                          <a:solidFill>
+                            <a:srgbClr val="000000"/>
+                          </a:solidFill>
+                          <a:uFill>
+                            <a:solidFill>
+                              <a:srgbClr val="ffffff"/>
+                            </a:solidFill>
+                          </a:uFill>
+                          <a:latin typeface="Arial"/>
+                        </a:rPr>
+                        <a:t>Gerenciamento de doadores</a:t>
+                      </a:r>
+                      <a:endParaRPr b="0" lang="pt-BR" sz="1800" spc="-1" strike="noStrike">
+                        <a:solidFill>
+                          <a:srgbClr val="000000"/>
+                        </a:solidFill>
+                        <a:uFill>
+                          <a:solidFill>
+                            <a:srgbClr val="ffffff"/>
+                          </a:solidFill>
+                        </a:uFill>
+                        <a:latin typeface="Arial"/>
+                      </a:endParaRPr>
+                    </a:p>
+                  </a:txBody>
+                  <a:tcPr marL="30600" marR="30600">
+                    <a:lnL w="12240">
+                      <a:solidFill>
+                        <a:srgbClr val="ffffff"/>
+                      </a:solidFill>
+                    </a:lnL>
+                    <a:lnR w="12240">
+                      <a:solidFill>
+                        <a:srgbClr val="ffffff"/>
+                      </a:solidFill>
+                    </a:lnR>
+                    <a:lnT w="38160">
+                      <a:solidFill>
+                        <a:srgbClr val="ffffff"/>
+                      </a:solidFill>
+                    </a:lnT>
+                    <a:lnB w="12240">
+                      <a:solidFill>
+                        <a:srgbClr val="ffffff"/>
+                      </a:solidFill>
+                    </a:lnB>
+                    <a:solidFill>
+                      <a:srgbClr val="e7e7e7"/>
+                    </a:solidFill>
+                  </a:tcPr>
+                </a:tc>
+                <a:tc>
+                  <a:tcPr marL="30600" marR="30600">
+                    <a:lnL w="12240">
+                      <a:solidFill>
+                        <a:srgbClr val="ffffff"/>
+                      </a:solidFill>
+                    </a:lnL>
+                    <a:lnR w="12240">
+                      <a:solidFill>
+                        <a:srgbClr val="ffffff"/>
+                      </a:solidFill>
+                    </a:lnR>
+                    <a:lnT w="38160">
+                      <a:solidFill>
+                        <a:srgbClr val="ffffff"/>
+                      </a:solidFill>
+                    </a:lnT>
+                    <a:lnB w="12240">
+                      <a:solidFill>
+                        <a:srgbClr val="ffffff"/>
+                      </a:solidFill>
+                    </a:lnB>
+                    <a:solidFill>
+                      <a:srgbClr val="e7e7e7"/>
+                    </a:solidFill>
+                  </a:tcPr>
+                </a:tc>
+                <a:tc>
+                  <a:tcPr marL="30600" marR="30600">
+                    <a:lnL w="12240">
+                      <a:solidFill>
+                        <a:srgbClr val="ffffff"/>
+                      </a:solidFill>
+                    </a:lnL>
+                    <a:lnR w="12240">
+                      <a:solidFill>
+                        <a:srgbClr val="ffffff"/>
+                      </a:solidFill>
+                    </a:lnR>
+                    <a:lnT w="38160">
+                      <a:solidFill>
+                        <a:srgbClr val="ffffff"/>
+                      </a:solidFill>
+                    </a:lnT>
+                    <a:lnB w="12240">
+                      <a:solidFill>
+                        <a:srgbClr val="ffffff"/>
+                      </a:solidFill>
+                    </a:lnB>
+                    <a:solidFill>
+                      <a:srgbClr val="e7e7e7"/>
+                    </a:solidFill>
+                  </a:tcPr>
+                </a:tc>
+              </a:tr>
+              <a:tr h="561240">
+                <a:tc>
+                  <a:txBody>
+                    <a:bodyPr lIns="30600" rIns="30600"/>
+                    <a:p>
+                      <a:r>
+                        <a:rPr b="0" lang="pt-BR" sz="1800" spc="-1" strike="noStrike">
+                          <a:solidFill>
+                            <a:srgbClr val="000000"/>
+                          </a:solidFill>
+                          <a:uFill>
+                            <a:solidFill>
+                              <a:srgbClr val="ffffff"/>
+                            </a:solidFill>
+                          </a:uFill>
+                          <a:latin typeface="Arial"/>
+                        </a:rPr>
+                        <a:t>6</a:t>
+                      </a:r>
+                      <a:endParaRPr b="0" lang="pt-BR" sz="1800" spc="-1" strike="noStrike">
+                        <a:solidFill>
+                          <a:srgbClr val="000000"/>
+                        </a:solidFill>
+                        <a:uFill>
+                          <a:solidFill>
+                            <a:srgbClr val="ffffff"/>
+                          </a:solidFill>
+                        </a:uFill>
+                        <a:latin typeface="Arial"/>
+                      </a:endParaRPr>
+                    </a:p>
+                  </a:txBody>
+                  <a:tcPr marL="30600" marR="30600">
+                    <a:lnL w="12240">
+                      <a:solidFill>
+                        <a:srgbClr val="ffffff"/>
+                      </a:solidFill>
+                    </a:lnL>
+                    <a:lnR w="12240">
+                      <a:solidFill>
+                        <a:srgbClr val="ffffff"/>
+                      </a:solidFill>
+                    </a:lnR>
+                    <a:lnT w="38160">
+                      <a:solidFill>
+                        <a:srgbClr val="ffffff"/>
+                      </a:solidFill>
+                    </a:lnT>
+                    <a:lnB w="12240">
+                      <a:solidFill>
+                        <a:srgbClr val="ffffff"/>
+                      </a:solidFill>
+                    </a:lnB>
+                    <a:solidFill>
+                      <a:srgbClr val="e7e7e7"/>
+                    </a:solidFill>
+                  </a:tcPr>
+                </a:tc>
+                <a:tc>
+                  <a:txBody>
+                    <a:bodyPr lIns="30600" rIns="30600"/>
+                    <a:p>
+                      <a:r>
+                        <a:rPr b="0" lang="pt-BR" sz="1800" spc="-1" strike="noStrike">
+                          <a:solidFill>
+                            <a:srgbClr val="000000"/>
+                          </a:solidFill>
+                          <a:uFill>
+                            <a:solidFill>
+                              <a:srgbClr val="ffffff"/>
+                            </a:solidFill>
+                          </a:uFill>
+                          <a:latin typeface="Arial"/>
+                        </a:rPr>
+                        <a:t>Acompanhamento de coletas</a:t>
+                      </a:r>
+                      <a:endParaRPr b="0" lang="pt-BR" sz="1800" spc="-1" strike="noStrike">
+                        <a:solidFill>
+                          <a:srgbClr val="000000"/>
+                        </a:solidFill>
+                        <a:uFill>
+                          <a:solidFill>
+                            <a:srgbClr val="ffffff"/>
+                          </a:solidFill>
+                        </a:uFill>
+                        <a:latin typeface="Arial"/>
+                      </a:endParaRPr>
+                    </a:p>
+                  </a:txBody>
+                  <a:tcPr marL="30600" marR="30600">
+                    <a:lnL w="12240">
+                      <a:solidFill>
+                        <a:srgbClr val="ffffff"/>
+                      </a:solidFill>
+                    </a:lnL>
+                    <a:lnR w="12240">
+                      <a:solidFill>
+                        <a:srgbClr val="ffffff"/>
+                      </a:solidFill>
+                    </a:lnR>
+                    <a:lnT w="38160">
+                      <a:solidFill>
+                        <a:srgbClr val="ffffff"/>
+                      </a:solidFill>
+                    </a:lnT>
+                    <a:lnB w="12240">
+                      <a:solidFill>
+                        <a:srgbClr val="ffffff"/>
+                      </a:solidFill>
+                    </a:lnB>
+                    <a:solidFill>
+                      <a:srgbClr val="e7e7e7"/>
+                    </a:solidFill>
+                  </a:tcPr>
+                </a:tc>
+                <a:tc>
+                  <a:tcPr marL="30600" marR="30600">
+                    <a:lnL w="12240">
+                      <a:solidFill>
+                        <a:srgbClr val="ffffff"/>
+                      </a:solidFill>
+                    </a:lnL>
+                    <a:lnR w="12240">
+                      <a:solidFill>
+                        <a:srgbClr val="ffffff"/>
+                      </a:solidFill>
+                    </a:lnR>
+                    <a:lnT w="38160">
+                      <a:solidFill>
+                        <a:srgbClr val="ffffff"/>
+                      </a:solidFill>
+                    </a:lnT>
+                    <a:lnB w="12240">
+                      <a:solidFill>
+                        <a:srgbClr val="ffffff"/>
+                      </a:solidFill>
+                    </a:lnB>
+                    <a:solidFill>
+                      <a:srgbClr val="e7e7e7"/>
+                    </a:solidFill>
+                  </a:tcPr>
+                </a:tc>
+                <a:tc>
+                  <a:tcPr marL="30600" marR="30600">
+                    <a:lnL w="12240">
+                      <a:solidFill>
+                        <a:srgbClr val="ffffff"/>
+                      </a:solidFill>
+                    </a:lnL>
+                    <a:lnR w="12240">
+                      <a:solidFill>
+                        <a:srgbClr val="ffffff"/>
+                      </a:solidFill>
+                    </a:lnR>
+                    <a:lnT w="38160">
+                      <a:solidFill>
+                        <a:srgbClr val="ffffff"/>
+                      </a:solidFill>
+                    </a:lnT>
+                    <a:lnB w="12240">
+                      <a:solidFill>
+                        <a:srgbClr val="ffffff"/>
+                      </a:solidFill>
+                    </a:lnB>
+                    <a:solidFill>
+                      <a:srgbClr val="e7e7e7"/>
+                    </a:solidFill>
+                  </a:tcPr>
+                </a:tc>
+              </a:tr>
+            </a:tbl>
+          </a:graphicData>
+        </a:graphic>
+      </p:graphicFrame>
     </p:spTree>
   </p:cSld>
   <p:timing>
@@ -8249,7 +10707,7 @@
         <p:spPr>
           <a:xfrm>
             <a:off x="457200" y="274680"/>
-            <a:ext cx="8226720" cy="1140120"/>
+            <a:ext cx="8226000" cy="1139400"/>
           </a:xfrm>
           <a:prstGeom prst="rect">
             <a:avLst/>
@@ -8286,7 +10744,7 @@
                 <a:latin typeface="Calibri"/>
                 <a:ea typeface="DejaVu Sans"/>
               </a:rPr>
-              <a:t>Restrições</a:t>
+              <a:t>Premissas</a:t>
             </a:r>
             <a:endParaRPr b="0" lang="pt-BR" sz="1800" spc="-1" strike="noStrike">
               <a:solidFill>
@@ -8311,7 +10769,7 @@
         <p:spPr>
           <a:xfrm>
             <a:off x="457200" y="1600200"/>
-            <a:ext cx="8226720" cy="4523040"/>
+            <a:ext cx="8226000" cy="4522320"/>
           </a:xfrm>
           <a:prstGeom prst="rect">
             <a:avLst/>
@@ -8330,7 +10788,25 @@
         <p:txBody>
           <a:bodyPr lIns="90000" rIns="90000" tIns="45000" bIns="45000"/>
           <a:p>
-            <a:pPr marL="343080" indent="-340200" algn="just">
+            <a:pPr algn="just">
+              <a:lnSpc>
+                <a:spcPct val="100000"/>
+              </a:lnSpc>
+            </a:pPr>
+            <a:endParaRPr b="0" lang="pt-BR" sz="1800" spc="-1" strike="noStrike">
+              <a:solidFill>
+                <a:srgbClr val="000000"/>
+              </a:solidFill>
+              <a:uFill>
+                <a:solidFill>
+                  <a:srgbClr val="ffffff"/>
+                </a:solidFill>
+              </a:uFill>
+              <a:latin typeface="Arial"/>
+            </a:endParaRPr>
+          </a:p>
+          <a:p>
+            <a:pPr marL="343080" indent="-339480" algn="just">
               <a:lnSpc>
                 <a:spcPct val="100000"/>
               </a:lnSpc>
@@ -8341,7 +10817,7 @@
               <a:buChar char="•"/>
             </a:pPr>
             <a:r>
-              <a:rPr b="0" lang="pt-BR" sz="3200" spc="-1" strike="noStrike">
+              <a:rPr b="0" lang="pt-BR" sz="1800" spc="-1" strike="noStrike">
                 <a:solidFill>
                   <a:srgbClr val="000000"/>
                 </a:solidFill>
@@ -8350,10 +10826,10 @@
                     <a:srgbClr val="ffffff"/>
                   </a:solidFill>
                 </a:uFill>
-                <a:latin typeface="Calibri"/>
+                <a:latin typeface="Arial"/>
                 <a:ea typeface="DejaVu Sans"/>
               </a:rPr>
-              <a:t>Módulo web deve operar nos seguintes browsers:</a:t>
+              <a:t>Instituições devem ser cadastradas previamente por um “Super Usuário” para que possam operar o sistema.</a:t>
             </a:r>
             <a:endParaRPr b="0" lang="pt-BR" sz="1800" spc="-1" strike="noStrike">
               <a:solidFill>
@@ -8368,19 +10844,18 @@
             </a:endParaRPr>
           </a:p>
           <a:p>
-            <a:pPr lvl="1" marL="864000" indent="-321480">
+            <a:pPr marL="343080" indent="-339480" algn="just">
               <a:lnSpc>
                 <a:spcPct val="100000"/>
               </a:lnSpc>
               <a:buClr>
-                <a:srgbClr val="ffffff"/>
+                <a:srgbClr val="000000"/>
               </a:buClr>
-              <a:buSzPct val="75000"/>
-              <a:buFont typeface="Symbol"/>
-              <a:buChar char=""/>
+              <a:buFont typeface="Arial"/>
+              <a:buChar char="•"/>
             </a:pPr>
             <a:r>
-              <a:rPr b="0" lang="pt-BR" sz="3200" spc="-1" strike="noStrike">
+              <a:rPr b="0" lang="pt-BR" sz="1800" spc="-1" strike="noStrike">
                 <a:solidFill>
                   <a:srgbClr val="000000"/>
                 </a:solidFill>
@@ -8389,10 +10864,10 @@
                     <a:srgbClr val="ffffff"/>
                   </a:solidFill>
                 </a:uFill>
-                <a:latin typeface="Calibri"/>
+                <a:latin typeface="Arial"/>
                 <a:ea typeface="DejaVu Sans"/>
               </a:rPr>
-              <a:t>Google Chrome;</a:t>
+              <a:t>Um doador só poderá doar um item que tinha sido pré-cadastro por uma instituição.</a:t>
             </a:r>
             <a:endParaRPr b="0" lang="pt-BR" sz="1800" spc="-1" strike="noStrike">
               <a:solidFill>
@@ -8407,19 +10882,18 @@
             </a:endParaRPr>
           </a:p>
           <a:p>
-            <a:pPr lvl="1" marL="864000" indent="-321480">
+            <a:pPr marL="343080" indent="-339480" algn="just">
               <a:lnSpc>
                 <a:spcPct val="100000"/>
               </a:lnSpc>
               <a:buClr>
-                <a:srgbClr val="ffffff"/>
+                <a:srgbClr val="000000"/>
               </a:buClr>
-              <a:buSzPct val="75000"/>
-              <a:buFont typeface="Symbol"/>
-              <a:buChar char=""/>
+              <a:buFont typeface="Arial"/>
+              <a:buChar char="•"/>
             </a:pPr>
             <a:r>
-              <a:rPr b="0" lang="pt-BR" sz="3200" spc="-1" strike="noStrike">
+              <a:rPr b="0" lang="pt-BR" sz="1800" spc="-1" strike="noStrike">
                 <a:solidFill>
                   <a:srgbClr val="000000"/>
                 </a:solidFill>
@@ -8428,10 +10902,10 @@
                     <a:srgbClr val="ffffff"/>
                   </a:solidFill>
                 </a:uFill>
-                <a:latin typeface="Calibri"/>
+                <a:latin typeface="Arial"/>
                 <a:ea typeface="DejaVu Sans"/>
               </a:rPr>
-              <a:t>Opera;</a:t>
+              <a:t>O mensageiro deve haver sido cadastrado previamente pela instituição para ter acesso ao aplicativo. </a:t>
             </a:r>
             <a:endParaRPr b="0" lang="pt-BR" sz="1800" spc="-1" strike="noStrike">
               <a:solidFill>
@@ -8446,19 +10920,18 @@
             </a:endParaRPr>
           </a:p>
           <a:p>
-            <a:pPr lvl="1" marL="864000" indent="-321480">
+            <a:pPr marL="343080" indent="-339480" algn="just">
               <a:lnSpc>
                 <a:spcPct val="100000"/>
               </a:lnSpc>
               <a:buClr>
-                <a:srgbClr val="ffffff"/>
+                <a:srgbClr val="000000"/>
               </a:buClr>
-              <a:buSzPct val="75000"/>
-              <a:buFont typeface="Symbol"/>
-              <a:buChar char=""/>
+              <a:buFont typeface="Arial"/>
+              <a:buChar char="•"/>
             </a:pPr>
             <a:r>
-              <a:rPr b="0" lang="pt-BR" sz="3200" spc="-1" strike="noStrike">
+              <a:rPr b="0" lang="pt-BR" sz="1800" spc="-1" strike="noStrike">
                 <a:solidFill>
                   <a:srgbClr val="000000"/>
                 </a:solidFill>
@@ -8467,10 +10940,10 @@
                     <a:srgbClr val="ffffff"/>
                   </a:solidFill>
                 </a:uFill>
-                <a:latin typeface="Calibri"/>
+                <a:latin typeface="Arial"/>
                 <a:ea typeface="DejaVu Sans"/>
               </a:rPr>
-              <a:t>Mozilla Firefox;</a:t>
+              <a:t>Cliente estar ciente sobre necessidade de contato a qualquer momentos do desenvolvimento.</a:t>
             </a:r>
             <a:endParaRPr b="0" lang="pt-BR" sz="1800" spc="-1" strike="noStrike">
               <a:solidFill>
@@ -8485,19 +10958,18 @@
             </a:endParaRPr>
           </a:p>
           <a:p>
-            <a:pPr lvl="1" marL="864000" indent="-321480">
+            <a:pPr marL="343080" indent="-339480" algn="just">
               <a:lnSpc>
                 <a:spcPct val="100000"/>
               </a:lnSpc>
               <a:buClr>
-                <a:srgbClr val="ffffff"/>
+                <a:srgbClr val="000000"/>
               </a:buClr>
-              <a:buSzPct val="75000"/>
-              <a:buFont typeface="Symbol"/>
-              <a:buChar char=""/>
+              <a:buFont typeface="Arial"/>
+              <a:buChar char="•"/>
             </a:pPr>
             <a:r>
-              <a:rPr b="0" lang="pt-BR" sz="3200" spc="-1" strike="noStrike">
+              <a:rPr b="0" lang="pt-BR" sz="1800" spc="-1" strike="noStrike">
                 <a:solidFill>
                   <a:srgbClr val="000000"/>
                 </a:solidFill>
@@ -8506,10 +10978,10 @@
                     <a:srgbClr val="ffffff"/>
                   </a:solidFill>
                 </a:uFill>
-                <a:latin typeface="Calibri"/>
+                <a:latin typeface="Arial"/>
                 <a:ea typeface="DejaVu Sans"/>
               </a:rPr>
-              <a:t>Edge.</a:t>
+              <a:t>Ter disponibilidade de um servidor para implantação do software.</a:t>
             </a:r>
             <a:endParaRPr b="0" lang="pt-BR" sz="1800" spc="-1" strike="noStrike">
               <a:solidFill>
@@ -8524,76 +10996,11 @@
             </a:endParaRPr>
           </a:p>
           <a:p>
-            <a:pPr marL="343080" indent="-340200">
+            <a:pPr algn="just">
               <a:lnSpc>
                 <a:spcPct val="100000"/>
               </a:lnSpc>
-              <a:buClr>
-                <a:srgbClr val="000000"/>
-              </a:buClr>
-              <a:buFont typeface="Arial"/>
-              <a:buChar char="•"/>
             </a:pPr>
-            <a:r>
-              <a:rPr b="0" lang="pt-BR" sz="3200" spc="-1" strike="noStrike">
-                <a:solidFill>
-                  <a:srgbClr val="000000"/>
-                </a:solidFill>
-                <a:uFill>
-                  <a:solidFill>
-                    <a:srgbClr val="ffffff"/>
-                  </a:solidFill>
-                </a:uFill>
-                <a:latin typeface="Calibri"/>
-                <a:ea typeface="DejaVu Sans"/>
-              </a:rPr>
-              <a:t>Módulo mobile deve operar no sistema operacional </a:t>
-            </a:r>
-            <a:r>
-              <a:rPr b="1" lang="pt-BR" sz="3200" spc="-1" strike="noStrike">
-                <a:solidFill>
-                  <a:srgbClr val="000000"/>
-                </a:solidFill>
-                <a:uFill>
-                  <a:solidFill>
-                    <a:srgbClr val="ffffff"/>
-                  </a:solidFill>
-                </a:uFill>
-                <a:latin typeface="Calibri"/>
-                <a:ea typeface="DejaVu Sans"/>
-              </a:rPr>
-              <a:t>Android</a:t>
-            </a:r>
-            <a:r>
-              <a:rPr b="0" lang="pt-BR" sz="3200" spc="-1" strike="noStrike">
-                <a:solidFill>
-                  <a:srgbClr val="000000"/>
-                </a:solidFill>
-                <a:uFill>
-                  <a:solidFill>
-                    <a:srgbClr val="ffffff"/>
-                  </a:solidFill>
-                </a:uFill>
-                <a:latin typeface="Calibri"/>
-                <a:ea typeface="DejaVu Sans"/>
-              </a:rPr>
-              <a:t>, a partir da versão </a:t>
-            </a:r>
-            <a:r>
-              <a:rPr b="1" lang="pt-BR" sz="3200" spc="-1" strike="noStrike">
-                <a:solidFill>
-                  <a:srgbClr val="000000"/>
-                </a:solidFill>
-                <a:uFill>
-                  <a:solidFill>
-                    <a:srgbClr val="ffffff"/>
-                  </a:solidFill>
-                </a:uFill>
-                <a:latin typeface="Calibri"/>
-                <a:ea typeface="DejaVu Sans"/>
-              </a:rPr>
-              <a:t>5.0</a:t>
-            </a:r>
             <a:endParaRPr b="0" lang="pt-BR" sz="1800" spc="-1" strike="noStrike">
               <a:solidFill>
                 <a:srgbClr val="000000"/>
@@ -8607,7 +11014,7 @@
             </a:endParaRPr>
           </a:p>
           <a:p>
-            <a:pPr marL="84600">
+            <a:pPr algn="just">
               <a:lnSpc>
                 <a:spcPct val="100000"/>
               </a:lnSpc>
@@ -8684,7 +11091,7 @@
         <p:spPr>
           <a:xfrm>
             <a:off x="457200" y="274680"/>
-            <a:ext cx="8226720" cy="1140120"/>
+            <a:ext cx="8226000" cy="1139400"/>
           </a:xfrm>
           <a:prstGeom prst="rect">
             <a:avLst/>
@@ -8721,7 +11128,7 @@
                 <a:latin typeface="Calibri"/>
                 <a:ea typeface="DejaVu Sans"/>
               </a:rPr>
-              <a:t>Riscos</a:t>
+              <a:t>Restrições</a:t>
             </a:r>
             <a:endParaRPr b="0" lang="pt-BR" sz="1800" spc="-1" strike="noStrike">
               <a:solidFill>
@@ -8737,1014 +11144,174 @@
           </a:p>
         </p:txBody>
       </p:sp>
-      <p:graphicFrame>
-        <p:nvGraphicFramePr>
-          <p:cNvPr id="140" name="Table 2"/>
-          <p:cNvGraphicFramePr/>
+      <p:sp>
+        <p:nvSpPr>
+          <p:cNvPr id="140" name="CustomShape 2"/>
+          <p:cNvSpPr/>
           <p:nvPr/>
-        </p:nvGraphicFramePr>
-        <p:xfrm>
-          <a:off x="432000" y="1368000"/>
-          <a:ext cx="8272800" cy="4752000"/>
-        </p:xfrm>
-        <a:graphic>
-          <a:graphicData uri="http://schemas.openxmlformats.org/drawingml/2006/table">
-            <a:tbl>
-              <a:tblPr/>
-              <a:tblGrid>
-                <a:gridCol w="5080320"/>
-                <a:gridCol w="3192480"/>
-              </a:tblGrid>
-              <a:tr h="654480">
-                <a:tc>
-                  <a:txBody>
-                    <a:bodyPr lIns="90000" rIns="90000"/>
-                    <a:p>
-                      <a:pPr algn="ctr">
-                        <a:lnSpc>
-                          <a:spcPct val="100000"/>
-                        </a:lnSpc>
-                      </a:pPr>
-                      <a:r>
-                        <a:rPr b="0" lang="pt-BR" sz="2400" spc="-1" strike="noStrike">
-                          <a:solidFill>
-                            <a:srgbClr val="ffffff"/>
-                          </a:solidFill>
-                          <a:uFill>
-                            <a:solidFill>
-                              <a:srgbClr val="ffffff"/>
-                            </a:solidFill>
-                          </a:uFill>
-                          <a:latin typeface="Arial"/>
-                          <a:ea typeface="DejaVu Sans"/>
-                        </a:rPr>
-                        <a:t>Descrição de Risco</a:t>
-                      </a:r>
-                      <a:endParaRPr b="0" lang="pt-BR" sz="2400" spc="-1" strike="noStrike">
-                        <a:solidFill>
-                          <a:srgbClr val="000000"/>
-                        </a:solidFill>
-                        <a:uFill>
-                          <a:solidFill>
-                            <a:srgbClr val="ffffff"/>
-                          </a:solidFill>
-                        </a:uFill>
-                        <a:latin typeface="Arial"/>
-                      </a:endParaRPr>
-                    </a:p>
-                  </a:txBody>
-                  <a:tcPr marL="90000" marR="90000">
-                    <a:lnL w="720">
-                      <a:solidFill>
-                        <a:srgbClr val="ffffff"/>
-                      </a:solidFill>
-                    </a:lnL>
-                    <a:lnR w="720">
-                      <a:solidFill>
-                        <a:srgbClr val="ffffff"/>
-                      </a:solidFill>
-                    </a:lnR>
-                    <a:lnT w="720">
-                      <a:solidFill>
-                        <a:srgbClr val="ffffff"/>
-                      </a:solidFill>
-                    </a:lnT>
-                    <a:lnB w="720">
-                      <a:solidFill>
-                        <a:srgbClr val="ffffff"/>
-                      </a:solidFill>
-                    </a:lnB>
-                    <a:solidFill>
-                      <a:srgbClr val="000000"/>
-                    </a:solidFill>
-                  </a:tcPr>
-                </a:tc>
-                <a:tc>
-                  <a:txBody>
-                    <a:bodyPr lIns="90000" rIns="90000"/>
-                    <a:p>
-                      <a:pPr algn="ctr">
-                        <a:lnSpc>
-                          <a:spcPct val="100000"/>
-                        </a:lnSpc>
-                      </a:pPr>
-                      <a:r>
-                        <a:rPr b="0" lang="pt-BR" sz="2400" spc="-1" strike="noStrike">
-                          <a:solidFill>
-                            <a:srgbClr val="ffffff"/>
-                          </a:solidFill>
-                          <a:uFill>
-                            <a:solidFill>
-                              <a:srgbClr val="ffffff"/>
-                            </a:solidFill>
-                          </a:uFill>
-                          <a:latin typeface="Arial"/>
-                          <a:ea typeface="DejaVu Sans"/>
-                        </a:rPr>
-                        <a:t>Efeito</a:t>
-                      </a:r>
-                      <a:endParaRPr b="0" lang="pt-BR" sz="2400" spc="-1" strike="noStrike">
-                        <a:solidFill>
-                          <a:srgbClr val="000000"/>
-                        </a:solidFill>
-                        <a:uFill>
-                          <a:solidFill>
-                            <a:srgbClr val="ffffff"/>
-                          </a:solidFill>
-                        </a:uFill>
-                        <a:latin typeface="Arial"/>
-                      </a:endParaRPr>
-                    </a:p>
-                  </a:txBody>
-                  <a:tcPr marL="90000" marR="90000">
-                    <a:lnL w="720">
-                      <a:solidFill>
-                        <a:srgbClr val="ffffff"/>
-                      </a:solidFill>
-                    </a:lnL>
-                    <a:lnR w="720">
-                      <a:solidFill>
-                        <a:srgbClr val="ffffff"/>
-                      </a:solidFill>
-                    </a:lnR>
-                    <a:lnT w="720">
-                      <a:solidFill>
-                        <a:srgbClr val="ffffff"/>
-                      </a:solidFill>
-                    </a:lnT>
-                    <a:lnB w="720">
-                      <a:solidFill>
-                        <a:srgbClr val="ffffff"/>
-                      </a:solidFill>
-                    </a:lnB>
-                    <a:solidFill>
-                      <a:srgbClr val="000000"/>
-                    </a:solidFill>
-                  </a:tcPr>
-                </a:tc>
-              </a:tr>
-              <a:tr h="783360">
-                <a:tc>
-                  <a:txBody>
-                    <a:bodyPr lIns="90000" rIns="90000"/>
-                    <a:p>
-                      <a:r>
-                        <a:rPr b="0" lang="pt-BR" sz="1800" spc="-1" strike="noStrike">
-                          <a:solidFill>
-                            <a:srgbClr val="000000"/>
-                          </a:solidFill>
-                          <a:uFill>
-                            <a:solidFill>
-                              <a:srgbClr val="ffffff"/>
-                            </a:solidFill>
-                          </a:uFill>
-                          <a:latin typeface="Calibri"/>
-                        </a:rPr>
-                        <a:t>Atraso no desenvolvimento e finalização da Iteração</a:t>
-                      </a:r>
-                      <a:endParaRPr b="0" lang="pt-BR" sz="1800" spc="-1" strike="noStrike">
-                        <a:solidFill>
-                          <a:srgbClr val="000000"/>
-                        </a:solidFill>
-                        <a:uFill>
-                          <a:solidFill>
-                            <a:srgbClr val="ffffff"/>
-                          </a:solidFill>
-                        </a:uFill>
-                        <a:latin typeface="Calibri"/>
-                      </a:endParaRPr>
-                    </a:p>
-                  </a:txBody>
-                  <a:tcPr marL="90000" marR="90000">
-                    <a:lnL w="720">
-                      <a:solidFill>
-                        <a:srgbClr val="ffffff"/>
-                      </a:solidFill>
-                    </a:lnL>
-                    <a:lnR w="720">
-                      <a:solidFill>
-                        <a:srgbClr val="ffffff"/>
-                      </a:solidFill>
-                    </a:lnR>
-                    <a:lnT w="720">
-                      <a:solidFill>
-                        <a:srgbClr val="ffffff"/>
-                      </a:solidFill>
-                    </a:lnT>
-                    <a:lnB w="720">
-                      <a:solidFill>
-                        <a:srgbClr val="ffffff"/>
-                      </a:solidFill>
-                    </a:lnB>
-                    <a:solidFill>
-                      <a:srgbClr val="e6e6e6"/>
-                    </a:solidFill>
-                  </a:tcPr>
-                </a:tc>
-                <a:tc>
-                  <a:txBody>
-                    <a:bodyPr lIns="90000" rIns="90000"/>
-                    <a:p>
-                      <a:pPr>
-                        <a:lnSpc>
-                          <a:spcPct val="100000"/>
-                        </a:lnSpc>
-                      </a:pPr>
-                      <a:r>
-                        <a:rPr b="0" lang="pt-BR" sz="1800" spc="-1" strike="noStrike">
-                          <a:solidFill>
-                            <a:srgbClr val="000000"/>
-                          </a:solidFill>
-                          <a:uFill>
-                            <a:solidFill>
-                              <a:srgbClr val="ffffff"/>
-                            </a:solidFill>
-                          </a:uFill>
-                          <a:latin typeface="Calibri"/>
-                          <a:ea typeface="DejaVu Sans"/>
-                        </a:rPr>
-                        <a:t>Negativo</a:t>
-                      </a:r>
-                      <a:endParaRPr b="0" lang="pt-BR" sz="1800" spc="-1" strike="noStrike">
-                        <a:solidFill>
-                          <a:srgbClr val="000000"/>
-                        </a:solidFill>
-                        <a:uFill>
-                          <a:solidFill>
-                            <a:srgbClr val="ffffff"/>
-                          </a:solidFill>
-                        </a:uFill>
-                        <a:latin typeface="Calibri"/>
-                      </a:endParaRPr>
-                    </a:p>
-                  </a:txBody>
-                  <a:tcPr marL="90000" marR="90000">
-                    <a:lnL w="720">
-                      <a:solidFill>
-                        <a:srgbClr val="ffffff"/>
-                      </a:solidFill>
-                    </a:lnL>
-                    <a:lnR w="720">
-                      <a:solidFill>
-                        <a:srgbClr val="ffffff"/>
-                      </a:solidFill>
-                    </a:lnR>
-                    <a:lnT w="720">
-                      <a:solidFill>
-                        <a:srgbClr val="ffffff"/>
-                      </a:solidFill>
-                    </a:lnT>
-                    <a:lnB w="720">
-                      <a:solidFill>
-                        <a:srgbClr val="ffffff"/>
-                      </a:solidFill>
-                    </a:lnB>
-                    <a:solidFill>
-                      <a:srgbClr val="e6e6e6"/>
-                    </a:solidFill>
-                  </a:tcPr>
-                </a:tc>
-              </a:tr>
-              <a:tr h="464760">
-                <a:tc>
-                  <a:txBody>
-                    <a:bodyPr lIns="90000" rIns="90000"/>
-                    <a:p>
-                      <a:r>
-                        <a:rPr b="0" lang="pt-BR" sz="1800" spc="-1" strike="noStrike">
-                          <a:solidFill>
-                            <a:srgbClr val="000000"/>
-                          </a:solidFill>
-                          <a:uFill>
-                            <a:solidFill>
-                              <a:srgbClr val="ffffff"/>
-                            </a:solidFill>
-                          </a:uFill>
-                          <a:latin typeface="Calibri"/>
-                        </a:rPr>
-                        <a:t>Falha do Planejamento Inicial do Projeto</a:t>
-                      </a:r>
-                      <a:endParaRPr b="0" lang="pt-BR" sz="1800" spc="-1" strike="noStrike">
-                        <a:solidFill>
-                          <a:srgbClr val="000000"/>
-                        </a:solidFill>
-                        <a:uFill>
-                          <a:solidFill>
-                            <a:srgbClr val="ffffff"/>
-                          </a:solidFill>
-                        </a:uFill>
-                        <a:latin typeface="Calibri"/>
-                      </a:endParaRPr>
-                    </a:p>
-                  </a:txBody>
-                  <a:tcPr marL="90000" marR="90000">
-                    <a:lnL w="720">
-                      <a:solidFill>
-                        <a:srgbClr val="ffffff"/>
-                      </a:solidFill>
-                    </a:lnL>
-                    <a:lnR w="720">
-                      <a:solidFill>
-                        <a:srgbClr val="ffffff"/>
-                      </a:solidFill>
-                    </a:lnR>
-                    <a:lnT w="720">
-                      <a:solidFill>
-                        <a:srgbClr val="ffffff"/>
-                      </a:solidFill>
-                    </a:lnT>
-                    <a:lnB w="720">
-                      <a:solidFill>
-                        <a:srgbClr val="ffffff"/>
-                      </a:solidFill>
-                    </a:lnB>
-                    <a:solidFill>
-                      <a:srgbClr val="ffffff"/>
-                    </a:solidFill>
-                  </a:tcPr>
-                </a:tc>
-                <a:tc>
-                  <a:txBody>
-                    <a:bodyPr lIns="90000" rIns="90000"/>
-                    <a:p>
-                      <a:pPr>
-                        <a:lnSpc>
-                          <a:spcPct val="100000"/>
-                        </a:lnSpc>
-                      </a:pPr>
-                      <a:r>
-                        <a:rPr b="0" lang="pt-BR" sz="1800" spc="-1" strike="noStrike">
-                          <a:solidFill>
-                            <a:srgbClr val="000000"/>
-                          </a:solidFill>
-                          <a:uFill>
-                            <a:solidFill>
-                              <a:srgbClr val="ffffff"/>
-                            </a:solidFill>
-                          </a:uFill>
-                          <a:latin typeface="Calibri"/>
-                          <a:ea typeface="DejaVu Sans"/>
-                        </a:rPr>
-                        <a:t>Negativo</a:t>
-                      </a:r>
-                      <a:endParaRPr b="0" lang="pt-BR" sz="1800" spc="-1" strike="noStrike">
-                        <a:solidFill>
-                          <a:srgbClr val="000000"/>
-                        </a:solidFill>
-                        <a:uFill>
-                          <a:solidFill>
-                            <a:srgbClr val="ffffff"/>
-                          </a:solidFill>
-                        </a:uFill>
-                        <a:latin typeface="Calibri"/>
-                      </a:endParaRPr>
-                    </a:p>
-                  </a:txBody>
-                  <a:tcPr marL="90000" marR="90000">
-                    <a:lnL w="720">
-                      <a:solidFill>
-                        <a:srgbClr val="ffffff"/>
-                      </a:solidFill>
-                    </a:lnL>
-                    <a:lnR w="720">
-                      <a:solidFill>
-                        <a:srgbClr val="ffffff"/>
-                      </a:solidFill>
-                    </a:lnR>
-                    <a:lnT w="720">
-                      <a:solidFill>
-                        <a:srgbClr val="ffffff"/>
-                      </a:solidFill>
-                    </a:lnT>
-                    <a:lnB w="720">
-                      <a:solidFill>
-                        <a:srgbClr val="ffffff"/>
-                      </a:solidFill>
-                    </a:lnB>
-                    <a:solidFill>
-                      <a:srgbClr val="ffffff"/>
-                    </a:solidFill>
-                  </a:tcPr>
-                </a:tc>
-              </a:tr>
-              <a:tr h="449280">
-                <a:tc>
-                  <a:txBody>
-                    <a:bodyPr lIns="90000" rIns="90000"/>
-                    <a:p>
-                      <a:r>
-                        <a:rPr b="0" lang="pt-BR" sz="1800" spc="-1" strike="noStrike">
-                          <a:solidFill>
-                            <a:srgbClr val="000000"/>
-                          </a:solidFill>
-                          <a:uFill>
-                            <a:solidFill>
-                              <a:srgbClr val="ffffff"/>
-                            </a:solidFill>
-                          </a:uFill>
-                          <a:latin typeface="Calibri"/>
-                        </a:rPr>
-                        <a:t>Análise de Riscos Incompleta</a:t>
-                      </a:r>
-                      <a:endParaRPr b="0" lang="pt-BR" sz="1800" spc="-1" strike="noStrike">
-                        <a:solidFill>
-                          <a:srgbClr val="000000"/>
-                        </a:solidFill>
-                        <a:uFill>
-                          <a:solidFill>
-                            <a:srgbClr val="ffffff"/>
-                          </a:solidFill>
-                        </a:uFill>
-                        <a:latin typeface="Calibri"/>
-                      </a:endParaRPr>
-                    </a:p>
-                  </a:txBody>
-                  <a:tcPr marL="90000" marR="90000">
-                    <a:lnL w="720">
-                      <a:solidFill>
-                        <a:srgbClr val="ffffff"/>
-                      </a:solidFill>
-                    </a:lnL>
-                    <a:lnR w="720">
-                      <a:solidFill>
-                        <a:srgbClr val="ffffff"/>
-                      </a:solidFill>
-                    </a:lnR>
-                    <a:lnT w="720">
-                      <a:solidFill>
-                        <a:srgbClr val="ffffff"/>
-                      </a:solidFill>
-                    </a:lnT>
-                    <a:lnB w="720">
-                      <a:solidFill>
-                        <a:srgbClr val="ffffff"/>
-                      </a:solidFill>
-                    </a:lnB>
-                    <a:solidFill>
-                      <a:srgbClr val="e6e6e6"/>
-                    </a:solidFill>
-                  </a:tcPr>
-                </a:tc>
-                <a:tc>
-                  <a:txBody>
-                    <a:bodyPr lIns="90000" rIns="90000"/>
-                    <a:p>
-                      <a:r>
-                        <a:rPr b="0" lang="pt-BR" sz="1800" spc="-1" strike="noStrike">
-                          <a:solidFill>
-                            <a:srgbClr val="000000"/>
-                          </a:solidFill>
-                          <a:uFill>
-                            <a:solidFill>
-                              <a:srgbClr val="ffffff"/>
-                            </a:solidFill>
-                          </a:uFill>
-                          <a:latin typeface="Calibri"/>
-                        </a:rPr>
-                        <a:t>Negativo</a:t>
-                      </a:r>
-                      <a:endParaRPr b="0" lang="pt-BR" sz="1800" spc="-1" strike="noStrike">
-                        <a:solidFill>
-                          <a:srgbClr val="000000"/>
-                        </a:solidFill>
-                        <a:uFill>
-                          <a:solidFill>
-                            <a:srgbClr val="ffffff"/>
-                          </a:solidFill>
-                        </a:uFill>
-                        <a:latin typeface="Calibri"/>
-                      </a:endParaRPr>
-                    </a:p>
-                  </a:txBody>
-                  <a:tcPr marL="90000" marR="90000">
-                    <a:lnL w="720">
-                      <a:solidFill>
-                        <a:srgbClr val="ffffff"/>
-                      </a:solidFill>
-                    </a:lnL>
-                    <a:lnR w="720">
-                      <a:solidFill>
-                        <a:srgbClr val="ffffff"/>
-                      </a:solidFill>
-                    </a:lnR>
-                    <a:lnT w="720">
-                      <a:solidFill>
-                        <a:srgbClr val="ffffff"/>
-                      </a:solidFill>
-                    </a:lnT>
-                    <a:lnB w="720">
-                      <a:solidFill>
-                        <a:srgbClr val="ffffff"/>
-                      </a:solidFill>
-                    </a:lnB>
-                    <a:solidFill>
-                      <a:srgbClr val="e6e6e6"/>
-                    </a:solidFill>
-                  </a:tcPr>
-                </a:tc>
-              </a:tr>
-              <a:tr h="783360">
-                <a:tc>
-                  <a:txBody>
-                    <a:bodyPr lIns="90000" rIns="90000"/>
-                    <a:p>
-                      <a:pPr>
-                        <a:lnSpc>
-                          <a:spcPct val="100000"/>
-                        </a:lnSpc>
-                      </a:pPr>
-                      <a:r>
-                        <a:rPr b="0" lang="pt-BR" sz="1800" spc="-1" strike="noStrike">
-                          <a:solidFill>
-                            <a:srgbClr val="000000"/>
-                          </a:solidFill>
-                          <a:uFill>
-                            <a:solidFill>
-                              <a:srgbClr val="ffffff"/>
-                            </a:solidFill>
-                          </a:uFill>
-                          <a:latin typeface="Calibri"/>
-                        </a:rPr>
-                        <a:t>Surgimento de Bugs em Release Disponibilizada ao Cliente</a:t>
-                      </a:r>
-                      <a:endParaRPr b="0" lang="pt-BR" sz="1800" spc="-1" strike="noStrike">
-                        <a:solidFill>
-                          <a:srgbClr val="000000"/>
-                        </a:solidFill>
-                        <a:uFill>
-                          <a:solidFill>
-                            <a:srgbClr val="ffffff"/>
-                          </a:solidFill>
-                        </a:uFill>
-                        <a:latin typeface="Calibri"/>
-                      </a:endParaRPr>
-                    </a:p>
-                  </a:txBody>
-                  <a:tcPr marL="90000" marR="90000">
-                    <a:lnL w="720">
-                      <a:solidFill>
-                        <a:srgbClr val="ffffff"/>
-                      </a:solidFill>
-                    </a:lnL>
-                    <a:lnR w="720">
-                      <a:solidFill>
-                        <a:srgbClr val="ffffff"/>
-                      </a:solidFill>
-                    </a:lnR>
-                    <a:lnT w="720">
-                      <a:solidFill>
-                        <a:srgbClr val="ffffff"/>
-                      </a:solidFill>
-                    </a:lnT>
-                    <a:lnB w="720">
-                      <a:solidFill>
-                        <a:srgbClr val="ffffff"/>
-                      </a:solidFill>
-                    </a:lnB>
-                    <a:solidFill>
-                      <a:srgbClr val="ffffff"/>
-                    </a:solidFill>
-                  </a:tcPr>
-                </a:tc>
-                <a:tc>
-                  <a:txBody>
-                    <a:bodyPr lIns="90000" rIns="90000"/>
-                    <a:p>
-                      <a:pPr>
-                        <a:lnSpc>
-                          <a:spcPct val="100000"/>
-                        </a:lnSpc>
-                      </a:pPr>
-                      <a:r>
-                        <a:rPr b="0" lang="pt-BR" sz="1800" spc="-1" strike="noStrike">
-                          <a:solidFill>
-                            <a:srgbClr val="000000"/>
-                          </a:solidFill>
-                          <a:uFill>
-                            <a:solidFill>
-                              <a:srgbClr val="ffffff"/>
-                            </a:solidFill>
-                          </a:uFill>
-                          <a:latin typeface="Calibri"/>
-                        </a:rPr>
-                        <a:t>Negativo</a:t>
-                      </a:r>
-                      <a:endParaRPr b="0" lang="pt-BR" sz="1800" spc="-1" strike="noStrike">
-                        <a:solidFill>
-                          <a:srgbClr val="000000"/>
-                        </a:solidFill>
-                        <a:uFill>
-                          <a:solidFill>
-                            <a:srgbClr val="ffffff"/>
-                          </a:solidFill>
-                        </a:uFill>
-                        <a:latin typeface="Calibri"/>
-                      </a:endParaRPr>
-                    </a:p>
-                  </a:txBody>
-                  <a:tcPr marL="90000" marR="90000">
-                    <a:lnL w="720">
-                      <a:solidFill>
-                        <a:srgbClr val="ffffff"/>
-                      </a:solidFill>
-                    </a:lnL>
-                    <a:lnR w="720">
-                      <a:solidFill>
-                        <a:srgbClr val="ffffff"/>
-                      </a:solidFill>
-                    </a:lnR>
-                    <a:lnT w="720">
-                      <a:solidFill>
-                        <a:srgbClr val="ffffff"/>
-                      </a:solidFill>
-                    </a:lnT>
-                    <a:lnB w="720">
-                      <a:solidFill>
-                        <a:srgbClr val="ffffff"/>
-                      </a:solidFill>
-                    </a:lnB>
-                    <a:solidFill>
-                      <a:srgbClr val="ffffff"/>
-                    </a:solidFill>
-                  </a:tcPr>
-                </a:tc>
-              </a:tr>
-              <a:tr h="449280">
-                <a:tc>
-                  <a:txBody>
-                    <a:bodyPr lIns="90000" rIns="90000"/>
-                    <a:p>
-                      <a:r>
-                        <a:rPr b="0" lang="pt-BR" sz="1800" spc="-1" strike="noStrike">
-                          <a:solidFill>
-                            <a:srgbClr val="000000"/>
-                          </a:solidFill>
-                          <a:uFill>
-                            <a:solidFill>
-                              <a:srgbClr val="ffffff"/>
-                            </a:solidFill>
-                          </a:uFill>
-                          <a:latin typeface="Calibri"/>
-                        </a:rPr>
-                        <a:t>Indisponibilidade do Cliente</a:t>
-                      </a:r>
-                      <a:endParaRPr b="0" lang="pt-BR" sz="1800" spc="-1" strike="noStrike">
-                        <a:solidFill>
-                          <a:srgbClr val="000000"/>
-                        </a:solidFill>
-                        <a:uFill>
-                          <a:solidFill>
-                            <a:srgbClr val="ffffff"/>
-                          </a:solidFill>
-                        </a:uFill>
-                        <a:latin typeface="Calibri"/>
-                      </a:endParaRPr>
-                    </a:p>
-                  </a:txBody>
-                  <a:tcPr marL="90000" marR="90000">
-                    <a:lnL w="720">
-                      <a:solidFill>
-                        <a:srgbClr val="ffffff"/>
-                      </a:solidFill>
-                    </a:lnL>
-                    <a:lnR w="720">
-                      <a:solidFill>
-                        <a:srgbClr val="ffffff"/>
-                      </a:solidFill>
-                    </a:lnR>
-                    <a:lnT w="720">
-                      <a:solidFill>
-                        <a:srgbClr val="ffffff"/>
-                      </a:solidFill>
-                    </a:lnT>
-                    <a:lnB w="720">
-                      <a:solidFill>
-                        <a:srgbClr val="ffffff"/>
-                      </a:solidFill>
-                    </a:lnB>
-                    <a:solidFill>
-                      <a:srgbClr val="e6e6e6"/>
-                    </a:solidFill>
-                  </a:tcPr>
-                </a:tc>
-                <a:tc>
-                  <a:txBody>
-                    <a:bodyPr lIns="90000" rIns="90000"/>
-                    <a:p>
-                      <a:pPr>
-                        <a:lnSpc>
-                          <a:spcPct val="100000"/>
-                        </a:lnSpc>
-                      </a:pPr>
-                      <a:r>
-                        <a:rPr b="0" lang="pt-BR" sz="1800" spc="-1" strike="noStrike">
-                          <a:solidFill>
-                            <a:srgbClr val="000000"/>
-                          </a:solidFill>
-                          <a:uFill>
-                            <a:solidFill>
-                              <a:srgbClr val="ffffff"/>
-                            </a:solidFill>
-                          </a:uFill>
-                          <a:latin typeface="Calibri"/>
-                        </a:rPr>
-                        <a:t>Negativo</a:t>
-                      </a:r>
-                      <a:endParaRPr b="0" lang="pt-BR" sz="1800" spc="-1" strike="noStrike">
-                        <a:solidFill>
-                          <a:srgbClr val="000000"/>
-                        </a:solidFill>
-                        <a:uFill>
-                          <a:solidFill>
-                            <a:srgbClr val="ffffff"/>
-                          </a:solidFill>
-                        </a:uFill>
-                        <a:latin typeface="Calibri"/>
-                      </a:endParaRPr>
-                    </a:p>
-                  </a:txBody>
-                  <a:tcPr marL="90000" marR="90000">
-                    <a:lnL w="720">
-                      <a:solidFill>
-                        <a:srgbClr val="ffffff"/>
-                      </a:solidFill>
-                    </a:lnL>
-                    <a:lnR w="720">
-                      <a:solidFill>
-                        <a:srgbClr val="ffffff"/>
-                      </a:solidFill>
-                    </a:lnR>
-                    <a:lnT w="720">
-                      <a:solidFill>
-                        <a:srgbClr val="ffffff"/>
-                      </a:solidFill>
-                    </a:lnT>
-                    <a:lnB w="720">
-                      <a:solidFill>
-                        <a:srgbClr val="ffffff"/>
-                      </a:solidFill>
-                    </a:lnB>
-                    <a:solidFill>
-                      <a:srgbClr val="e6e6e6"/>
-                    </a:solidFill>
-                  </a:tcPr>
-                </a:tc>
-              </a:tr>
-              <a:tr h="449280">
-                <a:tc>
-                  <a:txBody>
-                    <a:bodyPr lIns="90000" rIns="90000"/>
-                    <a:p>
-                      <a:r>
-                        <a:rPr b="0" lang="pt-BR" sz="1800" spc="-1" strike="noStrike">
-                          <a:solidFill>
-                            <a:srgbClr val="000000"/>
-                          </a:solidFill>
-                          <a:uFill>
-                            <a:solidFill>
-                              <a:srgbClr val="ffffff"/>
-                            </a:solidFill>
-                          </a:uFill>
-                          <a:latin typeface="Calibri"/>
-                          <a:ea typeface="DejaVu Sans"/>
-                        </a:rPr>
-                        <a:t>Mudança de Requisitos</a:t>
-                      </a:r>
-                      <a:endParaRPr b="0" lang="pt-BR" sz="1800" spc="-1" strike="noStrike">
-                        <a:solidFill>
-                          <a:srgbClr val="000000"/>
-                        </a:solidFill>
-                        <a:uFill>
-                          <a:solidFill>
-                            <a:srgbClr val="ffffff"/>
-                          </a:solidFill>
-                        </a:uFill>
-                        <a:latin typeface="Calibri"/>
-                      </a:endParaRPr>
-                    </a:p>
-                  </a:txBody>
-                  <a:tcPr marL="90000" marR="90000">
-                    <a:lnL w="720">
-                      <a:solidFill>
-                        <a:srgbClr val="ffffff"/>
-                      </a:solidFill>
-                    </a:lnL>
-                    <a:lnR w="720">
-                      <a:solidFill>
-                        <a:srgbClr val="ffffff"/>
-                      </a:solidFill>
-                    </a:lnR>
-                    <a:lnT w="720">
-                      <a:solidFill>
-                        <a:srgbClr val="ffffff"/>
-                      </a:solidFill>
-                    </a:lnT>
-                    <a:lnB w="720">
-                      <a:solidFill>
-                        <a:srgbClr val="ffffff"/>
-                      </a:solidFill>
-                    </a:lnB>
-                    <a:solidFill>
-                      <a:srgbClr val="ffffff"/>
-                    </a:solidFill>
-                  </a:tcPr>
-                </a:tc>
-                <a:tc>
-                  <a:txBody>
-                    <a:bodyPr lIns="90000" rIns="90000"/>
-                    <a:p>
-                      <a:pPr>
-                        <a:lnSpc>
-                          <a:spcPct val="100000"/>
-                        </a:lnSpc>
-                      </a:pPr>
-                      <a:r>
-                        <a:rPr b="0" lang="pt-BR" sz="1800" spc="-1" strike="noStrike">
-                          <a:solidFill>
-                            <a:srgbClr val="000000"/>
-                          </a:solidFill>
-                          <a:uFill>
-                            <a:solidFill>
-                              <a:srgbClr val="ffffff"/>
-                            </a:solidFill>
-                          </a:uFill>
-                          <a:latin typeface="Calibri"/>
-                          <a:ea typeface="DejaVu Sans"/>
-                        </a:rPr>
-                        <a:t>Negativo</a:t>
-                      </a:r>
-                      <a:endParaRPr b="0" lang="pt-BR" sz="1800" spc="-1" strike="noStrike">
-                        <a:solidFill>
-                          <a:srgbClr val="000000"/>
-                        </a:solidFill>
-                        <a:uFill>
-                          <a:solidFill>
-                            <a:srgbClr val="ffffff"/>
-                          </a:solidFill>
-                        </a:uFill>
-                        <a:latin typeface="Calibri"/>
-                      </a:endParaRPr>
-                    </a:p>
-                  </a:txBody>
-                  <a:tcPr marL="90000" marR="90000">
-                    <a:lnL w="720">
-                      <a:solidFill>
-                        <a:srgbClr val="ffffff"/>
-                      </a:solidFill>
-                    </a:lnL>
-                    <a:lnR w="720">
-                      <a:solidFill>
-                        <a:srgbClr val="ffffff"/>
-                      </a:solidFill>
-                    </a:lnR>
-                    <a:lnT w="720">
-                      <a:solidFill>
-                        <a:srgbClr val="ffffff"/>
-                      </a:solidFill>
-                    </a:lnT>
-                    <a:lnB w="720">
-                      <a:solidFill>
-                        <a:srgbClr val="ffffff"/>
-                      </a:solidFill>
-                    </a:lnB>
-                    <a:solidFill>
-                      <a:srgbClr val="ffffff"/>
-                    </a:solidFill>
-                  </a:tcPr>
-                </a:tc>
-              </a:tr>
-              <a:tr h="450720">
-                <a:tc>
-                  <a:txBody>
-                    <a:bodyPr lIns="90000" rIns="90000"/>
-                    <a:p>
-                      <a:pPr>
-                        <a:lnSpc>
-                          <a:spcPct val="100000"/>
-                        </a:lnSpc>
-                      </a:pPr>
-                      <a:r>
-                        <a:rPr b="0" lang="pt-BR" sz="1800" spc="-1" strike="noStrike">
-                          <a:solidFill>
-                            <a:srgbClr val="000000"/>
-                          </a:solidFill>
-                          <a:uFill>
-                            <a:solidFill>
-                              <a:srgbClr val="ffffff"/>
-                            </a:solidFill>
-                          </a:uFill>
-                          <a:latin typeface="Calibri"/>
-                          <a:ea typeface="DejaVu Sans"/>
-                        </a:rPr>
-                        <a:t>Análise de Riscos Incompleta</a:t>
-                      </a:r>
-                      <a:endParaRPr b="0" lang="pt-BR" sz="1800" spc="-1" strike="noStrike">
-                        <a:solidFill>
-                          <a:srgbClr val="000000"/>
-                        </a:solidFill>
-                        <a:uFill>
-                          <a:solidFill>
-                            <a:srgbClr val="ffffff"/>
-                          </a:solidFill>
-                        </a:uFill>
-                        <a:latin typeface="Calibri"/>
-                      </a:endParaRPr>
-                    </a:p>
-                  </a:txBody>
-                  <a:tcPr marL="90000" marR="90000">
-                    <a:lnL w="720">
-                      <a:solidFill>
-                        <a:srgbClr val="ffffff"/>
-                      </a:solidFill>
-                    </a:lnL>
-                    <a:lnR w="720">
-                      <a:solidFill>
-                        <a:srgbClr val="ffffff"/>
-                      </a:solidFill>
-                    </a:lnR>
-                    <a:lnT w="720">
-                      <a:solidFill>
-                        <a:srgbClr val="ffffff"/>
-                      </a:solidFill>
-                    </a:lnT>
-                    <a:lnB w="720">
-                      <a:solidFill>
-                        <a:srgbClr val="ffffff"/>
-                      </a:solidFill>
-                    </a:lnB>
-                    <a:solidFill>
-                      <a:srgbClr val="e6e6e6"/>
-                    </a:solidFill>
-                  </a:tcPr>
-                </a:tc>
-                <a:tc>
-                  <a:txBody>
-                    <a:bodyPr lIns="90000" rIns="90000"/>
-                    <a:p>
-                      <a:pPr>
-                        <a:lnSpc>
-                          <a:spcPct val="100000"/>
-                        </a:lnSpc>
-                      </a:pPr>
-                      <a:r>
-                        <a:rPr b="0" lang="pt-BR" sz="1800" spc="-1" strike="noStrike">
-                          <a:solidFill>
-                            <a:srgbClr val="000000"/>
-                          </a:solidFill>
-                          <a:uFill>
-                            <a:solidFill>
-                              <a:srgbClr val="ffffff"/>
-                            </a:solidFill>
-                          </a:uFill>
-                          <a:latin typeface="Calibri"/>
-                          <a:ea typeface="DejaVu Sans"/>
-                        </a:rPr>
-                        <a:t>Negativo</a:t>
-                      </a:r>
-                      <a:endParaRPr b="0" lang="pt-BR" sz="1800" spc="-1" strike="noStrike">
-                        <a:solidFill>
-                          <a:srgbClr val="000000"/>
-                        </a:solidFill>
-                        <a:uFill>
-                          <a:solidFill>
-                            <a:srgbClr val="ffffff"/>
-                          </a:solidFill>
-                        </a:uFill>
-                        <a:latin typeface="Calibri"/>
-                      </a:endParaRPr>
-                    </a:p>
-                  </a:txBody>
-                  <a:tcPr marL="90000" marR="90000">
-                    <a:lnL w="720">
-                      <a:solidFill>
-                        <a:srgbClr val="ffffff"/>
-                      </a:solidFill>
-                    </a:lnL>
-                    <a:lnR w="720">
-                      <a:solidFill>
-                        <a:srgbClr val="ffffff"/>
-                      </a:solidFill>
-                    </a:lnR>
-                    <a:lnT w="720">
-                      <a:solidFill>
-                        <a:srgbClr val="ffffff"/>
-                      </a:solidFill>
-                    </a:lnT>
-                    <a:lnB w="720">
-                      <a:solidFill>
-                        <a:srgbClr val="ffffff"/>
-                      </a:solidFill>
-                    </a:lnB>
-                    <a:solidFill>
-                      <a:srgbClr val="e6e6e6"/>
-                    </a:solidFill>
-                  </a:tcPr>
-                </a:tc>
-              </a:tr>
-            </a:tbl>
-          </a:graphicData>
-        </a:graphic>
-      </p:graphicFrame>
+        </p:nvSpPr>
+        <p:spPr>
+          <a:xfrm>
+            <a:off x="457200" y="1600200"/>
+            <a:ext cx="8226000" cy="4522320"/>
+          </a:xfrm>
+          <a:prstGeom prst="rect">
+            <a:avLst/>
+          </a:prstGeom>
+          <a:noFill/>
+          <a:ln>
+            <a:noFill/>
+          </a:ln>
+        </p:spPr>
+        <p:style>
+          <a:lnRef idx="0"/>
+          <a:fillRef idx="0"/>
+          <a:effectRef idx="0"/>
+          <a:fontRef idx="minor"/>
+        </p:style>
+        <p:txBody>
+          <a:bodyPr lIns="90000" rIns="90000" tIns="45000" bIns="45000"/>
+          <a:p>
+            <a:pPr marL="343080" indent="-339480" algn="just">
+              <a:lnSpc>
+                <a:spcPct val="100000"/>
+              </a:lnSpc>
+              <a:buClr>
+                <a:srgbClr val="000000"/>
+              </a:buClr>
+              <a:buFont typeface="Arial"/>
+              <a:buChar char="•"/>
+            </a:pPr>
+            <a:r>
+              <a:rPr b="0" lang="pt-BR" sz="3200" spc="-1" strike="noStrike">
+                <a:solidFill>
+                  <a:srgbClr val="000000"/>
+                </a:solidFill>
+                <a:uFill>
+                  <a:solidFill>
+                    <a:srgbClr val="ffffff"/>
+                  </a:solidFill>
+                </a:uFill>
+                <a:latin typeface="Calibri"/>
+                <a:ea typeface="DejaVu Sans"/>
+              </a:rPr>
+              <a:t>Módulo web deve operar nos principais browsers atuais.</a:t>
+            </a:r>
+            <a:endParaRPr b="0" lang="pt-BR" sz="1800" spc="-1" strike="noStrike">
+              <a:solidFill>
+                <a:srgbClr val="000000"/>
+              </a:solidFill>
+              <a:uFill>
+                <a:solidFill>
+                  <a:srgbClr val="ffffff"/>
+                </a:solidFill>
+              </a:uFill>
+              <a:latin typeface="Arial"/>
+            </a:endParaRPr>
+          </a:p>
+          <a:p>
+            <a:pPr marL="343080" indent="-339480">
+              <a:lnSpc>
+                <a:spcPct val="100000"/>
+              </a:lnSpc>
+              <a:buClr>
+                <a:srgbClr val="000000"/>
+              </a:buClr>
+              <a:buFont typeface="Arial"/>
+              <a:buChar char="•"/>
+            </a:pPr>
+            <a:r>
+              <a:rPr b="0" lang="pt-BR" sz="3200" spc="-1" strike="noStrike">
+                <a:solidFill>
+                  <a:srgbClr val="000000"/>
+                </a:solidFill>
+                <a:uFill>
+                  <a:solidFill>
+                    <a:srgbClr val="ffffff"/>
+                  </a:solidFill>
+                </a:uFill>
+                <a:latin typeface="Calibri"/>
+                <a:ea typeface="DejaVu Sans"/>
+              </a:rPr>
+              <a:t>Módulo mobile deve operar no sistema operacional </a:t>
+            </a:r>
+            <a:r>
+              <a:rPr b="1" lang="pt-BR" sz="3200" spc="-1" strike="noStrike">
+                <a:solidFill>
+                  <a:srgbClr val="000000"/>
+                </a:solidFill>
+                <a:uFill>
+                  <a:solidFill>
+                    <a:srgbClr val="ffffff"/>
+                  </a:solidFill>
+                </a:uFill>
+                <a:latin typeface="Calibri"/>
+                <a:ea typeface="DejaVu Sans"/>
+              </a:rPr>
+              <a:t>Android</a:t>
+            </a:r>
+            <a:r>
+              <a:rPr b="0" lang="pt-BR" sz="3200" spc="-1" strike="noStrike">
+                <a:solidFill>
+                  <a:srgbClr val="000000"/>
+                </a:solidFill>
+                <a:uFill>
+                  <a:solidFill>
+                    <a:srgbClr val="ffffff"/>
+                  </a:solidFill>
+                </a:uFill>
+                <a:latin typeface="Calibri"/>
+                <a:ea typeface="DejaVu Sans"/>
+              </a:rPr>
+              <a:t>, a partir da versão </a:t>
+            </a:r>
+            <a:r>
+              <a:rPr b="1" lang="pt-BR" sz="3200" spc="-1" strike="noStrike">
+                <a:solidFill>
+                  <a:srgbClr val="000000"/>
+                </a:solidFill>
+                <a:uFill>
+                  <a:solidFill>
+                    <a:srgbClr val="ffffff"/>
+                  </a:solidFill>
+                </a:uFill>
+                <a:latin typeface="Calibri"/>
+                <a:ea typeface="DejaVu Sans"/>
+              </a:rPr>
+              <a:t>5.0</a:t>
+            </a:r>
+            <a:endParaRPr b="0" lang="pt-BR" sz="1800" spc="-1" strike="noStrike">
+              <a:solidFill>
+                <a:srgbClr val="000000"/>
+              </a:solidFill>
+              <a:uFill>
+                <a:solidFill>
+                  <a:srgbClr val="ffffff"/>
+                </a:solidFill>
+              </a:uFill>
+              <a:latin typeface="Arial"/>
+            </a:endParaRPr>
+          </a:p>
+          <a:p>
+            <a:pPr marL="84600">
+              <a:lnSpc>
+                <a:spcPct val="100000"/>
+              </a:lnSpc>
+            </a:pPr>
+            <a:endParaRPr b="0" lang="pt-BR" sz="1800" spc="-1" strike="noStrike">
+              <a:solidFill>
+                <a:srgbClr val="000000"/>
+              </a:solidFill>
+              <a:uFill>
+                <a:solidFill>
+                  <a:srgbClr val="ffffff"/>
+                </a:solidFill>
+              </a:uFill>
+              <a:latin typeface="Arial"/>
+            </a:endParaRPr>
+          </a:p>
+        </p:txBody>
+      </p:sp>
     </p:spTree>
   </p:cSld>
   <p:timing>
@@ -9803,7 +11370,7 @@
         <p:spPr>
           <a:xfrm>
             <a:off x="457200" y="274680"/>
-            <a:ext cx="8226720" cy="1140120"/>
+            <a:ext cx="8226000" cy="1139400"/>
           </a:xfrm>
           <a:prstGeom prst="rect">
             <a:avLst/>
@@ -9863,18 +11430,18 @@
           <p:nvPr/>
         </p:nvGraphicFramePr>
         <p:xfrm>
-          <a:off x="452520" y="1235160"/>
-          <a:ext cx="8219520" cy="5079960"/>
+          <a:off x="432000" y="1368000"/>
+          <a:ext cx="8272440" cy="4484160"/>
         </p:xfrm>
         <a:graphic>
           <a:graphicData uri="http://schemas.openxmlformats.org/drawingml/2006/table">
             <a:tbl>
               <a:tblPr/>
               <a:tblGrid>
-                <a:gridCol w="5029200"/>
-                <a:gridCol w="3190680"/>
+                <a:gridCol w="5080320"/>
+                <a:gridCol w="3192480"/>
               </a:tblGrid>
-              <a:tr h="725760">
+              <a:tr h="654480">
                 <a:tc>
                   <a:txBody>
                     <a:bodyPr lIns="90000" rIns="90000"/>
@@ -9894,7 +11461,7 @@
                               <a:srgbClr val="ffffff"/>
                             </a:solidFill>
                           </a:uFill>
-                          <a:latin typeface="Calibri"/>
+                          <a:latin typeface="Arial"/>
                           <a:ea typeface="DejaVu Sans"/>
                         </a:rPr>
                         <a:t>Descrição de Risco</a:t>
@@ -9957,7 +11524,7 @@
                               <a:srgbClr val="ffffff"/>
                             </a:solidFill>
                           </a:uFill>
-                          <a:latin typeface="Calibri"/>
+                          <a:latin typeface="Arial"/>
                           <a:ea typeface="DejaVu Sans"/>
                         </a:rPr>
                         <a:t>Efeito</a:t>
@@ -10002,7 +11569,7 @@
                   </a:tcPr>
                 </a:tc>
               </a:tr>
-              <a:tr h="725760">
+              <a:tr h="783360">
                 <a:tc>
                   <a:txBody>
                     <a:bodyPr lIns="90000" rIns="90000"/>
@@ -10018,9 +11585,8 @@
                             </a:solidFill>
                           </a:uFill>
                           <a:latin typeface="Calibri"/>
-                          <a:ea typeface="DejaVu Sans"/>
                         </a:rPr>
-                        <a:t>Capacidade técnica da equipe insuficiente para desenvolviemento ou continuação do projeto</a:t>
+                        <a:t>Atraso no desenvolvimento e finalização da Iteração</a:t>
                       </a:r>
                       <a:endParaRPr b="0" lang="pt-BR" sz="1800" spc="-1" strike="noStrike">
                         <a:solidFill>
@@ -10125,7 +11691,7 @@
                   </a:tcPr>
                 </a:tc>
               </a:tr>
-              <a:tr h="725760">
+              <a:tr h="464760">
                 <a:tc>
                   <a:txBody>
                     <a:bodyPr lIns="90000" rIns="90000"/>
@@ -10141,9 +11707,8 @@
                             </a:solidFill>
                           </a:uFill>
                           <a:latin typeface="Calibri"/>
-                          <a:ea typeface="DejaVu Sans"/>
                         </a:rPr>
-                        <a:t>Afastamento de Membro de Equipe</a:t>
+                        <a:t>Falha do Planejamento Inicial do Projeto</a:t>
                       </a:r>
                       <a:endParaRPr b="0" lang="pt-BR" sz="1800" spc="-1" strike="noStrike">
                         <a:solidFill>
@@ -10248,7 +11813,7 @@
                   </a:tcPr>
                 </a:tc>
               </a:tr>
-              <a:tr h="725760">
+              <a:tr h="449280">
                 <a:tc>
                   <a:txBody>
                     <a:bodyPr lIns="90000" rIns="90000"/>
@@ -10264,9 +11829,250 @@
                             </a:solidFill>
                           </a:uFill>
                           <a:latin typeface="Calibri"/>
-                          <a:ea typeface="DejaVu Sans"/>
                         </a:rPr>
-                        <a:t>Dificuldade de Comunicação entre Membros da Equipe</a:t>
+                        <a:t>Análise de Riscos Incompleta</a:t>
+                      </a:r>
+                      <a:endParaRPr b="0" lang="pt-BR" sz="1800" spc="-1" strike="noStrike">
+                        <a:solidFill>
+                          <a:srgbClr val="000000"/>
+                        </a:solidFill>
+                        <a:uFill>
+                          <a:solidFill>
+                            <a:srgbClr val="ffffff"/>
+                          </a:solidFill>
+                        </a:uFill>
+                        <a:latin typeface="Arial"/>
+                      </a:endParaRPr>
+                    </a:p>
+                  </a:txBody>
+                  <a:tcPr marL="90000" marR="90000">
+                    <a:lnL w="720">
+                      <a:solidFill>
+                        <a:srgbClr val="ffffff"/>
+                      </a:solidFill>
+                    </a:lnL>
+                    <a:lnR w="720">
+                      <a:solidFill>
+                        <a:srgbClr val="ffffff"/>
+                      </a:solidFill>
+                    </a:lnR>
+                    <a:lnT w="720">
+                      <a:solidFill>
+                        <a:srgbClr val="ffffff"/>
+                      </a:solidFill>
+                    </a:lnT>
+                    <a:lnB w="720">
+                      <a:solidFill>
+                        <a:srgbClr val="ffffff"/>
+                      </a:solidFill>
+                    </a:lnB>
+                    <a:solidFill>
+                      <a:srgbClr val="e6e6e6"/>
+                    </a:solidFill>
+                  </a:tcPr>
+                </a:tc>
+                <a:tc>
+                  <a:txBody>
+                    <a:bodyPr lIns="90000" rIns="90000"/>
+                    <a:p>
+                      <a:r>
+                        <a:rPr b="0" lang="pt-BR" sz="1800" spc="-1" strike="noStrike">
+                          <a:solidFill>
+                            <a:srgbClr val="000000"/>
+                          </a:solidFill>
+                          <a:uFill>
+                            <a:solidFill>
+                              <a:srgbClr val="ffffff"/>
+                            </a:solidFill>
+                          </a:uFill>
+                          <a:latin typeface="Calibri"/>
+                        </a:rPr>
+                        <a:t>Negativo</a:t>
+                      </a:r>
+                      <a:endParaRPr b="0" lang="pt-BR" sz="1800" spc="-1" strike="noStrike">
+                        <a:solidFill>
+                          <a:srgbClr val="000000"/>
+                        </a:solidFill>
+                        <a:uFill>
+                          <a:solidFill>
+                            <a:srgbClr val="ffffff"/>
+                          </a:solidFill>
+                        </a:uFill>
+                        <a:latin typeface="Arial"/>
+                      </a:endParaRPr>
+                    </a:p>
+                  </a:txBody>
+                  <a:tcPr marL="90000" marR="90000">
+                    <a:lnL w="720">
+                      <a:solidFill>
+                        <a:srgbClr val="ffffff"/>
+                      </a:solidFill>
+                    </a:lnL>
+                    <a:lnR w="720">
+                      <a:solidFill>
+                        <a:srgbClr val="ffffff"/>
+                      </a:solidFill>
+                    </a:lnR>
+                    <a:lnT w="720">
+                      <a:solidFill>
+                        <a:srgbClr val="ffffff"/>
+                      </a:solidFill>
+                    </a:lnT>
+                    <a:lnB w="720">
+                      <a:solidFill>
+                        <a:srgbClr val="ffffff"/>
+                      </a:solidFill>
+                    </a:lnB>
+                    <a:solidFill>
+                      <a:srgbClr val="e6e6e6"/>
+                    </a:solidFill>
+                  </a:tcPr>
+                </a:tc>
+              </a:tr>
+              <a:tr h="783360">
+                <a:tc>
+                  <a:txBody>
+                    <a:bodyPr lIns="90000" rIns="90000"/>
+                    <a:p>
+                      <a:pPr>
+                        <a:lnSpc>
+                          <a:spcPct val="100000"/>
+                        </a:lnSpc>
+                      </a:pPr>
+                      <a:r>
+                        <a:rPr b="0" lang="pt-BR" sz="1800" spc="-1" strike="noStrike">
+                          <a:solidFill>
+                            <a:srgbClr val="000000"/>
+                          </a:solidFill>
+                          <a:uFill>
+                            <a:solidFill>
+                              <a:srgbClr val="ffffff"/>
+                            </a:solidFill>
+                          </a:uFill>
+                          <a:latin typeface="Calibri"/>
+                        </a:rPr>
+                        <a:t>Surgimento de Bugs em Release Disponibilizada ao Cliente</a:t>
+                      </a:r>
+                      <a:endParaRPr b="0" lang="pt-BR" sz="1800" spc="-1" strike="noStrike">
+                        <a:solidFill>
+                          <a:srgbClr val="000000"/>
+                        </a:solidFill>
+                        <a:uFill>
+                          <a:solidFill>
+                            <a:srgbClr val="ffffff"/>
+                          </a:solidFill>
+                        </a:uFill>
+                        <a:latin typeface="Arial"/>
+                      </a:endParaRPr>
+                    </a:p>
+                  </a:txBody>
+                  <a:tcPr marL="90000" marR="90000">
+                    <a:lnL w="720">
+                      <a:solidFill>
+                        <a:srgbClr val="ffffff"/>
+                      </a:solidFill>
+                    </a:lnL>
+                    <a:lnR w="720">
+                      <a:solidFill>
+                        <a:srgbClr val="ffffff"/>
+                      </a:solidFill>
+                    </a:lnR>
+                    <a:lnT w="720">
+                      <a:solidFill>
+                        <a:srgbClr val="ffffff"/>
+                      </a:solidFill>
+                    </a:lnT>
+                    <a:lnB w="720">
+                      <a:solidFill>
+                        <a:srgbClr val="ffffff"/>
+                      </a:solidFill>
+                    </a:lnB>
+                    <a:solidFill>
+                      <a:srgbClr val="ffffff"/>
+                    </a:solidFill>
+                  </a:tcPr>
+                </a:tc>
+                <a:tc>
+                  <a:txBody>
+                    <a:bodyPr lIns="90000" rIns="90000"/>
+                    <a:p>
+                      <a:pPr>
+                        <a:lnSpc>
+                          <a:spcPct val="100000"/>
+                        </a:lnSpc>
+                      </a:pPr>
+                      <a:r>
+                        <a:rPr b="0" lang="pt-BR" sz="1800" spc="-1" strike="noStrike">
+                          <a:solidFill>
+                            <a:srgbClr val="000000"/>
+                          </a:solidFill>
+                          <a:uFill>
+                            <a:solidFill>
+                              <a:srgbClr val="ffffff"/>
+                            </a:solidFill>
+                          </a:uFill>
+                          <a:latin typeface="Calibri"/>
+                        </a:rPr>
+                        <a:t>Negativo</a:t>
+                      </a:r>
+                      <a:endParaRPr b="0" lang="pt-BR" sz="1800" spc="-1" strike="noStrike">
+                        <a:solidFill>
+                          <a:srgbClr val="000000"/>
+                        </a:solidFill>
+                        <a:uFill>
+                          <a:solidFill>
+                            <a:srgbClr val="ffffff"/>
+                          </a:solidFill>
+                        </a:uFill>
+                        <a:latin typeface="Arial"/>
+                      </a:endParaRPr>
+                    </a:p>
+                  </a:txBody>
+                  <a:tcPr marL="90000" marR="90000">
+                    <a:lnL w="720">
+                      <a:solidFill>
+                        <a:srgbClr val="ffffff"/>
+                      </a:solidFill>
+                    </a:lnL>
+                    <a:lnR w="720">
+                      <a:solidFill>
+                        <a:srgbClr val="ffffff"/>
+                      </a:solidFill>
+                    </a:lnR>
+                    <a:lnT w="720">
+                      <a:solidFill>
+                        <a:srgbClr val="ffffff"/>
+                      </a:solidFill>
+                    </a:lnT>
+                    <a:lnB w="720">
+                      <a:solidFill>
+                        <a:srgbClr val="ffffff"/>
+                      </a:solidFill>
+                    </a:lnB>
+                    <a:solidFill>
+                      <a:srgbClr val="ffffff"/>
+                    </a:solidFill>
+                  </a:tcPr>
+                </a:tc>
+              </a:tr>
+              <a:tr h="449280">
+                <a:tc>
+                  <a:txBody>
+                    <a:bodyPr lIns="90000" rIns="90000"/>
+                    <a:p>
+                      <a:r>
+                        <a:rPr b="0" lang="pt-BR" sz="1800" spc="-1" strike="noStrike">
+                          <a:solidFill>
+                            <a:srgbClr val="000000"/>
+                          </a:solidFill>
+                          <a:uFill>
+                            <a:solidFill>
+                              <a:srgbClr val="ffffff"/>
+                            </a:solidFill>
+                          </a:uFill>
+                          <a:latin typeface="Calibri"/>
+                        </a:rPr>
+                        <a:t>Indisponibilidade do Cliente</a:t>
                       </a:r>
                       <a:endParaRPr b="0" lang="pt-BR" sz="1800" spc="-1" strike="noStrike">
                         <a:solidFill>
@@ -10327,7 +12133,6 @@
                             </a:solidFill>
                           </a:uFill>
                           <a:latin typeface="Calibri"/>
-                          <a:ea typeface="DejaVu Sans"/>
                         </a:rPr>
                         <a:t>Negativo</a:t>
                       </a:r>
@@ -10371,16 +12176,11 @@
                   </a:tcPr>
                 </a:tc>
               </a:tr>
-              <a:tr h="725760">
+              <a:tr h="449280">
                 <a:tc>
                   <a:txBody>
                     <a:bodyPr lIns="90000" rIns="90000"/>
                     <a:p>
-                      <a:pPr>
-                        <a:lnSpc>
-                          <a:spcPct val="100000"/>
-                        </a:lnSpc>
-                      </a:pPr>
                       <a:r>
                         <a:rPr b="0" lang="pt-BR" sz="1800" spc="-1" strike="noStrike">
                           <a:solidFill>
@@ -10394,7 +12194,7 @@
                           <a:latin typeface="Calibri"/>
                           <a:ea typeface="DejaVu Sans"/>
                         </a:rPr>
-                        <a:t>Afastamento de Membro de Equipe</a:t>
+                        <a:t>Mudança de Requisitos</a:t>
                       </a:r>
                       <a:endParaRPr b="0" lang="pt-BR" sz="1800" spc="-1" strike="noStrike">
                         <a:solidFill>
@@ -10499,11 +12299,16 @@
                   </a:tcPr>
                 </a:tc>
               </a:tr>
-              <a:tr h="725760">
+              <a:tr h="450720">
                 <a:tc>
                   <a:txBody>
                     <a:bodyPr lIns="90000" rIns="90000"/>
                     <a:p>
+                      <a:pPr>
+                        <a:lnSpc>
+                          <a:spcPct val="100000"/>
+                        </a:lnSpc>
+                      </a:pPr>
                       <a:r>
                         <a:rPr b="0" lang="pt-BR" sz="1800" spc="-1" strike="noStrike">
                           <a:solidFill>
@@ -10517,7 +12322,7 @@
                           <a:latin typeface="Calibri"/>
                           <a:ea typeface="DejaVu Sans"/>
                         </a:rPr>
-                        <a:t>Dificuldade no acesso a ferramentas utilizadas</a:t>
+                        <a:t>Análise de Riscos Incompleta</a:t>
                       </a:r>
                       <a:endParaRPr b="0" lang="pt-BR" sz="1800" spc="-1" strike="noStrike">
                         <a:solidFill>
@@ -10622,15 +12427,153 @@
                   </a:tcPr>
                 </a:tc>
               </a:tr>
-              <a:tr h="725760">
+            </a:tbl>
+          </a:graphicData>
+        </a:graphic>
+      </p:graphicFrame>
+    </p:spTree>
+  </p:cSld>
+  <p:timing>
+    <p:tnLst>
+      <p:par>
+        <p:cTn id="29" dur="indefinite" restart="never" nodeType="tmRoot">
+          <p:childTnLst>
+            <p:seq>
+              <p:cTn id="30" nodeType="mainSeq"/>
+              <p:prevCondLst>
+                <p:cond delay="0" evt="onPrev">
+                  <p:tgtEl>
+                    <p:sldTgt/>
+                  </p:tgtEl>
+                </p:cond>
+              </p:prevCondLst>
+              <p:nextCondLst>
+                <p:cond delay="0" evt="onNext">
+                  <p:tgtEl>
+                    <p:sldTgt/>
+                  </p:tgtEl>
+                </p:cond>
+              </p:nextCondLst>
+            </p:seq>
+          </p:childTnLst>
+        </p:cTn>
+      </p:par>
+    </p:tnLst>
+  </p:timing>
+</p:sld>
+</file>
+
+<file path=ppt/slides/slide16.xml><?xml version="1.0" encoding="utf-8"?>
+<p:sld xmlns:a="http://schemas.openxmlformats.org/drawingml/2006/main" xmlns:p="http://schemas.openxmlformats.org/presentationml/2006/main" xmlns:r="http://schemas.openxmlformats.org/officeDocument/2006/relationships" xmlns:p14="http://schemas.microsoft.com/office/powerpoint/2010/main" xmlns:p15="http://schemas.microsoft.com/office/powerpoint/2012/main" xmlns:mc="http://schemas.openxmlformats.org/markup-compatibility/2006">
+  <p:cSld>
+    <p:spTree>
+      <p:nvGrpSpPr>
+        <p:cNvPr id="1" name=""/>
+        <p:cNvGrpSpPr/>
+        <p:nvPr/>
+      </p:nvGrpSpPr>
+      <p:grpSpPr>
+        <a:xfrm>
+          <a:off x="0" y="0"/>
+          <a:ext cx="0" cy="0"/>
+          <a:chOff x="0" y="0"/>
+          <a:chExt cx="0" cy="0"/>
+        </a:xfrm>
+      </p:grpSpPr>
+      <p:sp>
+        <p:nvSpPr>
+          <p:cNvPr id="143" name="CustomShape 1"/>
+          <p:cNvSpPr/>
+          <p:nvPr/>
+        </p:nvSpPr>
+        <p:spPr>
+          <a:xfrm>
+            <a:off x="457200" y="274680"/>
+            <a:ext cx="8226000" cy="1139400"/>
+          </a:xfrm>
+          <a:prstGeom prst="rect">
+            <a:avLst/>
+          </a:prstGeom>
+          <a:noFill/>
+          <a:ln>
+            <a:noFill/>
+          </a:ln>
+        </p:spPr>
+        <p:style>
+          <a:lnRef idx="0"/>
+          <a:fillRef idx="0"/>
+          <a:effectRef idx="0"/>
+          <a:fontRef idx="minor"/>
+        </p:style>
+        <p:txBody>
+          <a:bodyPr lIns="90000" rIns="90000" tIns="45000" bIns="45000" anchor="ctr"/>
+          <a:p>
+            <a:pPr algn="ctr">
+              <a:lnSpc>
+                <a:spcPct val="100000"/>
+              </a:lnSpc>
+            </a:pPr>
+            <a:r>
+              <a:rPr b="0" lang="pt-BR" sz="4400" spc="-1" strike="noStrike">
+                <a:solidFill>
+                  <a:srgbClr val="000000"/>
+                </a:solidFill>
+                <a:uFill>
+                  <a:solidFill>
+                    <a:srgbClr val="ffffff"/>
+                  </a:solidFill>
+                </a:uFill>
+                <a:latin typeface="Calibri"/>
+                <a:ea typeface="DejaVu Sans"/>
+              </a:rPr>
+              <a:t>Riscos</a:t>
+            </a:r>
+            <a:endParaRPr b="0" lang="pt-BR" sz="1800" spc="-1" strike="noStrike">
+              <a:solidFill>
+                <a:srgbClr val="000000"/>
+              </a:solidFill>
+              <a:uFill>
+                <a:solidFill>
+                  <a:srgbClr val="ffffff"/>
+                </a:solidFill>
+              </a:uFill>
+              <a:latin typeface="Arial"/>
+            </a:endParaRPr>
+          </a:p>
+        </p:txBody>
+      </p:sp>
+      <p:graphicFrame>
+        <p:nvGraphicFramePr>
+          <p:cNvPr id="144" name="Table 2"/>
+          <p:cNvGraphicFramePr/>
+          <p:nvPr/>
+        </p:nvGraphicFramePr>
+        <p:xfrm>
+          <a:off x="452520" y="1235160"/>
+          <a:ext cx="8219520" cy="3159000"/>
+        </p:xfrm>
+        <a:graphic>
+          <a:graphicData uri="http://schemas.openxmlformats.org/drawingml/2006/table">
+            <a:tbl>
+              <a:tblPr/>
+              <a:tblGrid>
+                <a:gridCol w="5029200"/>
+                <a:gridCol w="3190680"/>
+              </a:tblGrid>
+              <a:tr h="446760">
                 <a:tc>
                   <a:txBody>
                     <a:bodyPr lIns="90000" rIns="90000"/>
                     <a:p>
+                      <a:pPr algn="ctr">
+                        <a:lnSpc>
+                          <a:spcPct val="100000"/>
+                        </a:lnSpc>
+                      </a:pPr>
                       <a:r>
-                        <a:rPr b="0" lang="pt-BR" sz="1800" spc="-1" strike="noStrike">
-                          <a:solidFill>
-                            <a:srgbClr val="000000"/>
+                        <a:rPr b="0" lang="pt-BR" sz="2400" spc="-1" strike="noStrike">
+                          <a:solidFill>
+                            <a:srgbClr val="ffffff"/>
                           </a:solidFill>
                           <a:uFill>
                             <a:solidFill>
@@ -10640,7 +12583,253 @@
                           <a:latin typeface="Calibri"/>
                           <a:ea typeface="DejaVu Sans"/>
                         </a:rPr>
-                        <a:t>Problema de relacionamento entre membros da equipe</a:t>
+                        <a:t>Descrição de Risco</a:t>
+                      </a:r>
+                      <a:endParaRPr b="0" lang="pt-BR" sz="1800" spc="-1" strike="noStrike">
+                        <a:solidFill>
+                          <a:srgbClr val="000000"/>
+                        </a:solidFill>
+                        <a:uFill>
+                          <a:solidFill>
+                            <a:srgbClr val="ffffff"/>
+                          </a:solidFill>
+                        </a:uFill>
+                        <a:latin typeface="Arial"/>
+                      </a:endParaRPr>
+                    </a:p>
+                  </a:txBody>
+                  <a:tcPr marL="90000" marR="90000">
+                    <a:lnL w="720">
+                      <a:solidFill>
+                        <a:srgbClr val="ffffff"/>
+                      </a:solidFill>
+                    </a:lnL>
+                    <a:lnR w="720">
+                      <a:solidFill>
+                        <a:srgbClr val="ffffff"/>
+                      </a:solidFill>
+                    </a:lnR>
+                    <a:lnT w="720">
+                      <a:solidFill>
+                        <a:srgbClr val="ffffff"/>
+                      </a:solidFill>
+                    </a:lnT>
+                    <a:lnB w="720">
+                      <a:solidFill>
+                        <a:srgbClr val="ffffff"/>
+                      </a:solidFill>
+                    </a:lnB>
+                    <a:solidFill>
+                      <a:srgbClr val="000000"/>
+                    </a:solidFill>
+                  </a:tcPr>
+                </a:tc>
+                <a:tc>
+                  <a:txBody>
+                    <a:bodyPr lIns="90000" rIns="90000"/>
+                    <a:p>
+                      <a:pPr algn="ctr">
+                        <a:lnSpc>
+                          <a:spcPct val="100000"/>
+                        </a:lnSpc>
+                      </a:pPr>
+                      <a:r>
+                        <a:rPr b="0" lang="pt-BR" sz="2400" spc="-1" strike="noStrike">
+                          <a:solidFill>
+                            <a:srgbClr val="ffffff"/>
+                          </a:solidFill>
+                          <a:uFill>
+                            <a:solidFill>
+                              <a:srgbClr val="ffffff"/>
+                            </a:solidFill>
+                          </a:uFill>
+                          <a:latin typeface="Calibri"/>
+                          <a:ea typeface="DejaVu Sans"/>
+                        </a:rPr>
+                        <a:t>Efeito</a:t>
+                      </a:r>
+                      <a:endParaRPr b="0" lang="pt-BR" sz="1800" spc="-1" strike="noStrike">
+                        <a:solidFill>
+                          <a:srgbClr val="000000"/>
+                        </a:solidFill>
+                        <a:uFill>
+                          <a:solidFill>
+                            <a:srgbClr val="ffffff"/>
+                          </a:solidFill>
+                        </a:uFill>
+                        <a:latin typeface="Arial"/>
+                      </a:endParaRPr>
+                    </a:p>
+                  </a:txBody>
+                  <a:tcPr marL="90000" marR="90000">
+                    <a:lnL w="720">
+                      <a:solidFill>
+                        <a:srgbClr val="ffffff"/>
+                      </a:solidFill>
+                    </a:lnL>
+                    <a:lnR w="720">
+                      <a:solidFill>
+                        <a:srgbClr val="ffffff"/>
+                      </a:solidFill>
+                    </a:lnR>
+                    <a:lnT w="720">
+                      <a:solidFill>
+                        <a:srgbClr val="ffffff"/>
+                      </a:solidFill>
+                    </a:lnT>
+                    <a:lnB w="720">
+                      <a:solidFill>
+                        <a:srgbClr val="ffffff"/>
+                      </a:solidFill>
+                    </a:lnB>
+                    <a:solidFill>
+                      <a:srgbClr val="000000"/>
+                    </a:solidFill>
+                  </a:tcPr>
+                </a:tc>
+              </a:tr>
+              <a:tr h="887760">
+                <a:tc>
+                  <a:txBody>
+                    <a:bodyPr lIns="90000" rIns="90000"/>
+                    <a:p>
+                      <a:r>
+                        <a:rPr b="0" lang="pt-BR" sz="1800" spc="-1" strike="noStrike">
+                          <a:solidFill>
+                            <a:srgbClr val="000000"/>
+                          </a:solidFill>
+                          <a:uFill>
+                            <a:solidFill>
+                              <a:srgbClr val="ffffff"/>
+                            </a:solidFill>
+                          </a:uFill>
+                          <a:latin typeface="Calibri"/>
+                          <a:ea typeface="DejaVu Sans"/>
+                        </a:rPr>
+                        <a:t>Capacidade técnica da equipe insuficiente para desenvolviemento ou continuação do projeto</a:t>
+                      </a:r>
+                      <a:endParaRPr b="0" lang="pt-BR" sz="1800" spc="-1" strike="noStrike">
+                        <a:solidFill>
+                          <a:srgbClr val="000000"/>
+                        </a:solidFill>
+                        <a:uFill>
+                          <a:solidFill>
+                            <a:srgbClr val="ffffff"/>
+                          </a:solidFill>
+                        </a:uFill>
+                        <a:latin typeface="Arial"/>
+                      </a:endParaRPr>
+                    </a:p>
+                  </a:txBody>
+                  <a:tcPr marL="90000" marR="90000">
+                    <a:lnL w="720">
+                      <a:solidFill>
+                        <a:srgbClr val="ffffff"/>
+                      </a:solidFill>
+                    </a:lnL>
+                    <a:lnR w="720">
+                      <a:solidFill>
+                        <a:srgbClr val="ffffff"/>
+                      </a:solidFill>
+                    </a:lnR>
+                    <a:lnT w="720">
+                      <a:solidFill>
+                        <a:srgbClr val="ffffff"/>
+                      </a:solidFill>
+                    </a:lnT>
+                    <a:lnB w="720">
+                      <a:solidFill>
+                        <a:srgbClr val="ffffff"/>
+                      </a:solidFill>
+                    </a:lnB>
+                    <a:solidFill>
+                      <a:srgbClr val="e6e6e6"/>
+                    </a:solidFill>
+                  </a:tcPr>
+                </a:tc>
+                <a:tc>
+                  <a:txBody>
+                    <a:bodyPr lIns="90000" rIns="90000"/>
+                    <a:p>
+                      <a:pPr>
+                        <a:lnSpc>
+                          <a:spcPct val="100000"/>
+                        </a:lnSpc>
+                      </a:pPr>
+                      <a:r>
+                        <a:rPr b="0" lang="pt-BR" sz="1800" spc="-1" strike="noStrike">
+                          <a:solidFill>
+                            <a:srgbClr val="000000"/>
+                          </a:solidFill>
+                          <a:uFill>
+                            <a:solidFill>
+                              <a:srgbClr val="ffffff"/>
+                            </a:solidFill>
+                          </a:uFill>
+                          <a:latin typeface="Calibri"/>
+                          <a:ea typeface="DejaVu Sans"/>
+                        </a:rPr>
+                        <a:t>Negativo</a:t>
+                      </a:r>
+                      <a:endParaRPr b="0" lang="pt-BR" sz="1800" spc="-1" strike="noStrike">
+                        <a:solidFill>
+                          <a:srgbClr val="000000"/>
+                        </a:solidFill>
+                        <a:uFill>
+                          <a:solidFill>
+                            <a:srgbClr val="ffffff"/>
+                          </a:solidFill>
+                        </a:uFill>
+                        <a:latin typeface="Arial"/>
+                      </a:endParaRPr>
+                    </a:p>
+                  </a:txBody>
+                  <a:tcPr marL="90000" marR="90000">
+                    <a:lnL w="720">
+                      <a:solidFill>
+                        <a:srgbClr val="ffffff"/>
+                      </a:solidFill>
+                    </a:lnL>
+                    <a:lnR w="720">
+                      <a:solidFill>
+                        <a:srgbClr val="ffffff"/>
+                      </a:solidFill>
+                    </a:lnR>
+                    <a:lnT w="720">
+                      <a:solidFill>
+                        <a:srgbClr val="ffffff"/>
+                      </a:solidFill>
+                    </a:lnT>
+                    <a:lnB w="720">
+                      <a:solidFill>
+                        <a:srgbClr val="ffffff"/>
+                      </a:solidFill>
+                    </a:lnB>
+                    <a:solidFill>
+                      <a:srgbClr val="e6e6e6"/>
+                    </a:solidFill>
+                  </a:tcPr>
+                </a:tc>
+              </a:tr>
+              <a:tr h="357120">
+                <a:tc>
+                  <a:txBody>
+                    <a:bodyPr lIns="90000" rIns="90000"/>
+                    <a:p>
+                      <a:r>
+                        <a:rPr b="0" lang="pt-BR" sz="1800" spc="-1" strike="noStrike">
+                          <a:solidFill>
+                            <a:srgbClr val="000000"/>
+                          </a:solidFill>
+                          <a:uFill>
+                            <a:solidFill>
+                              <a:srgbClr val="ffffff"/>
+                            </a:solidFill>
+                          </a:uFill>
+                          <a:latin typeface="Calibri"/>
+                          <a:ea typeface="DejaVu Sans"/>
+                        </a:rPr>
+                        <a:t>Afastamento de Membro de Equipe</a:t>
                       </a:r>
                       <a:endParaRPr b="0" lang="pt-BR" sz="1800" spc="-1" strike="noStrike">
                         <a:solidFill>
@@ -10745,6 +12934,503 @@
                   </a:tcPr>
                 </a:tc>
               </a:tr>
+              <a:tr h="622440">
+                <a:tc>
+                  <a:txBody>
+                    <a:bodyPr lIns="90000" rIns="90000"/>
+                    <a:p>
+                      <a:r>
+                        <a:rPr b="0" lang="pt-BR" sz="1800" spc="-1" strike="noStrike">
+                          <a:solidFill>
+                            <a:srgbClr val="000000"/>
+                          </a:solidFill>
+                          <a:uFill>
+                            <a:solidFill>
+                              <a:srgbClr val="ffffff"/>
+                            </a:solidFill>
+                          </a:uFill>
+                          <a:latin typeface="Calibri"/>
+                          <a:ea typeface="DejaVu Sans"/>
+                        </a:rPr>
+                        <a:t>Dificuldade de Comunicação entre Membros da Equipe</a:t>
+                      </a:r>
+                      <a:endParaRPr b="0" lang="pt-BR" sz="1800" spc="-1" strike="noStrike">
+                        <a:solidFill>
+                          <a:srgbClr val="000000"/>
+                        </a:solidFill>
+                        <a:uFill>
+                          <a:solidFill>
+                            <a:srgbClr val="ffffff"/>
+                          </a:solidFill>
+                        </a:uFill>
+                        <a:latin typeface="Arial"/>
+                      </a:endParaRPr>
+                    </a:p>
+                  </a:txBody>
+                  <a:tcPr marL="90000" marR="90000">
+                    <a:lnL w="720">
+                      <a:solidFill>
+                        <a:srgbClr val="ffffff"/>
+                      </a:solidFill>
+                    </a:lnL>
+                    <a:lnR w="720">
+                      <a:solidFill>
+                        <a:srgbClr val="ffffff"/>
+                      </a:solidFill>
+                    </a:lnR>
+                    <a:lnT w="720">
+                      <a:solidFill>
+                        <a:srgbClr val="ffffff"/>
+                      </a:solidFill>
+                    </a:lnT>
+                    <a:lnB w="720">
+                      <a:solidFill>
+                        <a:srgbClr val="ffffff"/>
+                      </a:solidFill>
+                    </a:lnB>
+                    <a:solidFill>
+                      <a:srgbClr val="e6e6e6"/>
+                    </a:solidFill>
+                  </a:tcPr>
+                </a:tc>
+                <a:tc>
+                  <a:txBody>
+                    <a:bodyPr lIns="90000" rIns="90000"/>
+                    <a:p>
+                      <a:pPr>
+                        <a:lnSpc>
+                          <a:spcPct val="100000"/>
+                        </a:lnSpc>
+                      </a:pPr>
+                      <a:r>
+                        <a:rPr b="0" lang="pt-BR" sz="1800" spc="-1" strike="noStrike">
+                          <a:solidFill>
+                            <a:srgbClr val="000000"/>
+                          </a:solidFill>
+                          <a:uFill>
+                            <a:solidFill>
+                              <a:srgbClr val="ffffff"/>
+                            </a:solidFill>
+                          </a:uFill>
+                          <a:latin typeface="Calibri"/>
+                          <a:ea typeface="DejaVu Sans"/>
+                        </a:rPr>
+                        <a:t>Negativo</a:t>
+                      </a:r>
+                      <a:endParaRPr b="0" lang="pt-BR" sz="1800" spc="-1" strike="noStrike">
+                        <a:solidFill>
+                          <a:srgbClr val="000000"/>
+                        </a:solidFill>
+                        <a:uFill>
+                          <a:solidFill>
+                            <a:srgbClr val="ffffff"/>
+                          </a:solidFill>
+                        </a:uFill>
+                        <a:latin typeface="Arial"/>
+                      </a:endParaRPr>
+                    </a:p>
+                  </a:txBody>
+                  <a:tcPr marL="90000" marR="90000">
+                    <a:lnL w="720">
+                      <a:solidFill>
+                        <a:srgbClr val="ffffff"/>
+                      </a:solidFill>
+                    </a:lnL>
+                    <a:lnR w="720">
+                      <a:solidFill>
+                        <a:srgbClr val="ffffff"/>
+                      </a:solidFill>
+                    </a:lnR>
+                    <a:lnT w="720">
+                      <a:solidFill>
+                        <a:srgbClr val="ffffff"/>
+                      </a:solidFill>
+                    </a:lnT>
+                    <a:lnB w="720">
+                      <a:solidFill>
+                        <a:srgbClr val="ffffff"/>
+                      </a:solidFill>
+                    </a:lnB>
+                    <a:solidFill>
+                      <a:srgbClr val="e6e6e6"/>
+                    </a:solidFill>
+                  </a:tcPr>
+                </a:tc>
+              </a:tr>
+              <a:tr h="357120">
+                <a:tc>
+                  <a:txBody>
+                    <a:bodyPr lIns="90000" rIns="90000"/>
+                    <a:p>
+                      <a:pPr>
+                        <a:lnSpc>
+                          <a:spcPct val="100000"/>
+                        </a:lnSpc>
+                      </a:pPr>
+                      <a:r>
+                        <a:rPr b="0" lang="pt-BR" sz="1800" spc="-1" strike="noStrike">
+                          <a:solidFill>
+                            <a:srgbClr val="000000"/>
+                          </a:solidFill>
+                          <a:uFill>
+                            <a:solidFill>
+                              <a:srgbClr val="ffffff"/>
+                            </a:solidFill>
+                          </a:uFill>
+                          <a:latin typeface="Calibri"/>
+                          <a:ea typeface="DejaVu Sans"/>
+                        </a:rPr>
+                        <a:t>Afastamento de Membro de Equipe</a:t>
+                      </a:r>
+                      <a:endParaRPr b="0" lang="pt-BR" sz="1800" spc="-1" strike="noStrike">
+                        <a:solidFill>
+                          <a:srgbClr val="000000"/>
+                        </a:solidFill>
+                        <a:uFill>
+                          <a:solidFill>
+                            <a:srgbClr val="ffffff"/>
+                          </a:solidFill>
+                        </a:uFill>
+                        <a:latin typeface="Arial"/>
+                      </a:endParaRPr>
+                    </a:p>
+                  </a:txBody>
+                  <a:tcPr marL="90000" marR="90000">
+                    <a:lnL w="720">
+                      <a:solidFill>
+                        <a:srgbClr val="ffffff"/>
+                      </a:solidFill>
+                    </a:lnL>
+                    <a:lnR w="720">
+                      <a:solidFill>
+                        <a:srgbClr val="ffffff"/>
+                      </a:solidFill>
+                    </a:lnR>
+                    <a:lnT w="720">
+                      <a:solidFill>
+                        <a:srgbClr val="ffffff"/>
+                      </a:solidFill>
+                    </a:lnT>
+                    <a:lnB w="720">
+                      <a:solidFill>
+                        <a:srgbClr val="ffffff"/>
+                      </a:solidFill>
+                    </a:lnB>
+                    <a:solidFill>
+                      <a:srgbClr val="ffffff"/>
+                    </a:solidFill>
+                  </a:tcPr>
+                </a:tc>
+                <a:tc>
+                  <a:txBody>
+                    <a:bodyPr lIns="90000" rIns="90000"/>
+                    <a:p>
+                      <a:pPr>
+                        <a:lnSpc>
+                          <a:spcPct val="100000"/>
+                        </a:lnSpc>
+                      </a:pPr>
+                      <a:r>
+                        <a:rPr b="0" lang="pt-BR" sz="1800" spc="-1" strike="noStrike">
+                          <a:solidFill>
+                            <a:srgbClr val="000000"/>
+                          </a:solidFill>
+                          <a:uFill>
+                            <a:solidFill>
+                              <a:srgbClr val="ffffff"/>
+                            </a:solidFill>
+                          </a:uFill>
+                          <a:latin typeface="Calibri"/>
+                          <a:ea typeface="DejaVu Sans"/>
+                        </a:rPr>
+                        <a:t>Negativo</a:t>
+                      </a:r>
+                      <a:endParaRPr b="0" lang="pt-BR" sz="1800" spc="-1" strike="noStrike">
+                        <a:solidFill>
+                          <a:srgbClr val="000000"/>
+                        </a:solidFill>
+                        <a:uFill>
+                          <a:solidFill>
+                            <a:srgbClr val="ffffff"/>
+                          </a:solidFill>
+                        </a:uFill>
+                        <a:latin typeface="Arial"/>
+                      </a:endParaRPr>
+                    </a:p>
+                  </a:txBody>
+                  <a:tcPr marL="90000" marR="90000">
+                    <a:lnL w="720">
+                      <a:solidFill>
+                        <a:srgbClr val="ffffff"/>
+                      </a:solidFill>
+                    </a:lnL>
+                    <a:lnR w="720">
+                      <a:solidFill>
+                        <a:srgbClr val="ffffff"/>
+                      </a:solidFill>
+                    </a:lnR>
+                    <a:lnT w="720">
+                      <a:solidFill>
+                        <a:srgbClr val="ffffff"/>
+                      </a:solidFill>
+                    </a:lnT>
+                    <a:lnB w="720">
+                      <a:solidFill>
+                        <a:srgbClr val="ffffff"/>
+                      </a:solidFill>
+                    </a:lnB>
+                    <a:solidFill>
+                      <a:srgbClr val="ffffff"/>
+                    </a:solidFill>
+                  </a:tcPr>
+                </a:tc>
+              </a:tr>
+              <a:tr h="622440">
+                <a:tc>
+                  <a:txBody>
+                    <a:bodyPr lIns="90000" rIns="90000"/>
+                    <a:p>
+                      <a:r>
+                        <a:rPr b="0" lang="pt-BR" sz="1800" spc="-1" strike="noStrike">
+                          <a:solidFill>
+                            <a:srgbClr val="000000"/>
+                          </a:solidFill>
+                          <a:uFill>
+                            <a:solidFill>
+                              <a:srgbClr val="ffffff"/>
+                            </a:solidFill>
+                          </a:uFill>
+                          <a:latin typeface="Calibri"/>
+                          <a:ea typeface="DejaVu Sans"/>
+                        </a:rPr>
+                        <a:t>Dificuldade no acesso a ferramentas utilizadas</a:t>
+                      </a:r>
+                      <a:endParaRPr b="0" lang="pt-BR" sz="1800" spc="-1" strike="noStrike">
+                        <a:solidFill>
+                          <a:srgbClr val="000000"/>
+                        </a:solidFill>
+                        <a:uFill>
+                          <a:solidFill>
+                            <a:srgbClr val="ffffff"/>
+                          </a:solidFill>
+                        </a:uFill>
+                        <a:latin typeface="Arial"/>
+                      </a:endParaRPr>
+                    </a:p>
+                  </a:txBody>
+                  <a:tcPr marL="90000" marR="90000">
+                    <a:lnL w="720">
+                      <a:solidFill>
+                        <a:srgbClr val="ffffff"/>
+                      </a:solidFill>
+                    </a:lnL>
+                    <a:lnR w="720">
+                      <a:solidFill>
+                        <a:srgbClr val="ffffff"/>
+                      </a:solidFill>
+                    </a:lnR>
+                    <a:lnT w="720">
+                      <a:solidFill>
+                        <a:srgbClr val="ffffff"/>
+                      </a:solidFill>
+                    </a:lnT>
+                    <a:lnB w="720">
+                      <a:solidFill>
+                        <a:srgbClr val="ffffff"/>
+                      </a:solidFill>
+                    </a:lnB>
+                    <a:solidFill>
+                      <a:srgbClr val="e6e6e6"/>
+                    </a:solidFill>
+                  </a:tcPr>
+                </a:tc>
+                <a:tc>
+                  <a:txBody>
+                    <a:bodyPr lIns="90000" rIns="90000"/>
+                    <a:p>
+                      <a:pPr>
+                        <a:lnSpc>
+                          <a:spcPct val="100000"/>
+                        </a:lnSpc>
+                      </a:pPr>
+                      <a:r>
+                        <a:rPr b="0" lang="pt-BR" sz="1800" spc="-1" strike="noStrike">
+                          <a:solidFill>
+                            <a:srgbClr val="000000"/>
+                          </a:solidFill>
+                          <a:uFill>
+                            <a:solidFill>
+                              <a:srgbClr val="ffffff"/>
+                            </a:solidFill>
+                          </a:uFill>
+                          <a:latin typeface="Calibri"/>
+                          <a:ea typeface="DejaVu Sans"/>
+                        </a:rPr>
+                        <a:t>Negativo</a:t>
+                      </a:r>
+                      <a:endParaRPr b="0" lang="pt-BR" sz="1800" spc="-1" strike="noStrike">
+                        <a:solidFill>
+                          <a:srgbClr val="000000"/>
+                        </a:solidFill>
+                        <a:uFill>
+                          <a:solidFill>
+                            <a:srgbClr val="ffffff"/>
+                          </a:solidFill>
+                        </a:uFill>
+                        <a:latin typeface="Arial"/>
+                      </a:endParaRPr>
+                    </a:p>
+                  </a:txBody>
+                  <a:tcPr marL="90000" marR="90000">
+                    <a:lnL w="720">
+                      <a:solidFill>
+                        <a:srgbClr val="ffffff"/>
+                      </a:solidFill>
+                    </a:lnL>
+                    <a:lnR w="720">
+                      <a:solidFill>
+                        <a:srgbClr val="ffffff"/>
+                      </a:solidFill>
+                    </a:lnR>
+                    <a:lnT w="720">
+                      <a:solidFill>
+                        <a:srgbClr val="ffffff"/>
+                      </a:solidFill>
+                    </a:lnT>
+                    <a:lnB w="720">
+                      <a:solidFill>
+                        <a:srgbClr val="ffffff"/>
+                      </a:solidFill>
+                    </a:lnB>
+                    <a:solidFill>
+                      <a:srgbClr val="e6e6e6"/>
+                    </a:solidFill>
+                  </a:tcPr>
+                </a:tc>
+              </a:tr>
+              <a:tr h="622440">
+                <a:tc>
+                  <a:txBody>
+                    <a:bodyPr lIns="90000" rIns="90000"/>
+                    <a:p>
+                      <a:r>
+                        <a:rPr b="0" lang="pt-BR" sz="1800" spc="-1" strike="noStrike">
+                          <a:solidFill>
+                            <a:srgbClr val="000000"/>
+                          </a:solidFill>
+                          <a:uFill>
+                            <a:solidFill>
+                              <a:srgbClr val="ffffff"/>
+                            </a:solidFill>
+                          </a:uFill>
+                          <a:latin typeface="Calibri"/>
+                          <a:ea typeface="DejaVu Sans"/>
+                        </a:rPr>
+                        <a:t>Problema de relacionamento entre membros da equipe</a:t>
+                      </a:r>
+                      <a:endParaRPr b="0" lang="pt-BR" sz="1800" spc="-1" strike="noStrike">
+                        <a:solidFill>
+                          <a:srgbClr val="000000"/>
+                        </a:solidFill>
+                        <a:uFill>
+                          <a:solidFill>
+                            <a:srgbClr val="ffffff"/>
+                          </a:solidFill>
+                        </a:uFill>
+                        <a:latin typeface="Arial"/>
+                      </a:endParaRPr>
+                    </a:p>
+                  </a:txBody>
+                  <a:tcPr marL="90000" marR="90000">
+                    <a:lnL w="720">
+                      <a:solidFill>
+                        <a:srgbClr val="ffffff"/>
+                      </a:solidFill>
+                    </a:lnL>
+                    <a:lnR w="720">
+                      <a:solidFill>
+                        <a:srgbClr val="ffffff"/>
+                      </a:solidFill>
+                    </a:lnR>
+                    <a:lnT w="720">
+                      <a:solidFill>
+                        <a:srgbClr val="ffffff"/>
+                      </a:solidFill>
+                    </a:lnT>
+                    <a:lnB w="720">
+                      <a:solidFill>
+                        <a:srgbClr val="ffffff"/>
+                      </a:solidFill>
+                    </a:lnB>
+                    <a:solidFill>
+                      <a:srgbClr val="ffffff"/>
+                    </a:solidFill>
+                  </a:tcPr>
+                </a:tc>
+                <a:tc>
+                  <a:txBody>
+                    <a:bodyPr lIns="90000" rIns="90000"/>
+                    <a:p>
+                      <a:pPr>
+                        <a:lnSpc>
+                          <a:spcPct val="100000"/>
+                        </a:lnSpc>
+                      </a:pPr>
+                      <a:r>
+                        <a:rPr b="0" lang="pt-BR" sz="1800" spc="-1" strike="noStrike">
+                          <a:solidFill>
+                            <a:srgbClr val="000000"/>
+                          </a:solidFill>
+                          <a:uFill>
+                            <a:solidFill>
+                              <a:srgbClr val="ffffff"/>
+                            </a:solidFill>
+                          </a:uFill>
+                          <a:latin typeface="Calibri"/>
+                          <a:ea typeface="DejaVu Sans"/>
+                        </a:rPr>
+                        <a:t>Negativo</a:t>
+                      </a:r>
+                      <a:endParaRPr b="0" lang="pt-BR" sz="1800" spc="-1" strike="noStrike">
+                        <a:solidFill>
+                          <a:srgbClr val="000000"/>
+                        </a:solidFill>
+                        <a:uFill>
+                          <a:solidFill>
+                            <a:srgbClr val="ffffff"/>
+                          </a:solidFill>
+                        </a:uFill>
+                        <a:latin typeface="Arial"/>
+                      </a:endParaRPr>
+                    </a:p>
+                  </a:txBody>
+                  <a:tcPr marL="90000" marR="90000">
+                    <a:lnL w="720">
+                      <a:solidFill>
+                        <a:srgbClr val="ffffff"/>
+                      </a:solidFill>
+                    </a:lnL>
+                    <a:lnR w="720">
+                      <a:solidFill>
+                        <a:srgbClr val="ffffff"/>
+                      </a:solidFill>
+                    </a:lnR>
+                    <a:lnT w="720">
+                      <a:solidFill>
+                        <a:srgbClr val="ffffff"/>
+                      </a:solidFill>
+                    </a:lnT>
+                    <a:lnB w="720">
+                      <a:solidFill>
+                        <a:srgbClr val="ffffff"/>
+                      </a:solidFill>
+                    </a:lnB>
+                    <a:solidFill>
+                      <a:srgbClr val="ffffff"/>
+                    </a:solidFill>
+                  </a:tcPr>
+                </a:tc>
+              </a:tr>
             </a:tbl>
           </a:graphicData>
         </a:graphic>
@@ -10754,10 +13440,10 @@
   <p:timing>
     <p:tnLst>
       <p:par>
-        <p:cTn id="29" dur="indefinite" restart="never" nodeType="tmRoot">
+        <p:cTn id="31" dur="indefinite" restart="never" nodeType="tmRoot">
           <p:childTnLst>
             <p:seq>
-              <p:cTn id="30" nodeType="mainSeq"/>
+              <p:cTn id="32" nodeType="mainSeq"/>
               <p:prevCondLst>
                 <p:cond delay="0" evt="onPrev">
                   <p:tgtEl>
@@ -10807,7 +13493,7 @@
         <p:spPr>
           <a:xfrm>
             <a:off x="457200" y="274680"/>
-            <a:ext cx="8226720" cy="1140120"/>
+            <a:ext cx="8226000" cy="1139400"/>
           </a:xfrm>
           <a:prstGeom prst="rect">
             <a:avLst/>
@@ -10869,7 +13555,7 @@
         <p:spPr>
           <a:xfrm>
             <a:off x="457200" y="1600200"/>
-            <a:ext cx="8226720" cy="4523040"/>
+            <a:ext cx="8226000" cy="4522320"/>
           </a:xfrm>
           <a:prstGeom prst="rect">
             <a:avLst/>
@@ -10888,7 +13574,7 @@
         <p:txBody>
           <a:bodyPr lIns="90000" rIns="90000" tIns="45000" bIns="45000"/>
           <a:p>
-            <a:pPr marL="343080" indent="-340200">
+            <a:pPr marL="343080" indent="-339480">
               <a:lnSpc>
                 <a:spcPct val="100000"/>
               </a:lnSpc>
@@ -10926,7 +13612,7 @@
             </a:endParaRPr>
           </a:p>
           <a:p>
-            <a:pPr marL="343080" indent="-340200">
+            <a:pPr marL="343080" indent="-339480">
               <a:lnSpc>
                 <a:spcPct val="100000"/>
               </a:lnSpc>
@@ -10964,7 +13650,7 @@
             </a:endParaRPr>
           </a:p>
           <a:p>
-            <a:pPr marL="343080" indent="-340200">
+            <a:pPr marL="343080" indent="-339480">
               <a:lnSpc>
                 <a:spcPct val="100000"/>
               </a:lnSpc>
@@ -11002,7 +13688,7 @@
             </a:endParaRPr>
           </a:p>
           <a:p>
-            <a:pPr marL="343080" indent="-340200">
+            <a:pPr marL="343080" indent="-339480">
               <a:lnSpc>
                 <a:spcPct val="100000"/>
               </a:lnSpc>
@@ -11040,7 +13726,7 @@
             </a:endParaRPr>
           </a:p>
           <a:p>
-            <a:pPr marL="343080" indent="-340200">
+            <a:pPr marL="343080" indent="-339480">
               <a:lnSpc>
                 <a:spcPct val="100000"/>
               </a:lnSpc>
@@ -11078,7 +13764,7 @@
             </a:endParaRPr>
           </a:p>
           <a:p>
-            <a:pPr marL="343080" indent="-340200">
+            <a:pPr marL="343080" indent="-339480">
               <a:lnSpc>
                 <a:spcPct val="100000"/>
               </a:lnSpc>
@@ -11116,7 +13802,7 @@
             </a:endParaRPr>
           </a:p>
           <a:p>
-            <a:pPr marL="343080" indent="-340200">
+            <a:pPr marL="343080" indent="-339480">
               <a:lnSpc>
                 <a:spcPct val="100000"/>
               </a:lnSpc>
@@ -11231,7 +13917,7 @@
         <p:spPr>
           <a:xfrm>
             <a:off x="457200" y="274680"/>
-            <a:ext cx="8225280" cy="1138680"/>
+            <a:ext cx="8224560" cy="1137960"/>
           </a:xfrm>
           <a:prstGeom prst="rect">
             <a:avLst/>
@@ -11293,7 +13979,7 @@
         <p:spPr>
           <a:xfrm>
             <a:off x="457200" y="1600200"/>
-            <a:ext cx="8225280" cy="4521600"/>
+            <a:ext cx="8224560" cy="4520880"/>
           </a:xfrm>
           <a:prstGeom prst="rect">
             <a:avLst/>
@@ -11312,7 +13998,7 @@
         <p:txBody>
           <a:bodyPr lIns="90000" rIns="90000" tIns="45000" bIns="45000"/>
           <a:p>
-            <a:pPr marL="343080" indent="-338760" algn="just">
+            <a:pPr marL="343080" indent="-338040" algn="just">
               <a:lnSpc>
                 <a:spcPct val="100000"/>
               </a:lnSpc>
@@ -11350,7 +14036,7 @@
             </a:endParaRPr>
           </a:p>
           <a:p>
-            <a:pPr lvl="1" marL="864000" indent="-320040" algn="just">
+            <a:pPr lvl="1" marL="864000" indent="-319320" algn="just">
               <a:lnSpc>
                 <a:spcPct val="100000"/>
               </a:lnSpc>
@@ -11448,7 +14134,7 @@
         <p:spPr>
           <a:xfrm>
             <a:off x="457200" y="274680"/>
-            <a:ext cx="8225280" cy="1138680"/>
+            <a:ext cx="8224560" cy="1137960"/>
           </a:xfrm>
           <a:prstGeom prst="rect">
             <a:avLst/>
@@ -11510,7 +14196,7 @@
         <p:spPr>
           <a:xfrm>
             <a:off x="457200" y="1600200"/>
-            <a:ext cx="8225280" cy="4521600"/>
+            <a:ext cx="8224560" cy="4520880"/>
           </a:xfrm>
           <a:prstGeom prst="rect">
             <a:avLst/>
@@ -11529,7 +14215,7 @@
         <p:txBody>
           <a:bodyPr lIns="90000" rIns="90000" tIns="45000" bIns="45000"/>
           <a:p>
-            <a:pPr marL="343080" indent="-338760" algn="just">
+            <a:pPr marL="343080" indent="-338040" algn="just">
               <a:lnSpc>
                 <a:spcPct val="100000"/>
               </a:lnSpc>
@@ -11567,7 +14253,7 @@
             </a:endParaRPr>
           </a:p>
           <a:p>
-            <a:pPr lvl="1" marL="864000" indent="-320040" algn="just">
+            <a:pPr lvl="1" marL="864000" indent="-319320" algn="just">
               <a:lnSpc>
                 <a:spcPct val="100000"/>
               </a:lnSpc>
@@ -11665,7 +14351,7 @@
         <p:spPr>
           <a:xfrm>
             <a:off x="457200" y="274680"/>
-            <a:ext cx="8225280" cy="1138680"/>
+            <a:ext cx="8224560" cy="1137960"/>
           </a:xfrm>
           <a:prstGeom prst="rect">
             <a:avLst/>
@@ -11727,7 +14413,7 @@
         <p:spPr>
           <a:xfrm>
             <a:off x="457200" y="1600200"/>
-            <a:ext cx="8225280" cy="4521600"/>
+            <a:ext cx="8224560" cy="4520880"/>
           </a:xfrm>
           <a:prstGeom prst="rect">
             <a:avLst/>
@@ -11746,7 +14432,7 @@
         <p:txBody>
           <a:bodyPr lIns="90000" rIns="90000" tIns="45000" bIns="45000"/>
           <a:p>
-            <a:pPr marL="343080" indent="-338760" algn="just">
+            <a:pPr marL="343080" indent="-338040" algn="just">
               <a:lnSpc>
                 <a:spcPct val="100000"/>
               </a:lnSpc>
@@ -11784,7 +14470,7 @@
             </a:endParaRPr>
           </a:p>
           <a:p>
-            <a:pPr lvl="1" marL="864000" indent="-320040" algn="just">
+            <a:pPr lvl="1" marL="864000" indent="-319320" algn="just">
               <a:lnSpc>
                 <a:spcPct val="100000"/>
               </a:lnSpc>
@@ -11882,7 +14568,7 @@
         <p:spPr>
           <a:xfrm>
             <a:off x="457200" y="274680"/>
-            <a:ext cx="8225280" cy="1138680"/>
+            <a:ext cx="8224560" cy="1137960"/>
           </a:xfrm>
           <a:prstGeom prst="rect">
             <a:avLst/>
@@ -11944,7 +14630,7 @@
         <p:spPr>
           <a:xfrm>
             <a:off x="457200" y="1600200"/>
-            <a:ext cx="8225280" cy="4521600"/>
+            <a:ext cx="8224560" cy="4520880"/>
           </a:xfrm>
           <a:prstGeom prst="rect">
             <a:avLst/>
@@ -11963,7 +14649,7 @@
         <p:txBody>
           <a:bodyPr lIns="90000" rIns="90000" tIns="45000" bIns="45000"/>
           <a:p>
-            <a:pPr marL="343080" indent="-338760" algn="just">
+            <a:pPr marL="343080" indent="-338040" algn="just">
               <a:lnSpc>
                 <a:spcPct val="100000"/>
               </a:lnSpc>
@@ -12001,7 +14687,7 @@
             </a:endParaRPr>
           </a:p>
           <a:p>
-            <a:pPr lvl="1" marL="864000" indent="-320040" algn="just">
+            <a:pPr lvl="1" marL="864000" indent="-319320" algn="just">
               <a:lnSpc>
                 <a:spcPct val="100000"/>
               </a:lnSpc>
@@ -12099,7 +14785,7 @@
         <p:spPr>
           <a:xfrm>
             <a:off x="457200" y="274680"/>
-            <a:ext cx="8225280" cy="1138680"/>
+            <a:ext cx="8224560" cy="1137960"/>
           </a:xfrm>
           <a:prstGeom prst="rect">
             <a:avLst/>
@@ -12161,7 +14847,7 @@
         <p:spPr>
           <a:xfrm>
             <a:off x="457200" y="1600200"/>
-            <a:ext cx="8225280" cy="4521600"/>
+            <a:ext cx="8224560" cy="4520880"/>
           </a:xfrm>
           <a:prstGeom prst="rect">
             <a:avLst/>
@@ -12180,7 +14866,7 @@
         <p:txBody>
           <a:bodyPr lIns="90000" rIns="90000" tIns="45000" bIns="45000"/>
           <a:p>
-            <a:pPr marL="343080" indent="-338760" algn="just">
+            <a:pPr marL="343080" indent="-338040" algn="just">
               <a:lnSpc>
                 <a:spcPct val="100000"/>
               </a:lnSpc>
@@ -12218,7 +14904,7 @@
             </a:endParaRPr>
           </a:p>
           <a:p>
-            <a:pPr lvl="1" marL="864000" indent="-320040" algn="just">
+            <a:pPr lvl="1" marL="864000" indent="-319320" algn="just">
               <a:lnSpc>
                 <a:spcPct val="100000"/>
               </a:lnSpc>
@@ -12257,7 +14943,7 @@
             </a:endParaRPr>
           </a:p>
           <a:p>
-            <a:pPr lvl="1" marL="864000" indent="-320040" algn="just">
+            <a:pPr lvl="1" marL="864000" indent="-319320" algn="just">
               <a:lnSpc>
                 <a:spcPct val="100000"/>
               </a:lnSpc>
@@ -12355,7 +15041,7 @@
         <p:spPr>
           <a:xfrm>
             <a:off x="457200" y="274680"/>
-            <a:ext cx="8225280" cy="1138680"/>
+            <a:ext cx="8224560" cy="1137960"/>
           </a:xfrm>
           <a:prstGeom prst="rect">
             <a:avLst/>
@@ -12417,7 +15103,7 @@
         <p:spPr>
           <a:xfrm>
             <a:off x="457200" y="1600200"/>
-            <a:ext cx="8225280" cy="4521600"/>
+            <a:ext cx="8224560" cy="4520880"/>
           </a:xfrm>
           <a:prstGeom prst="rect">
             <a:avLst/>
@@ -12436,7 +15122,7 @@
         <p:txBody>
           <a:bodyPr lIns="90000" rIns="90000" tIns="45000" bIns="45000"/>
           <a:p>
-            <a:pPr marL="343080" indent="-338760" algn="just">
+            <a:pPr marL="343080" indent="-338040" algn="just">
               <a:lnSpc>
                 <a:spcPct val="100000"/>
               </a:lnSpc>
@@ -12474,7 +15160,7 @@
             </a:endParaRPr>
           </a:p>
           <a:p>
-            <a:pPr lvl="1" marL="864000" indent="-320040" algn="just">
+            <a:pPr lvl="1" marL="864000" indent="-319320" algn="just">
               <a:lnSpc>
                 <a:spcPct val="100000"/>
               </a:lnSpc>
@@ -12513,7 +15199,7 @@
             </a:endParaRPr>
           </a:p>
           <a:p>
-            <a:pPr lvl="1" marL="864000" indent="-320040" algn="just">
+            <a:pPr lvl="1" marL="864000" indent="-319320" algn="just">
               <a:lnSpc>
                 <a:spcPct val="100000"/>
               </a:lnSpc>
@@ -12611,7 +15297,7 @@
         <p:spPr>
           <a:xfrm>
             <a:off x="457200" y="274680"/>
-            <a:ext cx="8226720" cy="1140120"/>
+            <a:ext cx="8226000" cy="1139400"/>
           </a:xfrm>
           <a:prstGeom prst="rect">
             <a:avLst/>

--- a/Projeto-AjudeMais/000-Gerência de Projeto/PPJ-Plano de Projeto.pptx
+++ b/Projeto-AjudeMais/000-Gerência de Projeto/PPJ-Plano de Projeto.pptx
@@ -124,6 +124,11 @@
       </a:defRPr>
     </a:lvl9pPr>
   </p:defaultTextStyle>
+  <p:extLst>
+    <p:ext uri="{EFAFB233-063F-42B5-8137-9DF3F51BA10A}">
+      <p15:sldGuideLst xmlns:p15="http://schemas.microsoft.com/office/powerpoint/2012/main"/>
+    </p:ext>
+  </p:extLst>
 </p:presentation>
 </file>
 
@@ -7172,7 +7177,7 @@
         </p:nvGraphicFramePr>
         <p:xfrm>
           <a:off x="457200" y="1600200"/>
-          <a:ext cx="8229240" cy="3628440"/>
+          <a:ext cx="8229600" cy="4105800"/>
         </p:xfrm>
         <a:graphic>
           <a:graphicData uri="http://schemas.openxmlformats.org/drawingml/2006/table">
@@ -8063,7 +8068,7 @@
           <p:nvPr>
             <p:extLst>
               <p:ext uri="{D42A27DB-BD31-4B8C-83A1-F6EECF244321}">
-                <p14:modId xmlns:p14="http://schemas.microsoft.com/office/powerpoint/2010/main" val="3889855894"/>
+                <p14:modId xmlns:p14="http://schemas.microsoft.com/office/powerpoint/2010/main" val="141118844"/>
               </p:ext>
             </p:extLst>
           </p:nvPr>
@@ -8480,7 +8485,7 @@
                         </a:lnSpc>
                       </a:pPr>
                       <a:r>
-                        <a:rPr lang="pt-BR" sz="1800" b="0" strike="noStrike" spc="-1" dirty="0">
+                        <a:rPr lang="pt-BR" sz="1800" b="0" strike="noStrike" spc="-1" dirty="0" smtClean="0">
                           <a:solidFill>
                             <a:srgbClr val="000000"/>
                           </a:solidFill>
@@ -8492,7 +8497,7 @@
                           <a:latin typeface="Arial"/>
                           <a:ea typeface="DejaVu Sans"/>
                         </a:rPr>
-                        <a:t>1.0</a:t>
+                        <a:t>1.0.0</a:t>
                       </a:r>
                       <a:endParaRPr lang="pt-BR" sz="1800" b="0" strike="noStrike" spc="-1" dirty="0">
                         <a:solidFill>
@@ -8701,7 +8706,7 @@
                     <a:p>
                       <a:pPr algn="ctr"/>
                       <a:r>
-                        <a:rPr lang="pt-BR" sz="1800" b="0" strike="noStrike" spc="-1" dirty="0">
+                        <a:rPr lang="pt-BR" sz="1800" b="0" strike="noStrike" spc="-1" dirty="0" smtClean="0">
                           <a:solidFill>
                             <a:srgbClr val="000000"/>
                           </a:solidFill>
@@ -8712,8 +8717,19 @@
                           </a:uFill>
                           <a:latin typeface="Arial"/>
                         </a:rPr>
-                        <a:t>1.0</a:t>
+                        <a:t>1.0.0</a:t>
                       </a:r>
+                      <a:endParaRPr lang="pt-BR" sz="1800" b="0" strike="noStrike" spc="-1" dirty="0">
+                        <a:solidFill>
+                          <a:srgbClr val="000000"/>
+                        </a:solidFill>
+                        <a:uFill>
+                          <a:solidFill>
+                            <a:srgbClr val="FFFFFF"/>
+                          </a:solidFill>
+                        </a:uFill>
+                        <a:latin typeface="Arial"/>
+                      </a:endParaRPr>
                     </a:p>
                   </a:txBody>
                   <a:tcPr marL="30600" marR="30600">
@@ -8791,6 +8807,221 @@
                       </a:solidFill>
                     </a:lnT>
                     <a:lnB w="38160">
+                      <a:solidFill>
+                        <a:srgbClr val="FFFFFF"/>
+                      </a:solidFill>
+                    </a:lnB>
+                    <a:solidFill>
+                      <a:srgbClr val="E7E7E7"/>
+                    </a:solidFill>
+                  </a:tcPr>
+                </a:tc>
+              </a:tr>
+              <a:tr h="561240">
+                <a:tc>
+                  <a:txBody>
+                    <a:bodyPr/>
+                    <a:lstStyle/>
+                    <a:p>
+                      <a:pPr algn="ctr"/>
+                      <a:r>
+                        <a:rPr lang="pt-BR" sz="1800" b="0" strike="noStrike" spc="-1" dirty="0" smtClean="0">
+                          <a:solidFill>
+                            <a:srgbClr val="000000"/>
+                          </a:solidFill>
+                          <a:uFill>
+                            <a:solidFill>
+                              <a:srgbClr val="FFFFFF"/>
+                            </a:solidFill>
+                          </a:uFill>
+                          <a:latin typeface="Arial"/>
+                        </a:rPr>
+                        <a:t>2</a:t>
+                      </a:r>
+                      <a:endParaRPr lang="pt-BR" sz="1800" b="0" strike="noStrike" spc="-1" dirty="0">
+                        <a:solidFill>
+                          <a:srgbClr val="000000"/>
+                        </a:solidFill>
+                        <a:uFill>
+                          <a:solidFill>
+                            <a:srgbClr val="FFFFFF"/>
+                          </a:solidFill>
+                        </a:uFill>
+                        <a:latin typeface="Arial"/>
+                      </a:endParaRPr>
+                    </a:p>
+                  </a:txBody>
+                  <a:tcPr marL="30600" marR="30600">
+                    <a:lnL w="12240">
+                      <a:solidFill>
+                        <a:srgbClr val="FFFFFF"/>
+                      </a:solidFill>
+                    </a:lnL>
+                    <a:lnR w="12240">
+                      <a:solidFill>
+                        <a:srgbClr val="FFFFFF"/>
+                      </a:solidFill>
+                    </a:lnR>
+                    <a:lnT w="38160">
+                      <a:solidFill>
+                        <a:srgbClr val="FFFFFF"/>
+                      </a:solidFill>
+                    </a:lnT>
+                    <a:lnB w="12240">
+                      <a:solidFill>
+                        <a:srgbClr val="FFFFFF"/>
+                      </a:solidFill>
+                    </a:lnB>
+                    <a:solidFill>
+                      <a:srgbClr val="E7E7E7"/>
+                    </a:solidFill>
+                  </a:tcPr>
+                </a:tc>
+                <a:tc>
+                  <a:txBody>
+                    <a:bodyPr/>
+                    <a:lstStyle/>
+                    <a:p>
+                      <a:r>
+                        <a:rPr lang="pt-BR" sz="1800" b="0" strike="noStrike" spc="-1" dirty="0">
+                          <a:solidFill>
+                            <a:srgbClr val="000000"/>
+                          </a:solidFill>
+                          <a:uFill>
+                            <a:solidFill>
+                              <a:srgbClr val="FFFFFF"/>
+                            </a:solidFill>
+                          </a:uFill>
+                          <a:latin typeface="Arial"/>
+                        </a:rPr>
+                        <a:t>Gerenciamento de categorias de itens de doação</a:t>
+                      </a:r>
+                    </a:p>
+                  </a:txBody>
+                  <a:tcPr marL="30600" marR="30600">
+                    <a:lnL w="12240">
+                      <a:solidFill>
+                        <a:srgbClr val="FFFFFF"/>
+                      </a:solidFill>
+                    </a:lnL>
+                    <a:lnR w="12240">
+                      <a:solidFill>
+                        <a:srgbClr val="FFFFFF"/>
+                      </a:solidFill>
+                    </a:lnR>
+                    <a:lnT w="38160">
+                      <a:solidFill>
+                        <a:srgbClr val="FFFFFF"/>
+                      </a:solidFill>
+                    </a:lnT>
+                    <a:lnB w="12240">
+                      <a:solidFill>
+                        <a:srgbClr val="FFFFFF"/>
+                      </a:solidFill>
+                    </a:lnB>
+                    <a:solidFill>
+                      <a:srgbClr val="E7E7E7"/>
+                    </a:solidFill>
+                  </a:tcPr>
+                </a:tc>
+                <a:tc>
+                  <a:txBody>
+                    <a:bodyPr/>
+                    <a:lstStyle/>
+                    <a:p>
+                      <a:pPr algn="ctr"/>
+                      <a:r>
+                        <a:rPr lang="pt-BR" sz="1800" b="0" strike="noStrike" spc="-1" dirty="0" smtClean="0">
+                          <a:solidFill>
+                            <a:srgbClr val="000000"/>
+                          </a:solidFill>
+                          <a:uFill>
+                            <a:solidFill>
+                              <a:srgbClr val="FFFFFF"/>
+                            </a:solidFill>
+                          </a:uFill>
+                          <a:latin typeface="Arial"/>
+                        </a:rPr>
+                        <a:t>1.0.0</a:t>
+                      </a:r>
+                      <a:endParaRPr lang="pt-BR" sz="1800" b="0" strike="noStrike" spc="-1" dirty="0">
+                        <a:solidFill>
+                          <a:srgbClr val="000000"/>
+                        </a:solidFill>
+                        <a:uFill>
+                          <a:solidFill>
+                            <a:srgbClr val="FFFFFF"/>
+                          </a:solidFill>
+                        </a:uFill>
+                        <a:latin typeface="Arial"/>
+                      </a:endParaRPr>
+                    </a:p>
+                  </a:txBody>
+                  <a:tcPr marL="30600" marR="30600">
+                    <a:lnL w="12240">
+                      <a:solidFill>
+                        <a:srgbClr val="FFFFFF"/>
+                      </a:solidFill>
+                    </a:lnL>
+                    <a:lnR w="12240">
+                      <a:solidFill>
+                        <a:srgbClr val="FFFFFF"/>
+                      </a:solidFill>
+                    </a:lnR>
+                    <a:lnT w="38160">
+                      <a:solidFill>
+                        <a:srgbClr val="FFFFFF"/>
+                      </a:solidFill>
+                    </a:lnT>
+                    <a:lnB w="12240">
+                      <a:solidFill>
+                        <a:srgbClr val="FFFFFF"/>
+                      </a:solidFill>
+                    </a:lnB>
+                    <a:solidFill>
+                      <a:srgbClr val="E7E7E7"/>
+                    </a:solidFill>
+                  </a:tcPr>
+                </a:tc>
+                <a:tc>
+                  <a:txBody>
+                    <a:bodyPr/>
+                    <a:lstStyle/>
+                    <a:p>
+                      <a:r>
+                        <a:rPr lang="pt-BR" dirty="0" smtClean="0"/>
+                        <a:t>25/05/2017</a:t>
+                      </a:r>
+                      <a:endParaRPr lang="pt-BR" sz="1800" b="0" strike="noStrike" spc="-1" dirty="0">
+                        <a:solidFill>
+                          <a:srgbClr val="000000"/>
+                        </a:solidFill>
+                        <a:uFill>
+                          <a:solidFill>
+                            <a:srgbClr val="FFFFFF"/>
+                          </a:solidFill>
+                        </a:uFill>
+                        <a:latin typeface="Arial"/>
+                      </a:endParaRPr>
+                    </a:p>
+                  </a:txBody>
+                  <a:tcPr marL="30600" marR="30600">
+                    <a:lnL w="12240">
+                      <a:solidFill>
+                        <a:srgbClr val="FFFFFF"/>
+                      </a:solidFill>
+                    </a:lnL>
+                    <a:lnR w="12240">
+                      <a:solidFill>
+                        <a:srgbClr val="FFFFFF"/>
+                      </a:solidFill>
+                    </a:lnR>
+                    <a:lnT w="38160">
+                      <a:solidFill>
+                        <a:srgbClr val="FFFFFF"/>
+                      </a:solidFill>
+                    </a:lnT>
+                    <a:lnB w="12240">
                       <a:solidFill>
                         <a:srgbClr val="FFFFFF"/>
                       </a:solidFill>
@@ -8820,7 +9051,7 @@
                           </a:uFill>
                           <a:latin typeface="Arial"/>
                         </a:rPr>
-                        <a:t>1</a:t>
+                        <a:t>2</a:t>
                       </a:r>
                     </a:p>
                   </a:txBody>
@@ -8835,10 +9066,14 @@
                         <a:srgbClr val="FFFFFF"/>
                       </a:solidFill>
                     </a:lnR>
-                    <a:lnT w="38160">
-                      <a:solidFill>
-                        <a:srgbClr val="FFFFFF"/>
-                      </a:solidFill>
+                    <a:lnT w="12240" cap="flat" cmpd="sng" algn="ctr">
+                      <a:solidFill>
+                        <a:srgbClr val="FFFFFF"/>
+                      </a:solidFill>
+                      <a:prstDash val="solid"/>
+                      <a:round/>
+                      <a:headEnd type="none" w="med" len="med"/>
+                      <a:tailEnd type="none" w="med" len="med"/>
                     </a:lnT>
                     <a:lnB w="12240">
                       <a:solidFill>
@@ -8857,213 +9092,6 @@
                     <a:p>
                       <a:r>
                         <a:rPr lang="pt-BR" sz="1800" b="0" strike="noStrike" spc="-1" dirty="0">
-                          <a:solidFill>
-                            <a:srgbClr val="000000"/>
-                          </a:solidFill>
-                          <a:uFill>
-                            <a:solidFill>
-                              <a:srgbClr val="FFFFFF"/>
-                            </a:solidFill>
-                          </a:uFill>
-                          <a:latin typeface="Arial"/>
-                        </a:rPr>
-                        <a:t>Gerenciamento de categorias de itens de doação</a:t>
-                      </a:r>
-                    </a:p>
-                  </a:txBody>
-                  <a:tcPr marL="30600" marR="30600">
-                    <a:lnL w="12240">
-                      <a:solidFill>
-                        <a:srgbClr val="FFFFFF"/>
-                      </a:solidFill>
-                    </a:lnL>
-                    <a:lnR w="12240">
-                      <a:solidFill>
-                        <a:srgbClr val="FFFFFF"/>
-                      </a:solidFill>
-                    </a:lnR>
-                    <a:lnT w="38160">
-                      <a:solidFill>
-                        <a:srgbClr val="FFFFFF"/>
-                      </a:solidFill>
-                    </a:lnT>
-                    <a:lnB w="12240">
-                      <a:solidFill>
-                        <a:srgbClr val="FFFFFF"/>
-                      </a:solidFill>
-                    </a:lnB>
-                    <a:solidFill>
-                      <a:srgbClr val="E7E7E7"/>
-                    </a:solidFill>
-                  </a:tcPr>
-                </a:tc>
-                <a:tc>
-                  <a:txBody>
-                    <a:bodyPr/>
-                    <a:lstStyle/>
-                    <a:p>
-                      <a:pPr algn="ctr"/>
-                      <a:r>
-                        <a:rPr lang="pt-BR" sz="1800" b="0" strike="noStrike" spc="-1" dirty="0">
-                          <a:solidFill>
-                            <a:srgbClr val="000000"/>
-                          </a:solidFill>
-                          <a:uFill>
-                            <a:solidFill>
-                              <a:srgbClr val="FFFFFF"/>
-                            </a:solidFill>
-                          </a:uFill>
-                          <a:latin typeface="Arial"/>
-                        </a:rPr>
-                        <a:t>1.0</a:t>
-                      </a:r>
-                    </a:p>
-                  </a:txBody>
-                  <a:tcPr marL="30600" marR="30600">
-                    <a:lnL w="12240">
-                      <a:solidFill>
-                        <a:srgbClr val="FFFFFF"/>
-                      </a:solidFill>
-                    </a:lnL>
-                    <a:lnR w="12240">
-                      <a:solidFill>
-                        <a:srgbClr val="FFFFFF"/>
-                      </a:solidFill>
-                    </a:lnR>
-                    <a:lnT w="38160">
-                      <a:solidFill>
-                        <a:srgbClr val="FFFFFF"/>
-                      </a:solidFill>
-                    </a:lnT>
-                    <a:lnB w="12240">
-                      <a:solidFill>
-                        <a:srgbClr val="FFFFFF"/>
-                      </a:solidFill>
-                    </a:lnB>
-                    <a:solidFill>
-                      <a:srgbClr val="E7E7E7"/>
-                    </a:solidFill>
-                  </a:tcPr>
-                </a:tc>
-                <a:tc>
-                  <a:txBody>
-                    <a:bodyPr/>
-                    <a:lstStyle/>
-                    <a:p>
-                      <a:r>
-                        <a:rPr lang="pt-BR" sz="1800" b="0" strike="noStrike" spc="-1" dirty="0" smtClean="0">
-                          <a:solidFill>
-                            <a:srgbClr val="000000"/>
-                          </a:solidFill>
-                          <a:uFill>
-                            <a:solidFill>
-                              <a:srgbClr val="FFFFFF"/>
-                            </a:solidFill>
-                          </a:uFill>
-                          <a:latin typeface="Arial"/>
-                        </a:rPr>
-                        <a:t>11/05/2017</a:t>
-                      </a:r>
-                      <a:endParaRPr lang="pt-BR" sz="1800" b="0" strike="noStrike" spc="-1" dirty="0">
-                        <a:solidFill>
-                          <a:srgbClr val="000000"/>
-                        </a:solidFill>
-                        <a:uFill>
-                          <a:solidFill>
-                            <a:srgbClr val="FFFFFF"/>
-                          </a:solidFill>
-                        </a:uFill>
-                        <a:latin typeface="Arial"/>
-                      </a:endParaRPr>
-                    </a:p>
-                  </a:txBody>
-                  <a:tcPr marL="30600" marR="30600">
-                    <a:lnL w="12240">
-                      <a:solidFill>
-                        <a:srgbClr val="FFFFFF"/>
-                      </a:solidFill>
-                    </a:lnL>
-                    <a:lnR w="12240">
-                      <a:solidFill>
-                        <a:srgbClr val="FFFFFF"/>
-                      </a:solidFill>
-                    </a:lnR>
-                    <a:lnT w="38160">
-                      <a:solidFill>
-                        <a:srgbClr val="FFFFFF"/>
-                      </a:solidFill>
-                    </a:lnT>
-                    <a:lnB w="12240">
-                      <a:solidFill>
-                        <a:srgbClr val="FFFFFF"/>
-                      </a:solidFill>
-                    </a:lnB>
-                    <a:solidFill>
-                      <a:srgbClr val="E7E7E7"/>
-                    </a:solidFill>
-                  </a:tcPr>
-                </a:tc>
-              </a:tr>
-              <a:tr h="561240">
-                <a:tc>
-                  <a:txBody>
-                    <a:bodyPr/>
-                    <a:lstStyle/>
-                    <a:p>
-                      <a:pPr algn="ctr"/>
-                      <a:r>
-                        <a:rPr lang="pt-BR" sz="1800" b="0" strike="noStrike" spc="-1" dirty="0">
-                          <a:solidFill>
-                            <a:srgbClr val="000000"/>
-                          </a:solidFill>
-                          <a:uFill>
-                            <a:solidFill>
-                              <a:srgbClr val="FFFFFF"/>
-                            </a:solidFill>
-                          </a:uFill>
-                          <a:latin typeface="Arial"/>
-                        </a:rPr>
-                        <a:t>2</a:t>
-                      </a:r>
-                    </a:p>
-                  </a:txBody>
-                  <a:tcPr marL="30600" marR="30600">
-                    <a:lnL w="12240">
-                      <a:solidFill>
-                        <a:srgbClr val="FFFFFF"/>
-                      </a:solidFill>
-                    </a:lnL>
-                    <a:lnR w="12240">
-                      <a:solidFill>
-                        <a:srgbClr val="FFFFFF"/>
-                      </a:solidFill>
-                    </a:lnR>
-                    <a:lnT w="12240" cap="flat" cmpd="sng" algn="ctr">
-                      <a:solidFill>
-                        <a:srgbClr val="FFFFFF"/>
-                      </a:solidFill>
-                      <a:prstDash val="solid"/>
-                      <a:round/>
-                      <a:headEnd type="none" w="med" len="med"/>
-                      <a:tailEnd type="none" w="med" len="med"/>
-                    </a:lnT>
-                    <a:lnB w="12240">
-                      <a:solidFill>
-                        <a:srgbClr val="FFFFFF"/>
-                      </a:solidFill>
-                    </a:lnB>
-                    <a:solidFill>
-                      <a:srgbClr val="E7E7E7"/>
-                    </a:solidFill>
-                  </a:tcPr>
-                </a:tc>
-                <a:tc>
-                  <a:txBody>
-                    <a:bodyPr/>
-                    <a:lstStyle/>
-                    <a:p>
-                      <a:r>
-                        <a:rPr lang="pt-BR" sz="1800" b="0" strike="noStrike" spc="-1">
                           <a:solidFill>
                             <a:srgbClr val="000000"/>
                           </a:solidFill>
@@ -9116,7 +9144,7 @@
                       <a:pPr algn="ctr"/>
                       <a:r>
                         <a:rPr lang="pt-BR" dirty="0" smtClean="0"/>
-                        <a:t>1.0</a:t>
+                        <a:t>1.0.0</a:t>
                       </a:r>
                       <a:endParaRPr lang="pt-BR" dirty="0"/>
                     </a:p>
@@ -9202,7 +9230,7 @@
                     <a:p>
                       <a:pPr algn="ctr"/>
                       <a:r>
-                        <a:rPr lang="pt-BR" sz="1800" b="0" strike="noStrike" spc="-1" dirty="0">
+                        <a:rPr lang="pt-BR" sz="1800" b="0" strike="noStrike" spc="-1" dirty="0" smtClean="0">
                           <a:solidFill>
                             <a:srgbClr val="000000"/>
                           </a:solidFill>
@@ -9213,8 +9241,19 @@
                           </a:uFill>
                           <a:latin typeface="Arial"/>
                         </a:rPr>
-                        <a:t>2</a:t>
+                        <a:t>3</a:t>
                       </a:r>
+                      <a:endParaRPr lang="pt-BR" sz="1800" b="0" strike="noStrike" spc="-1" dirty="0">
+                        <a:solidFill>
+                          <a:srgbClr val="000000"/>
+                        </a:solidFill>
+                        <a:uFill>
+                          <a:solidFill>
+                            <a:srgbClr val="FFFFFF"/>
+                          </a:solidFill>
+                        </a:uFill>
+                        <a:latin typeface="Arial"/>
+                      </a:endParaRPr>
                     </a:p>
                   </a:txBody>
                   <a:tcPr marL="30600" marR="30600">
@@ -9306,213 +9345,7 @@
                       <a:pPr algn="ctr"/>
                       <a:r>
                         <a:rPr lang="pt-BR" dirty="0" smtClean="0"/>
-                        <a:t>1.0</a:t>
-                      </a:r>
-                      <a:endParaRPr lang="pt-BR" dirty="0"/>
-                    </a:p>
-                  </a:txBody>
-                  <a:tcPr marL="30600" marR="30600">
-                    <a:lnL w="12240">
-                      <a:solidFill>
-                        <a:srgbClr val="FFFFFF"/>
-                      </a:solidFill>
-                    </a:lnL>
-                    <a:lnR w="12240">
-                      <a:solidFill>
-                        <a:srgbClr val="FFFFFF"/>
-                      </a:solidFill>
-                    </a:lnR>
-                    <a:lnT w="12240" cap="flat" cmpd="sng" algn="ctr">
-                      <a:solidFill>
-                        <a:srgbClr val="FFFFFF"/>
-                      </a:solidFill>
-                      <a:prstDash val="solid"/>
-                      <a:round/>
-                      <a:headEnd type="none" w="med" len="med"/>
-                      <a:tailEnd type="none" w="med" len="med"/>
-                    </a:lnT>
-                    <a:lnB w="12240">
-                      <a:solidFill>
-                        <a:srgbClr val="FFFFFF"/>
-                      </a:solidFill>
-                    </a:lnB>
-                    <a:solidFill>
-                      <a:srgbClr val="E7E7E7"/>
-                    </a:solidFill>
-                  </a:tcPr>
-                </a:tc>
-                <a:tc>
-                  <a:txBody>
-                    <a:bodyPr/>
-                    <a:lstStyle/>
-                    <a:p>
-                      <a:pPr marL="0" marR="0" indent="0" algn="l" defTabSz="914400" rtl="0" eaLnBrk="1" fontAlgn="auto" latinLnBrk="0" hangingPunct="1">
-                        <a:lnSpc>
-                          <a:spcPct val="100000"/>
-                        </a:lnSpc>
-                        <a:spcBef>
-                          <a:spcPts val="0"/>
-                        </a:spcBef>
-                        <a:spcAft>
-                          <a:spcPts val="0"/>
-                        </a:spcAft>
-                        <a:buClrTx/>
-                        <a:buSzTx/>
-                        <a:buFontTx/>
-                        <a:buNone/>
-                        <a:tabLst/>
-                        <a:defRPr/>
-                      </a:pPr>
-                      <a:r>
-                        <a:rPr lang="pt-BR" dirty="0" smtClean="0"/>
-                        <a:t>25/05/2017</a:t>
-                      </a:r>
-                    </a:p>
-                  </a:txBody>
-                  <a:tcPr marL="30600" marR="30600">
-                    <a:lnL w="12240">
-                      <a:solidFill>
-                        <a:srgbClr val="FFFFFF"/>
-                      </a:solidFill>
-                    </a:lnL>
-                    <a:lnR w="12240">
-                      <a:solidFill>
-                        <a:srgbClr val="FFFFFF"/>
-                      </a:solidFill>
-                    </a:lnR>
-                    <a:lnT w="12240" cap="flat" cmpd="sng" algn="ctr">
-                      <a:solidFill>
-                        <a:srgbClr val="FFFFFF"/>
-                      </a:solidFill>
-                      <a:prstDash val="solid"/>
-                      <a:round/>
-                      <a:headEnd type="none" w="med" len="med"/>
-                      <a:tailEnd type="none" w="med" len="med"/>
-                    </a:lnT>
-                    <a:lnB w="12240">
-                      <a:solidFill>
-                        <a:srgbClr val="FFFFFF"/>
-                      </a:solidFill>
-                    </a:lnB>
-                    <a:solidFill>
-                      <a:srgbClr val="E7E7E7"/>
-                    </a:solidFill>
-                  </a:tcPr>
-                </a:tc>
-              </a:tr>
-              <a:tr h="561240">
-                <a:tc>
-                  <a:txBody>
-                    <a:bodyPr/>
-                    <a:lstStyle/>
-                    <a:p>
-                      <a:pPr algn="ctr"/>
-                      <a:r>
-                        <a:rPr lang="pt-BR" sz="1800" b="0" strike="noStrike" spc="-1" dirty="0">
-                          <a:solidFill>
-                            <a:srgbClr val="000000"/>
-                          </a:solidFill>
-                          <a:uFill>
-                            <a:solidFill>
-                              <a:srgbClr val="FFFFFF"/>
-                            </a:solidFill>
-                          </a:uFill>
-                          <a:latin typeface="Arial"/>
-                        </a:rPr>
-                        <a:t>3</a:t>
-                      </a:r>
-                    </a:p>
-                  </a:txBody>
-                  <a:tcPr marL="30600" marR="30600">
-                    <a:lnL w="12240">
-                      <a:solidFill>
-                        <a:srgbClr val="FFFFFF"/>
-                      </a:solidFill>
-                    </a:lnL>
-                    <a:lnR w="12240">
-                      <a:solidFill>
-                        <a:srgbClr val="FFFFFF"/>
-                      </a:solidFill>
-                    </a:lnR>
-                    <a:lnT w="12240" cap="flat" cmpd="sng" algn="ctr">
-                      <a:solidFill>
-                        <a:srgbClr val="FFFFFF"/>
-                      </a:solidFill>
-                      <a:prstDash val="solid"/>
-                      <a:round/>
-                      <a:headEnd type="none" w="med" len="med"/>
-                      <a:tailEnd type="none" w="med" len="med"/>
-                    </a:lnT>
-                    <a:lnB w="12240">
-                      <a:solidFill>
-                        <a:srgbClr val="FFFFFF"/>
-                      </a:solidFill>
-                    </a:lnB>
-                    <a:solidFill>
-                      <a:srgbClr val="E7E7E7"/>
-                    </a:solidFill>
-                  </a:tcPr>
-                </a:tc>
-                <a:tc>
-                  <a:txBody>
-                    <a:bodyPr/>
-                    <a:lstStyle/>
-                    <a:p>
-                      <a:r>
-                        <a:rPr lang="pt-BR" sz="1800" b="0" strike="noStrike" spc="-1">
-                          <a:solidFill>
-                            <a:srgbClr val="000000"/>
-                          </a:solidFill>
-                          <a:uFill>
-                            <a:solidFill>
-                              <a:srgbClr val="FFFFFF"/>
-                            </a:solidFill>
-                          </a:uFill>
-                          <a:latin typeface="Arial"/>
-                        </a:rPr>
-                        <a:t>Gerenciamento de Mensageiros</a:t>
-                      </a:r>
-                    </a:p>
-                  </a:txBody>
-                  <a:tcPr marL="30600" marR="30600">
-                    <a:lnL w="12240">
-                      <a:solidFill>
-                        <a:srgbClr val="FFFFFF"/>
-                      </a:solidFill>
-                    </a:lnL>
-                    <a:lnR w="12240">
-                      <a:solidFill>
-                        <a:srgbClr val="FFFFFF"/>
-                      </a:solidFill>
-                    </a:lnR>
-                    <a:lnT w="12240" cap="flat" cmpd="sng" algn="ctr">
-                      <a:solidFill>
-                        <a:srgbClr val="FFFFFF"/>
-                      </a:solidFill>
-                      <a:prstDash val="solid"/>
-                      <a:round/>
-                      <a:headEnd type="none" w="med" len="med"/>
-                      <a:tailEnd type="none" w="med" len="med"/>
-                    </a:lnT>
-                    <a:lnB w="12240">
-                      <a:solidFill>
-                        <a:srgbClr val="FFFFFF"/>
-                      </a:solidFill>
-                    </a:lnB>
-                    <a:solidFill>
-                      <a:srgbClr val="E7E7E7"/>
-                    </a:solidFill>
-                  </a:tcPr>
-                </a:tc>
-                <a:tc>
-                  <a:txBody>
-                    <a:bodyPr/>
-                    <a:lstStyle/>
-                    <a:p>
-                      <a:pPr algn="ctr"/>
-                      <a:r>
-                        <a:rPr lang="pt-BR" dirty="0" smtClean="0"/>
-                        <a:t>2.0</a:t>
+                        <a:t>1.0.0</a:t>
                       </a:r>
                       <a:endParaRPr lang="pt-BR" dirty="0"/>
                     </a:p>
@@ -9573,9 +9406,7 @@
                         <a:rPr lang="pt-BR" dirty="0" smtClean="0"/>
                         <a:t>08/06/2017</a:t>
                       </a:r>
-                    </a:p>
-                    <a:p>
-                      <a:endParaRPr lang="pt-BR" dirty="0"/>
+                      <a:endParaRPr lang="pt-BR" dirty="0" smtClean="0"/>
                     </a:p>
                   </a:txBody>
                   <a:tcPr marL="30600" marR="30600">
@@ -9617,7 +9448,7 @@
                     <a:p>
                       <a:pPr algn="ctr"/>
                       <a:r>
-                        <a:rPr lang="pt-BR" sz="1800" b="0" strike="noStrike" spc="-1" dirty="0">
+                        <a:rPr lang="pt-BR" sz="1800" b="0" strike="noStrike" spc="-1" dirty="0" smtClean="0">
                           <a:solidFill>
                             <a:srgbClr val="000000"/>
                           </a:solidFill>
@@ -9628,8 +9459,19 @@
                           </a:uFill>
                           <a:latin typeface="Arial"/>
                         </a:rPr>
-                        <a:t>3</a:t>
+                        <a:t>4</a:t>
                       </a:r>
+                      <a:endParaRPr lang="pt-BR" sz="1800" b="0" strike="noStrike" spc="-1" dirty="0">
+                        <a:solidFill>
+                          <a:srgbClr val="000000"/>
+                        </a:solidFill>
+                        <a:uFill>
+                          <a:solidFill>
+                            <a:srgbClr val="FFFFFF"/>
+                          </a:solidFill>
+                        </a:uFill>
+                        <a:latin typeface="Arial"/>
+                      </a:endParaRPr>
                     </a:p>
                   </a:txBody>
                   <a:tcPr marL="30600" marR="30600">
@@ -9668,7 +9510,7 @@
                     <a:lstStyle/>
                     <a:p>
                       <a:r>
-                        <a:rPr lang="pt-BR" sz="1800" b="0" strike="noStrike" spc="-1">
+                        <a:rPr lang="pt-BR" sz="1800" b="0" strike="noStrike" spc="-1" dirty="0">
                           <a:solidFill>
                             <a:srgbClr val="000000"/>
                           </a:solidFill>
@@ -9679,7 +9521,7 @@
                           </a:uFill>
                           <a:latin typeface="Arial"/>
                         </a:rPr>
-                        <a:t>Realizar Coleta</a:t>
+                        <a:t>Gerenciamento de Mensageiros</a:t>
                       </a:r>
                     </a:p>
                   </a:txBody>
@@ -9721,7 +9563,7 @@
                       <a:pPr algn="ctr"/>
                       <a:r>
                         <a:rPr lang="pt-BR" dirty="0" smtClean="0"/>
-                        <a:t>2.0</a:t>
+                        <a:t>2.0.0</a:t>
                       </a:r>
                       <a:endParaRPr lang="pt-BR" dirty="0"/>
                     </a:p>
@@ -9780,8 +9622,12 @@
                       </a:pPr>
                       <a:r>
                         <a:rPr lang="pt-BR" dirty="0" smtClean="0"/>
-                        <a:t>08/06/2017</a:t>
+                        <a:t>22/06/2017</a:t>
                       </a:r>
+                      <a:endParaRPr lang="pt-BR" dirty="0" smtClean="0"/>
+                    </a:p>
+                    <a:p>
+                      <a:endParaRPr lang="pt-BR" dirty="0"/>
                     </a:p>
                   </a:txBody>
                   <a:tcPr marL="30600" marR="30600">
@@ -9823,7 +9669,7 @@
                     <a:p>
                       <a:pPr algn="ctr"/>
                       <a:r>
-                        <a:rPr lang="pt-BR" sz="1800" b="0" strike="noStrike" spc="-1" dirty="0">
+                        <a:rPr lang="pt-BR" sz="1800" b="0" strike="noStrike" spc="-1" dirty="0" smtClean="0">
                           <a:solidFill>
                             <a:srgbClr val="000000"/>
                           </a:solidFill>
@@ -9836,6 +9682,17 @@
                         </a:rPr>
                         <a:t>4</a:t>
                       </a:r>
+                      <a:endParaRPr lang="pt-BR" sz="1800" b="0" strike="noStrike" spc="-1" dirty="0">
+                        <a:solidFill>
+                          <a:srgbClr val="000000"/>
+                        </a:solidFill>
+                        <a:uFill>
+                          <a:solidFill>
+                            <a:srgbClr val="FFFFFF"/>
+                          </a:solidFill>
+                        </a:uFill>
+                        <a:latin typeface="Arial"/>
+                      </a:endParaRPr>
                     </a:p>
                   </a:txBody>
                   <a:tcPr marL="30600" marR="30600">
@@ -9885,7 +9742,7 @@
                           </a:uFill>
                           <a:latin typeface="Arial"/>
                         </a:rPr>
-                        <a:t>Registrar entrega de coleta</a:t>
+                        <a:t>Realizar Coleta</a:t>
                       </a:r>
                     </a:p>
                   </a:txBody>
@@ -9927,7 +9784,254 @@
                       <a:pPr algn="ctr"/>
                       <a:r>
                         <a:rPr lang="pt-BR" dirty="0" smtClean="0"/>
-                        <a:t>2.0</a:t>
+                        <a:t>2.0.0</a:t>
+                      </a:r>
+                      <a:endParaRPr lang="pt-BR" dirty="0"/>
+                    </a:p>
+                  </a:txBody>
+                  <a:tcPr marL="30600" marR="30600">
+                    <a:lnL w="12240">
+                      <a:solidFill>
+                        <a:srgbClr val="FFFFFF"/>
+                      </a:solidFill>
+                    </a:lnL>
+                    <a:lnR w="12240">
+                      <a:solidFill>
+                        <a:srgbClr val="FFFFFF"/>
+                      </a:solidFill>
+                    </a:lnR>
+                    <a:lnT w="12240" cap="flat" cmpd="sng" algn="ctr">
+                      <a:solidFill>
+                        <a:srgbClr val="FFFFFF"/>
+                      </a:solidFill>
+                      <a:prstDash val="solid"/>
+                      <a:round/>
+                      <a:headEnd type="none" w="med" len="med"/>
+                      <a:tailEnd type="none" w="med" len="med"/>
+                    </a:lnT>
+                    <a:lnB w="12240">
+                      <a:solidFill>
+                        <a:srgbClr val="FFFFFF"/>
+                      </a:solidFill>
+                    </a:lnB>
+                    <a:solidFill>
+                      <a:srgbClr val="E7E7E7"/>
+                    </a:solidFill>
+                  </a:tcPr>
+                </a:tc>
+                <a:tc>
+                  <a:txBody>
+                    <a:bodyPr/>
+                    <a:lstStyle/>
+                    <a:p>
+                      <a:pPr marL="0" marR="0" indent="0" algn="l" defTabSz="914400" rtl="0" eaLnBrk="1" fontAlgn="auto" latinLnBrk="0" hangingPunct="1">
+                        <a:lnSpc>
+                          <a:spcPct val="100000"/>
+                        </a:lnSpc>
+                        <a:spcBef>
+                          <a:spcPts val="0"/>
+                        </a:spcBef>
+                        <a:spcAft>
+                          <a:spcPts val="0"/>
+                        </a:spcAft>
+                        <a:buClrTx/>
+                        <a:buSzTx/>
+                        <a:buFontTx/>
+                        <a:buNone/>
+                        <a:tabLst/>
+                        <a:defRPr/>
+                      </a:pPr>
+                      <a:r>
+                        <a:rPr lang="pt-BR" dirty="0" smtClean="0"/>
+                        <a:t>22/06/2017</a:t>
+                      </a:r>
+                      <a:endParaRPr lang="pt-BR" dirty="0" smtClean="0"/>
+                    </a:p>
+                  </a:txBody>
+                  <a:tcPr marL="30600" marR="30600">
+                    <a:lnL w="12240">
+                      <a:solidFill>
+                        <a:srgbClr val="FFFFFF"/>
+                      </a:solidFill>
+                    </a:lnL>
+                    <a:lnR w="12240">
+                      <a:solidFill>
+                        <a:srgbClr val="FFFFFF"/>
+                      </a:solidFill>
+                    </a:lnR>
+                    <a:lnT w="12240" cap="flat" cmpd="sng" algn="ctr">
+                      <a:solidFill>
+                        <a:srgbClr val="FFFFFF"/>
+                      </a:solidFill>
+                      <a:prstDash val="solid"/>
+                      <a:round/>
+                      <a:headEnd type="none" w="med" len="med"/>
+                      <a:tailEnd type="none" w="med" len="med"/>
+                    </a:lnT>
+                    <a:lnB w="12240">
+                      <a:solidFill>
+                        <a:srgbClr val="FFFFFF"/>
+                      </a:solidFill>
+                    </a:lnB>
+                    <a:solidFill>
+                      <a:srgbClr val="E7E7E7"/>
+                    </a:solidFill>
+                  </a:tcPr>
+                </a:tc>
+              </a:tr>
+              <a:tr h="561240">
+                <a:tc>
+                  <a:txBody>
+                    <a:bodyPr/>
+                    <a:lstStyle/>
+                    <a:p>
+                      <a:pPr algn="ctr"/>
+                      <a:r>
+                        <a:rPr lang="pt-BR" sz="1800" b="0" strike="noStrike" spc="-1" dirty="0" smtClean="0">
+                          <a:solidFill>
+                            <a:srgbClr val="000000"/>
+                          </a:solidFill>
+                          <a:uFill>
+                            <a:solidFill>
+                              <a:srgbClr val="FFFFFF"/>
+                            </a:solidFill>
+                          </a:uFill>
+                          <a:latin typeface="Arial"/>
+                        </a:rPr>
+                        <a:t>5</a:t>
+                      </a:r>
+                      <a:endParaRPr lang="pt-BR" sz="1800" b="0" strike="noStrike" spc="-1" dirty="0">
+                        <a:solidFill>
+                          <a:srgbClr val="000000"/>
+                        </a:solidFill>
+                        <a:uFill>
+                          <a:solidFill>
+                            <a:srgbClr val="FFFFFF"/>
+                          </a:solidFill>
+                        </a:uFill>
+                        <a:latin typeface="Arial"/>
+                      </a:endParaRPr>
+                    </a:p>
+                  </a:txBody>
+                  <a:tcPr marL="30600" marR="30600">
+                    <a:lnL w="12240">
+                      <a:solidFill>
+                        <a:srgbClr val="FFFFFF"/>
+                      </a:solidFill>
+                    </a:lnL>
+                    <a:lnR w="12240">
+                      <a:solidFill>
+                        <a:srgbClr val="FFFFFF"/>
+                      </a:solidFill>
+                    </a:lnR>
+                    <a:lnT w="12240" cap="flat" cmpd="sng" algn="ctr">
+                      <a:solidFill>
+                        <a:srgbClr val="FFFFFF"/>
+                      </a:solidFill>
+                      <a:prstDash val="solid"/>
+                      <a:round/>
+                      <a:headEnd type="none" w="med" len="med"/>
+                      <a:tailEnd type="none" w="med" len="med"/>
+                    </a:lnT>
+                    <a:lnB w="12240">
+                      <a:solidFill>
+                        <a:srgbClr val="FFFFFF"/>
+                      </a:solidFill>
+                    </a:lnB>
+                    <a:solidFill>
+                      <a:srgbClr val="E7E7E7"/>
+                    </a:solidFill>
+                  </a:tcPr>
+                </a:tc>
+                <a:tc>
+                  <a:txBody>
+                    <a:bodyPr/>
+                    <a:lstStyle/>
+                    <a:p>
+                      <a:pPr marL="0" marR="0" indent="0" algn="l" defTabSz="914400" rtl="0" eaLnBrk="1" fontAlgn="auto" latinLnBrk="0" hangingPunct="1">
+                        <a:lnSpc>
+                          <a:spcPct val="100000"/>
+                        </a:lnSpc>
+                        <a:spcBef>
+                          <a:spcPts val="0"/>
+                        </a:spcBef>
+                        <a:spcAft>
+                          <a:spcPts val="0"/>
+                        </a:spcAft>
+                        <a:buClrTx/>
+                        <a:buSzTx/>
+                        <a:buFontTx/>
+                        <a:buNone/>
+                        <a:tabLst/>
+                        <a:defRPr/>
+                      </a:pPr>
+                      <a:r>
+                        <a:rPr lang="pt-BR" sz="1800" b="0" strike="noStrike" spc="-1" dirty="0" smtClean="0">
+                          <a:solidFill>
+                            <a:srgbClr val="000000"/>
+                          </a:solidFill>
+                          <a:uFill>
+                            <a:solidFill>
+                              <a:srgbClr val="FFFFFF"/>
+                            </a:solidFill>
+                          </a:uFill>
+                          <a:latin typeface="+mn-lt"/>
+                          <a:ea typeface="+mn-ea"/>
+                        </a:rPr>
+                        <a:t>Gerenciamento de Campanhas</a:t>
+                      </a:r>
+                      <a:endParaRPr lang="pt-BR" sz="1800" b="0" strike="noStrike" spc="-1" dirty="0" smtClean="0">
+                        <a:solidFill>
+                          <a:srgbClr val="000000"/>
+                        </a:solidFill>
+                        <a:uFill>
+                          <a:solidFill>
+                            <a:srgbClr val="FFFFFF"/>
+                          </a:solidFill>
+                        </a:uFill>
+                        <a:latin typeface="+mn-lt"/>
+                      </a:endParaRPr>
+                    </a:p>
+                  </a:txBody>
+                  <a:tcPr marL="30600" marR="30600">
+                    <a:lnL w="12240">
+                      <a:solidFill>
+                        <a:srgbClr val="FFFFFF"/>
+                      </a:solidFill>
+                    </a:lnL>
+                    <a:lnR w="12240">
+                      <a:solidFill>
+                        <a:srgbClr val="FFFFFF"/>
+                      </a:solidFill>
+                    </a:lnR>
+                    <a:lnT w="12240" cap="flat" cmpd="sng" algn="ctr">
+                      <a:solidFill>
+                        <a:srgbClr val="FFFFFF"/>
+                      </a:solidFill>
+                      <a:prstDash val="solid"/>
+                      <a:round/>
+                      <a:headEnd type="none" w="med" len="med"/>
+                      <a:tailEnd type="none" w="med" len="med"/>
+                    </a:lnT>
+                    <a:lnB w="12240">
+                      <a:solidFill>
+                        <a:srgbClr val="FFFFFF"/>
+                      </a:solidFill>
+                    </a:lnB>
+                    <a:solidFill>
+                      <a:srgbClr val="E7E7E7"/>
+                    </a:solidFill>
+                  </a:tcPr>
+                </a:tc>
+                <a:tc>
+                  <a:txBody>
+                    <a:bodyPr/>
+                    <a:lstStyle/>
+                    <a:p>
+                      <a:pPr algn="ctr"/>
+                      <a:r>
+                        <a:rPr lang="pt-BR" dirty="0" smtClean="0"/>
+                        <a:t>2.0.0</a:t>
                       </a:r>
                       <a:endParaRPr lang="pt-BR" dirty="0"/>
                     </a:p>
@@ -9969,7 +10073,7 @@
                     <a:p>
                       <a:r>
                         <a:rPr lang="pt-BR" dirty="0" smtClean="0"/>
-                        <a:t>22/06/2017</a:t>
+                        <a:t>13/07/2017</a:t>
                       </a:r>
                       <a:endParaRPr lang="pt-BR" dirty="0"/>
                     </a:p>
@@ -10137,14 +10241,14 @@
           <p:nvPr>
             <p:extLst>
               <p:ext uri="{D42A27DB-BD31-4B8C-83A1-F6EECF244321}">
-                <p14:modId xmlns:p14="http://schemas.microsoft.com/office/powerpoint/2010/main" val="1359071586"/>
+                <p14:modId xmlns:p14="http://schemas.microsoft.com/office/powerpoint/2010/main" val="2487941767"/>
               </p:ext>
             </p:extLst>
           </p:nvPr>
         </p:nvGraphicFramePr>
         <p:xfrm>
           <a:off x="755779" y="1253880"/>
-          <a:ext cx="7848220" cy="3525120"/>
+          <a:ext cx="7848220" cy="1920240"/>
         </p:xfrm>
         <a:graphic>
           <a:graphicData uri="http://schemas.openxmlformats.org/drawingml/2006/table">
@@ -10426,716 +10530,7 @@
                         </a:lnSpc>
                       </a:pPr>
                       <a:r>
-                        <a:rPr lang="pt-BR" sz="1800" b="0" strike="noStrike" spc="-1" dirty="0">
-                          <a:solidFill>
-                            <a:srgbClr val="000000"/>
-                          </a:solidFill>
-                          <a:uFill>
-                            <a:solidFill>
-                              <a:srgbClr val="FFFFFF"/>
-                            </a:solidFill>
-                          </a:uFill>
-                          <a:latin typeface="Arial"/>
-                          <a:ea typeface="DejaVu Sans"/>
-                        </a:rPr>
-                        <a:t>4</a:t>
-                      </a:r>
-                      <a:endParaRPr lang="pt-BR" sz="1800" b="0" strike="noStrike" spc="-1" dirty="0">
-                        <a:solidFill>
-                          <a:srgbClr val="000000"/>
-                        </a:solidFill>
-                        <a:uFill>
-                          <a:solidFill>
-                            <a:srgbClr val="FFFFFF"/>
-                          </a:solidFill>
-                        </a:uFill>
-                        <a:latin typeface="Arial"/>
-                      </a:endParaRPr>
-                    </a:p>
-                  </a:txBody>
-                  <a:tcPr marL="30600" marR="30600">
-                    <a:lnL w="12240">
-                      <a:solidFill>
-                        <a:srgbClr val="FFFFFF"/>
-                      </a:solidFill>
-                    </a:lnL>
-                    <a:lnR w="12240">
-                      <a:solidFill>
-                        <a:srgbClr val="FFFFFF"/>
-                      </a:solidFill>
-                    </a:lnR>
-                    <a:lnT w="38160">
-                      <a:solidFill>
-                        <a:srgbClr val="FFFFFF"/>
-                      </a:solidFill>
-                    </a:lnT>
-                    <a:lnB w="38160">
-                      <a:solidFill>
-                        <a:srgbClr val="FFFFFF"/>
-                      </a:solidFill>
-                    </a:lnB>
-                    <a:solidFill>
-                      <a:srgbClr val="E7E7E7"/>
-                    </a:solidFill>
-                  </a:tcPr>
-                </a:tc>
-                <a:tc>
-                  <a:txBody>
-                    <a:bodyPr/>
-                    <a:lstStyle/>
-                    <a:p>
-                      <a:pPr>
-                        <a:lnSpc>
-                          <a:spcPct val="100000"/>
-                        </a:lnSpc>
-                      </a:pPr>
-                      <a:r>
-                        <a:rPr lang="pt-BR" sz="1800" b="0" strike="noStrike" spc="-1" dirty="0">
-                          <a:solidFill>
-                            <a:srgbClr val="000000"/>
-                          </a:solidFill>
-                          <a:uFill>
-                            <a:solidFill>
-                              <a:srgbClr val="FFFFFF"/>
-                            </a:solidFill>
-                          </a:uFill>
-                          <a:latin typeface="Arial"/>
-                          <a:ea typeface="DejaVu Sans"/>
-                        </a:rPr>
-                        <a:t>Gerenciamento de Campanhas</a:t>
-                      </a:r>
-                      <a:endParaRPr lang="pt-BR" sz="1800" b="0" strike="noStrike" spc="-1" dirty="0">
-                        <a:solidFill>
-                          <a:srgbClr val="000000"/>
-                        </a:solidFill>
-                        <a:uFill>
-                          <a:solidFill>
-                            <a:srgbClr val="FFFFFF"/>
-                          </a:solidFill>
-                        </a:uFill>
-                        <a:latin typeface="Arial"/>
-                      </a:endParaRPr>
-                    </a:p>
-                  </a:txBody>
-                  <a:tcPr marL="30600" marR="30600">
-                    <a:lnL w="12240">
-                      <a:solidFill>
-                        <a:srgbClr val="FFFFFF"/>
-                      </a:solidFill>
-                    </a:lnL>
-                    <a:lnR w="12240">
-                      <a:solidFill>
-                        <a:srgbClr val="FFFFFF"/>
-                      </a:solidFill>
-                    </a:lnR>
-                    <a:lnT w="38160">
-                      <a:solidFill>
-                        <a:srgbClr val="FFFFFF"/>
-                      </a:solidFill>
-                    </a:lnT>
-                    <a:lnB w="38160">
-                      <a:solidFill>
-                        <a:srgbClr val="FFFFFF"/>
-                      </a:solidFill>
-                    </a:lnB>
-                    <a:solidFill>
-                      <a:srgbClr val="E7E7E7"/>
-                    </a:solidFill>
-                  </a:tcPr>
-                </a:tc>
-                <a:tc>
-                  <a:txBody>
-                    <a:bodyPr/>
-                    <a:lstStyle/>
-                    <a:p>
-                      <a:pPr algn="ctr">
-                        <a:lnSpc>
-                          <a:spcPct val="100000"/>
-                        </a:lnSpc>
-                      </a:pPr>
-                      <a:r>
                         <a:rPr lang="pt-BR" sz="1800" b="0" strike="noStrike" spc="-1" dirty="0" smtClean="0">
-                          <a:solidFill>
-                            <a:srgbClr val="000000"/>
-                          </a:solidFill>
-                          <a:uFill>
-                            <a:solidFill>
-                              <a:srgbClr val="FFFFFF"/>
-                            </a:solidFill>
-                          </a:uFill>
-                          <a:latin typeface="Arial"/>
-                        </a:rPr>
-                        <a:t>2.0</a:t>
-                      </a:r>
-                      <a:endParaRPr lang="pt-BR" sz="1800" b="0" strike="noStrike" spc="-1" dirty="0">
-                        <a:solidFill>
-                          <a:srgbClr val="000000"/>
-                        </a:solidFill>
-                        <a:uFill>
-                          <a:solidFill>
-                            <a:srgbClr val="FFFFFF"/>
-                          </a:solidFill>
-                        </a:uFill>
-                        <a:latin typeface="Arial"/>
-                      </a:endParaRPr>
-                    </a:p>
-                  </a:txBody>
-                  <a:tcPr marL="30600" marR="30600">
-                    <a:lnL w="12240">
-                      <a:solidFill>
-                        <a:srgbClr val="FFFFFF"/>
-                      </a:solidFill>
-                    </a:lnL>
-                    <a:lnR w="12240">
-                      <a:solidFill>
-                        <a:srgbClr val="FFFFFF"/>
-                      </a:solidFill>
-                    </a:lnR>
-                    <a:lnT w="38160">
-                      <a:solidFill>
-                        <a:srgbClr val="FFFFFF"/>
-                      </a:solidFill>
-                    </a:lnT>
-                    <a:lnB w="38160">
-                      <a:solidFill>
-                        <a:srgbClr val="FFFFFF"/>
-                      </a:solidFill>
-                    </a:lnB>
-                    <a:solidFill>
-                      <a:srgbClr val="E7E7E7"/>
-                    </a:solidFill>
-                  </a:tcPr>
-                </a:tc>
-                <a:tc>
-                  <a:txBody>
-                    <a:bodyPr/>
-                    <a:lstStyle/>
-                    <a:p>
-                      <a:pPr>
-                        <a:lnSpc>
-                          <a:spcPct val="100000"/>
-                        </a:lnSpc>
-                      </a:pPr>
-                      <a:r>
-                        <a:rPr lang="pt-BR" sz="1800" b="0" strike="noStrike" spc="-1" dirty="0" smtClean="0">
-                          <a:solidFill>
-                            <a:srgbClr val="000000"/>
-                          </a:solidFill>
-                          <a:uFill>
-                            <a:solidFill>
-                              <a:srgbClr val="FFFFFF"/>
-                            </a:solidFill>
-                          </a:uFill>
-                          <a:latin typeface="Arial"/>
-                          <a:ea typeface="DejaVu Sans"/>
-                        </a:rPr>
-                        <a:t>22/06/2017</a:t>
-                      </a:r>
-                      <a:endParaRPr lang="pt-BR" sz="1800" b="0" strike="noStrike" spc="-1" dirty="0">
-                        <a:solidFill>
-                          <a:srgbClr val="000000"/>
-                        </a:solidFill>
-                        <a:uFill>
-                          <a:solidFill>
-                            <a:srgbClr val="FFFFFF"/>
-                          </a:solidFill>
-                        </a:uFill>
-                        <a:latin typeface="Arial"/>
-                      </a:endParaRPr>
-                    </a:p>
-                  </a:txBody>
-                  <a:tcPr marL="30600" marR="30600">
-                    <a:lnL w="12240">
-                      <a:solidFill>
-                        <a:srgbClr val="FFFFFF"/>
-                      </a:solidFill>
-                    </a:lnL>
-                    <a:lnR w="12240">
-                      <a:solidFill>
-                        <a:srgbClr val="FFFFFF"/>
-                      </a:solidFill>
-                    </a:lnR>
-                    <a:lnT w="38160">
-                      <a:solidFill>
-                        <a:srgbClr val="FFFFFF"/>
-                      </a:solidFill>
-                    </a:lnT>
-                    <a:lnB w="38160">
-                      <a:solidFill>
-                        <a:srgbClr val="FFFFFF"/>
-                      </a:solidFill>
-                    </a:lnB>
-                    <a:solidFill>
-                      <a:srgbClr val="E7E7E7"/>
-                    </a:solidFill>
-                  </a:tcPr>
-                </a:tc>
-              </a:tr>
-              <a:tr h="561240">
-                <a:tc>
-                  <a:txBody>
-                    <a:bodyPr/>
-                    <a:lstStyle/>
-                    <a:p>
-                      <a:pPr algn="ctr"/>
-                      <a:r>
-                        <a:rPr lang="pt-BR" sz="1800" b="0" strike="noStrike" spc="-1" dirty="0">
-                          <a:solidFill>
-                            <a:srgbClr val="000000"/>
-                          </a:solidFill>
-                          <a:uFill>
-                            <a:solidFill>
-                              <a:srgbClr val="FFFFFF"/>
-                            </a:solidFill>
-                          </a:uFill>
-                          <a:latin typeface="Arial"/>
-                        </a:rPr>
-                        <a:t>5</a:t>
-                      </a:r>
-                    </a:p>
-                  </a:txBody>
-                  <a:tcPr marL="30600" marR="30600">
-                    <a:lnL w="12240">
-                      <a:solidFill>
-                        <a:srgbClr val="FFFFFF"/>
-                      </a:solidFill>
-                    </a:lnL>
-                    <a:lnR w="12240">
-                      <a:solidFill>
-                        <a:srgbClr val="FFFFFF"/>
-                      </a:solidFill>
-                    </a:lnR>
-                    <a:lnT w="38160">
-                      <a:solidFill>
-                        <a:srgbClr val="FFFFFF"/>
-                      </a:solidFill>
-                    </a:lnT>
-                    <a:lnB w="38160">
-                      <a:solidFill>
-                        <a:srgbClr val="FFFFFF"/>
-                      </a:solidFill>
-                    </a:lnB>
-                    <a:solidFill>
-                      <a:srgbClr val="E7E7E7"/>
-                    </a:solidFill>
-                  </a:tcPr>
-                </a:tc>
-                <a:tc>
-                  <a:txBody>
-                    <a:bodyPr/>
-                    <a:lstStyle/>
-                    <a:p>
-                      <a:r>
-                        <a:rPr lang="pt-BR" sz="1800" b="0" strike="noStrike" spc="-1" dirty="0">
-                          <a:solidFill>
-                            <a:srgbClr val="000000"/>
-                          </a:solidFill>
-                          <a:uFill>
-                            <a:solidFill>
-                              <a:srgbClr val="FFFFFF"/>
-                            </a:solidFill>
-                          </a:uFill>
-                          <a:latin typeface="Arial"/>
-                        </a:rPr>
-                        <a:t>Gerenciamento de metas de campanha</a:t>
-                      </a:r>
-                    </a:p>
-                  </a:txBody>
-                  <a:tcPr marL="30600" marR="30600">
-                    <a:lnL w="12240">
-                      <a:solidFill>
-                        <a:srgbClr val="FFFFFF"/>
-                      </a:solidFill>
-                    </a:lnL>
-                    <a:lnR w="12240">
-                      <a:solidFill>
-                        <a:srgbClr val="FFFFFF"/>
-                      </a:solidFill>
-                    </a:lnR>
-                    <a:lnT w="38160">
-                      <a:solidFill>
-                        <a:srgbClr val="FFFFFF"/>
-                      </a:solidFill>
-                    </a:lnT>
-                    <a:lnB w="38160">
-                      <a:solidFill>
-                        <a:srgbClr val="FFFFFF"/>
-                      </a:solidFill>
-                    </a:lnB>
-                    <a:solidFill>
-                      <a:srgbClr val="E7E7E7"/>
-                    </a:solidFill>
-                  </a:tcPr>
-                </a:tc>
-                <a:tc>
-                  <a:txBody>
-                    <a:bodyPr/>
-                    <a:lstStyle/>
-                    <a:p>
-                      <a:pPr algn="ctr"/>
-                      <a:r>
-                        <a:rPr lang="pt-BR" sz="1800" b="0" strike="noStrike" spc="-1" dirty="0">
-                          <a:solidFill>
-                            <a:srgbClr val="000000"/>
-                          </a:solidFill>
-                          <a:uFill>
-                            <a:solidFill>
-                              <a:srgbClr val="FFFFFF"/>
-                            </a:solidFill>
-                          </a:uFill>
-                          <a:latin typeface="Arial"/>
-                        </a:rPr>
-                        <a:t>3</a:t>
-                      </a:r>
-                      <a:r>
-                        <a:rPr lang="pt-BR" sz="1800" b="0" strike="noStrike" spc="-1" dirty="0" smtClean="0">
-                          <a:solidFill>
-                            <a:srgbClr val="000000"/>
-                          </a:solidFill>
-                          <a:uFill>
-                            <a:solidFill>
-                              <a:srgbClr val="FFFFFF"/>
-                            </a:solidFill>
-                          </a:uFill>
-                          <a:latin typeface="Arial"/>
-                        </a:rPr>
-                        <a:t>.0</a:t>
-                      </a:r>
-                      <a:endParaRPr lang="pt-BR" sz="1800" b="0" strike="noStrike" spc="-1" dirty="0">
-                        <a:solidFill>
-                          <a:srgbClr val="000000"/>
-                        </a:solidFill>
-                        <a:uFill>
-                          <a:solidFill>
-                            <a:srgbClr val="FFFFFF"/>
-                          </a:solidFill>
-                        </a:uFill>
-                        <a:latin typeface="Arial"/>
-                      </a:endParaRPr>
-                    </a:p>
-                  </a:txBody>
-                  <a:tcPr marL="30600" marR="30600">
-                    <a:lnL w="12240">
-                      <a:solidFill>
-                        <a:srgbClr val="FFFFFF"/>
-                      </a:solidFill>
-                    </a:lnL>
-                    <a:lnR w="12240">
-                      <a:solidFill>
-                        <a:srgbClr val="FFFFFF"/>
-                      </a:solidFill>
-                    </a:lnR>
-                    <a:lnT w="38160">
-                      <a:solidFill>
-                        <a:srgbClr val="FFFFFF"/>
-                      </a:solidFill>
-                    </a:lnT>
-                    <a:lnB w="38160">
-                      <a:solidFill>
-                        <a:srgbClr val="FFFFFF"/>
-                      </a:solidFill>
-                    </a:lnB>
-                    <a:solidFill>
-                      <a:srgbClr val="E7E7E7"/>
-                    </a:solidFill>
-                  </a:tcPr>
-                </a:tc>
-                <a:tc>
-                  <a:txBody>
-                    <a:bodyPr/>
-                    <a:lstStyle/>
-                    <a:p>
-                      <a:r>
-                        <a:rPr lang="pt-BR" sz="1800" b="0" strike="noStrike" spc="-1" dirty="0" smtClean="0">
-                          <a:solidFill>
-                            <a:srgbClr val="000000"/>
-                          </a:solidFill>
-                          <a:uFill>
-                            <a:solidFill>
-                              <a:srgbClr val="FFFFFF"/>
-                            </a:solidFill>
-                          </a:uFill>
-                          <a:latin typeface="Arial"/>
-                        </a:rPr>
-                        <a:t>13/07/2017</a:t>
-                      </a:r>
-                      <a:endParaRPr lang="pt-BR" sz="1800" b="0" strike="noStrike" spc="-1" dirty="0">
-                        <a:solidFill>
-                          <a:srgbClr val="000000"/>
-                        </a:solidFill>
-                        <a:uFill>
-                          <a:solidFill>
-                            <a:srgbClr val="FFFFFF"/>
-                          </a:solidFill>
-                        </a:uFill>
-                        <a:latin typeface="Arial"/>
-                      </a:endParaRPr>
-                    </a:p>
-                  </a:txBody>
-                  <a:tcPr marL="30600" marR="30600">
-                    <a:lnL w="12240">
-                      <a:solidFill>
-                        <a:srgbClr val="FFFFFF"/>
-                      </a:solidFill>
-                    </a:lnL>
-                    <a:lnR w="12240">
-                      <a:solidFill>
-                        <a:srgbClr val="FFFFFF"/>
-                      </a:solidFill>
-                    </a:lnR>
-                    <a:lnT w="38160">
-                      <a:solidFill>
-                        <a:srgbClr val="FFFFFF"/>
-                      </a:solidFill>
-                    </a:lnT>
-                    <a:lnB w="38160">
-                      <a:solidFill>
-                        <a:srgbClr val="FFFFFF"/>
-                      </a:solidFill>
-                    </a:lnB>
-                    <a:solidFill>
-                      <a:srgbClr val="E7E7E7"/>
-                    </a:solidFill>
-                  </a:tcPr>
-                </a:tc>
-              </a:tr>
-              <a:tr h="561240">
-                <a:tc>
-                  <a:txBody>
-                    <a:bodyPr/>
-                    <a:lstStyle/>
-                    <a:p>
-                      <a:pPr algn="ctr"/>
-                      <a:r>
-                        <a:rPr lang="pt-BR" sz="1800" b="0" strike="noStrike" spc="-1" dirty="0">
-                          <a:solidFill>
-                            <a:srgbClr val="000000"/>
-                          </a:solidFill>
-                          <a:uFill>
-                            <a:solidFill>
-                              <a:srgbClr val="FFFFFF"/>
-                            </a:solidFill>
-                          </a:uFill>
-                          <a:latin typeface="Arial"/>
-                        </a:rPr>
-                        <a:t>5</a:t>
-                      </a:r>
-                    </a:p>
-                  </a:txBody>
-                  <a:tcPr marL="30600" marR="30600">
-                    <a:lnL w="12240">
-                      <a:solidFill>
-                        <a:srgbClr val="FFFFFF"/>
-                      </a:solidFill>
-                    </a:lnL>
-                    <a:lnR w="12240">
-                      <a:solidFill>
-                        <a:srgbClr val="FFFFFF"/>
-                      </a:solidFill>
-                    </a:lnR>
-                    <a:lnT w="38160">
-                      <a:solidFill>
-                        <a:srgbClr val="FFFFFF"/>
-                      </a:solidFill>
-                    </a:lnT>
-                    <a:lnB w="12240">
-                      <a:solidFill>
-                        <a:srgbClr val="FFFFFF"/>
-                      </a:solidFill>
-                    </a:lnB>
-                    <a:solidFill>
-                      <a:srgbClr val="E7E7E7"/>
-                    </a:solidFill>
-                  </a:tcPr>
-                </a:tc>
-                <a:tc>
-                  <a:txBody>
-                    <a:bodyPr/>
-                    <a:lstStyle/>
-                    <a:p>
-                      <a:r>
-                        <a:rPr lang="pt-BR" sz="1800" b="0" strike="noStrike" spc="-1" dirty="0">
-                          <a:solidFill>
-                            <a:srgbClr val="000000"/>
-                          </a:solidFill>
-                          <a:uFill>
-                            <a:solidFill>
-                              <a:srgbClr val="FFFFFF"/>
-                            </a:solidFill>
-                          </a:uFill>
-                          <a:latin typeface="Arial"/>
-                        </a:rPr>
-                        <a:t>Acompanhamento de doações</a:t>
-                      </a:r>
-                    </a:p>
-                  </a:txBody>
-                  <a:tcPr marL="30600" marR="30600">
-                    <a:lnL w="12240">
-                      <a:solidFill>
-                        <a:srgbClr val="FFFFFF"/>
-                      </a:solidFill>
-                    </a:lnL>
-                    <a:lnR w="12240">
-                      <a:solidFill>
-                        <a:srgbClr val="FFFFFF"/>
-                      </a:solidFill>
-                    </a:lnR>
-                    <a:lnT w="38160">
-                      <a:solidFill>
-                        <a:srgbClr val="FFFFFF"/>
-                      </a:solidFill>
-                    </a:lnT>
-                    <a:lnB w="12240">
-                      <a:solidFill>
-                        <a:srgbClr val="FFFFFF"/>
-                      </a:solidFill>
-                    </a:lnB>
-                    <a:solidFill>
-                      <a:srgbClr val="E7E7E7"/>
-                    </a:solidFill>
-                  </a:tcPr>
-                </a:tc>
-                <a:tc>
-                  <a:txBody>
-                    <a:bodyPr/>
-                    <a:lstStyle/>
-                    <a:p>
-                      <a:pPr algn="ctr"/>
-                      <a:r>
-                        <a:rPr lang="pt-BR" sz="1800" b="0" strike="noStrike" spc="-1" dirty="0">
-                          <a:solidFill>
-                            <a:srgbClr val="000000"/>
-                          </a:solidFill>
-                          <a:uFill>
-                            <a:solidFill>
-                              <a:srgbClr val="FFFFFF"/>
-                            </a:solidFill>
-                          </a:uFill>
-                          <a:latin typeface="Arial"/>
-                        </a:rPr>
-                        <a:t>3</a:t>
-                      </a:r>
-                      <a:r>
-                        <a:rPr lang="pt-BR" sz="1800" b="0" strike="noStrike" spc="-1" dirty="0" smtClean="0">
-                          <a:solidFill>
-                            <a:srgbClr val="000000"/>
-                          </a:solidFill>
-                          <a:uFill>
-                            <a:solidFill>
-                              <a:srgbClr val="FFFFFF"/>
-                            </a:solidFill>
-                          </a:uFill>
-                          <a:latin typeface="Arial"/>
-                        </a:rPr>
-                        <a:t>.0</a:t>
-                      </a:r>
-                      <a:endParaRPr lang="pt-BR" sz="1800" b="0" strike="noStrike" spc="-1" dirty="0">
-                        <a:solidFill>
-                          <a:srgbClr val="000000"/>
-                        </a:solidFill>
-                        <a:uFill>
-                          <a:solidFill>
-                            <a:srgbClr val="FFFFFF"/>
-                          </a:solidFill>
-                        </a:uFill>
-                        <a:latin typeface="Arial"/>
-                      </a:endParaRPr>
-                    </a:p>
-                  </a:txBody>
-                  <a:tcPr marL="30600" marR="30600">
-                    <a:lnL w="12240">
-                      <a:solidFill>
-                        <a:srgbClr val="FFFFFF"/>
-                      </a:solidFill>
-                    </a:lnL>
-                    <a:lnR w="12240">
-                      <a:solidFill>
-                        <a:srgbClr val="FFFFFF"/>
-                      </a:solidFill>
-                    </a:lnR>
-                    <a:lnT w="38160">
-                      <a:solidFill>
-                        <a:srgbClr val="FFFFFF"/>
-                      </a:solidFill>
-                    </a:lnT>
-                    <a:lnB w="12240">
-                      <a:solidFill>
-                        <a:srgbClr val="FFFFFF"/>
-                      </a:solidFill>
-                    </a:lnB>
-                    <a:solidFill>
-                      <a:srgbClr val="E7E7E7"/>
-                    </a:solidFill>
-                  </a:tcPr>
-                </a:tc>
-                <a:tc>
-                  <a:txBody>
-                    <a:bodyPr/>
-                    <a:lstStyle/>
-                    <a:p>
-                      <a:r>
-                        <a:rPr lang="pt-BR" sz="1800" b="0" strike="noStrike" spc="-1" dirty="0" smtClean="0">
-                          <a:solidFill>
-                            <a:srgbClr val="000000"/>
-                          </a:solidFill>
-                          <a:uFill>
-                            <a:solidFill>
-                              <a:srgbClr val="FFFFFF"/>
-                            </a:solidFill>
-                          </a:uFill>
-                          <a:latin typeface="Arial"/>
-                        </a:rPr>
-                        <a:t>13/07/2017</a:t>
-                      </a:r>
-                      <a:endParaRPr lang="pt-BR" sz="1800" b="0" strike="noStrike" spc="-1" dirty="0">
-                        <a:solidFill>
-                          <a:srgbClr val="000000"/>
-                        </a:solidFill>
-                        <a:uFill>
-                          <a:solidFill>
-                            <a:srgbClr val="FFFFFF"/>
-                          </a:solidFill>
-                        </a:uFill>
-                        <a:latin typeface="Arial"/>
-                      </a:endParaRPr>
-                    </a:p>
-                  </a:txBody>
-                  <a:tcPr marL="30600" marR="30600">
-                    <a:lnL w="12240">
-                      <a:solidFill>
-                        <a:srgbClr val="FFFFFF"/>
-                      </a:solidFill>
-                    </a:lnL>
-                    <a:lnR w="12240">
-                      <a:solidFill>
-                        <a:srgbClr val="FFFFFF"/>
-                      </a:solidFill>
-                    </a:lnR>
-                    <a:lnT w="38160">
-                      <a:solidFill>
-                        <a:srgbClr val="FFFFFF"/>
-                      </a:solidFill>
-                    </a:lnT>
-                    <a:lnB w="12240">
-                      <a:solidFill>
-                        <a:srgbClr val="FFFFFF"/>
-                      </a:solidFill>
-                    </a:lnB>
-                    <a:solidFill>
-                      <a:srgbClr val="E7E7E7"/>
-                    </a:solidFill>
-                  </a:tcPr>
-                </a:tc>
-              </a:tr>
-              <a:tr h="561240">
-                <a:tc>
-                  <a:txBody>
-                    <a:bodyPr/>
-                    <a:lstStyle/>
-                    <a:p>
-                      <a:pPr algn="ctr"/>
-                      <a:r>
-                        <a:rPr lang="pt-BR" sz="1800" b="0" strike="noStrike" spc="-1" dirty="0">
                           <a:solidFill>
                             <a:srgbClr val="000000"/>
                           </a:solidFill>
@@ -11148,6 +10543,17 @@
                         </a:rPr>
                         <a:t>6</a:t>
                       </a:r>
+                      <a:endParaRPr lang="pt-BR" sz="1800" b="0" strike="noStrike" spc="-1" dirty="0">
+                        <a:solidFill>
+                          <a:srgbClr val="000000"/>
+                        </a:solidFill>
+                        <a:uFill>
+                          <a:solidFill>
+                            <a:srgbClr val="FFFFFF"/>
+                          </a:solidFill>
+                        </a:uFill>
+                        <a:latin typeface="Arial"/>
+                      </a:endParaRPr>
                     </a:p>
                   </a:txBody>
                   <a:tcPr marL="30600" marR="30600">
@@ -11161,300 +10567,12 @@
                         <a:srgbClr val="FFFFFF"/>
                       </a:solidFill>
                     </a:lnR>
-                    <a:lnT w="12240" cap="flat" cmpd="sng" algn="ctr">
-                      <a:solidFill>
-                        <a:srgbClr val="FFFFFF"/>
-                      </a:solidFill>
-                      <a:prstDash val="solid"/>
-                      <a:round/>
-                      <a:headEnd type="none" w="med" len="med"/>
-                      <a:tailEnd type="none" w="med" len="med"/>
+                    <a:lnT w="38160">
+                      <a:solidFill>
+                        <a:srgbClr val="FFFFFF"/>
+                      </a:solidFill>
                     </a:lnT>
-                    <a:lnB w="12240">
-                      <a:solidFill>
-                        <a:srgbClr val="FFFFFF"/>
-                      </a:solidFill>
-                    </a:lnB>
-                    <a:solidFill>
-                      <a:srgbClr val="E7E7E7"/>
-                    </a:solidFill>
-                  </a:tcPr>
-                </a:tc>
-                <a:tc>
-                  <a:txBody>
-                    <a:bodyPr/>
-                    <a:lstStyle/>
-                    <a:p>
-                      <a:r>
-                        <a:rPr lang="pt-BR" sz="1800" b="0" strike="noStrike" spc="-1" dirty="0">
-                          <a:solidFill>
-                            <a:srgbClr val="000000"/>
-                          </a:solidFill>
-                          <a:uFill>
-                            <a:solidFill>
-                              <a:srgbClr val="FFFFFF"/>
-                            </a:solidFill>
-                          </a:uFill>
-                          <a:latin typeface="Arial"/>
-                        </a:rPr>
-                        <a:t>Gerenciamento de doadores</a:t>
-                      </a:r>
-                    </a:p>
-                  </a:txBody>
-                  <a:tcPr marL="30600" marR="30600">
-                    <a:lnL w="12240">
-                      <a:solidFill>
-                        <a:srgbClr val="FFFFFF"/>
-                      </a:solidFill>
-                    </a:lnL>
-                    <a:lnR w="12240">
-                      <a:solidFill>
-                        <a:srgbClr val="FFFFFF"/>
-                      </a:solidFill>
-                    </a:lnR>
-                    <a:lnT w="12240" cap="flat" cmpd="sng" algn="ctr">
-                      <a:solidFill>
-                        <a:srgbClr val="FFFFFF"/>
-                      </a:solidFill>
-                      <a:prstDash val="solid"/>
-                      <a:round/>
-                      <a:headEnd type="none" w="med" len="med"/>
-                      <a:tailEnd type="none" w="med" len="med"/>
-                    </a:lnT>
-                    <a:lnB w="12240">
-                      <a:solidFill>
-                        <a:srgbClr val="FFFFFF"/>
-                      </a:solidFill>
-                    </a:lnB>
-                    <a:solidFill>
-                      <a:srgbClr val="E7E7E7"/>
-                    </a:solidFill>
-                  </a:tcPr>
-                </a:tc>
-                <a:tc>
-                  <a:txBody>
-                    <a:bodyPr/>
-                    <a:lstStyle/>
-                    <a:p>
-                      <a:pPr algn="ctr"/>
-                      <a:r>
-                        <a:rPr lang="pt-BR" dirty="0" smtClean="0"/>
-                        <a:t>3.0</a:t>
-                      </a:r>
-                      <a:endParaRPr lang="pt-BR" dirty="0"/>
-                    </a:p>
-                  </a:txBody>
-                  <a:tcPr marL="30600" marR="30600">
-                    <a:lnL w="12240">
-                      <a:solidFill>
-                        <a:srgbClr val="FFFFFF"/>
-                      </a:solidFill>
-                    </a:lnL>
-                    <a:lnR w="12240">
-                      <a:solidFill>
-                        <a:srgbClr val="FFFFFF"/>
-                      </a:solidFill>
-                    </a:lnR>
-                    <a:lnT w="12240" cap="flat" cmpd="sng" algn="ctr">
-                      <a:solidFill>
-                        <a:srgbClr val="FFFFFF"/>
-                      </a:solidFill>
-                      <a:prstDash val="solid"/>
-                      <a:round/>
-                      <a:headEnd type="none" w="med" len="med"/>
-                      <a:tailEnd type="none" w="med" len="med"/>
-                    </a:lnT>
-                    <a:lnB w="12240">
-                      <a:solidFill>
-                        <a:srgbClr val="FFFFFF"/>
-                      </a:solidFill>
-                    </a:lnB>
-                    <a:solidFill>
-                      <a:srgbClr val="E7E7E7"/>
-                    </a:solidFill>
-                  </a:tcPr>
-                </a:tc>
-                <a:tc>
-                  <a:txBody>
-                    <a:bodyPr/>
-                    <a:lstStyle/>
-                    <a:p>
-                      <a:r>
-                        <a:rPr lang="pt-BR" dirty="0" smtClean="0"/>
-                        <a:t>27/07/2017</a:t>
-                      </a:r>
-                      <a:endParaRPr lang="pt-BR" dirty="0"/>
-                    </a:p>
-                  </a:txBody>
-                  <a:tcPr marL="30600" marR="30600">
-                    <a:lnL w="12240">
-                      <a:solidFill>
-                        <a:srgbClr val="FFFFFF"/>
-                      </a:solidFill>
-                    </a:lnL>
-                    <a:lnR w="12240">
-                      <a:solidFill>
-                        <a:srgbClr val="FFFFFF"/>
-                      </a:solidFill>
-                    </a:lnR>
-                    <a:lnT w="12240" cap="flat" cmpd="sng" algn="ctr">
-                      <a:solidFill>
-                        <a:srgbClr val="FFFFFF"/>
-                      </a:solidFill>
-                      <a:prstDash val="solid"/>
-                      <a:round/>
-                      <a:headEnd type="none" w="med" len="med"/>
-                      <a:tailEnd type="none" w="med" len="med"/>
-                    </a:lnT>
-                    <a:lnB w="12240">
-                      <a:solidFill>
-                        <a:srgbClr val="FFFFFF"/>
-                      </a:solidFill>
-                    </a:lnB>
-                    <a:solidFill>
-                      <a:srgbClr val="E7E7E7"/>
-                    </a:solidFill>
-                  </a:tcPr>
-                </a:tc>
-              </a:tr>
-              <a:tr h="561240">
-                <a:tc>
-                  <a:txBody>
-                    <a:bodyPr/>
-                    <a:lstStyle/>
-                    <a:p>
-                      <a:pPr algn="ctr"/>
-                      <a:r>
-                        <a:rPr lang="pt-BR" sz="1800" b="0" strike="noStrike" spc="-1" dirty="0">
-                          <a:solidFill>
-                            <a:srgbClr val="000000"/>
-                          </a:solidFill>
-                          <a:uFill>
-                            <a:solidFill>
-                              <a:srgbClr val="FFFFFF"/>
-                            </a:solidFill>
-                          </a:uFill>
-                          <a:latin typeface="Arial"/>
-                        </a:rPr>
-                        <a:t>6</a:t>
-                      </a:r>
-                    </a:p>
-                  </a:txBody>
-                  <a:tcPr marL="30600" marR="30600">
-                    <a:lnL w="12240">
-                      <a:solidFill>
-                        <a:srgbClr val="FFFFFF"/>
-                      </a:solidFill>
-                    </a:lnL>
-                    <a:lnR w="12240">
-                      <a:solidFill>
-                        <a:srgbClr val="FFFFFF"/>
-                      </a:solidFill>
-                    </a:lnR>
-                    <a:lnT w="12240" cap="flat" cmpd="sng" algn="ctr">
-                      <a:solidFill>
-                        <a:srgbClr val="FFFFFF"/>
-                      </a:solidFill>
-                      <a:prstDash val="solid"/>
-                      <a:round/>
-                      <a:headEnd type="none" w="med" len="med"/>
-                      <a:tailEnd type="none" w="med" len="med"/>
-                    </a:lnT>
-                    <a:lnB w="12240">
-                      <a:solidFill>
-                        <a:srgbClr val="FFFFFF"/>
-                      </a:solidFill>
-                    </a:lnB>
-                    <a:solidFill>
-                      <a:srgbClr val="E7E7E7"/>
-                    </a:solidFill>
-                  </a:tcPr>
-                </a:tc>
-                <a:tc>
-                  <a:txBody>
-                    <a:bodyPr/>
-                    <a:lstStyle/>
-                    <a:p>
-                      <a:r>
-                        <a:rPr lang="pt-BR" sz="1800" b="0" strike="noStrike" spc="-1" dirty="0">
-                          <a:solidFill>
-                            <a:srgbClr val="000000"/>
-                          </a:solidFill>
-                          <a:uFill>
-                            <a:solidFill>
-                              <a:srgbClr val="FFFFFF"/>
-                            </a:solidFill>
-                          </a:uFill>
-                          <a:latin typeface="Arial"/>
-                        </a:rPr>
-                        <a:t>Acompanhamento de coletas</a:t>
-                      </a:r>
-                    </a:p>
-                  </a:txBody>
-                  <a:tcPr marL="30600" marR="30600">
-                    <a:lnL w="12240">
-                      <a:solidFill>
-                        <a:srgbClr val="FFFFFF"/>
-                      </a:solidFill>
-                    </a:lnL>
-                    <a:lnR w="12240">
-                      <a:solidFill>
-                        <a:srgbClr val="FFFFFF"/>
-                      </a:solidFill>
-                    </a:lnR>
-                    <a:lnT w="12240" cap="flat" cmpd="sng" algn="ctr">
-                      <a:solidFill>
-                        <a:srgbClr val="FFFFFF"/>
-                      </a:solidFill>
-                      <a:prstDash val="solid"/>
-                      <a:round/>
-                      <a:headEnd type="none" w="med" len="med"/>
-                      <a:tailEnd type="none" w="med" len="med"/>
-                    </a:lnT>
-                    <a:lnB w="12240">
-                      <a:solidFill>
-                        <a:srgbClr val="FFFFFF"/>
-                      </a:solidFill>
-                    </a:lnB>
-                    <a:solidFill>
-                      <a:srgbClr val="E7E7E7"/>
-                    </a:solidFill>
-                  </a:tcPr>
-                </a:tc>
-                <a:tc>
-                  <a:txBody>
-                    <a:bodyPr/>
-                    <a:lstStyle/>
-                    <a:p>
-                      <a:pPr algn="ctr"/>
-                      <a:r>
-                        <a:rPr lang="pt-BR" dirty="0" smtClean="0"/>
-                        <a:t>3.0</a:t>
-                      </a:r>
-                      <a:endParaRPr lang="pt-BR" dirty="0"/>
-                    </a:p>
-                  </a:txBody>
-                  <a:tcPr marL="30600" marR="30600">
-                    <a:lnL w="12240">
-                      <a:solidFill>
-                        <a:srgbClr val="FFFFFF"/>
-                      </a:solidFill>
-                    </a:lnL>
-                    <a:lnR w="12240">
-                      <a:solidFill>
-                        <a:srgbClr val="FFFFFF"/>
-                      </a:solidFill>
-                    </a:lnR>
-                    <a:lnT w="12240" cap="flat" cmpd="sng" algn="ctr">
-                      <a:solidFill>
-                        <a:srgbClr val="FFFFFF"/>
-                      </a:solidFill>
-                      <a:prstDash val="solid"/>
-                      <a:round/>
-                      <a:headEnd type="none" w="med" len="med"/>
-                      <a:tailEnd type="none" w="med" len="med"/>
-                    </a:lnT>
-                    <a:lnB w="12240">
+                    <a:lnB w="38160">
                       <a:solidFill>
                         <a:srgbClr val="FFFFFF"/>
                       </a:solidFill>
@@ -11487,8 +10605,271 @@
                         <a:defRPr/>
                       </a:pPr>
                       <a:r>
-                        <a:rPr lang="pt-BR" dirty="0" smtClean="0"/>
+                        <a:rPr lang="pt-BR" sz="1800" b="0" strike="noStrike" spc="-1" dirty="0" smtClean="0">
+                          <a:solidFill>
+                            <a:srgbClr val="000000"/>
+                          </a:solidFill>
+                          <a:uFill>
+                            <a:solidFill>
+                              <a:srgbClr val="FFFFFF"/>
+                            </a:solidFill>
+                          </a:uFill>
+                          <a:latin typeface="+mn-lt"/>
+                        </a:rPr>
+                        <a:t>Registrar entrega de coleta</a:t>
+                      </a:r>
+                    </a:p>
+                    <a:p>
+                      <a:pPr>
+                        <a:lnSpc>
+                          <a:spcPct val="100000"/>
+                        </a:lnSpc>
+                      </a:pPr>
+                      <a:endParaRPr lang="pt-BR" sz="1800" b="0" strike="noStrike" spc="-1" dirty="0">
+                        <a:solidFill>
+                          <a:srgbClr val="000000"/>
+                        </a:solidFill>
+                        <a:uFill>
+                          <a:solidFill>
+                            <a:srgbClr val="FFFFFF"/>
+                          </a:solidFill>
+                        </a:uFill>
+                        <a:latin typeface="Arial"/>
+                      </a:endParaRPr>
+                    </a:p>
+                  </a:txBody>
+                  <a:tcPr marL="30600" marR="30600">
+                    <a:lnL w="12240">
+                      <a:solidFill>
+                        <a:srgbClr val="FFFFFF"/>
+                      </a:solidFill>
+                    </a:lnL>
+                    <a:lnR w="12240">
+                      <a:solidFill>
+                        <a:srgbClr val="FFFFFF"/>
+                      </a:solidFill>
+                    </a:lnR>
+                    <a:lnT w="38160">
+                      <a:solidFill>
+                        <a:srgbClr val="FFFFFF"/>
+                      </a:solidFill>
+                    </a:lnT>
+                    <a:lnB w="38160">
+                      <a:solidFill>
+                        <a:srgbClr val="FFFFFF"/>
+                      </a:solidFill>
+                    </a:lnB>
+                    <a:solidFill>
+                      <a:srgbClr val="E7E7E7"/>
+                    </a:solidFill>
+                  </a:tcPr>
+                </a:tc>
+                <a:tc>
+                  <a:txBody>
+                    <a:bodyPr/>
+                    <a:lstStyle/>
+                    <a:p>
+                      <a:pPr algn="ctr">
+                        <a:lnSpc>
+                          <a:spcPct val="100000"/>
+                        </a:lnSpc>
+                      </a:pPr>
+                      <a:r>
+                        <a:rPr lang="pt-BR" sz="1800" b="0" strike="noStrike" spc="-1" dirty="0" smtClean="0">
+                          <a:solidFill>
+                            <a:srgbClr val="000000"/>
+                          </a:solidFill>
+                          <a:uFill>
+                            <a:solidFill>
+                              <a:srgbClr val="FFFFFF"/>
+                            </a:solidFill>
+                          </a:uFill>
+                          <a:latin typeface="Arial"/>
+                        </a:rPr>
+                        <a:t>3.0.0</a:t>
+                      </a:r>
+                      <a:endParaRPr lang="pt-BR" sz="1800" b="0" strike="noStrike" spc="-1" dirty="0">
+                        <a:solidFill>
+                          <a:srgbClr val="000000"/>
+                        </a:solidFill>
+                        <a:uFill>
+                          <a:solidFill>
+                            <a:srgbClr val="FFFFFF"/>
+                          </a:solidFill>
+                        </a:uFill>
+                        <a:latin typeface="Arial"/>
+                      </a:endParaRPr>
+                    </a:p>
+                  </a:txBody>
+                  <a:tcPr marL="30600" marR="30600">
+                    <a:lnL w="12240">
+                      <a:solidFill>
+                        <a:srgbClr val="FFFFFF"/>
+                      </a:solidFill>
+                    </a:lnL>
+                    <a:lnR w="12240">
+                      <a:solidFill>
+                        <a:srgbClr val="FFFFFF"/>
+                      </a:solidFill>
+                    </a:lnR>
+                    <a:lnT w="38160">
+                      <a:solidFill>
+                        <a:srgbClr val="FFFFFF"/>
+                      </a:solidFill>
+                    </a:lnT>
+                    <a:lnB w="38160">
+                      <a:solidFill>
+                        <a:srgbClr val="FFFFFF"/>
+                      </a:solidFill>
+                    </a:lnB>
+                    <a:solidFill>
+                      <a:srgbClr val="E7E7E7"/>
+                    </a:solidFill>
+                  </a:tcPr>
+                </a:tc>
+                <a:tc>
+                  <a:txBody>
+                    <a:bodyPr/>
+                    <a:lstStyle/>
+                    <a:p>
+                      <a:pPr>
+                        <a:lnSpc>
+                          <a:spcPct val="100000"/>
+                        </a:lnSpc>
+                      </a:pPr>
+                      <a:r>
+                        <a:rPr lang="pt-BR" sz="1800" b="0" strike="noStrike" spc="-1" dirty="0" smtClean="0">
+                          <a:solidFill>
+                            <a:srgbClr val="000000"/>
+                          </a:solidFill>
+                          <a:uFill>
+                            <a:solidFill>
+                              <a:srgbClr val="FFFFFF"/>
+                            </a:solidFill>
+                          </a:uFill>
+                          <a:latin typeface="Arial"/>
+                          <a:ea typeface="DejaVu Sans"/>
+                        </a:rPr>
                         <a:t>27/07/2017</a:t>
+                      </a:r>
+                      <a:endParaRPr lang="pt-BR" sz="1800" b="0" strike="noStrike" spc="-1" dirty="0">
+                        <a:solidFill>
+                          <a:srgbClr val="000000"/>
+                        </a:solidFill>
+                        <a:uFill>
+                          <a:solidFill>
+                            <a:srgbClr val="FFFFFF"/>
+                          </a:solidFill>
+                        </a:uFill>
+                        <a:latin typeface="Arial"/>
+                      </a:endParaRPr>
+                    </a:p>
+                  </a:txBody>
+                  <a:tcPr marL="30600" marR="30600">
+                    <a:lnL w="12240">
+                      <a:solidFill>
+                        <a:srgbClr val="FFFFFF"/>
+                      </a:solidFill>
+                    </a:lnL>
+                    <a:lnR w="12240">
+                      <a:solidFill>
+                        <a:srgbClr val="FFFFFF"/>
+                      </a:solidFill>
+                    </a:lnR>
+                    <a:lnT w="38160">
+                      <a:solidFill>
+                        <a:srgbClr val="FFFFFF"/>
+                      </a:solidFill>
+                    </a:lnT>
+                    <a:lnB w="38160">
+                      <a:solidFill>
+                        <a:srgbClr val="FFFFFF"/>
+                      </a:solidFill>
+                    </a:lnB>
+                    <a:solidFill>
+                      <a:srgbClr val="E7E7E7"/>
+                    </a:solidFill>
+                  </a:tcPr>
+                </a:tc>
+              </a:tr>
+              <a:tr h="561240">
+                <a:tc>
+                  <a:txBody>
+                    <a:bodyPr/>
+                    <a:lstStyle/>
+                    <a:p>
+                      <a:pPr algn="ctr"/>
+                      <a:r>
+                        <a:rPr lang="pt-BR" sz="1800" b="0" strike="noStrike" spc="-1" dirty="0" smtClean="0">
+                          <a:solidFill>
+                            <a:srgbClr val="000000"/>
+                          </a:solidFill>
+                          <a:uFill>
+                            <a:solidFill>
+                              <a:srgbClr val="FFFFFF"/>
+                            </a:solidFill>
+                          </a:uFill>
+                          <a:latin typeface="Arial"/>
+                        </a:rPr>
+                        <a:t>6</a:t>
+                      </a:r>
+                      <a:endParaRPr lang="pt-BR" sz="1800" b="0" strike="noStrike" spc="-1" dirty="0">
+                        <a:solidFill>
+                          <a:srgbClr val="000000"/>
+                        </a:solidFill>
+                        <a:uFill>
+                          <a:solidFill>
+                            <a:srgbClr val="FFFFFF"/>
+                          </a:solidFill>
+                        </a:uFill>
+                        <a:latin typeface="Arial"/>
+                      </a:endParaRPr>
+                    </a:p>
+                  </a:txBody>
+                  <a:tcPr marL="30600" marR="30600">
+                    <a:lnL w="12240">
+                      <a:solidFill>
+                        <a:srgbClr val="FFFFFF"/>
+                      </a:solidFill>
+                    </a:lnL>
+                    <a:lnR w="12240">
+                      <a:solidFill>
+                        <a:srgbClr val="FFFFFF"/>
+                      </a:solidFill>
+                    </a:lnR>
+                    <a:lnT w="38160">
+                      <a:solidFill>
+                        <a:srgbClr val="FFFFFF"/>
+                      </a:solidFill>
+                    </a:lnT>
+                    <a:lnB w="38160">
+                      <a:solidFill>
+                        <a:srgbClr val="FFFFFF"/>
+                      </a:solidFill>
+                    </a:lnB>
+                    <a:solidFill>
+                      <a:srgbClr val="E7E7E7"/>
+                    </a:solidFill>
+                  </a:tcPr>
+                </a:tc>
+                <a:tc>
+                  <a:txBody>
+                    <a:bodyPr/>
+                    <a:lstStyle/>
+                    <a:p>
+                      <a:r>
+                        <a:rPr lang="pt-BR" sz="1800" b="0" strike="noStrike" spc="-1" dirty="0">
+                          <a:solidFill>
+                            <a:srgbClr val="000000"/>
+                          </a:solidFill>
+                          <a:uFill>
+                            <a:solidFill>
+                              <a:srgbClr val="FFFFFF"/>
+                            </a:solidFill>
+                          </a:uFill>
+                          <a:latin typeface="Arial"/>
+                        </a:rPr>
+                        <a:t>Gerenciamento de metas de campanha</a:t>
                       </a:r>
                     </a:p>
                   </a:txBody>
@@ -11503,16 +10884,129 @@
                         <a:srgbClr val="FFFFFF"/>
                       </a:solidFill>
                     </a:lnR>
-                    <a:lnT w="12240" cap="flat" cmpd="sng" algn="ctr">
-                      <a:solidFill>
-                        <a:srgbClr val="FFFFFF"/>
-                      </a:solidFill>
-                      <a:prstDash val="solid"/>
-                      <a:round/>
-                      <a:headEnd type="none" w="med" len="med"/>
-                      <a:tailEnd type="none" w="med" len="med"/>
+                    <a:lnT w="38160">
+                      <a:solidFill>
+                        <a:srgbClr val="FFFFFF"/>
+                      </a:solidFill>
                     </a:lnT>
-                    <a:lnB w="12240">
+                    <a:lnB w="38160">
+                      <a:solidFill>
+                        <a:srgbClr val="FFFFFF"/>
+                      </a:solidFill>
+                    </a:lnB>
+                    <a:solidFill>
+                      <a:srgbClr val="E7E7E7"/>
+                    </a:solidFill>
+                  </a:tcPr>
+                </a:tc>
+                <a:tc>
+                  <a:txBody>
+                    <a:bodyPr/>
+                    <a:lstStyle/>
+                    <a:p>
+                      <a:pPr algn="ctr"/>
+                      <a:r>
+                        <a:rPr lang="pt-BR" sz="1800" b="0" strike="noStrike" spc="-1" dirty="0" smtClean="0">
+                          <a:solidFill>
+                            <a:srgbClr val="000000"/>
+                          </a:solidFill>
+                          <a:uFill>
+                            <a:solidFill>
+                              <a:srgbClr val="FFFFFF"/>
+                            </a:solidFill>
+                          </a:uFill>
+                          <a:latin typeface="Arial"/>
+                        </a:rPr>
+                        <a:t>3.0.0</a:t>
+                      </a:r>
+                      <a:endParaRPr lang="pt-BR" sz="1800" b="0" strike="noStrike" spc="-1" dirty="0">
+                        <a:solidFill>
+                          <a:srgbClr val="000000"/>
+                        </a:solidFill>
+                        <a:uFill>
+                          <a:solidFill>
+                            <a:srgbClr val="FFFFFF"/>
+                          </a:solidFill>
+                        </a:uFill>
+                        <a:latin typeface="Arial"/>
+                      </a:endParaRPr>
+                    </a:p>
+                  </a:txBody>
+                  <a:tcPr marL="30600" marR="30600">
+                    <a:lnL w="12240">
+                      <a:solidFill>
+                        <a:srgbClr val="FFFFFF"/>
+                      </a:solidFill>
+                    </a:lnL>
+                    <a:lnR w="12240">
+                      <a:solidFill>
+                        <a:srgbClr val="FFFFFF"/>
+                      </a:solidFill>
+                    </a:lnR>
+                    <a:lnT w="38160">
+                      <a:solidFill>
+                        <a:srgbClr val="FFFFFF"/>
+                      </a:solidFill>
+                    </a:lnT>
+                    <a:lnB w="38160">
+                      <a:solidFill>
+                        <a:srgbClr val="FFFFFF"/>
+                      </a:solidFill>
+                    </a:lnB>
+                    <a:solidFill>
+                      <a:srgbClr val="E7E7E7"/>
+                    </a:solidFill>
+                  </a:tcPr>
+                </a:tc>
+                <a:tc>
+                  <a:txBody>
+                    <a:bodyPr/>
+                    <a:lstStyle/>
+                    <a:p>
+                      <a:r>
+                        <a:rPr lang="pt-BR" sz="1800" b="0" strike="noStrike" spc="-1" dirty="0" smtClean="0">
+                          <a:solidFill>
+                            <a:srgbClr val="000000"/>
+                          </a:solidFill>
+                          <a:uFill>
+                            <a:solidFill>
+                              <a:srgbClr val="FFFFFF"/>
+                            </a:solidFill>
+                          </a:uFill>
+                          <a:latin typeface="Arial"/>
+                        </a:rPr>
+                        <a:t>27/07/2017</a:t>
+                      </a:r>
+                      <a:endParaRPr lang="pt-BR" sz="1800" b="0" strike="noStrike" spc="-1" dirty="0">
+                        <a:solidFill>
+                          <a:srgbClr val="000000"/>
+                        </a:solidFill>
+                        <a:uFill>
+                          <a:solidFill>
+                            <a:srgbClr val="FFFFFF"/>
+                          </a:solidFill>
+                        </a:uFill>
+                        <a:latin typeface="Arial"/>
+                      </a:endParaRPr>
+                    </a:p>
+                  </a:txBody>
+                  <a:tcPr marL="30600" marR="30600">
+                    <a:lnL w="12240">
+                      <a:solidFill>
+                        <a:srgbClr val="FFFFFF"/>
+                      </a:solidFill>
+                    </a:lnL>
+                    <a:lnR w="12240">
+                      <a:solidFill>
+                        <a:srgbClr val="FFFFFF"/>
+                      </a:solidFill>
+                    </a:lnR>
+                    <a:lnT w="38160">
+                      <a:solidFill>
+                        <a:srgbClr val="FFFFFF"/>
+                      </a:solidFill>
+                    </a:lnT>
+                    <a:lnB w="38160">
                       <a:solidFill>
                         <a:srgbClr val="FFFFFF"/>
                       </a:solidFill>
@@ -11688,7 +11182,7 @@
                 <a:spcPct val="100000"/>
               </a:lnSpc>
             </a:pPr>
-            <a:endParaRPr lang="pt-BR" sz="1800" b="0" strike="noStrike" spc="-1">
+            <a:endParaRPr lang="pt-BR" sz="2000" b="0" strike="noStrike" spc="-1" dirty="0">
               <a:solidFill>
                 <a:srgbClr val="000000"/>
               </a:solidFill>
@@ -11712,7 +11206,7 @@
               <a:buChar char="•"/>
             </a:pPr>
             <a:r>
-              <a:rPr lang="pt-BR" sz="1800" b="0" strike="noStrike" spc="-1">
+              <a:rPr lang="pt-BR" sz="2800" b="0" strike="noStrike" spc="-1" dirty="0" smtClean="0">
                 <a:solidFill>
                   <a:srgbClr val="000000"/>
                 </a:solidFill>
@@ -11724,9 +11218,49 @@
                 <a:latin typeface="Arial"/>
                 <a:ea typeface="DejaVu Sans"/>
               </a:rPr>
-              <a:t>Instituições devem ser cadastradas previamente por um “Super Usuário” para que possam operar o sistema.</a:t>
+              <a:t>Cliente </a:t>
             </a:r>
-            <a:endParaRPr lang="pt-BR" sz="1800" b="0" strike="noStrike" spc="-1">
+            <a:r>
+              <a:rPr lang="pt-BR" sz="2800" b="0" strike="noStrike" spc="-1" dirty="0">
+                <a:solidFill>
+                  <a:srgbClr val="000000"/>
+                </a:solidFill>
+                <a:uFill>
+                  <a:solidFill>
+                    <a:srgbClr val="FFFFFF"/>
+                  </a:solidFill>
+                </a:uFill>
+                <a:latin typeface="Arial"/>
+                <a:ea typeface="DejaVu Sans"/>
+              </a:rPr>
+              <a:t>estar ciente sobre necessidade de contato a qualquer momentos do desenvolvimento</a:t>
+            </a:r>
+            <a:r>
+              <a:rPr lang="pt-BR" sz="2800" b="0" strike="noStrike" spc="-1" dirty="0" smtClean="0">
+                <a:solidFill>
+                  <a:srgbClr val="000000"/>
+                </a:solidFill>
+                <a:uFill>
+                  <a:solidFill>
+                    <a:srgbClr val="FFFFFF"/>
+                  </a:solidFill>
+                </a:uFill>
+                <a:latin typeface="Arial"/>
+                <a:ea typeface="DejaVu Sans"/>
+              </a:rPr>
+              <a:t>.</a:t>
+            </a:r>
+          </a:p>
+          <a:p>
+            <a:pPr marL="3600" algn="just">
+              <a:lnSpc>
+                <a:spcPct val="100000"/>
+              </a:lnSpc>
+              <a:buClr>
+                <a:srgbClr val="000000"/>
+              </a:buClr>
+            </a:pPr>
+            <a:endParaRPr lang="pt-BR" sz="2800" b="0" strike="noStrike" spc="-1" dirty="0">
               <a:solidFill>
                 <a:srgbClr val="000000"/>
               </a:solidFill>
@@ -11750,121 +11284,7 @@
               <a:buChar char="•"/>
             </a:pPr>
             <a:r>
-              <a:rPr lang="pt-BR" sz="1800" b="0" strike="noStrike" spc="-1">
-                <a:solidFill>
-                  <a:srgbClr val="000000"/>
-                </a:solidFill>
-                <a:uFill>
-                  <a:solidFill>
-                    <a:srgbClr val="FFFFFF"/>
-                  </a:solidFill>
-                </a:uFill>
-                <a:latin typeface="Arial"/>
-                <a:ea typeface="DejaVu Sans"/>
-              </a:rPr>
-              <a:t>Um doador só poderá doar um item que tinha sido pré-cadastro por uma instituição.</a:t>
-            </a:r>
-            <a:endParaRPr lang="pt-BR" sz="1800" b="0" strike="noStrike" spc="-1">
-              <a:solidFill>
-                <a:srgbClr val="000000"/>
-              </a:solidFill>
-              <a:uFill>
-                <a:solidFill>
-                  <a:srgbClr val="FFFFFF"/>
-                </a:solidFill>
-              </a:uFill>
-              <a:latin typeface="Arial"/>
-            </a:endParaRPr>
-          </a:p>
-          <a:p>
-            <a:pPr marL="343080" indent="-339480" algn="just">
-              <a:lnSpc>
-                <a:spcPct val="100000"/>
-              </a:lnSpc>
-              <a:buClr>
-                <a:srgbClr val="000000"/>
-              </a:buClr>
-              <a:buFont typeface="Arial"/>
-              <a:buChar char="•"/>
-            </a:pPr>
-            <a:r>
-              <a:rPr lang="pt-BR" sz="1800" b="0" strike="noStrike" spc="-1">
-                <a:solidFill>
-                  <a:srgbClr val="000000"/>
-                </a:solidFill>
-                <a:uFill>
-                  <a:solidFill>
-                    <a:srgbClr val="FFFFFF"/>
-                  </a:solidFill>
-                </a:uFill>
-                <a:latin typeface="Arial"/>
-                <a:ea typeface="DejaVu Sans"/>
-              </a:rPr>
-              <a:t>O mensageiro deve haver sido cadastrado previamente pela instituição para ter acesso ao aplicativo. </a:t>
-            </a:r>
-            <a:endParaRPr lang="pt-BR" sz="1800" b="0" strike="noStrike" spc="-1">
-              <a:solidFill>
-                <a:srgbClr val="000000"/>
-              </a:solidFill>
-              <a:uFill>
-                <a:solidFill>
-                  <a:srgbClr val="FFFFFF"/>
-                </a:solidFill>
-              </a:uFill>
-              <a:latin typeface="Arial"/>
-            </a:endParaRPr>
-          </a:p>
-          <a:p>
-            <a:pPr marL="343080" indent="-339480" algn="just">
-              <a:lnSpc>
-                <a:spcPct val="100000"/>
-              </a:lnSpc>
-              <a:buClr>
-                <a:srgbClr val="000000"/>
-              </a:buClr>
-              <a:buFont typeface="Arial"/>
-              <a:buChar char="•"/>
-            </a:pPr>
-            <a:r>
-              <a:rPr lang="pt-BR" sz="1800" b="0" strike="noStrike" spc="-1">
-                <a:solidFill>
-                  <a:srgbClr val="000000"/>
-                </a:solidFill>
-                <a:uFill>
-                  <a:solidFill>
-                    <a:srgbClr val="FFFFFF"/>
-                  </a:solidFill>
-                </a:uFill>
-                <a:latin typeface="Arial"/>
-                <a:ea typeface="DejaVu Sans"/>
-              </a:rPr>
-              <a:t>Cliente estar ciente sobre necessidade de contato a qualquer momentos do desenvolvimento.</a:t>
-            </a:r>
-            <a:endParaRPr lang="pt-BR" sz="1800" b="0" strike="noStrike" spc="-1">
-              <a:solidFill>
-                <a:srgbClr val="000000"/>
-              </a:solidFill>
-              <a:uFill>
-                <a:solidFill>
-                  <a:srgbClr val="FFFFFF"/>
-                </a:solidFill>
-              </a:uFill>
-              <a:latin typeface="Arial"/>
-            </a:endParaRPr>
-          </a:p>
-          <a:p>
-            <a:pPr marL="343080" indent="-339480" algn="just">
-              <a:lnSpc>
-                <a:spcPct val="100000"/>
-              </a:lnSpc>
-              <a:buClr>
-                <a:srgbClr val="000000"/>
-              </a:buClr>
-              <a:buFont typeface="Arial"/>
-              <a:buChar char="•"/>
-            </a:pPr>
-            <a:r>
-              <a:rPr lang="pt-BR" sz="1800" b="0" strike="noStrike" spc="-1">
+              <a:rPr lang="pt-BR" sz="2800" b="0" strike="noStrike" spc="-1" dirty="0">
                 <a:solidFill>
                   <a:srgbClr val="000000"/>
                 </a:solidFill>
@@ -11878,7 +11298,7 @@
               </a:rPr>
               <a:t>Ter disponibilidade de um servidor para implantação do software.</a:t>
             </a:r>
-            <a:endParaRPr lang="pt-BR" sz="1800" b="0" strike="noStrike" spc="-1">
+            <a:endParaRPr lang="pt-BR" sz="2800" b="0" strike="noStrike" spc="-1" dirty="0">
               <a:solidFill>
                 <a:srgbClr val="000000"/>
               </a:solidFill>
@@ -11896,7 +11316,7 @@
                 <a:spcPct val="100000"/>
               </a:lnSpc>
             </a:pPr>
-            <a:endParaRPr lang="pt-BR" sz="1800" b="0" strike="noStrike" spc="-1">
+            <a:endParaRPr lang="pt-BR" sz="1800" b="0" strike="noStrike" spc="-1" dirty="0">
               <a:solidFill>
                 <a:srgbClr val="000000"/>
               </a:solidFill>
@@ -11914,7 +11334,7 @@
                 <a:spcPct val="100000"/>
               </a:lnSpc>
             </a:pPr>
-            <a:endParaRPr lang="pt-BR" sz="1800" b="0" strike="noStrike" spc="-1">
+            <a:endParaRPr lang="pt-BR" sz="1800" b="0" strike="noStrike" spc="-1" dirty="0">
               <a:solidFill>
                 <a:srgbClr val="000000"/>
               </a:solidFill>
@@ -12095,7 +11515,7 @@
               <a:buChar char="•"/>
             </a:pPr>
             <a:r>
-              <a:rPr lang="pt-BR" sz="3200" b="0" strike="noStrike" spc="-1">
+              <a:rPr lang="pt-BR" sz="3200" b="0" strike="noStrike" spc="-1" dirty="0">
                 <a:solidFill>
                   <a:srgbClr val="000000"/>
                 </a:solidFill>
@@ -12109,7 +11529,7 @@
               </a:rPr>
               <a:t>Módulo web deve operar nos principais browsers atuais.</a:t>
             </a:r>
-            <a:endParaRPr lang="pt-BR" sz="1800" b="0" strike="noStrike" spc="-1">
+            <a:endParaRPr lang="pt-BR" sz="1800" b="0" strike="noStrike" spc="-1" dirty="0">
               <a:solidFill>
                 <a:srgbClr val="000000"/>
               </a:solidFill>
@@ -12133,7 +11553,7 @@
               <a:buChar char="•"/>
             </a:pPr>
             <a:r>
-              <a:rPr lang="pt-BR" sz="3200" b="0" strike="noStrike" spc="-1">
+              <a:rPr lang="pt-BR" sz="3200" b="0" strike="noStrike" spc="-1" dirty="0">
                 <a:solidFill>
                   <a:srgbClr val="000000"/>
                 </a:solidFill>
@@ -12148,7 +11568,7 @@
               <a:t>Módulo mobile deve operar no sistema operacional </a:t>
             </a:r>
             <a:r>
-              <a:rPr lang="pt-BR" sz="3200" b="1" strike="noStrike" spc="-1">
+              <a:rPr lang="pt-BR" sz="3200" b="1" strike="noStrike" spc="-1" dirty="0" err="1">
                 <a:solidFill>
                   <a:srgbClr val="000000"/>
                 </a:solidFill>
@@ -12163,7 +11583,7 @@
               <a:t>Android</a:t>
             </a:r>
             <a:r>
-              <a:rPr lang="pt-BR" sz="3200" b="0" strike="noStrike" spc="-1">
+              <a:rPr lang="pt-BR" sz="3200" b="0" strike="noStrike" spc="-1" dirty="0">
                 <a:solidFill>
                   <a:srgbClr val="000000"/>
                 </a:solidFill>
@@ -12178,7 +11598,7 @@
               <a:t>, a partir da versão </a:t>
             </a:r>
             <a:r>
-              <a:rPr lang="pt-BR" sz="3200" b="1" strike="noStrike" spc="-1">
+              <a:rPr lang="pt-BR" sz="3200" b="1" strike="noStrike" spc="-1" dirty="0">
                 <a:solidFill>
                   <a:srgbClr val="000000"/>
                 </a:solidFill>
@@ -12192,7 +11612,7 @@
               </a:rPr>
               <a:t>5.0</a:t>
             </a:r>
-            <a:endParaRPr lang="pt-BR" sz="1800" b="0" strike="noStrike" spc="-1">
+            <a:endParaRPr lang="pt-BR" sz="1800" b="0" strike="noStrike" spc="-1" dirty="0">
               <a:solidFill>
                 <a:srgbClr val="000000"/>
               </a:solidFill>
@@ -12210,7 +11630,7 @@
                 <a:spcPct val="100000"/>
               </a:lnSpc>
             </a:pPr>
-            <a:endParaRPr lang="pt-BR" sz="1800" b="0" strike="noStrike" spc="-1">
+            <a:endParaRPr lang="pt-BR" sz="1800" b="0" strike="noStrike" spc="-1" dirty="0">
               <a:solidFill>
                 <a:srgbClr val="000000"/>
               </a:solidFill>
@@ -13498,7 +12918,7 @@
         </p:nvGraphicFramePr>
         <p:xfrm>
           <a:off x="452520" y="1235160"/>
-          <a:ext cx="8219520" cy="3159000"/>
+          <a:ext cx="8219880" cy="3979080"/>
         </p:xfrm>
         <a:graphic>
           <a:graphicData uri="http://schemas.openxmlformats.org/drawingml/2006/table">
@@ -16449,7 +15869,7 @@
         </p:nvGraphicFramePr>
         <p:xfrm>
           <a:off x="491040" y="1460880"/>
-          <a:ext cx="8229240" cy="5079960"/>
+          <a:ext cx="8229600" cy="5080320"/>
         </p:xfrm>
         <a:graphic>
           <a:graphicData uri="http://schemas.openxmlformats.org/drawingml/2006/table">

--- a/Projeto-AjudeMais/000-Gerência de Projeto/PPJ-Plano de Projeto.pptx
+++ b/Projeto-AjudeMais/000-Gerência de Projeto/PPJ-Plano de Projeto.pptx
@@ -61,8 +61,8 @@
         </p:nvSpPr>
         <p:spPr>
           <a:xfrm>
-            <a:off x="756000" y="5078520"/>
-            <a:ext cx="6047640" cy="4811040"/>
+            <a:off x="777240" y="4777560"/>
+            <a:ext cx="6217560" cy="4525920"/>
           </a:xfrm>
           <a:prstGeom prst="rect">
             <a:avLst/>
@@ -83,7 +83,7 @@
                 </a:uFill>
                 <a:latin typeface="Arial"/>
               </a:rPr>
-              <a:t>Click to edit the notes format</a:t>
+              <a:t>Clique para editar o formato de notas</a:t>
             </a:r>
             <a:endParaRPr b="0" lang="pt-BR" sz="2000" spc="-1" strike="noStrike">
               <a:solidFill>
@@ -112,7 +112,7 @@
         <p:spPr>
           <a:xfrm>
             <a:off x="0" y="0"/>
-            <a:ext cx="3280680" cy="534240"/>
+            <a:ext cx="3372840" cy="502560"/>
           </a:xfrm>
           <a:prstGeom prst="rect">
             <a:avLst/>
@@ -133,7 +133,7 @@
                 </a:uFill>
                 <a:latin typeface="Times New Roman"/>
               </a:rPr>
-              <a:t>&lt;header&gt;</a:t>
+              <a:t>&lt;cabeçalho&gt;</a:t>
             </a:r>
             <a:endParaRPr b="0" lang="pt-BR" sz="1400" spc="-1" strike="noStrike">
               <a:solidFill>
@@ -161,8 +161,8 @@
         </p:nvSpPr>
         <p:spPr>
           <a:xfrm>
-            <a:off x="4278960" y="0"/>
-            <a:ext cx="3280680" cy="534240"/>
+            <a:off x="4399200" y="0"/>
+            <a:ext cx="3372840" cy="502560"/>
           </a:xfrm>
           <a:prstGeom prst="rect">
             <a:avLst/>
@@ -184,7 +184,7 @@
                 </a:uFill>
                 <a:latin typeface="Times New Roman"/>
               </a:rPr>
-              <a:t>&lt;date/time&gt;</a:t>
+              <a:t>&lt;data/hora&gt;</a:t>
             </a:r>
             <a:endParaRPr b="0" lang="pt-BR" sz="1400" spc="-1" strike="noStrike">
               <a:solidFill>
@@ -212,8 +212,8 @@
         </p:nvSpPr>
         <p:spPr>
           <a:xfrm>
-            <a:off x="0" y="10157400"/>
-            <a:ext cx="3280680" cy="534240"/>
+            <a:off x="0" y="9555480"/>
+            <a:ext cx="3372840" cy="502560"/>
           </a:xfrm>
           <a:prstGeom prst="rect">
             <a:avLst/>
@@ -234,7 +234,7 @@
                 </a:uFill>
                 <a:latin typeface="Times New Roman"/>
               </a:rPr>
-              <a:t>&lt;footer&gt;</a:t>
+              <a:t>&lt;rodapé&gt;</a:t>
             </a:r>
             <a:endParaRPr b="0" lang="pt-BR" sz="1400" spc="-1" strike="noStrike">
               <a:solidFill>
@@ -262,8 +262,8 @@
         </p:nvSpPr>
         <p:spPr>
           <a:xfrm>
-            <a:off x="4278960" y="10157400"/>
-            <a:ext cx="3280680" cy="534240"/>
+            <a:off x="4399200" y="9555480"/>
+            <a:ext cx="3372840" cy="502560"/>
           </a:xfrm>
           <a:prstGeom prst="rect">
             <a:avLst/>
@@ -273,7 +273,7 @@
           <a:bodyPr lIns="0" rIns="0" tIns="0" bIns="0" anchor="b"/>
           <a:p>
             <a:pPr algn="r"/>
-            <a:fld id="{24F0D567-9AE7-44D4-84AC-C7242E921AA6}" type="slidenum">
+            <a:fld id="{0FB7BA86-006B-44BB-B075-3BCD1E4268D8}" type="slidenum">
               <a:rPr b="0" lang="pt-BR" sz="1400" spc="-1" strike="noStrike">
                 <a:solidFill>
                   <a:srgbClr val="000000"/>
@@ -285,7 +285,7 @@
                 </a:uFill>
                 <a:latin typeface="Times New Roman"/>
               </a:rPr>
-              <a:t>&lt;number&gt;</a:t>
+              <a:t>&lt;número&gt;</a:t>
             </a:fld>
             <a:endParaRPr b="0" lang="pt-BR" sz="1400" spc="-1" strike="noStrike">
               <a:solidFill>
@@ -337,7 +337,7 @@
         <p:spPr>
           <a:xfrm>
             <a:off x="777960" y="4840200"/>
-            <a:ext cx="6214680" cy="3958920"/>
+            <a:ext cx="6214320" cy="3958560"/>
           </a:xfrm>
           <a:prstGeom prst="rect">
             <a:avLst/>
@@ -369,7 +369,7 @@
         <p:spPr>
           <a:xfrm>
             <a:off x="4402080" y="9553680"/>
-            <a:ext cx="3366720" cy="502920"/>
+            <a:ext cx="3366360" cy="502560"/>
           </a:xfrm>
           <a:prstGeom prst="rect">
             <a:avLst/>
@@ -393,7 +393,7 @@
                 <a:spcPct val="100000"/>
               </a:lnSpc>
             </a:pPr>
-            <a:fld id="{509E7988-BDEE-49BD-BB2E-E59972F6CCC0}" type="slidenum">
+            <a:fld id="{623F507F-57DE-45B0-B42C-A9EDC5729FAC}" type="slidenum">
               <a:rPr b="0" lang="pt-BR" sz="1200" spc="-1" strike="noStrike">
                 <a:solidFill>
                   <a:srgbClr val="000000"/>
@@ -406,7 +406,7 @@
                 <a:latin typeface="+mn-lt"/>
                 <a:ea typeface="+mn-ea"/>
               </a:rPr>
-              <a:t>&lt;number&gt;</a:t>
+              <a:t>&lt;número&gt;</a:t>
             </a:fld>
             <a:endParaRPr b="0" lang="pt-BR" sz="1800" spc="-1" strike="noStrike">
               <a:solidFill>
@@ -488,7 +488,8 @@
         <p:txBody>
           <a:bodyPr lIns="0" rIns="0" tIns="0" bIns="0" anchor="ctr"/>
           <a:p>
-            <a:endParaRPr b="0" lang="pt-BR" sz="1800" spc="-1" strike="noStrike">
+            <a:pPr algn="ctr"/>
+            <a:endParaRPr b="0" lang="pt-BR" sz="4400" spc="-1" strike="noStrike">
               <a:solidFill>
                 <a:srgbClr val="000000"/>
               </a:solidFill>
@@ -524,7 +525,7 @@
         <p:txBody>
           <a:bodyPr lIns="0" rIns="0" tIns="0" bIns="0"/>
           <a:p>
-            <a:endParaRPr b="0" lang="pt-BR" sz="2800" spc="-1" strike="noStrike">
+            <a:endParaRPr b="0" lang="pt-BR" sz="3200" spc="-1" strike="noStrike">
               <a:solidFill>
                 <a:srgbClr val="000000"/>
               </a:solidFill>
@@ -560,7 +561,7 @@
         <p:txBody>
           <a:bodyPr lIns="0" rIns="0" tIns="0" bIns="0"/>
           <a:p>
-            <a:endParaRPr b="0" lang="pt-BR" sz="2800" spc="-1" strike="noStrike">
+            <a:endParaRPr b="0" lang="pt-BR" sz="3200" spc="-1" strike="noStrike">
               <a:solidFill>
                 <a:srgbClr val="000000"/>
               </a:solidFill>
@@ -618,7 +619,8 @@
         <p:txBody>
           <a:bodyPr lIns="0" rIns="0" tIns="0" bIns="0" anchor="ctr"/>
           <a:p>
-            <a:endParaRPr b="0" lang="pt-BR" sz="1800" spc="-1" strike="noStrike">
+            <a:pPr algn="ctr"/>
+            <a:endParaRPr b="0" lang="pt-BR" sz="4400" spc="-1" strike="noStrike">
               <a:solidFill>
                 <a:srgbClr val="000000"/>
               </a:solidFill>
@@ -654,7 +656,7 @@
         <p:txBody>
           <a:bodyPr lIns="0" rIns="0" tIns="0" bIns="0"/>
           <a:p>
-            <a:endParaRPr b="0" lang="pt-BR" sz="2800" spc="-1" strike="noStrike">
+            <a:endParaRPr b="0" lang="pt-BR" sz="3200" spc="-1" strike="noStrike">
               <a:solidFill>
                 <a:srgbClr val="000000"/>
               </a:solidFill>
@@ -690,7 +692,7 @@
         <p:txBody>
           <a:bodyPr lIns="0" rIns="0" tIns="0" bIns="0"/>
           <a:p>
-            <a:endParaRPr b="0" lang="pt-BR" sz="2800" spc="-1" strike="noStrike">
+            <a:endParaRPr b="0" lang="pt-BR" sz="3200" spc="-1" strike="noStrike">
               <a:solidFill>
                 <a:srgbClr val="000000"/>
               </a:solidFill>
@@ -726,7 +728,7 @@
         <p:txBody>
           <a:bodyPr lIns="0" rIns="0" tIns="0" bIns="0"/>
           <a:p>
-            <a:endParaRPr b="0" lang="pt-BR" sz="2800" spc="-1" strike="noStrike">
+            <a:endParaRPr b="0" lang="pt-BR" sz="3200" spc="-1" strike="noStrike">
               <a:solidFill>
                 <a:srgbClr val="000000"/>
               </a:solidFill>
@@ -762,7 +764,7 @@
         <p:txBody>
           <a:bodyPr lIns="0" rIns="0" tIns="0" bIns="0"/>
           <a:p>
-            <a:endParaRPr b="0" lang="pt-BR" sz="2800" spc="-1" strike="noStrike">
+            <a:endParaRPr b="0" lang="pt-BR" sz="3200" spc="-1" strike="noStrike">
               <a:solidFill>
                 <a:srgbClr val="000000"/>
               </a:solidFill>
@@ -820,7 +822,8 @@
         <p:txBody>
           <a:bodyPr lIns="0" rIns="0" tIns="0" bIns="0" anchor="ctr"/>
           <a:p>
-            <a:endParaRPr b="0" lang="pt-BR" sz="1800" spc="-1" strike="noStrike">
+            <a:pPr algn="ctr"/>
+            <a:endParaRPr b="0" lang="pt-BR" sz="4400" spc="-1" strike="noStrike">
               <a:solidFill>
                 <a:srgbClr val="000000"/>
               </a:solidFill>
@@ -856,7 +859,7 @@
         <p:txBody>
           <a:bodyPr lIns="0" rIns="0" tIns="0" bIns="0"/>
           <a:p>
-            <a:endParaRPr b="0" lang="pt-BR" sz="2800" spc="-1" strike="noStrike">
+            <a:endParaRPr b="0" lang="pt-BR" sz="3200" spc="-1" strike="noStrike">
               <a:solidFill>
                 <a:srgbClr val="000000"/>
               </a:solidFill>
@@ -892,7 +895,7 @@
         <p:txBody>
           <a:bodyPr lIns="0" rIns="0" tIns="0" bIns="0"/>
           <a:p>
-            <a:endParaRPr b="0" lang="pt-BR" sz="2800" spc="-1" strike="noStrike">
+            <a:endParaRPr b="0" lang="pt-BR" sz="3200" spc="-1" strike="noStrike">
               <a:solidFill>
                 <a:srgbClr val="000000"/>
               </a:solidFill>
@@ -1018,7 +1021,8 @@
         <p:txBody>
           <a:bodyPr lIns="0" rIns="0" tIns="0" bIns="0" anchor="ctr"/>
           <a:p>
-            <a:endParaRPr b="0" lang="pt-BR" sz="1800" spc="-1" strike="noStrike">
+            <a:pPr algn="ctr"/>
+            <a:endParaRPr b="0" lang="pt-BR" sz="4400" spc="-1" strike="noStrike">
               <a:solidFill>
                 <a:srgbClr val="000000"/>
               </a:solidFill>
@@ -1113,7 +1117,8 @@
         <p:txBody>
           <a:bodyPr lIns="0" rIns="0" tIns="0" bIns="0" anchor="ctr"/>
           <a:p>
-            <a:endParaRPr b="0" lang="pt-BR" sz="1800" spc="-1" strike="noStrike">
+            <a:pPr algn="ctr"/>
+            <a:endParaRPr b="0" lang="pt-BR" sz="4400" spc="-1" strike="noStrike">
               <a:solidFill>
                 <a:srgbClr val="000000"/>
               </a:solidFill>
@@ -1149,7 +1154,7 @@
         <p:txBody>
           <a:bodyPr lIns="0" rIns="0" tIns="0" bIns="0"/>
           <a:p>
-            <a:endParaRPr b="0" lang="pt-BR" sz="2800" spc="-1" strike="noStrike">
+            <a:endParaRPr b="0" lang="pt-BR" sz="3200" spc="-1" strike="noStrike">
               <a:solidFill>
                 <a:srgbClr val="000000"/>
               </a:solidFill>
@@ -1207,7 +1212,8 @@
         <p:txBody>
           <a:bodyPr lIns="0" rIns="0" tIns="0" bIns="0" anchor="ctr"/>
           <a:p>
-            <a:endParaRPr b="0" lang="pt-BR" sz="1800" spc="-1" strike="noStrike">
+            <a:pPr algn="ctr"/>
+            <a:endParaRPr b="0" lang="pt-BR" sz="4400" spc="-1" strike="noStrike">
               <a:solidFill>
                 <a:srgbClr val="000000"/>
               </a:solidFill>
@@ -1243,7 +1249,7 @@
         <p:txBody>
           <a:bodyPr lIns="0" rIns="0" tIns="0" bIns="0"/>
           <a:p>
-            <a:endParaRPr b="0" lang="pt-BR" sz="2800" spc="-1" strike="noStrike">
+            <a:endParaRPr b="0" lang="pt-BR" sz="3200" spc="-1" strike="noStrike">
               <a:solidFill>
                 <a:srgbClr val="000000"/>
               </a:solidFill>
@@ -1279,7 +1285,7 @@
         <p:txBody>
           <a:bodyPr lIns="0" rIns="0" tIns="0" bIns="0"/>
           <a:p>
-            <a:endParaRPr b="0" lang="pt-BR" sz="2800" spc="-1" strike="noStrike">
+            <a:endParaRPr b="0" lang="pt-BR" sz="3200" spc="-1" strike="noStrike">
               <a:solidFill>
                 <a:srgbClr val="000000"/>
               </a:solidFill>
@@ -1337,7 +1343,8 @@
         <p:txBody>
           <a:bodyPr lIns="0" rIns="0" tIns="0" bIns="0" anchor="ctr"/>
           <a:p>
-            <a:endParaRPr b="0" lang="pt-BR" sz="1800" spc="-1" strike="noStrike">
+            <a:pPr algn="ctr"/>
+            <a:endParaRPr b="0" lang="pt-BR" sz="4400" spc="-1" strike="noStrike">
               <a:solidFill>
                 <a:srgbClr val="000000"/>
               </a:solidFill>
@@ -1454,7 +1461,8 @@
         <p:txBody>
           <a:bodyPr lIns="0" rIns="0" tIns="0" bIns="0" anchor="ctr"/>
           <a:p>
-            <a:endParaRPr b="0" lang="pt-BR" sz="1800" spc="-1" strike="noStrike">
+            <a:pPr algn="ctr"/>
+            <a:endParaRPr b="0" lang="pt-BR" sz="4400" spc="-1" strike="noStrike">
               <a:solidFill>
                 <a:srgbClr val="000000"/>
               </a:solidFill>
@@ -1490,7 +1498,7 @@
         <p:txBody>
           <a:bodyPr lIns="0" rIns="0" tIns="0" bIns="0"/>
           <a:p>
-            <a:endParaRPr b="0" lang="pt-BR" sz="2800" spc="-1" strike="noStrike">
+            <a:endParaRPr b="0" lang="pt-BR" sz="3200" spc="-1" strike="noStrike">
               <a:solidFill>
                 <a:srgbClr val="000000"/>
               </a:solidFill>
@@ -1526,7 +1534,7 @@
         <p:txBody>
           <a:bodyPr lIns="0" rIns="0" tIns="0" bIns="0"/>
           <a:p>
-            <a:endParaRPr b="0" lang="pt-BR" sz="2800" spc="-1" strike="noStrike">
+            <a:endParaRPr b="0" lang="pt-BR" sz="3200" spc="-1" strike="noStrike">
               <a:solidFill>
                 <a:srgbClr val="000000"/>
               </a:solidFill>
@@ -1562,7 +1570,7 @@
         <p:txBody>
           <a:bodyPr lIns="0" rIns="0" tIns="0" bIns="0"/>
           <a:p>
-            <a:endParaRPr b="0" lang="pt-BR" sz="2800" spc="-1" strike="noStrike">
+            <a:endParaRPr b="0" lang="pt-BR" sz="3200" spc="-1" strike="noStrike">
               <a:solidFill>
                 <a:srgbClr val="000000"/>
               </a:solidFill>
@@ -1620,7 +1628,8 @@
         <p:txBody>
           <a:bodyPr lIns="0" rIns="0" tIns="0" bIns="0" anchor="ctr"/>
           <a:p>
-            <a:endParaRPr b="0" lang="pt-BR" sz="1800" spc="-1" strike="noStrike">
+            <a:pPr algn="ctr"/>
+            <a:endParaRPr b="0" lang="pt-BR" sz="4400" spc="-1" strike="noStrike">
               <a:solidFill>
                 <a:srgbClr val="000000"/>
               </a:solidFill>
@@ -1715,7 +1724,8 @@
         <p:txBody>
           <a:bodyPr lIns="0" rIns="0" tIns="0" bIns="0" anchor="ctr"/>
           <a:p>
-            <a:endParaRPr b="0" lang="pt-BR" sz="1800" spc="-1" strike="noStrike">
+            <a:pPr algn="ctr"/>
+            <a:endParaRPr b="0" lang="pt-BR" sz="4400" spc="-1" strike="noStrike">
               <a:solidFill>
                 <a:srgbClr val="000000"/>
               </a:solidFill>
@@ -1751,7 +1761,7 @@
         <p:txBody>
           <a:bodyPr lIns="0" rIns="0" tIns="0" bIns="0"/>
           <a:p>
-            <a:endParaRPr b="0" lang="pt-BR" sz="2800" spc="-1" strike="noStrike">
+            <a:endParaRPr b="0" lang="pt-BR" sz="3200" spc="-1" strike="noStrike">
               <a:solidFill>
                 <a:srgbClr val="000000"/>
               </a:solidFill>
@@ -1787,7 +1797,7 @@
         <p:txBody>
           <a:bodyPr lIns="0" rIns="0" tIns="0" bIns="0"/>
           <a:p>
-            <a:endParaRPr b="0" lang="pt-BR" sz="2800" spc="-1" strike="noStrike">
+            <a:endParaRPr b="0" lang="pt-BR" sz="3200" spc="-1" strike="noStrike">
               <a:solidFill>
                 <a:srgbClr val="000000"/>
               </a:solidFill>
@@ -1823,7 +1833,7 @@
         <p:txBody>
           <a:bodyPr lIns="0" rIns="0" tIns="0" bIns="0"/>
           <a:p>
-            <a:endParaRPr b="0" lang="pt-BR" sz="2800" spc="-1" strike="noStrike">
+            <a:endParaRPr b="0" lang="pt-BR" sz="3200" spc="-1" strike="noStrike">
               <a:solidFill>
                 <a:srgbClr val="000000"/>
               </a:solidFill>
@@ -1881,7 +1891,8 @@
         <p:txBody>
           <a:bodyPr lIns="0" rIns="0" tIns="0" bIns="0" anchor="ctr"/>
           <a:p>
-            <a:endParaRPr b="0" lang="pt-BR" sz="1800" spc="-1" strike="noStrike">
+            <a:pPr algn="ctr"/>
+            <a:endParaRPr b="0" lang="pt-BR" sz="4400" spc="-1" strike="noStrike">
               <a:solidFill>
                 <a:srgbClr val="000000"/>
               </a:solidFill>
@@ -1917,7 +1928,7 @@
         <p:txBody>
           <a:bodyPr lIns="0" rIns="0" tIns="0" bIns="0"/>
           <a:p>
-            <a:endParaRPr b="0" lang="pt-BR" sz="2800" spc="-1" strike="noStrike">
+            <a:endParaRPr b="0" lang="pt-BR" sz="3200" spc="-1" strike="noStrike">
               <a:solidFill>
                 <a:srgbClr val="000000"/>
               </a:solidFill>
@@ -1953,7 +1964,7 @@
         <p:txBody>
           <a:bodyPr lIns="0" rIns="0" tIns="0" bIns="0"/>
           <a:p>
-            <a:endParaRPr b="0" lang="pt-BR" sz="2800" spc="-1" strike="noStrike">
+            <a:endParaRPr b="0" lang="pt-BR" sz="3200" spc="-1" strike="noStrike">
               <a:solidFill>
                 <a:srgbClr val="000000"/>
               </a:solidFill>
@@ -1989,7 +2000,7 @@
         <p:txBody>
           <a:bodyPr lIns="0" rIns="0" tIns="0" bIns="0"/>
           <a:p>
-            <a:endParaRPr b="0" lang="pt-BR" sz="2800" spc="-1" strike="noStrike">
+            <a:endParaRPr b="0" lang="pt-BR" sz="3200" spc="-1" strike="noStrike">
               <a:solidFill>
                 <a:srgbClr val="000000"/>
               </a:solidFill>
@@ -2047,7 +2058,8 @@
         <p:txBody>
           <a:bodyPr lIns="0" rIns="0" tIns="0" bIns="0" anchor="ctr"/>
           <a:p>
-            <a:endParaRPr b="0" lang="pt-BR" sz="1800" spc="-1" strike="noStrike">
+            <a:pPr algn="ctr"/>
+            <a:endParaRPr b="0" lang="pt-BR" sz="4400" spc="-1" strike="noStrike">
               <a:solidFill>
                 <a:srgbClr val="000000"/>
               </a:solidFill>
@@ -2083,7 +2095,7 @@
         <p:txBody>
           <a:bodyPr lIns="0" rIns="0" tIns="0" bIns="0"/>
           <a:p>
-            <a:endParaRPr b="0" lang="pt-BR" sz="2800" spc="-1" strike="noStrike">
+            <a:endParaRPr b="0" lang="pt-BR" sz="3200" spc="-1" strike="noStrike">
               <a:solidFill>
                 <a:srgbClr val="000000"/>
               </a:solidFill>
@@ -2119,7 +2131,7 @@
         <p:txBody>
           <a:bodyPr lIns="0" rIns="0" tIns="0" bIns="0"/>
           <a:p>
-            <a:endParaRPr b="0" lang="pt-BR" sz="2800" spc="-1" strike="noStrike">
+            <a:endParaRPr b="0" lang="pt-BR" sz="3200" spc="-1" strike="noStrike">
               <a:solidFill>
                 <a:srgbClr val="000000"/>
               </a:solidFill>
@@ -2177,7 +2189,8 @@
         <p:txBody>
           <a:bodyPr lIns="0" rIns="0" tIns="0" bIns="0" anchor="ctr"/>
           <a:p>
-            <a:endParaRPr b="0" lang="pt-BR" sz="1800" spc="-1" strike="noStrike">
+            <a:pPr algn="ctr"/>
+            <a:endParaRPr b="0" lang="pt-BR" sz="4400" spc="-1" strike="noStrike">
               <a:solidFill>
                 <a:srgbClr val="000000"/>
               </a:solidFill>
@@ -2213,7 +2226,7 @@
         <p:txBody>
           <a:bodyPr lIns="0" rIns="0" tIns="0" bIns="0"/>
           <a:p>
-            <a:endParaRPr b="0" lang="pt-BR" sz="2800" spc="-1" strike="noStrike">
+            <a:endParaRPr b="0" lang="pt-BR" sz="3200" spc="-1" strike="noStrike">
               <a:solidFill>
                 <a:srgbClr val="000000"/>
               </a:solidFill>
@@ -2249,7 +2262,7 @@
         <p:txBody>
           <a:bodyPr lIns="0" rIns="0" tIns="0" bIns="0"/>
           <a:p>
-            <a:endParaRPr b="0" lang="pt-BR" sz="2800" spc="-1" strike="noStrike">
+            <a:endParaRPr b="0" lang="pt-BR" sz="3200" spc="-1" strike="noStrike">
               <a:solidFill>
                 <a:srgbClr val="000000"/>
               </a:solidFill>
@@ -2285,7 +2298,7 @@
         <p:txBody>
           <a:bodyPr lIns="0" rIns="0" tIns="0" bIns="0"/>
           <a:p>
-            <a:endParaRPr b="0" lang="pt-BR" sz="2800" spc="-1" strike="noStrike">
+            <a:endParaRPr b="0" lang="pt-BR" sz="3200" spc="-1" strike="noStrike">
               <a:solidFill>
                 <a:srgbClr val="000000"/>
               </a:solidFill>
@@ -2321,7 +2334,7 @@
         <p:txBody>
           <a:bodyPr lIns="0" rIns="0" tIns="0" bIns="0"/>
           <a:p>
-            <a:endParaRPr b="0" lang="pt-BR" sz="2800" spc="-1" strike="noStrike">
+            <a:endParaRPr b="0" lang="pt-BR" sz="3200" spc="-1" strike="noStrike">
               <a:solidFill>
                 <a:srgbClr val="000000"/>
               </a:solidFill>
@@ -2379,7 +2392,8 @@
         <p:txBody>
           <a:bodyPr lIns="0" rIns="0" tIns="0" bIns="0" anchor="ctr"/>
           <a:p>
-            <a:endParaRPr b="0" lang="pt-BR" sz="1800" spc="-1" strike="noStrike">
+            <a:pPr algn="ctr"/>
+            <a:endParaRPr b="0" lang="pt-BR" sz="4400" spc="-1" strike="noStrike">
               <a:solidFill>
                 <a:srgbClr val="000000"/>
               </a:solidFill>
@@ -2415,7 +2429,7 @@
         <p:txBody>
           <a:bodyPr lIns="0" rIns="0" tIns="0" bIns="0"/>
           <a:p>
-            <a:endParaRPr b="0" lang="pt-BR" sz="2800" spc="-1" strike="noStrike">
+            <a:endParaRPr b="0" lang="pt-BR" sz="3200" spc="-1" strike="noStrike">
               <a:solidFill>
                 <a:srgbClr val="000000"/>
               </a:solidFill>
@@ -2451,7 +2465,7 @@
         <p:txBody>
           <a:bodyPr lIns="0" rIns="0" tIns="0" bIns="0"/>
           <a:p>
-            <a:endParaRPr b="0" lang="pt-BR" sz="2800" spc="-1" strike="noStrike">
+            <a:endParaRPr b="0" lang="pt-BR" sz="3200" spc="-1" strike="noStrike">
               <a:solidFill>
                 <a:srgbClr val="000000"/>
               </a:solidFill>
@@ -2577,7 +2591,8 @@
         <p:txBody>
           <a:bodyPr lIns="0" rIns="0" tIns="0" bIns="0" anchor="ctr"/>
           <a:p>
-            <a:endParaRPr b="0" lang="pt-BR" sz="1800" spc="-1" strike="noStrike">
+            <a:pPr algn="ctr"/>
+            <a:endParaRPr b="0" lang="pt-BR" sz="4400" spc="-1" strike="noStrike">
               <a:solidFill>
                 <a:srgbClr val="000000"/>
               </a:solidFill>
@@ -2672,7 +2687,8 @@
         <p:txBody>
           <a:bodyPr lIns="0" rIns="0" tIns="0" bIns="0" anchor="ctr"/>
           <a:p>
-            <a:endParaRPr b="0" lang="pt-BR" sz="1800" spc="-1" strike="noStrike">
+            <a:pPr algn="ctr"/>
+            <a:endParaRPr b="0" lang="pt-BR" sz="4400" spc="-1" strike="noStrike">
               <a:solidFill>
                 <a:srgbClr val="000000"/>
               </a:solidFill>
@@ -2708,7 +2724,7 @@
         <p:txBody>
           <a:bodyPr lIns="0" rIns="0" tIns="0" bIns="0"/>
           <a:p>
-            <a:endParaRPr b="0" lang="pt-BR" sz="2800" spc="-1" strike="noStrike">
+            <a:endParaRPr b="0" lang="pt-BR" sz="3200" spc="-1" strike="noStrike">
               <a:solidFill>
                 <a:srgbClr val="000000"/>
               </a:solidFill>
@@ -2766,7 +2782,8 @@
         <p:txBody>
           <a:bodyPr lIns="0" rIns="0" tIns="0" bIns="0" anchor="ctr"/>
           <a:p>
-            <a:endParaRPr b="0" lang="pt-BR" sz="1800" spc="-1" strike="noStrike">
+            <a:pPr algn="ctr"/>
+            <a:endParaRPr b="0" lang="pt-BR" sz="4400" spc="-1" strike="noStrike">
               <a:solidFill>
                 <a:srgbClr val="000000"/>
               </a:solidFill>
@@ -2802,7 +2819,7 @@
         <p:txBody>
           <a:bodyPr lIns="0" rIns="0" tIns="0" bIns="0"/>
           <a:p>
-            <a:endParaRPr b="0" lang="pt-BR" sz="2800" spc="-1" strike="noStrike">
+            <a:endParaRPr b="0" lang="pt-BR" sz="3200" spc="-1" strike="noStrike">
               <a:solidFill>
                 <a:srgbClr val="000000"/>
               </a:solidFill>
@@ -2838,7 +2855,7 @@
         <p:txBody>
           <a:bodyPr lIns="0" rIns="0" tIns="0" bIns="0"/>
           <a:p>
-            <a:endParaRPr b="0" lang="pt-BR" sz="2800" spc="-1" strike="noStrike">
+            <a:endParaRPr b="0" lang="pt-BR" sz="3200" spc="-1" strike="noStrike">
               <a:solidFill>
                 <a:srgbClr val="000000"/>
               </a:solidFill>
@@ -2896,7 +2913,8 @@
         <p:txBody>
           <a:bodyPr lIns="0" rIns="0" tIns="0" bIns="0" anchor="ctr"/>
           <a:p>
-            <a:endParaRPr b="0" lang="pt-BR" sz="1800" spc="-1" strike="noStrike">
+            <a:pPr algn="ctr"/>
+            <a:endParaRPr b="0" lang="pt-BR" sz="4400" spc="-1" strike="noStrike">
               <a:solidFill>
                 <a:srgbClr val="000000"/>
               </a:solidFill>
@@ -2954,7 +2972,8 @@
         <p:txBody>
           <a:bodyPr lIns="0" rIns="0" tIns="0" bIns="0" anchor="ctr"/>
           <a:p>
-            <a:endParaRPr b="0" lang="pt-BR" sz="1800" spc="-1" strike="noStrike">
+            <a:pPr algn="ctr"/>
+            <a:endParaRPr b="0" lang="pt-BR" sz="4400" spc="-1" strike="noStrike">
               <a:solidFill>
                 <a:srgbClr val="000000"/>
               </a:solidFill>
@@ -2990,7 +3009,7 @@
         <p:txBody>
           <a:bodyPr lIns="0" rIns="0" tIns="0" bIns="0"/>
           <a:p>
-            <a:endParaRPr b="0" lang="pt-BR" sz="2800" spc="-1" strike="noStrike">
+            <a:endParaRPr b="0" lang="pt-BR" sz="3200" spc="-1" strike="noStrike">
               <a:solidFill>
                 <a:srgbClr val="000000"/>
               </a:solidFill>
@@ -3107,7 +3126,8 @@
         <p:txBody>
           <a:bodyPr lIns="0" rIns="0" tIns="0" bIns="0" anchor="ctr"/>
           <a:p>
-            <a:endParaRPr b="0" lang="pt-BR" sz="1800" spc="-1" strike="noStrike">
+            <a:pPr algn="ctr"/>
+            <a:endParaRPr b="0" lang="pt-BR" sz="4400" spc="-1" strike="noStrike">
               <a:solidFill>
                 <a:srgbClr val="000000"/>
               </a:solidFill>
@@ -3143,7 +3163,7 @@
         <p:txBody>
           <a:bodyPr lIns="0" rIns="0" tIns="0" bIns="0"/>
           <a:p>
-            <a:endParaRPr b="0" lang="pt-BR" sz="2800" spc="-1" strike="noStrike">
+            <a:endParaRPr b="0" lang="pt-BR" sz="3200" spc="-1" strike="noStrike">
               <a:solidFill>
                 <a:srgbClr val="000000"/>
               </a:solidFill>
@@ -3179,7 +3199,7 @@
         <p:txBody>
           <a:bodyPr lIns="0" rIns="0" tIns="0" bIns="0"/>
           <a:p>
-            <a:endParaRPr b="0" lang="pt-BR" sz="2800" spc="-1" strike="noStrike">
+            <a:endParaRPr b="0" lang="pt-BR" sz="3200" spc="-1" strike="noStrike">
               <a:solidFill>
                 <a:srgbClr val="000000"/>
               </a:solidFill>
@@ -3215,7 +3235,7 @@
         <p:txBody>
           <a:bodyPr lIns="0" rIns="0" tIns="0" bIns="0"/>
           <a:p>
-            <a:endParaRPr b="0" lang="pt-BR" sz="2800" spc="-1" strike="noStrike">
+            <a:endParaRPr b="0" lang="pt-BR" sz="3200" spc="-1" strike="noStrike">
               <a:solidFill>
                 <a:srgbClr val="000000"/>
               </a:solidFill>
@@ -3273,7 +3293,8 @@
         <p:txBody>
           <a:bodyPr lIns="0" rIns="0" tIns="0" bIns="0" anchor="ctr"/>
           <a:p>
-            <a:endParaRPr b="0" lang="pt-BR" sz="1800" spc="-1" strike="noStrike">
+            <a:pPr algn="ctr"/>
+            <a:endParaRPr b="0" lang="pt-BR" sz="4400" spc="-1" strike="noStrike">
               <a:solidFill>
                 <a:srgbClr val="000000"/>
               </a:solidFill>
@@ -3309,7 +3330,7 @@
         <p:txBody>
           <a:bodyPr lIns="0" rIns="0" tIns="0" bIns="0"/>
           <a:p>
-            <a:endParaRPr b="0" lang="pt-BR" sz="2800" spc="-1" strike="noStrike">
+            <a:endParaRPr b="0" lang="pt-BR" sz="3200" spc="-1" strike="noStrike">
               <a:solidFill>
                 <a:srgbClr val="000000"/>
               </a:solidFill>
@@ -3345,7 +3366,7 @@
         <p:txBody>
           <a:bodyPr lIns="0" rIns="0" tIns="0" bIns="0"/>
           <a:p>
-            <a:endParaRPr b="0" lang="pt-BR" sz="2800" spc="-1" strike="noStrike">
+            <a:endParaRPr b="0" lang="pt-BR" sz="3200" spc="-1" strike="noStrike">
               <a:solidFill>
                 <a:srgbClr val="000000"/>
               </a:solidFill>
@@ -3381,7 +3402,7 @@
         <p:txBody>
           <a:bodyPr lIns="0" rIns="0" tIns="0" bIns="0"/>
           <a:p>
-            <a:endParaRPr b="0" lang="pt-BR" sz="2800" spc="-1" strike="noStrike">
+            <a:endParaRPr b="0" lang="pt-BR" sz="3200" spc="-1" strike="noStrike">
               <a:solidFill>
                 <a:srgbClr val="000000"/>
               </a:solidFill>
@@ -3439,7 +3460,8 @@
         <p:txBody>
           <a:bodyPr lIns="0" rIns="0" tIns="0" bIns="0" anchor="ctr"/>
           <a:p>
-            <a:endParaRPr b="0" lang="pt-BR" sz="1800" spc="-1" strike="noStrike">
+            <a:pPr algn="ctr"/>
+            <a:endParaRPr b="0" lang="pt-BR" sz="4400" spc="-1" strike="noStrike">
               <a:solidFill>
                 <a:srgbClr val="000000"/>
               </a:solidFill>
@@ -3475,7 +3497,7 @@
         <p:txBody>
           <a:bodyPr lIns="0" rIns="0" tIns="0" bIns="0"/>
           <a:p>
-            <a:endParaRPr b="0" lang="pt-BR" sz="2800" spc="-1" strike="noStrike">
+            <a:endParaRPr b="0" lang="pt-BR" sz="3200" spc="-1" strike="noStrike">
               <a:solidFill>
                 <a:srgbClr val="000000"/>
               </a:solidFill>
@@ -3511,7 +3533,7 @@
         <p:txBody>
           <a:bodyPr lIns="0" rIns="0" tIns="0" bIns="0"/>
           <a:p>
-            <a:endParaRPr b="0" lang="pt-BR" sz="2800" spc="-1" strike="noStrike">
+            <a:endParaRPr b="0" lang="pt-BR" sz="3200" spc="-1" strike="noStrike">
               <a:solidFill>
                 <a:srgbClr val="000000"/>
               </a:solidFill>
@@ -3547,7 +3569,7 @@
         <p:txBody>
           <a:bodyPr lIns="0" rIns="0" tIns="0" bIns="0"/>
           <a:p>
-            <a:endParaRPr b="0" lang="pt-BR" sz="2800" spc="-1" strike="noStrike">
+            <a:endParaRPr b="0" lang="pt-BR" sz="3200" spc="-1" strike="noStrike">
               <a:solidFill>
                 <a:srgbClr val="000000"/>
               </a:solidFill>
@@ -3605,7 +3627,8 @@
         <p:txBody>
           <a:bodyPr lIns="0" rIns="0" tIns="0" bIns="0" anchor="ctr"/>
           <a:p>
-            <a:endParaRPr b="0" lang="pt-BR" sz="1800" spc="-1" strike="noStrike">
+            <a:pPr algn="ctr"/>
+            <a:endParaRPr b="0" lang="pt-BR" sz="4400" spc="-1" strike="noStrike">
               <a:solidFill>
                 <a:srgbClr val="000000"/>
               </a:solidFill>
@@ -3641,7 +3664,7 @@
         <p:txBody>
           <a:bodyPr lIns="0" rIns="0" tIns="0" bIns="0"/>
           <a:p>
-            <a:endParaRPr b="0" lang="pt-BR" sz="2800" spc="-1" strike="noStrike">
+            <a:endParaRPr b="0" lang="pt-BR" sz="3200" spc="-1" strike="noStrike">
               <a:solidFill>
                 <a:srgbClr val="000000"/>
               </a:solidFill>
@@ -3677,7 +3700,7 @@
         <p:txBody>
           <a:bodyPr lIns="0" rIns="0" tIns="0" bIns="0"/>
           <a:p>
-            <a:endParaRPr b="0" lang="pt-BR" sz="2800" spc="-1" strike="noStrike">
+            <a:endParaRPr b="0" lang="pt-BR" sz="3200" spc="-1" strike="noStrike">
               <a:solidFill>
                 <a:srgbClr val="000000"/>
               </a:solidFill>
@@ -3735,7 +3758,8 @@
         <p:txBody>
           <a:bodyPr lIns="0" rIns="0" tIns="0" bIns="0" anchor="ctr"/>
           <a:p>
-            <a:endParaRPr b="0" lang="pt-BR" sz="1800" spc="-1" strike="noStrike">
+            <a:pPr algn="ctr"/>
+            <a:endParaRPr b="0" lang="pt-BR" sz="4400" spc="-1" strike="noStrike">
               <a:solidFill>
                 <a:srgbClr val="000000"/>
               </a:solidFill>
@@ -3771,7 +3795,7 @@
         <p:txBody>
           <a:bodyPr lIns="0" rIns="0" tIns="0" bIns="0"/>
           <a:p>
-            <a:endParaRPr b="0" lang="pt-BR" sz="2800" spc="-1" strike="noStrike">
+            <a:endParaRPr b="0" lang="pt-BR" sz="3200" spc="-1" strike="noStrike">
               <a:solidFill>
                 <a:srgbClr val="000000"/>
               </a:solidFill>
@@ -3807,7 +3831,7 @@
         <p:txBody>
           <a:bodyPr lIns="0" rIns="0" tIns="0" bIns="0"/>
           <a:p>
-            <a:endParaRPr b="0" lang="pt-BR" sz="2800" spc="-1" strike="noStrike">
+            <a:endParaRPr b="0" lang="pt-BR" sz="3200" spc="-1" strike="noStrike">
               <a:solidFill>
                 <a:srgbClr val="000000"/>
               </a:solidFill>
@@ -3843,7 +3867,7 @@
         <p:txBody>
           <a:bodyPr lIns="0" rIns="0" tIns="0" bIns="0"/>
           <a:p>
-            <a:endParaRPr b="0" lang="pt-BR" sz="2800" spc="-1" strike="noStrike">
+            <a:endParaRPr b="0" lang="pt-BR" sz="3200" spc="-1" strike="noStrike">
               <a:solidFill>
                 <a:srgbClr val="000000"/>
               </a:solidFill>
@@ -3879,7 +3903,7 @@
         <p:txBody>
           <a:bodyPr lIns="0" rIns="0" tIns="0" bIns="0"/>
           <a:p>
-            <a:endParaRPr b="0" lang="pt-BR" sz="2800" spc="-1" strike="noStrike">
+            <a:endParaRPr b="0" lang="pt-BR" sz="3200" spc="-1" strike="noStrike">
               <a:solidFill>
                 <a:srgbClr val="000000"/>
               </a:solidFill>
@@ -3937,7 +3961,8 @@
         <p:txBody>
           <a:bodyPr lIns="0" rIns="0" tIns="0" bIns="0" anchor="ctr"/>
           <a:p>
-            <a:endParaRPr b="0" lang="pt-BR" sz="1800" spc="-1" strike="noStrike">
+            <a:pPr algn="ctr"/>
+            <a:endParaRPr b="0" lang="pt-BR" sz="4400" spc="-1" strike="noStrike">
               <a:solidFill>
                 <a:srgbClr val="000000"/>
               </a:solidFill>
@@ -3973,7 +3998,7 @@
         <p:txBody>
           <a:bodyPr lIns="0" rIns="0" tIns="0" bIns="0"/>
           <a:p>
-            <a:endParaRPr b="0" lang="pt-BR" sz="2800" spc="-1" strike="noStrike">
+            <a:endParaRPr b="0" lang="pt-BR" sz="3200" spc="-1" strike="noStrike">
               <a:solidFill>
                 <a:srgbClr val="000000"/>
               </a:solidFill>
@@ -4009,7 +4034,7 @@
         <p:txBody>
           <a:bodyPr lIns="0" rIns="0" tIns="0" bIns="0"/>
           <a:p>
-            <a:endParaRPr b="0" lang="pt-BR" sz="2800" spc="-1" strike="noStrike">
+            <a:endParaRPr b="0" lang="pt-BR" sz="3200" spc="-1" strike="noStrike">
               <a:solidFill>
                 <a:srgbClr val="000000"/>
               </a:solidFill>
@@ -4113,7 +4138,8 @@
         <p:txBody>
           <a:bodyPr lIns="0" rIns="0" tIns="0" bIns="0" anchor="ctr"/>
           <a:p>
-            <a:endParaRPr b="0" lang="pt-BR" sz="1800" spc="-1" strike="noStrike">
+            <a:pPr algn="ctr"/>
+            <a:endParaRPr b="0" lang="pt-BR" sz="4400" spc="-1" strike="noStrike">
               <a:solidFill>
                 <a:srgbClr val="000000"/>
               </a:solidFill>
@@ -4149,7 +4175,7 @@
         <p:txBody>
           <a:bodyPr lIns="0" rIns="0" tIns="0" bIns="0"/>
           <a:p>
-            <a:endParaRPr b="0" lang="pt-BR" sz="2800" spc="-1" strike="noStrike">
+            <a:endParaRPr b="0" lang="pt-BR" sz="3200" spc="-1" strike="noStrike">
               <a:solidFill>
                 <a:srgbClr val="000000"/>
               </a:solidFill>
@@ -4185,7 +4211,7 @@
         <p:txBody>
           <a:bodyPr lIns="0" rIns="0" tIns="0" bIns="0"/>
           <a:p>
-            <a:endParaRPr b="0" lang="pt-BR" sz="2800" spc="-1" strike="noStrike">
+            <a:endParaRPr b="0" lang="pt-BR" sz="3200" spc="-1" strike="noStrike">
               <a:solidFill>
                 <a:srgbClr val="000000"/>
               </a:solidFill>
@@ -4243,7 +4269,8 @@
         <p:txBody>
           <a:bodyPr lIns="0" rIns="0" tIns="0" bIns="0" anchor="ctr"/>
           <a:p>
-            <a:endParaRPr b="0" lang="pt-BR" sz="1800" spc="-1" strike="noStrike">
+            <a:pPr algn="ctr"/>
+            <a:endParaRPr b="0" lang="pt-BR" sz="4400" spc="-1" strike="noStrike">
               <a:solidFill>
                 <a:srgbClr val="000000"/>
               </a:solidFill>
@@ -4360,7 +4387,8 @@
         <p:txBody>
           <a:bodyPr lIns="0" rIns="0" tIns="0" bIns="0" anchor="ctr"/>
           <a:p>
-            <a:endParaRPr b="0" lang="pt-BR" sz="1800" spc="-1" strike="noStrike">
+            <a:pPr algn="ctr"/>
+            <a:endParaRPr b="0" lang="pt-BR" sz="4400" spc="-1" strike="noStrike">
               <a:solidFill>
                 <a:srgbClr val="000000"/>
               </a:solidFill>
@@ -4396,7 +4424,7 @@
         <p:txBody>
           <a:bodyPr lIns="0" rIns="0" tIns="0" bIns="0"/>
           <a:p>
-            <a:endParaRPr b="0" lang="pt-BR" sz="2800" spc="-1" strike="noStrike">
+            <a:endParaRPr b="0" lang="pt-BR" sz="3200" spc="-1" strike="noStrike">
               <a:solidFill>
                 <a:srgbClr val="000000"/>
               </a:solidFill>
@@ -4432,7 +4460,7 @@
         <p:txBody>
           <a:bodyPr lIns="0" rIns="0" tIns="0" bIns="0"/>
           <a:p>
-            <a:endParaRPr b="0" lang="pt-BR" sz="2800" spc="-1" strike="noStrike">
+            <a:endParaRPr b="0" lang="pt-BR" sz="3200" spc="-1" strike="noStrike">
               <a:solidFill>
                 <a:srgbClr val="000000"/>
               </a:solidFill>
@@ -4468,7 +4496,7 @@
         <p:txBody>
           <a:bodyPr lIns="0" rIns="0" tIns="0" bIns="0"/>
           <a:p>
-            <a:endParaRPr b="0" lang="pt-BR" sz="2800" spc="-1" strike="noStrike">
+            <a:endParaRPr b="0" lang="pt-BR" sz="3200" spc="-1" strike="noStrike">
               <a:solidFill>
                 <a:srgbClr val="000000"/>
               </a:solidFill>
@@ -4526,7 +4554,8 @@
         <p:txBody>
           <a:bodyPr lIns="0" rIns="0" tIns="0" bIns="0" anchor="ctr"/>
           <a:p>
-            <a:endParaRPr b="0" lang="pt-BR" sz="1800" spc="-1" strike="noStrike">
+            <a:pPr algn="ctr"/>
+            <a:endParaRPr b="0" lang="pt-BR" sz="4400" spc="-1" strike="noStrike">
               <a:solidFill>
                 <a:srgbClr val="000000"/>
               </a:solidFill>
@@ -4562,7 +4591,7 @@
         <p:txBody>
           <a:bodyPr lIns="0" rIns="0" tIns="0" bIns="0"/>
           <a:p>
-            <a:endParaRPr b="0" lang="pt-BR" sz="2800" spc="-1" strike="noStrike">
+            <a:endParaRPr b="0" lang="pt-BR" sz="3200" spc="-1" strike="noStrike">
               <a:solidFill>
                 <a:srgbClr val="000000"/>
               </a:solidFill>
@@ -4598,7 +4627,7 @@
         <p:txBody>
           <a:bodyPr lIns="0" rIns="0" tIns="0" bIns="0"/>
           <a:p>
-            <a:endParaRPr b="0" lang="pt-BR" sz="2800" spc="-1" strike="noStrike">
+            <a:endParaRPr b="0" lang="pt-BR" sz="3200" spc="-1" strike="noStrike">
               <a:solidFill>
                 <a:srgbClr val="000000"/>
               </a:solidFill>
@@ -4634,7 +4663,7 @@
         <p:txBody>
           <a:bodyPr lIns="0" rIns="0" tIns="0" bIns="0"/>
           <a:p>
-            <a:endParaRPr b="0" lang="pt-BR" sz="2800" spc="-1" strike="noStrike">
+            <a:endParaRPr b="0" lang="pt-BR" sz="3200" spc="-1" strike="noStrike">
               <a:solidFill>
                 <a:srgbClr val="000000"/>
               </a:solidFill>
@@ -4692,7 +4721,8 @@
         <p:txBody>
           <a:bodyPr lIns="0" rIns="0" tIns="0" bIns="0" anchor="ctr"/>
           <a:p>
-            <a:endParaRPr b="0" lang="pt-BR" sz="1800" spc="-1" strike="noStrike">
+            <a:pPr algn="ctr"/>
+            <a:endParaRPr b="0" lang="pt-BR" sz="4400" spc="-1" strike="noStrike">
               <a:solidFill>
                 <a:srgbClr val="000000"/>
               </a:solidFill>
@@ -4728,7 +4758,7 @@
         <p:txBody>
           <a:bodyPr lIns="0" rIns="0" tIns="0" bIns="0"/>
           <a:p>
-            <a:endParaRPr b="0" lang="pt-BR" sz="2800" spc="-1" strike="noStrike">
+            <a:endParaRPr b="0" lang="pt-BR" sz="3200" spc="-1" strike="noStrike">
               <a:solidFill>
                 <a:srgbClr val="000000"/>
               </a:solidFill>
@@ -4764,7 +4794,7 @@
         <p:txBody>
           <a:bodyPr lIns="0" rIns="0" tIns="0" bIns="0"/>
           <a:p>
-            <a:endParaRPr b="0" lang="pt-BR" sz="2800" spc="-1" strike="noStrike">
+            <a:endParaRPr b="0" lang="pt-BR" sz="3200" spc="-1" strike="noStrike">
               <a:solidFill>
                 <a:srgbClr val="000000"/>
               </a:solidFill>
@@ -4800,7 +4830,7 @@
         <p:txBody>
           <a:bodyPr lIns="0" rIns="0" tIns="0" bIns="0"/>
           <a:p>
-            <a:endParaRPr b="0" lang="pt-BR" sz="2800" spc="-1" strike="noStrike">
+            <a:endParaRPr b="0" lang="pt-BR" sz="3200" spc="-1" strike="noStrike">
               <a:solidFill>
                 <a:srgbClr val="000000"/>
               </a:solidFill>
@@ -4865,8 +4895,9 @@
         <p:txBody>
           <a:bodyPr lIns="0" rIns="0" tIns="0" bIns="0" anchor="ctr"/>
           <a:p>
+            <a:pPr algn="ctr"/>
             <a:r>
-              <a:rPr b="0" lang="pt-BR" sz="1800" spc="-1" strike="noStrike">
+              <a:rPr b="0" lang="pt-BR" sz="4400" spc="-1" strike="noStrike">
                 <a:solidFill>
                   <a:srgbClr val="000000"/>
                 </a:solidFill>
@@ -4877,9 +4908,9 @@
                 </a:uFill>
                 <a:latin typeface="Arial"/>
               </a:rPr>
-              <a:t>Click to edit the title text format</a:t>
+              <a:t>Clique para editar o formato do texto do título</a:t>
             </a:r>
-            <a:endParaRPr b="0" lang="pt-BR" sz="1800" spc="-1" strike="noStrike">
+            <a:endParaRPr b="0" lang="pt-BR" sz="4400" spc="-1" strike="noStrike">
               <a:solidFill>
                 <a:srgbClr val="000000"/>
               </a:solidFill>
@@ -4924,7 +4955,7 @@
               <a:buChar char=""/>
             </a:pPr>
             <a:r>
-              <a:rPr b="0" lang="pt-BR" sz="2800" spc="-1" strike="noStrike">
+              <a:rPr b="0" lang="pt-BR" sz="3200" spc="-1" strike="noStrike">
                 <a:solidFill>
                   <a:srgbClr val="000000"/>
                 </a:solidFill>
@@ -4935,7 +4966,42 @@
                 </a:uFill>
                 <a:latin typeface="Arial"/>
               </a:rPr>
-              <a:t>Click to edit the outline text format</a:t>
+              <a:t>Clique para editar o formato do texto da estrutura de tópicos</a:t>
+            </a:r>
+            <a:endParaRPr b="0" lang="pt-BR" sz="3200" spc="-1" strike="noStrike">
+              <a:solidFill>
+                <a:srgbClr val="000000"/>
+              </a:solidFill>
+              <a:uFill>
+                <a:solidFill>
+                  <a:srgbClr val="ffffff"/>
+                </a:solidFill>
+              </a:uFill>
+              <a:latin typeface="Arial"/>
+            </a:endParaRPr>
+          </a:p>
+          <a:p>
+            <a:pPr lvl="1" marL="864000" indent="-324000">
+              <a:buClr>
+                <a:srgbClr val="000000"/>
+              </a:buClr>
+              <a:buSzPct val="75000"/>
+              <a:buFont typeface="Symbol" charset="2"/>
+              <a:buChar char=""/>
+            </a:pPr>
+            <a:r>
+              <a:rPr b="0" lang="pt-BR" sz="2800" spc="-1" strike="noStrike">
+                <a:solidFill>
+                  <a:srgbClr val="000000"/>
+                </a:solidFill>
+                <a:uFill>
+                  <a:solidFill>
+                    <a:srgbClr val="ffffff"/>
+                  </a:solidFill>
+                </a:uFill>
+                <a:latin typeface="Arial"/>
+              </a:rPr>
+              <a:t>2.º nível da estrutura de tópicos</a:t>
             </a:r>
             <a:endParaRPr b="0" lang="pt-BR" sz="2800" spc="-1" strike="noStrike">
               <a:solidFill>
@@ -4950,7 +5016,42 @@
             </a:endParaRPr>
           </a:p>
           <a:p>
-            <a:pPr lvl="1" marL="864000" indent="-324000">
+            <a:pPr lvl="2" marL="1296000" indent="-288000">
+              <a:buClr>
+                <a:srgbClr val="000000"/>
+              </a:buClr>
+              <a:buSzPct val="45000"/>
+              <a:buFont typeface="Wingdings" charset="2"/>
+              <a:buChar char=""/>
+            </a:pPr>
+            <a:r>
+              <a:rPr b="0" lang="pt-BR" sz="2400" spc="-1" strike="noStrike">
+                <a:solidFill>
+                  <a:srgbClr val="000000"/>
+                </a:solidFill>
+                <a:uFill>
+                  <a:solidFill>
+                    <a:srgbClr val="ffffff"/>
+                  </a:solidFill>
+                </a:uFill>
+                <a:latin typeface="Arial"/>
+              </a:rPr>
+              <a:t>3.º nível da estrutura de tópicos</a:t>
+            </a:r>
+            <a:endParaRPr b="0" lang="pt-BR" sz="2400" spc="-1" strike="noStrike">
+              <a:solidFill>
+                <a:srgbClr val="000000"/>
+              </a:solidFill>
+              <a:uFill>
+                <a:solidFill>
+                  <a:srgbClr val="ffffff"/>
+                </a:solidFill>
+              </a:uFill>
+              <a:latin typeface="Arial"/>
+            </a:endParaRPr>
+          </a:p>
+          <a:p>
+            <a:pPr lvl="3" marL="1728000" indent="-216000">
               <a:buClr>
                 <a:srgbClr val="000000"/>
               </a:buClr>
@@ -4970,7 +5071,7 @@
                 </a:uFill>
                 <a:latin typeface="Arial"/>
               </a:rPr>
-              <a:t>Second Outline Level</a:t>
+              <a:t>4.º nível da estrutura de tópicos</a:t>
             </a:r>
             <a:endParaRPr b="0" lang="pt-BR" sz="2000" spc="-1" strike="noStrike">
               <a:solidFill>
@@ -4985,7 +5086,7 @@
             </a:endParaRPr>
           </a:p>
           <a:p>
-            <a:pPr lvl="2" marL="1296000" indent="-288000">
+            <a:pPr lvl="4" marL="2160000" indent="-216000">
               <a:buClr>
                 <a:srgbClr val="000000"/>
               </a:buClr>
@@ -4994,7 +5095,7 @@
               <a:buChar char=""/>
             </a:pPr>
             <a:r>
-              <a:rPr b="0" lang="pt-BR" sz="1800" spc="-1" strike="noStrike">
+              <a:rPr b="0" lang="pt-BR" sz="2000" spc="-1" strike="noStrike">
                 <a:solidFill>
                   <a:srgbClr val="000000"/>
                 </a:solidFill>
@@ -5005,31 +5106,31 @@
                 </a:uFill>
                 <a:latin typeface="Arial"/>
               </a:rPr>
-              <a:t>Third Outline Level</a:t>
+              <a:t>5.º nível da estrutura de tópicos</a:t>
             </a:r>
-            <a:endParaRPr b="0" lang="pt-BR" sz="1800" spc="-1" strike="noStrike">
-              <a:solidFill>
-                <a:srgbClr val="000000"/>
-              </a:solidFill>
-              <a:uFill>
-                <a:solidFill>
-                  <a:srgbClr val="ffffff"/>
-                </a:solidFill>
-              </a:uFill>
-              <a:latin typeface="Arial"/>
-            </a:endParaRPr>
-          </a:p>
-          <a:p>
-            <a:pPr lvl="3" marL="1728000" indent="-216000">
+            <a:endParaRPr b="0" lang="pt-BR" sz="2000" spc="-1" strike="noStrike">
+              <a:solidFill>
+                <a:srgbClr val="000000"/>
+              </a:solidFill>
+              <a:uFill>
+                <a:solidFill>
+                  <a:srgbClr val="ffffff"/>
+                </a:solidFill>
+              </a:uFill>
+              <a:latin typeface="Arial"/>
+            </a:endParaRPr>
+          </a:p>
+          <a:p>
+            <a:pPr lvl="5" marL="2592000" indent="-216000">
               <a:buClr>
                 <a:srgbClr val="000000"/>
               </a:buClr>
-              <a:buSzPct val="75000"/>
-              <a:buFont typeface="Symbol" charset="2"/>
-              <a:buChar char=""/>
+              <a:buSzPct val="45000"/>
+              <a:buFont typeface="Wingdings" charset="2"/>
+              <a:buChar char=""/>
             </a:pPr>
             <a:r>
-              <a:rPr b="0" lang="pt-BR" sz="1800" spc="-1" strike="noStrike">
+              <a:rPr b="0" lang="pt-BR" sz="2000" spc="-1" strike="noStrike">
                 <a:solidFill>
                   <a:srgbClr val="000000"/>
                 </a:solidFill>
@@ -5040,22 +5141,22 @@
                 </a:uFill>
                 <a:latin typeface="Arial"/>
               </a:rPr>
-              <a:t>Fourth Outline Level</a:t>
+              <a:t>6.º nível da estrutura de tópicos</a:t>
             </a:r>
-            <a:endParaRPr b="0" lang="pt-BR" sz="1800" spc="-1" strike="noStrike">
-              <a:solidFill>
-                <a:srgbClr val="000000"/>
-              </a:solidFill>
-              <a:uFill>
-                <a:solidFill>
-                  <a:srgbClr val="ffffff"/>
-                </a:solidFill>
-              </a:uFill>
-              <a:latin typeface="Arial"/>
-            </a:endParaRPr>
-          </a:p>
-          <a:p>
-            <a:pPr lvl="4" marL="2160000" indent="-216000">
+            <a:endParaRPr b="0" lang="pt-BR" sz="2000" spc="-1" strike="noStrike">
+              <a:solidFill>
+                <a:srgbClr val="000000"/>
+              </a:solidFill>
+              <a:uFill>
+                <a:solidFill>
+                  <a:srgbClr val="ffffff"/>
+                </a:solidFill>
+              </a:uFill>
+              <a:latin typeface="Arial"/>
+            </a:endParaRPr>
+          </a:p>
+          <a:p>
+            <a:pPr lvl="6" marL="3024000" indent="-216000">
               <a:buClr>
                 <a:srgbClr val="000000"/>
               </a:buClr>
@@ -5075,77 +5176,7 @@
                 </a:uFill>
                 <a:latin typeface="Arial"/>
               </a:rPr>
-              <a:t>Fifth Outline Level</a:t>
-            </a:r>
-            <a:endParaRPr b="0" lang="pt-BR" sz="2000" spc="-1" strike="noStrike">
-              <a:solidFill>
-                <a:srgbClr val="000000"/>
-              </a:solidFill>
-              <a:uFill>
-                <a:solidFill>
-                  <a:srgbClr val="ffffff"/>
-                </a:solidFill>
-              </a:uFill>
-              <a:latin typeface="Arial"/>
-            </a:endParaRPr>
-          </a:p>
-          <a:p>
-            <a:pPr lvl="5" marL="2592000" indent="-216000">
-              <a:buClr>
-                <a:srgbClr val="000000"/>
-              </a:buClr>
-              <a:buSzPct val="45000"/>
-              <a:buFont typeface="Wingdings" charset="2"/>
-              <a:buChar char=""/>
-            </a:pPr>
-            <a:r>
-              <a:rPr b="0" lang="pt-BR" sz="2000" spc="-1" strike="noStrike">
-                <a:solidFill>
-                  <a:srgbClr val="000000"/>
-                </a:solidFill>
-                <a:uFill>
-                  <a:solidFill>
-                    <a:srgbClr val="ffffff"/>
-                  </a:solidFill>
-                </a:uFill>
-                <a:latin typeface="Arial"/>
-              </a:rPr>
-              <a:t>Sixth Outline Level</a:t>
-            </a:r>
-            <a:endParaRPr b="0" lang="pt-BR" sz="2000" spc="-1" strike="noStrike">
-              <a:solidFill>
-                <a:srgbClr val="000000"/>
-              </a:solidFill>
-              <a:uFill>
-                <a:solidFill>
-                  <a:srgbClr val="ffffff"/>
-                </a:solidFill>
-              </a:uFill>
-              <a:latin typeface="Arial"/>
-            </a:endParaRPr>
-          </a:p>
-          <a:p>
-            <a:pPr lvl="6" marL="3024000" indent="-216000">
-              <a:buClr>
-                <a:srgbClr val="000000"/>
-              </a:buClr>
-              <a:buSzPct val="45000"/>
-              <a:buFont typeface="Wingdings" charset="2"/>
-              <a:buChar char=""/>
-            </a:pPr>
-            <a:r>
-              <a:rPr b="0" lang="pt-BR" sz="2000" spc="-1" strike="noStrike">
-                <a:solidFill>
-                  <a:srgbClr val="000000"/>
-                </a:solidFill>
-                <a:uFill>
-                  <a:solidFill>
-                    <a:srgbClr val="ffffff"/>
-                  </a:solidFill>
-                </a:uFill>
-                <a:latin typeface="Arial"/>
-              </a:rPr>
-              <a:t>Seventh Outline Level</a:t>
+              <a:t>7.º nível da estrutura de tópicos</a:t>
             </a:r>
             <a:endParaRPr b="0" lang="pt-BR" sz="2000" spc="-1" strike="noStrike">
               <a:solidFill>
@@ -5227,8 +5258,9 @@
         <p:txBody>
           <a:bodyPr lIns="0" rIns="0" tIns="0" bIns="0" anchor="ctr"/>
           <a:p>
+            <a:pPr algn="ctr"/>
             <a:r>
-              <a:rPr b="0" lang="pt-BR" sz="1800" spc="-1" strike="noStrike">
+              <a:rPr b="0" lang="pt-BR" sz="4400" spc="-1" strike="noStrike">
                 <a:solidFill>
                   <a:srgbClr val="000000"/>
                 </a:solidFill>
@@ -5239,9 +5271,9 @@
                 </a:uFill>
                 <a:latin typeface="Arial"/>
               </a:rPr>
-              <a:t>Click to edit the title text format</a:t>
+              <a:t>Clique para editar o formato do texto do título</a:t>
             </a:r>
-            <a:endParaRPr b="0" lang="pt-BR" sz="1800" spc="-1" strike="noStrike">
+            <a:endParaRPr b="0" lang="pt-BR" sz="4400" spc="-1" strike="noStrike">
               <a:solidFill>
                 <a:srgbClr val="000000"/>
               </a:solidFill>
@@ -5286,7 +5318,7 @@
               <a:buChar char=""/>
             </a:pPr>
             <a:r>
-              <a:rPr b="0" lang="pt-BR" sz="2800" spc="-1" strike="noStrike">
+              <a:rPr b="0" lang="pt-BR" sz="3200" spc="-1" strike="noStrike">
                 <a:solidFill>
                   <a:srgbClr val="000000"/>
                 </a:solidFill>
@@ -5297,7 +5329,42 @@
                 </a:uFill>
                 <a:latin typeface="Arial"/>
               </a:rPr>
-              <a:t>Click to edit the outline text format</a:t>
+              <a:t>Clique para editar o formato do texto da estrutura de tópicos</a:t>
+            </a:r>
+            <a:endParaRPr b="0" lang="pt-BR" sz="3200" spc="-1" strike="noStrike">
+              <a:solidFill>
+                <a:srgbClr val="000000"/>
+              </a:solidFill>
+              <a:uFill>
+                <a:solidFill>
+                  <a:srgbClr val="ffffff"/>
+                </a:solidFill>
+              </a:uFill>
+              <a:latin typeface="Arial"/>
+            </a:endParaRPr>
+          </a:p>
+          <a:p>
+            <a:pPr lvl="1" marL="864000" indent="-324000">
+              <a:buClr>
+                <a:srgbClr val="000000"/>
+              </a:buClr>
+              <a:buSzPct val="75000"/>
+              <a:buFont typeface="Symbol" charset="2"/>
+              <a:buChar char=""/>
+            </a:pPr>
+            <a:r>
+              <a:rPr b="0" lang="pt-BR" sz="2800" spc="-1" strike="noStrike">
+                <a:solidFill>
+                  <a:srgbClr val="000000"/>
+                </a:solidFill>
+                <a:uFill>
+                  <a:solidFill>
+                    <a:srgbClr val="ffffff"/>
+                  </a:solidFill>
+                </a:uFill>
+                <a:latin typeface="Arial"/>
+              </a:rPr>
+              <a:t>2.º nível da estrutura de tópicos</a:t>
             </a:r>
             <a:endParaRPr b="0" lang="pt-BR" sz="2800" spc="-1" strike="noStrike">
               <a:solidFill>
@@ -5312,7 +5379,42 @@
             </a:endParaRPr>
           </a:p>
           <a:p>
-            <a:pPr lvl="1" marL="864000" indent="-324000">
+            <a:pPr lvl="2" marL="1296000" indent="-288000">
+              <a:buClr>
+                <a:srgbClr val="000000"/>
+              </a:buClr>
+              <a:buSzPct val="45000"/>
+              <a:buFont typeface="Wingdings" charset="2"/>
+              <a:buChar char=""/>
+            </a:pPr>
+            <a:r>
+              <a:rPr b="0" lang="pt-BR" sz="2400" spc="-1" strike="noStrike">
+                <a:solidFill>
+                  <a:srgbClr val="000000"/>
+                </a:solidFill>
+                <a:uFill>
+                  <a:solidFill>
+                    <a:srgbClr val="ffffff"/>
+                  </a:solidFill>
+                </a:uFill>
+                <a:latin typeface="Arial"/>
+              </a:rPr>
+              <a:t>3.º nível da estrutura de tópicos</a:t>
+            </a:r>
+            <a:endParaRPr b="0" lang="pt-BR" sz="2400" spc="-1" strike="noStrike">
+              <a:solidFill>
+                <a:srgbClr val="000000"/>
+              </a:solidFill>
+              <a:uFill>
+                <a:solidFill>
+                  <a:srgbClr val="ffffff"/>
+                </a:solidFill>
+              </a:uFill>
+              <a:latin typeface="Arial"/>
+            </a:endParaRPr>
+          </a:p>
+          <a:p>
+            <a:pPr lvl="3" marL="1728000" indent="-216000">
               <a:buClr>
                 <a:srgbClr val="000000"/>
               </a:buClr>
@@ -5332,7 +5434,7 @@
                 </a:uFill>
                 <a:latin typeface="Arial"/>
               </a:rPr>
-              <a:t>Second Outline Level</a:t>
+              <a:t>4.º nível da estrutura de tópicos</a:t>
             </a:r>
             <a:endParaRPr b="0" lang="pt-BR" sz="2000" spc="-1" strike="noStrike">
               <a:solidFill>
@@ -5347,7 +5449,7 @@
             </a:endParaRPr>
           </a:p>
           <a:p>
-            <a:pPr lvl="2" marL="1296000" indent="-288000">
+            <a:pPr lvl="4" marL="2160000" indent="-216000">
               <a:buClr>
                 <a:srgbClr val="000000"/>
               </a:buClr>
@@ -5356,7 +5458,7 @@
               <a:buChar char=""/>
             </a:pPr>
             <a:r>
-              <a:rPr b="0" lang="pt-BR" sz="1800" spc="-1" strike="noStrike">
+              <a:rPr b="0" lang="pt-BR" sz="2000" spc="-1" strike="noStrike">
                 <a:solidFill>
                   <a:srgbClr val="000000"/>
                 </a:solidFill>
@@ -5367,31 +5469,31 @@
                 </a:uFill>
                 <a:latin typeface="Arial"/>
               </a:rPr>
-              <a:t>Third Outline Level</a:t>
+              <a:t>5.º nível da estrutura de tópicos</a:t>
             </a:r>
-            <a:endParaRPr b="0" lang="pt-BR" sz="1800" spc="-1" strike="noStrike">
-              <a:solidFill>
-                <a:srgbClr val="000000"/>
-              </a:solidFill>
-              <a:uFill>
-                <a:solidFill>
-                  <a:srgbClr val="ffffff"/>
-                </a:solidFill>
-              </a:uFill>
-              <a:latin typeface="Arial"/>
-            </a:endParaRPr>
-          </a:p>
-          <a:p>
-            <a:pPr lvl="3" marL="1728000" indent="-216000">
+            <a:endParaRPr b="0" lang="pt-BR" sz="2000" spc="-1" strike="noStrike">
+              <a:solidFill>
+                <a:srgbClr val="000000"/>
+              </a:solidFill>
+              <a:uFill>
+                <a:solidFill>
+                  <a:srgbClr val="ffffff"/>
+                </a:solidFill>
+              </a:uFill>
+              <a:latin typeface="Arial"/>
+            </a:endParaRPr>
+          </a:p>
+          <a:p>
+            <a:pPr lvl="5" marL="2592000" indent="-216000">
               <a:buClr>
                 <a:srgbClr val="000000"/>
               </a:buClr>
-              <a:buSzPct val="75000"/>
-              <a:buFont typeface="Symbol" charset="2"/>
-              <a:buChar char=""/>
+              <a:buSzPct val="45000"/>
+              <a:buFont typeface="Wingdings" charset="2"/>
+              <a:buChar char=""/>
             </a:pPr>
             <a:r>
-              <a:rPr b="0" lang="pt-BR" sz="1800" spc="-1" strike="noStrike">
+              <a:rPr b="0" lang="pt-BR" sz="2000" spc="-1" strike="noStrike">
                 <a:solidFill>
                   <a:srgbClr val="000000"/>
                 </a:solidFill>
@@ -5402,22 +5504,22 @@
                 </a:uFill>
                 <a:latin typeface="Arial"/>
               </a:rPr>
-              <a:t>Fourth Outline Level</a:t>
+              <a:t>6.º nível da estrutura de tópicos</a:t>
             </a:r>
-            <a:endParaRPr b="0" lang="pt-BR" sz="1800" spc="-1" strike="noStrike">
-              <a:solidFill>
-                <a:srgbClr val="000000"/>
-              </a:solidFill>
-              <a:uFill>
-                <a:solidFill>
-                  <a:srgbClr val="ffffff"/>
-                </a:solidFill>
-              </a:uFill>
-              <a:latin typeface="Arial"/>
-            </a:endParaRPr>
-          </a:p>
-          <a:p>
-            <a:pPr lvl="4" marL="2160000" indent="-216000">
+            <a:endParaRPr b="0" lang="pt-BR" sz="2000" spc="-1" strike="noStrike">
+              <a:solidFill>
+                <a:srgbClr val="000000"/>
+              </a:solidFill>
+              <a:uFill>
+                <a:solidFill>
+                  <a:srgbClr val="ffffff"/>
+                </a:solidFill>
+              </a:uFill>
+              <a:latin typeface="Arial"/>
+            </a:endParaRPr>
+          </a:p>
+          <a:p>
+            <a:pPr lvl="6" marL="3024000" indent="-216000">
               <a:buClr>
                 <a:srgbClr val="000000"/>
               </a:buClr>
@@ -5437,77 +5539,7 @@
                 </a:uFill>
                 <a:latin typeface="Arial"/>
               </a:rPr>
-              <a:t>Fifth Outline Level</a:t>
-            </a:r>
-            <a:endParaRPr b="0" lang="pt-BR" sz="2000" spc="-1" strike="noStrike">
-              <a:solidFill>
-                <a:srgbClr val="000000"/>
-              </a:solidFill>
-              <a:uFill>
-                <a:solidFill>
-                  <a:srgbClr val="ffffff"/>
-                </a:solidFill>
-              </a:uFill>
-              <a:latin typeface="Arial"/>
-            </a:endParaRPr>
-          </a:p>
-          <a:p>
-            <a:pPr lvl="5" marL="2592000" indent="-216000">
-              <a:buClr>
-                <a:srgbClr val="000000"/>
-              </a:buClr>
-              <a:buSzPct val="45000"/>
-              <a:buFont typeface="Wingdings" charset="2"/>
-              <a:buChar char=""/>
-            </a:pPr>
-            <a:r>
-              <a:rPr b="0" lang="pt-BR" sz="2000" spc="-1" strike="noStrike">
-                <a:solidFill>
-                  <a:srgbClr val="000000"/>
-                </a:solidFill>
-                <a:uFill>
-                  <a:solidFill>
-                    <a:srgbClr val="ffffff"/>
-                  </a:solidFill>
-                </a:uFill>
-                <a:latin typeface="Arial"/>
-              </a:rPr>
-              <a:t>Sixth Outline Level</a:t>
-            </a:r>
-            <a:endParaRPr b="0" lang="pt-BR" sz="2000" spc="-1" strike="noStrike">
-              <a:solidFill>
-                <a:srgbClr val="000000"/>
-              </a:solidFill>
-              <a:uFill>
-                <a:solidFill>
-                  <a:srgbClr val="ffffff"/>
-                </a:solidFill>
-              </a:uFill>
-              <a:latin typeface="Arial"/>
-            </a:endParaRPr>
-          </a:p>
-          <a:p>
-            <a:pPr lvl="6" marL="3024000" indent="-216000">
-              <a:buClr>
-                <a:srgbClr val="000000"/>
-              </a:buClr>
-              <a:buSzPct val="45000"/>
-              <a:buFont typeface="Wingdings" charset="2"/>
-              <a:buChar char=""/>
-            </a:pPr>
-            <a:r>
-              <a:rPr b="0" lang="pt-BR" sz="2000" spc="-1" strike="noStrike">
-                <a:solidFill>
-                  <a:srgbClr val="000000"/>
-                </a:solidFill>
-                <a:uFill>
-                  <a:solidFill>
-                    <a:srgbClr val="ffffff"/>
-                  </a:solidFill>
-                </a:uFill>
-                <a:latin typeface="Arial"/>
-              </a:rPr>
-              <a:t>Seventh Outline Level</a:t>
+              <a:t>7.º nível da estrutura de tópicos</a:t>
             </a:r>
             <a:endParaRPr b="0" lang="pt-BR" sz="2000" spc="-1" strike="noStrike">
               <a:solidFill>
@@ -5589,8 +5621,9 @@
         <p:txBody>
           <a:bodyPr lIns="0" rIns="0" tIns="0" bIns="0" anchor="ctr"/>
           <a:p>
+            <a:pPr algn="ctr"/>
             <a:r>
-              <a:rPr b="0" lang="pt-BR" sz="1800" spc="-1" strike="noStrike">
+              <a:rPr b="0" lang="pt-BR" sz="4400" spc="-1" strike="noStrike">
                 <a:solidFill>
                   <a:srgbClr val="000000"/>
                 </a:solidFill>
@@ -5601,9 +5634,9 @@
                 </a:uFill>
                 <a:latin typeface="Arial"/>
               </a:rPr>
-              <a:t>Click to edit the title text format</a:t>
+              <a:t>Clique para editar o formato do texto do título</a:t>
             </a:r>
-            <a:endParaRPr b="0" lang="pt-BR" sz="1800" spc="-1" strike="noStrike">
+            <a:endParaRPr b="0" lang="pt-BR" sz="4400" spc="-1" strike="noStrike">
               <a:solidFill>
                 <a:srgbClr val="000000"/>
               </a:solidFill>
@@ -5648,7 +5681,7 @@
               <a:buChar char=""/>
             </a:pPr>
             <a:r>
-              <a:rPr b="0" lang="pt-BR" sz="2800" spc="-1" strike="noStrike">
+              <a:rPr b="0" lang="pt-BR" sz="3200" spc="-1" strike="noStrike">
                 <a:solidFill>
                   <a:srgbClr val="000000"/>
                 </a:solidFill>
@@ -5659,7 +5692,42 @@
                 </a:uFill>
                 <a:latin typeface="Arial"/>
               </a:rPr>
-              <a:t>Click to edit the outline text format</a:t>
+              <a:t>Clique para editar o formato do texto da estrutura de tópicos</a:t>
+            </a:r>
+            <a:endParaRPr b="0" lang="pt-BR" sz="3200" spc="-1" strike="noStrike">
+              <a:solidFill>
+                <a:srgbClr val="000000"/>
+              </a:solidFill>
+              <a:uFill>
+                <a:solidFill>
+                  <a:srgbClr val="ffffff"/>
+                </a:solidFill>
+              </a:uFill>
+              <a:latin typeface="Arial"/>
+            </a:endParaRPr>
+          </a:p>
+          <a:p>
+            <a:pPr lvl="1" marL="864000" indent="-324000">
+              <a:buClr>
+                <a:srgbClr val="000000"/>
+              </a:buClr>
+              <a:buSzPct val="75000"/>
+              <a:buFont typeface="Symbol" charset="2"/>
+              <a:buChar char=""/>
+            </a:pPr>
+            <a:r>
+              <a:rPr b="0" lang="pt-BR" sz="2800" spc="-1" strike="noStrike">
+                <a:solidFill>
+                  <a:srgbClr val="000000"/>
+                </a:solidFill>
+                <a:uFill>
+                  <a:solidFill>
+                    <a:srgbClr val="ffffff"/>
+                  </a:solidFill>
+                </a:uFill>
+                <a:latin typeface="Arial"/>
+              </a:rPr>
+              <a:t>2.º nível da estrutura de tópicos</a:t>
             </a:r>
             <a:endParaRPr b="0" lang="pt-BR" sz="2800" spc="-1" strike="noStrike">
               <a:solidFill>
@@ -5674,7 +5742,42 @@
             </a:endParaRPr>
           </a:p>
           <a:p>
-            <a:pPr lvl="1" marL="864000" indent="-324000">
+            <a:pPr lvl="2" marL="1296000" indent="-288000">
+              <a:buClr>
+                <a:srgbClr val="000000"/>
+              </a:buClr>
+              <a:buSzPct val="45000"/>
+              <a:buFont typeface="Wingdings" charset="2"/>
+              <a:buChar char=""/>
+            </a:pPr>
+            <a:r>
+              <a:rPr b="0" lang="pt-BR" sz="2400" spc="-1" strike="noStrike">
+                <a:solidFill>
+                  <a:srgbClr val="000000"/>
+                </a:solidFill>
+                <a:uFill>
+                  <a:solidFill>
+                    <a:srgbClr val="ffffff"/>
+                  </a:solidFill>
+                </a:uFill>
+                <a:latin typeface="Arial"/>
+              </a:rPr>
+              <a:t>3.º nível da estrutura de tópicos</a:t>
+            </a:r>
+            <a:endParaRPr b="0" lang="pt-BR" sz="2400" spc="-1" strike="noStrike">
+              <a:solidFill>
+                <a:srgbClr val="000000"/>
+              </a:solidFill>
+              <a:uFill>
+                <a:solidFill>
+                  <a:srgbClr val="ffffff"/>
+                </a:solidFill>
+              </a:uFill>
+              <a:latin typeface="Arial"/>
+            </a:endParaRPr>
+          </a:p>
+          <a:p>
+            <a:pPr lvl="3" marL="1728000" indent="-216000">
               <a:buClr>
                 <a:srgbClr val="000000"/>
               </a:buClr>
@@ -5694,7 +5797,7 @@
                 </a:uFill>
                 <a:latin typeface="Arial"/>
               </a:rPr>
-              <a:t>Second Outline Level</a:t>
+              <a:t>4.º nível da estrutura de tópicos</a:t>
             </a:r>
             <a:endParaRPr b="0" lang="pt-BR" sz="2000" spc="-1" strike="noStrike">
               <a:solidFill>
@@ -5709,7 +5812,7 @@
             </a:endParaRPr>
           </a:p>
           <a:p>
-            <a:pPr lvl="2" marL="1296000" indent="-288000">
+            <a:pPr lvl="4" marL="2160000" indent="-216000">
               <a:buClr>
                 <a:srgbClr val="000000"/>
               </a:buClr>
@@ -5718,7 +5821,7 @@
               <a:buChar char=""/>
             </a:pPr>
             <a:r>
-              <a:rPr b="0" lang="pt-BR" sz="1800" spc="-1" strike="noStrike">
+              <a:rPr b="0" lang="pt-BR" sz="2000" spc="-1" strike="noStrike">
                 <a:solidFill>
                   <a:srgbClr val="000000"/>
                 </a:solidFill>
@@ -5729,31 +5832,31 @@
                 </a:uFill>
                 <a:latin typeface="Arial"/>
               </a:rPr>
-              <a:t>Third Outline Level</a:t>
+              <a:t>5.º nível da estrutura de tópicos</a:t>
             </a:r>
-            <a:endParaRPr b="0" lang="pt-BR" sz="1800" spc="-1" strike="noStrike">
-              <a:solidFill>
-                <a:srgbClr val="000000"/>
-              </a:solidFill>
-              <a:uFill>
-                <a:solidFill>
-                  <a:srgbClr val="ffffff"/>
-                </a:solidFill>
-              </a:uFill>
-              <a:latin typeface="Arial"/>
-            </a:endParaRPr>
-          </a:p>
-          <a:p>
-            <a:pPr lvl="3" marL="1728000" indent="-216000">
+            <a:endParaRPr b="0" lang="pt-BR" sz="2000" spc="-1" strike="noStrike">
+              <a:solidFill>
+                <a:srgbClr val="000000"/>
+              </a:solidFill>
+              <a:uFill>
+                <a:solidFill>
+                  <a:srgbClr val="ffffff"/>
+                </a:solidFill>
+              </a:uFill>
+              <a:latin typeface="Arial"/>
+            </a:endParaRPr>
+          </a:p>
+          <a:p>
+            <a:pPr lvl="5" marL="2592000" indent="-216000">
               <a:buClr>
                 <a:srgbClr val="000000"/>
               </a:buClr>
-              <a:buSzPct val="75000"/>
-              <a:buFont typeface="Symbol" charset="2"/>
-              <a:buChar char=""/>
+              <a:buSzPct val="45000"/>
+              <a:buFont typeface="Wingdings" charset="2"/>
+              <a:buChar char=""/>
             </a:pPr>
             <a:r>
-              <a:rPr b="0" lang="pt-BR" sz="1800" spc="-1" strike="noStrike">
+              <a:rPr b="0" lang="pt-BR" sz="2000" spc="-1" strike="noStrike">
                 <a:solidFill>
                   <a:srgbClr val="000000"/>
                 </a:solidFill>
@@ -5764,22 +5867,22 @@
                 </a:uFill>
                 <a:latin typeface="Arial"/>
               </a:rPr>
-              <a:t>Fourth Outline Level</a:t>
+              <a:t>6.º nível da estrutura de tópicos</a:t>
             </a:r>
-            <a:endParaRPr b="0" lang="pt-BR" sz="1800" spc="-1" strike="noStrike">
-              <a:solidFill>
-                <a:srgbClr val="000000"/>
-              </a:solidFill>
-              <a:uFill>
-                <a:solidFill>
-                  <a:srgbClr val="ffffff"/>
-                </a:solidFill>
-              </a:uFill>
-              <a:latin typeface="Arial"/>
-            </a:endParaRPr>
-          </a:p>
-          <a:p>
-            <a:pPr lvl="4" marL="2160000" indent="-216000">
+            <a:endParaRPr b="0" lang="pt-BR" sz="2000" spc="-1" strike="noStrike">
+              <a:solidFill>
+                <a:srgbClr val="000000"/>
+              </a:solidFill>
+              <a:uFill>
+                <a:solidFill>
+                  <a:srgbClr val="ffffff"/>
+                </a:solidFill>
+              </a:uFill>
+              <a:latin typeface="Arial"/>
+            </a:endParaRPr>
+          </a:p>
+          <a:p>
+            <a:pPr lvl="6" marL="3024000" indent="-216000">
               <a:buClr>
                 <a:srgbClr val="000000"/>
               </a:buClr>
@@ -5799,77 +5902,7 @@
                 </a:uFill>
                 <a:latin typeface="Arial"/>
               </a:rPr>
-              <a:t>Fifth Outline Level</a:t>
-            </a:r>
-            <a:endParaRPr b="0" lang="pt-BR" sz="2000" spc="-1" strike="noStrike">
-              <a:solidFill>
-                <a:srgbClr val="000000"/>
-              </a:solidFill>
-              <a:uFill>
-                <a:solidFill>
-                  <a:srgbClr val="ffffff"/>
-                </a:solidFill>
-              </a:uFill>
-              <a:latin typeface="Arial"/>
-            </a:endParaRPr>
-          </a:p>
-          <a:p>
-            <a:pPr lvl="5" marL="2592000" indent="-216000">
-              <a:buClr>
-                <a:srgbClr val="000000"/>
-              </a:buClr>
-              <a:buSzPct val="45000"/>
-              <a:buFont typeface="Wingdings" charset="2"/>
-              <a:buChar char=""/>
-            </a:pPr>
-            <a:r>
-              <a:rPr b="0" lang="pt-BR" sz="2000" spc="-1" strike="noStrike">
-                <a:solidFill>
-                  <a:srgbClr val="000000"/>
-                </a:solidFill>
-                <a:uFill>
-                  <a:solidFill>
-                    <a:srgbClr val="ffffff"/>
-                  </a:solidFill>
-                </a:uFill>
-                <a:latin typeface="Arial"/>
-              </a:rPr>
-              <a:t>Sixth Outline Level</a:t>
-            </a:r>
-            <a:endParaRPr b="0" lang="pt-BR" sz="2000" spc="-1" strike="noStrike">
-              <a:solidFill>
-                <a:srgbClr val="000000"/>
-              </a:solidFill>
-              <a:uFill>
-                <a:solidFill>
-                  <a:srgbClr val="ffffff"/>
-                </a:solidFill>
-              </a:uFill>
-              <a:latin typeface="Arial"/>
-            </a:endParaRPr>
-          </a:p>
-          <a:p>
-            <a:pPr lvl="6" marL="3024000" indent="-216000">
-              <a:buClr>
-                <a:srgbClr val="000000"/>
-              </a:buClr>
-              <a:buSzPct val="45000"/>
-              <a:buFont typeface="Wingdings" charset="2"/>
-              <a:buChar char=""/>
-            </a:pPr>
-            <a:r>
-              <a:rPr b="0" lang="pt-BR" sz="2000" spc="-1" strike="noStrike">
-                <a:solidFill>
-                  <a:srgbClr val="000000"/>
-                </a:solidFill>
-                <a:uFill>
-                  <a:solidFill>
-                    <a:srgbClr val="ffffff"/>
-                  </a:solidFill>
-                </a:uFill>
-                <a:latin typeface="Arial"/>
-              </a:rPr>
-              <a:t>Seventh Outline Level</a:t>
+              <a:t>7.º nível da estrutura de tópicos</a:t>
             </a:r>
             <a:endParaRPr b="0" lang="pt-BR" sz="2000" spc="-1" strike="noStrike">
               <a:solidFill>
@@ -5931,7 +5964,7 @@
         <p:spPr>
           <a:xfrm>
             <a:off x="648000" y="2736000"/>
-            <a:ext cx="7768440" cy="1465920"/>
+            <a:ext cx="7768080" cy="1465560"/>
           </a:xfrm>
           <a:prstGeom prst="rect">
             <a:avLst/>
@@ -6030,7 +6063,7 @@
         <p:spPr>
           <a:xfrm>
             <a:off x="3573720" y="942840"/>
-            <a:ext cx="1870200" cy="1647360"/>
+            <a:ext cx="1869840" cy="1647000"/>
           </a:xfrm>
           <a:prstGeom prst="rect">
             <a:avLst/>
@@ -6098,7 +6131,7 @@
         <p:spPr>
           <a:xfrm>
             <a:off x="457200" y="274680"/>
-            <a:ext cx="8225640" cy="1139040"/>
+            <a:ext cx="8225280" cy="1138680"/>
           </a:xfrm>
           <a:prstGeom prst="rect">
             <a:avLst/>
@@ -6970,7 +7003,7 @@
         <p:spPr>
           <a:xfrm>
             <a:off x="457200" y="274680"/>
-            <a:ext cx="8225640" cy="1139040"/>
+            <a:ext cx="8225280" cy="1138680"/>
           </a:xfrm>
           <a:prstGeom prst="rect">
             <a:avLst/>
@@ -8017,7 +8050,7 @@
                           <a:latin typeface="Arial"/>
                           <a:ea typeface="DejaVu Sans"/>
                         </a:rPr>
-                        <a:t>25/05/2017</a:t>
+                        <a:t>11/05/2017</a:t>
                       </a:r>
                       <a:endParaRPr b="0" lang="pt-BR" sz="1800" spc="-1" strike="noStrike">
                         <a:solidFill>
@@ -9409,7 +9442,7 @@
         <p:spPr>
           <a:xfrm>
             <a:off x="457200" y="274680"/>
-            <a:ext cx="8225640" cy="1139040"/>
+            <a:ext cx="8225280" cy="1138680"/>
           </a:xfrm>
           <a:prstGeom prst="rect">
             <a:avLst/>
@@ -9470,7 +9503,7 @@
         </p:nvGraphicFramePr>
         <p:xfrm>
           <a:off x="755640" y="1253880"/>
-          <a:ext cx="7848000" cy="1668960"/>
+          <a:ext cx="7847640" cy="1668960"/>
         </p:xfrm>
         <a:graphic>
           <a:graphicData uri="http://schemas.openxmlformats.org/drawingml/2006/table">
@@ -10324,7 +10357,7 @@
         <p:spPr>
           <a:xfrm>
             <a:off x="457200" y="274680"/>
-            <a:ext cx="8225640" cy="1139040"/>
+            <a:ext cx="8225280" cy="1138680"/>
           </a:xfrm>
           <a:prstGeom prst="rect">
             <a:avLst/>
@@ -10386,7 +10419,7 @@
         <p:spPr>
           <a:xfrm>
             <a:off x="457200" y="1600200"/>
-            <a:ext cx="8225640" cy="4521960"/>
+            <a:ext cx="8225280" cy="4521600"/>
           </a:xfrm>
           <a:prstGeom prst="rect">
             <a:avLst/>
@@ -10423,7 +10456,7 @@
             </a:endParaRPr>
           </a:p>
           <a:p>
-            <a:pPr marL="343080" indent="-339120" algn="just">
+            <a:pPr marL="343080" indent="-338760" algn="just">
               <a:lnSpc>
                 <a:spcPct val="100000"/>
               </a:lnSpc>
@@ -10479,7 +10512,7 @@
             </a:endParaRPr>
           </a:p>
           <a:p>
-            <a:pPr marL="343080" indent="-339120" algn="just">
+            <a:pPr marL="343080" indent="-338760" algn="just">
               <a:lnSpc>
                 <a:spcPct val="100000"/>
               </a:lnSpc>
@@ -10612,7 +10645,7 @@
         <p:spPr>
           <a:xfrm>
             <a:off x="457200" y="274680"/>
-            <a:ext cx="8225640" cy="1139040"/>
+            <a:ext cx="8225280" cy="1138680"/>
           </a:xfrm>
           <a:prstGeom prst="rect">
             <a:avLst/>
@@ -10674,7 +10707,7 @@
         <p:spPr>
           <a:xfrm>
             <a:off x="457200" y="1600200"/>
-            <a:ext cx="8225640" cy="4521960"/>
+            <a:ext cx="8225280" cy="4521600"/>
           </a:xfrm>
           <a:prstGeom prst="rect">
             <a:avLst/>
@@ -10693,7 +10726,7 @@
         <p:txBody>
           <a:bodyPr lIns="90000" rIns="90000" tIns="45000" bIns="45000"/>
           <a:p>
-            <a:pPr marL="343080" indent="-339120" algn="just">
+            <a:pPr marL="343080" indent="-338760" algn="just">
               <a:lnSpc>
                 <a:spcPct val="100000"/>
               </a:lnSpc>
@@ -10731,7 +10764,7 @@
             </a:endParaRPr>
           </a:p>
           <a:p>
-            <a:pPr marL="343080" indent="-339120">
+            <a:pPr marL="343080" indent="-338760">
               <a:lnSpc>
                 <a:spcPct val="100000"/>
               </a:lnSpc>
@@ -10891,7 +10924,7 @@
         <p:spPr>
           <a:xfrm>
             <a:off x="457200" y="274680"/>
-            <a:ext cx="8225640" cy="1139040"/>
+            <a:ext cx="8225280" cy="1138680"/>
           </a:xfrm>
           <a:prstGeom prst="rect">
             <a:avLst/>
@@ -12048,7 +12081,7 @@
         <p:spPr>
           <a:xfrm>
             <a:off x="457200" y="274680"/>
-            <a:ext cx="8225640" cy="1139040"/>
+            <a:ext cx="8225280" cy="1138680"/>
           </a:xfrm>
           <a:prstGeom prst="rect">
             <a:avLst/>
@@ -13077,7 +13110,7 @@
         <p:spPr>
           <a:xfrm>
             <a:off x="457200" y="274680"/>
-            <a:ext cx="8225640" cy="1139040"/>
+            <a:ext cx="8225280" cy="1138680"/>
           </a:xfrm>
           <a:prstGeom prst="rect">
             <a:avLst/>
@@ -13139,7 +13172,7 @@
         <p:spPr>
           <a:xfrm>
             <a:off x="457200" y="1600200"/>
-            <a:ext cx="8225640" cy="4521960"/>
+            <a:ext cx="8225280" cy="4521600"/>
           </a:xfrm>
           <a:prstGeom prst="rect">
             <a:avLst/>
@@ -13158,7 +13191,7 @@
         <p:txBody>
           <a:bodyPr lIns="90000" rIns="90000" tIns="45000" bIns="45000"/>
           <a:p>
-            <a:pPr marL="343080" indent="-339120">
+            <a:pPr marL="343080" indent="-338760">
               <a:lnSpc>
                 <a:spcPct val="100000"/>
               </a:lnSpc>
@@ -13196,7 +13229,7 @@
             </a:endParaRPr>
           </a:p>
           <a:p>
-            <a:pPr marL="343080" indent="-339120">
+            <a:pPr marL="343080" indent="-338760">
               <a:lnSpc>
                 <a:spcPct val="100000"/>
               </a:lnSpc>
@@ -13234,7 +13267,7 @@
             </a:endParaRPr>
           </a:p>
           <a:p>
-            <a:pPr marL="343080" indent="-339120">
+            <a:pPr marL="343080" indent="-338760">
               <a:lnSpc>
                 <a:spcPct val="100000"/>
               </a:lnSpc>
@@ -13272,7 +13305,7 @@
             </a:endParaRPr>
           </a:p>
           <a:p>
-            <a:pPr marL="343080" indent="-339120">
+            <a:pPr marL="343080" indent="-338760">
               <a:lnSpc>
                 <a:spcPct val="100000"/>
               </a:lnSpc>
@@ -13310,7 +13343,7 @@
             </a:endParaRPr>
           </a:p>
           <a:p>
-            <a:pPr marL="343080" indent="-339120">
+            <a:pPr marL="343080" indent="-338760">
               <a:lnSpc>
                 <a:spcPct val="100000"/>
               </a:lnSpc>
@@ -13348,7 +13381,7 @@
             </a:endParaRPr>
           </a:p>
           <a:p>
-            <a:pPr marL="343080" indent="-339120">
+            <a:pPr marL="343080" indent="-338760">
               <a:lnSpc>
                 <a:spcPct val="100000"/>
               </a:lnSpc>
@@ -13386,7 +13419,7 @@
             </a:endParaRPr>
           </a:p>
           <a:p>
-            <a:pPr marL="343080" indent="-339120">
+            <a:pPr marL="343080" indent="-338760">
               <a:lnSpc>
                 <a:spcPct val="100000"/>
               </a:lnSpc>
@@ -13501,7 +13534,7 @@
         <p:spPr>
           <a:xfrm>
             <a:off x="457200" y="274680"/>
-            <a:ext cx="8224200" cy="1137600"/>
+            <a:ext cx="8223840" cy="1137240"/>
           </a:xfrm>
           <a:prstGeom prst="rect">
             <a:avLst/>
@@ -13563,7 +13596,7 @@
         <p:spPr>
           <a:xfrm>
             <a:off x="457200" y="1600200"/>
-            <a:ext cx="8224200" cy="4520520"/>
+            <a:ext cx="8223840" cy="4520160"/>
           </a:xfrm>
           <a:prstGeom prst="rect">
             <a:avLst/>
@@ -13582,7 +13615,7 @@
         <p:txBody>
           <a:bodyPr lIns="90000" rIns="90000" tIns="45000" bIns="45000"/>
           <a:p>
-            <a:pPr marL="343080" indent="-337680" algn="just">
+            <a:pPr marL="343080" indent="-337320" algn="just">
               <a:lnSpc>
                 <a:spcPct val="100000"/>
               </a:lnSpc>
@@ -13620,7 +13653,7 @@
             </a:endParaRPr>
           </a:p>
           <a:p>
-            <a:pPr lvl="1" marL="864000" indent="-318960" algn="just">
+            <a:pPr lvl="1" marL="864000" indent="-318600" algn="just">
               <a:lnSpc>
                 <a:spcPct val="100000"/>
               </a:lnSpc>
@@ -13718,7 +13751,7 @@
         <p:spPr>
           <a:xfrm>
             <a:off x="457200" y="274680"/>
-            <a:ext cx="8224200" cy="1137600"/>
+            <a:ext cx="8223840" cy="1137240"/>
           </a:xfrm>
           <a:prstGeom prst="rect">
             <a:avLst/>
@@ -13780,7 +13813,7 @@
         <p:spPr>
           <a:xfrm>
             <a:off x="457200" y="1600200"/>
-            <a:ext cx="8224200" cy="4520520"/>
+            <a:ext cx="8223840" cy="4520160"/>
           </a:xfrm>
           <a:prstGeom prst="rect">
             <a:avLst/>
@@ -13799,7 +13832,7 @@
         <p:txBody>
           <a:bodyPr lIns="90000" rIns="90000" tIns="45000" bIns="45000"/>
           <a:p>
-            <a:pPr marL="343080" indent="-337680" algn="just">
+            <a:pPr marL="343080" indent="-337320" algn="just">
               <a:lnSpc>
                 <a:spcPct val="100000"/>
               </a:lnSpc>
@@ -13837,7 +13870,7 @@
             </a:endParaRPr>
           </a:p>
           <a:p>
-            <a:pPr lvl="1" marL="864000" indent="-318960" algn="just">
+            <a:pPr lvl="1" marL="864000" indent="-318600" algn="just">
               <a:lnSpc>
                 <a:spcPct val="100000"/>
               </a:lnSpc>
@@ -13935,7 +13968,7 @@
         <p:spPr>
           <a:xfrm>
             <a:off x="457200" y="274680"/>
-            <a:ext cx="8224200" cy="1137600"/>
+            <a:ext cx="8223840" cy="1137240"/>
           </a:xfrm>
           <a:prstGeom prst="rect">
             <a:avLst/>
@@ -13997,7 +14030,7 @@
         <p:spPr>
           <a:xfrm>
             <a:off x="457200" y="1600200"/>
-            <a:ext cx="8224200" cy="4520520"/>
+            <a:ext cx="8223840" cy="4520160"/>
           </a:xfrm>
           <a:prstGeom prst="rect">
             <a:avLst/>
@@ -14016,7 +14049,7 @@
         <p:txBody>
           <a:bodyPr lIns="90000" rIns="90000" tIns="45000" bIns="45000"/>
           <a:p>
-            <a:pPr marL="343080" indent="-337680" algn="just">
+            <a:pPr marL="343080" indent="-337320" algn="just">
               <a:lnSpc>
                 <a:spcPct val="100000"/>
               </a:lnSpc>
@@ -14054,7 +14087,7 @@
             </a:endParaRPr>
           </a:p>
           <a:p>
-            <a:pPr lvl="1" marL="864000" indent="-318960" algn="just">
+            <a:pPr lvl="1" marL="864000" indent="-318600" algn="just">
               <a:lnSpc>
                 <a:spcPct val="100000"/>
               </a:lnSpc>
@@ -14152,7 +14185,7 @@
         <p:spPr>
           <a:xfrm>
             <a:off x="457200" y="274680"/>
-            <a:ext cx="8224200" cy="1137600"/>
+            <a:ext cx="8223840" cy="1137240"/>
           </a:xfrm>
           <a:prstGeom prst="rect">
             <a:avLst/>
@@ -14214,7 +14247,7 @@
         <p:spPr>
           <a:xfrm>
             <a:off x="457200" y="1600200"/>
-            <a:ext cx="8224200" cy="4520520"/>
+            <a:ext cx="8223840" cy="4520160"/>
           </a:xfrm>
           <a:prstGeom prst="rect">
             <a:avLst/>
@@ -14233,7 +14266,7 @@
         <p:txBody>
           <a:bodyPr lIns="90000" rIns="90000" tIns="45000" bIns="45000"/>
           <a:p>
-            <a:pPr marL="343080" indent="-337680" algn="just">
+            <a:pPr marL="343080" indent="-337320" algn="just">
               <a:lnSpc>
                 <a:spcPct val="100000"/>
               </a:lnSpc>
@@ -14271,7 +14304,7 @@
             </a:endParaRPr>
           </a:p>
           <a:p>
-            <a:pPr lvl="1" marL="864000" indent="-318960" algn="just">
+            <a:pPr lvl="1" marL="864000" indent="-318600" algn="just">
               <a:lnSpc>
                 <a:spcPct val="100000"/>
               </a:lnSpc>
@@ -14369,7 +14402,7 @@
         <p:spPr>
           <a:xfrm>
             <a:off x="457200" y="274680"/>
-            <a:ext cx="8224200" cy="1137600"/>
+            <a:ext cx="8223840" cy="1137240"/>
           </a:xfrm>
           <a:prstGeom prst="rect">
             <a:avLst/>
@@ -14431,7 +14464,7 @@
         <p:spPr>
           <a:xfrm>
             <a:off x="457200" y="1600200"/>
-            <a:ext cx="8224200" cy="4520520"/>
+            <a:ext cx="8223840" cy="4520160"/>
           </a:xfrm>
           <a:prstGeom prst="rect">
             <a:avLst/>
@@ -14450,7 +14483,7 @@
         <p:txBody>
           <a:bodyPr lIns="90000" rIns="90000" tIns="45000" bIns="45000"/>
           <a:p>
-            <a:pPr marL="343080" indent="-337680" algn="just">
+            <a:pPr marL="343080" indent="-337320" algn="just">
               <a:lnSpc>
                 <a:spcPct val="100000"/>
               </a:lnSpc>
@@ -14488,7 +14521,7 @@
             </a:endParaRPr>
           </a:p>
           <a:p>
-            <a:pPr lvl="1" marL="864000" indent="-318960" algn="just">
+            <a:pPr lvl="1" marL="864000" indent="-318600" algn="just">
               <a:lnSpc>
                 <a:spcPct val="100000"/>
               </a:lnSpc>
@@ -14527,7 +14560,7 @@
             </a:endParaRPr>
           </a:p>
           <a:p>
-            <a:pPr lvl="1" marL="864000" indent="-318960" algn="just">
+            <a:pPr lvl="1" marL="864000" indent="-318600" algn="just">
               <a:lnSpc>
                 <a:spcPct val="100000"/>
               </a:lnSpc>
@@ -14625,7 +14658,7 @@
         <p:spPr>
           <a:xfrm>
             <a:off x="457200" y="274680"/>
-            <a:ext cx="8224200" cy="1137600"/>
+            <a:ext cx="8223840" cy="1137240"/>
           </a:xfrm>
           <a:prstGeom prst="rect">
             <a:avLst/>
@@ -14687,7 +14720,7 @@
         <p:spPr>
           <a:xfrm>
             <a:off x="457200" y="1600200"/>
-            <a:ext cx="8224200" cy="4520520"/>
+            <a:ext cx="8223840" cy="4520160"/>
           </a:xfrm>
           <a:prstGeom prst="rect">
             <a:avLst/>
@@ -14706,7 +14739,7 @@
         <p:txBody>
           <a:bodyPr lIns="90000" rIns="90000" tIns="45000" bIns="45000"/>
           <a:p>
-            <a:pPr marL="343080" indent="-337680" algn="just">
+            <a:pPr marL="343080" indent="-337320" algn="just">
               <a:lnSpc>
                 <a:spcPct val="100000"/>
               </a:lnSpc>
@@ -14744,7 +14777,7 @@
             </a:endParaRPr>
           </a:p>
           <a:p>
-            <a:pPr lvl="1" marL="864000" indent="-318960" algn="just">
+            <a:pPr lvl="1" marL="864000" indent="-318600" algn="just">
               <a:lnSpc>
                 <a:spcPct val="100000"/>
               </a:lnSpc>
@@ -14783,7 +14816,7 @@
             </a:endParaRPr>
           </a:p>
           <a:p>
-            <a:pPr lvl="1" marL="864000" indent="-318960" algn="just">
+            <a:pPr lvl="1" marL="864000" indent="-318600" algn="just">
               <a:lnSpc>
                 <a:spcPct val="100000"/>
               </a:lnSpc>
@@ -14881,7 +14914,7 @@
         <p:spPr>
           <a:xfrm>
             <a:off x="457200" y="274680"/>
-            <a:ext cx="8225640" cy="1139040"/>
+            <a:ext cx="8225280" cy="1138680"/>
           </a:xfrm>
           <a:prstGeom prst="rect">
             <a:avLst/>
